--- a/자바2_수업/자바2.pptx
+++ b/자바2_수업/자바2.pptx
@@ -10,36 +10,37 @@
     <p:sldId id="273" r:id="rId4"/>
     <p:sldId id="275" r:id="rId5"/>
     <p:sldId id="274" r:id="rId6"/>
-    <p:sldId id="286" r:id="rId7"/>
-    <p:sldId id="292" r:id="rId8"/>
-    <p:sldId id="293" r:id="rId9"/>
-    <p:sldId id="294" r:id="rId10"/>
-    <p:sldId id="288" r:id="rId11"/>
-    <p:sldId id="257" r:id="rId12"/>
-    <p:sldId id="268" r:id="rId13"/>
-    <p:sldId id="258" r:id="rId14"/>
-    <p:sldId id="267" r:id="rId15"/>
-    <p:sldId id="269" r:id="rId16"/>
-    <p:sldId id="259" r:id="rId17"/>
-    <p:sldId id="260" r:id="rId18"/>
-    <p:sldId id="270" r:id="rId19"/>
-    <p:sldId id="261" r:id="rId20"/>
-    <p:sldId id="262" r:id="rId21"/>
-    <p:sldId id="263" r:id="rId22"/>
-    <p:sldId id="264" r:id="rId23"/>
-    <p:sldId id="279" r:id="rId24"/>
-    <p:sldId id="280" r:id="rId25"/>
-    <p:sldId id="281" r:id="rId26"/>
-    <p:sldId id="282" r:id="rId27"/>
-    <p:sldId id="265" r:id="rId28"/>
-    <p:sldId id="266" r:id="rId29"/>
-    <p:sldId id="276" r:id="rId30"/>
-    <p:sldId id="283" r:id="rId31"/>
-    <p:sldId id="277" r:id="rId32"/>
-    <p:sldId id="278" r:id="rId33"/>
-    <p:sldId id="289" r:id="rId34"/>
-    <p:sldId id="291" r:id="rId35"/>
-    <p:sldId id="290" r:id="rId36"/>
+    <p:sldId id="295" r:id="rId7"/>
+    <p:sldId id="286" r:id="rId8"/>
+    <p:sldId id="292" r:id="rId9"/>
+    <p:sldId id="293" r:id="rId10"/>
+    <p:sldId id="294" r:id="rId11"/>
+    <p:sldId id="288" r:id="rId12"/>
+    <p:sldId id="257" r:id="rId13"/>
+    <p:sldId id="268" r:id="rId14"/>
+    <p:sldId id="258" r:id="rId15"/>
+    <p:sldId id="267" r:id="rId16"/>
+    <p:sldId id="269" r:id="rId17"/>
+    <p:sldId id="259" r:id="rId18"/>
+    <p:sldId id="260" r:id="rId19"/>
+    <p:sldId id="270" r:id="rId20"/>
+    <p:sldId id="261" r:id="rId21"/>
+    <p:sldId id="262" r:id="rId22"/>
+    <p:sldId id="263" r:id="rId23"/>
+    <p:sldId id="264" r:id="rId24"/>
+    <p:sldId id="279" r:id="rId25"/>
+    <p:sldId id="280" r:id="rId26"/>
+    <p:sldId id="281" r:id="rId27"/>
+    <p:sldId id="282" r:id="rId28"/>
+    <p:sldId id="265" r:id="rId29"/>
+    <p:sldId id="266" r:id="rId30"/>
+    <p:sldId id="276" r:id="rId31"/>
+    <p:sldId id="283" r:id="rId32"/>
+    <p:sldId id="277" r:id="rId33"/>
+    <p:sldId id="278" r:id="rId34"/>
+    <p:sldId id="289" r:id="rId35"/>
+    <p:sldId id="291" r:id="rId36"/>
+    <p:sldId id="290" r:id="rId37"/>
   </p:sldIdLst>
   <p:sldSz cx="12192000" cy="6858000"/>
   <p:notesSz cx="6858000" cy="9144000"/>
@@ -277,7 +278,7 @@
           <a:p>
             <a:fld id="{18C432C1-1B22-4CB4-AC67-0D9512F350BF}" type="datetimeFigureOut">
               <a:rPr lang="ko-KR" altLang="en-US" smtClean="0"/>
-              <a:t>2023-09-24</a:t>
+              <a:t>2024-04-08</a:t>
             </a:fld>
             <a:endParaRPr lang="ko-KR" altLang="en-US"/>
           </a:p>
@@ -447,7 +448,7 @@
           <a:p>
             <a:fld id="{18C432C1-1B22-4CB4-AC67-0D9512F350BF}" type="datetimeFigureOut">
               <a:rPr lang="ko-KR" altLang="en-US" smtClean="0"/>
-              <a:t>2023-09-24</a:t>
+              <a:t>2024-04-08</a:t>
             </a:fld>
             <a:endParaRPr lang="ko-KR" altLang="en-US"/>
           </a:p>
@@ -627,7 +628,7 @@
           <a:p>
             <a:fld id="{18C432C1-1B22-4CB4-AC67-0D9512F350BF}" type="datetimeFigureOut">
               <a:rPr lang="ko-KR" altLang="en-US" smtClean="0"/>
-              <a:t>2023-09-24</a:t>
+              <a:t>2024-04-08</a:t>
             </a:fld>
             <a:endParaRPr lang="ko-KR" altLang="en-US"/>
           </a:p>
@@ -797,7 +798,7 @@
           <a:p>
             <a:fld id="{18C432C1-1B22-4CB4-AC67-0D9512F350BF}" type="datetimeFigureOut">
               <a:rPr lang="ko-KR" altLang="en-US" smtClean="0"/>
-              <a:t>2023-09-24</a:t>
+              <a:t>2024-04-08</a:t>
             </a:fld>
             <a:endParaRPr lang="ko-KR" altLang="en-US"/>
           </a:p>
@@ -1043,7 +1044,7 @@
           <a:p>
             <a:fld id="{18C432C1-1B22-4CB4-AC67-0D9512F350BF}" type="datetimeFigureOut">
               <a:rPr lang="ko-KR" altLang="en-US" smtClean="0"/>
-              <a:t>2023-09-24</a:t>
+              <a:t>2024-04-08</a:t>
             </a:fld>
             <a:endParaRPr lang="ko-KR" altLang="en-US"/>
           </a:p>
@@ -1275,7 +1276,7 @@
           <a:p>
             <a:fld id="{18C432C1-1B22-4CB4-AC67-0D9512F350BF}" type="datetimeFigureOut">
               <a:rPr lang="ko-KR" altLang="en-US" smtClean="0"/>
-              <a:t>2023-09-24</a:t>
+              <a:t>2024-04-08</a:t>
             </a:fld>
             <a:endParaRPr lang="ko-KR" altLang="en-US"/>
           </a:p>
@@ -1642,7 +1643,7 @@
           <a:p>
             <a:fld id="{18C432C1-1B22-4CB4-AC67-0D9512F350BF}" type="datetimeFigureOut">
               <a:rPr lang="ko-KR" altLang="en-US" smtClean="0"/>
-              <a:t>2023-09-24</a:t>
+              <a:t>2024-04-08</a:t>
             </a:fld>
             <a:endParaRPr lang="ko-KR" altLang="en-US"/>
           </a:p>
@@ -1760,7 +1761,7 @@
           <a:p>
             <a:fld id="{18C432C1-1B22-4CB4-AC67-0D9512F350BF}" type="datetimeFigureOut">
               <a:rPr lang="ko-KR" altLang="en-US" smtClean="0"/>
-              <a:t>2023-09-24</a:t>
+              <a:t>2024-04-08</a:t>
             </a:fld>
             <a:endParaRPr lang="ko-KR" altLang="en-US"/>
           </a:p>
@@ -1855,7 +1856,7 @@
           <a:p>
             <a:fld id="{18C432C1-1B22-4CB4-AC67-0D9512F350BF}" type="datetimeFigureOut">
               <a:rPr lang="ko-KR" altLang="en-US" smtClean="0"/>
-              <a:t>2023-09-24</a:t>
+              <a:t>2024-04-08</a:t>
             </a:fld>
             <a:endParaRPr lang="ko-KR" altLang="en-US"/>
           </a:p>
@@ -2132,7 +2133,7 @@
           <a:p>
             <a:fld id="{18C432C1-1B22-4CB4-AC67-0D9512F350BF}" type="datetimeFigureOut">
               <a:rPr lang="ko-KR" altLang="en-US" smtClean="0"/>
-              <a:t>2023-09-24</a:t>
+              <a:t>2024-04-08</a:t>
             </a:fld>
             <a:endParaRPr lang="ko-KR" altLang="en-US"/>
           </a:p>
@@ -2385,7 +2386,7 @@
           <a:p>
             <a:fld id="{18C432C1-1B22-4CB4-AC67-0D9512F350BF}" type="datetimeFigureOut">
               <a:rPr lang="ko-KR" altLang="en-US" smtClean="0"/>
-              <a:t>2023-09-24</a:t>
+              <a:t>2024-04-08</a:t>
             </a:fld>
             <a:endParaRPr lang="ko-KR" altLang="en-US"/>
           </a:p>
@@ -2598,7 +2599,7 @@
           <a:p>
             <a:fld id="{18C432C1-1B22-4CB4-AC67-0D9512F350BF}" type="datetimeFigureOut">
               <a:rPr lang="ko-KR" altLang="en-US" smtClean="0"/>
-              <a:t>2023-09-24</a:t>
+              <a:t>2024-04-08</a:t>
             </a:fld>
             <a:endParaRPr lang="ko-KR" altLang="en-US"/>
           </a:p>
@@ -3079,6 +3080,550 @@
         </p:nvSpPr>
         <p:spPr>
           <a:xfrm>
+            <a:off x="926511" y="0"/>
+            <a:ext cx="9265113" cy="6788360"/>
+          </a:xfrm>
+          <a:prstGeom prst="rect">
+            <a:avLst/>
+          </a:prstGeom>
+        </p:spPr>
+        <p:style>
+          <a:lnRef idx="2">
+            <a:schemeClr val="accent6"/>
+          </a:lnRef>
+          <a:fillRef idx="1">
+            <a:schemeClr val="lt1"/>
+          </a:fillRef>
+          <a:effectRef idx="0">
+            <a:schemeClr val="accent6"/>
+          </a:effectRef>
+          <a:fontRef idx="minor">
+            <a:schemeClr val="dk1"/>
+          </a:fontRef>
+        </p:style>
+        <p:txBody>
+          <a:bodyPr rtlCol="0" anchor="ctr"/>
+          <a:lstStyle/>
+          <a:p>
+            <a:endParaRPr lang="en-US" altLang="ko-KR" sz="1200" dirty="0"/>
+          </a:p>
+          <a:p>
+            <a:r>
+              <a:rPr lang="en-US" altLang="ko-KR" sz="1200" dirty="0"/>
+              <a:t>public class </a:t>
+            </a:r>
+            <a:r>
+              <a:rPr lang="en-US" altLang="ko-KR" sz="1200" dirty="0" err="1"/>
+              <a:t>ArrayListTest</a:t>
+            </a:r>
+            <a:r>
+              <a:rPr lang="en-US" altLang="ko-KR" sz="1200" dirty="0"/>
+              <a:t> {</a:t>
+            </a:r>
+          </a:p>
+          <a:p>
+            <a:endParaRPr lang="en-US" altLang="ko-KR" sz="1200" dirty="0"/>
+          </a:p>
+          <a:p>
+            <a:r>
+              <a:rPr lang="en-US" altLang="ko-KR" sz="1200" dirty="0"/>
+              <a:t>	public static void main(String[] </a:t>
+            </a:r>
+            <a:r>
+              <a:rPr lang="en-US" altLang="ko-KR" sz="1200" dirty="0" err="1"/>
+              <a:t>args</a:t>
+            </a:r>
+            <a:r>
+              <a:rPr lang="en-US" altLang="ko-KR" sz="1200" dirty="0"/>
+              <a:t>) {		</a:t>
+            </a:r>
+          </a:p>
+          <a:p>
+            <a:r>
+              <a:rPr lang="en-US" altLang="ko-KR" sz="1200" dirty="0"/>
+              <a:t>		</a:t>
+            </a:r>
+            <a:r>
+              <a:rPr lang="en-US" altLang="ko-KR" sz="1200" dirty="0" err="1"/>
+              <a:t>ArrayList</a:t>
+            </a:r>
+            <a:r>
+              <a:rPr lang="en-US" altLang="ko-KR" sz="1200" dirty="0"/>
+              <a:t>&lt;String&gt; list = new </a:t>
+            </a:r>
+            <a:r>
+              <a:rPr lang="en-US" altLang="ko-KR" sz="1200" dirty="0" err="1"/>
+              <a:t>ArrayList</a:t>
+            </a:r>
+            <a:r>
+              <a:rPr lang="en-US" altLang="ko-KR" sz="1200" dirty="0"/>
+              <a:t>&lt;&gt;();</a:t>
+            </a:r>
+          </a:p>
+          <a:p>
+            <a:r>
+              <a:rPr lang="en-US" altLang="ko-KR" sz="1200" dirty="0"/>
+              <a:t>		</a:t>
+            </a:r>
+            <a:r>
+              <a:rPr lang="en-US" altLang="ko-KR" sz="1200" dirty="0" err="1"/>
+              <a:t>list.add</a:t>
+            </a:r>
+            <a:r>
+              <a:rPr lang="en-US" altLang="ko-KR" sz="1200" dirty="0"/>
+              <a:t>("one");</a:t>
+            </a:r>
+          </a:p>
+          <a:p>
+            <a:r>
+              <a:rPr lang="en-US" altLang="ko-KR" sz="1200" dirty="0"/>
+              <a:t>		</a:t>
+            </a:r>
+            <a:r>
+              <a:rPr lang="en-US" altLang="ko-KR" sz="1200" dirty="0" err="1"/>
+              <a:t>list.add</a:t>
+            </a:r>
+            <a:r>
+              <a:rPr lang="en-US" altLang="ko-KR" sz="1200" dirty="0"/>
+              <a:t>("two");</a:t>
+            </a:r>
+          </a:p>
+          <a:p>
+            <a:r>
+              <a:rPr lang="en-US" altLang="ko-KR" sz="1200" dirty="0"/>
+              <a:t>		print( list); 	</a:t>
+            </a:r>
+          </a:p>
+          <a:p>
+            <a:r>
+              <a:rPr lang="en-US" altLang="ko-KR" sz="1200" dirty="0"/>
+              <a:t>		</a:t>
+            </a:r>
+          </a:p>
+          <a:p>
+            <a:r>
+              <a:rPr lang="en-US" altLang="ko-KR" sz="1200" dirty="0"/>
+              <a:t>		 </a:t>
+            </a:r>
+          </a:p>
+          <a:p>
+            <a:r>
+              <a:rPr lang="en-US" altLang="ko-KR" sz="1200" dirty="0"/>
+              <a:t>		</a:t>
+            </a:r>
+            <a:r>
+              <a:rPr lang="en-US" altLang="ko-KR" sz="1200" dirty="0" err="1"/>
+              <a:t>ArrayList</a:t>
+            </a:r>
+            <a:r>
+              <a:rPr lang="en-US" altLang="ko-KR" sz="1200" dirty="0"/>
+              <a:t>&lt;Object&gt; list2 = new </a:t>
+            </a:r>
+            <a:r>
+              <a:rPr lang="en-US" altLang="ko-KR" sz="1200" dirty="0" err="1"/>
+              <a:t>ArrayList</a:t>
+            </a:r>
+            <a:r>
+              <a:rPr lang="en-US" altLang="ko-KR" sz="1200" dirty="0"/>
+              <a:t>&lt;&gt;();</a:t>
+            </a:r>
+          </a:p>
+          <a:p>
+            <a:r>
+              <a:rPr lang="en-US" altLang="ko-KR" sz="1200" dirty="0"/>
+              <a:t>		</a:t>
+            </a:r>
+            <a:r>
+              <a:rPr lang="en-US" altLang="ko-KR" sz="1200" dirty="0" err="1"/>
+              <a:t>list.add</a:t>
+            </a:r>
+            <a:r>
+              <a:rPr lang="en-US" altLang="ko-KR" sz="1200" dirty="0"/>
+              <a:t>("one");</a:t>
+            </a:r>
+          </a:p>
+          <a:p>
+            <a:r>
+              <a:rPr lang="en-US" altLang="ko-KR" sz="1200" dirty="0"/>
+              <a:t>		</a:t>
+            </a:r>
+            <a:r>
+              <a:rPr lang="en-US" altLang="ko-KR" sz="1200" dirty="0" err="1"/>
+              <a:t>list.add</a:t>
+            </a:r>
+            <a:r>
+              <a:rPr lang="en-US" altLang="ko-KR" sz="1200" dirty="0"/>
+              <a:t>("two");</a:t>
+            </a:r>
+          </a:p>
+          <a:p>
+            <a:r>
+              <a:rPr lang="en-US" altLang="ko-KR" sz="1200" dirty="0"/>
+              <a:t>		</a:t>
+            </a:r>
+          </a:p>
+          <a:p>
+            <a:r>
+              <a:rPr lang="en-US" altLang="ko-KR" sz="1200" dirty="0"/>
+              <a:t>		</a:t>
+            </a:r>
+          </a:p>
+          <a:p>
+            <a:r>
+              <a:rPr lang="en-US" altLang="ko-KR" sz="1200" dirty="0"/>
+              <a:t>		print ( list2); 	</a:t>
+            </a:r>
+          </a:p>
+          <a:p>
+            <a:r>
+              <a:rPr lang="en-US" altLang="ko-KR" sz="1200" dirty="0"/>
+              <a:t>		//print2( list2); 	</a:t>
+            </a:r>
+          </a:p>
+          <a:p>
+            <a:r>
+              <a:rPr lang="en-US" altLang="ko-KR" sz="1200" dirty="0"/>
+              <a:t>		</a:t>
+            </a:r>
+          </a:p>
+          <a:p>
+            <a:r>
+              <a:rPr lang="en-US" altLang="ko-KR" sz="1200" dirty="0"/>
+              <a:t>		 </a:t>
+            </a:r>
+          </a:p>
+          <a:p>
+            <a:r>
+              <a:rPr lang="en-US" altLang="ko-KR" sz="1200" dirty="0"/>
+              <a:t>	}</a:t>
+            </a:r>
+          </a:p>
+          <a:p>
+            <a:endParaRPr lang="en-US" altLang="ko-KR" sz="1200" dirty="0"/>
+          </a:p>
+          <a:p>
+            <a:r>
+              <a:rPr lang="en-US" altLang="ko-KR" sz="1200" dirty="0"/>
+              <a:t>	</a:t>
+            </a:r>
+          </a:p>
+          <a:p>
+            <a:r>
+              <a:rPr lang="en-US" altLang="ko-KR" sz="1200" dirty="0"/>
+              <a:t>	</a:t>
+            </a:r>
+          </a:p>
+          <a:p>
+            <a:r>
+              <a:rPr lang="en-US" altLang="ko-KR" sz="1200" dirty="0"/>
+              <a:t>	public	  static void print( </a:t>
+            </a:r>
+            <a:r>
+              <a:rPr lang="en-US" altLang="ko-KR" sz="1200" dirty="0" err="1">
+                <a:solidFill>
+                  <a:srgbClr val="0070C0"/>
+                </a:solidFill>
+              </a:rPr>
+              <a:t>ArrayList</a:t>
+            </a:r>
+            <a:r>
+              <a:rPr lang="en-US" altLang="ko-KR" sz="1200" dirty="0">
+                <a:solidFill>
+                  <a:srgbClr val="0070C0"/>
+                </a:solidFill>
+              </a:rPr>
+              <a:t>&lt; ? super  String&gt; list</a:t>
+            </a:r>
+            <a:r>
+              <a:rPr lang="en-US" altLang="ko-KR" sz="1200" dirty="0"/>
+              <a:t>) {		</a:t>
+            </a:r>
+          </a:p>
+          <a:p>
+            <a:r>
+              <a:rPr lang="en-US" altLang="ko-KR" sz="1200" dirty="0"/>
+              <a:t>		</a:t>
+            </a:r>
+            <a:r>
+              <a:rPr lang="en-US" altLang="ko-KR" sz="1200" dirty="0" err="1"/>
+              <a:t>list.forEach</a:t>
+            </a:r>
+            <a:r>
+              <a:rPr lang="en-US" altLang="ko-KR" sz="1200" dirty="0"/>
+              <a:t>( </a:t>
+            </a:r>
+            <a:r>
+              <a:rPr lang="en-US" altLang="ko-KR" sz="1200" dirty="0" err="1"/>
+              <a:t>str</a:t>
+            </a:r>
+            <a:r>
+              <a:rPr lang="en-US" altLang="ko-KR" sz="1200" dirty="0"/>
+              <a:t> -&gt; </a:t>
+            </a:r>
+            <a:r>
+              <a:rPr lang="en-US" altLang="ko-KR" sz="1200" dirty="0" err="1"/>
+              <a:t>System.out.println</a:t>
+            </a:r>
+            <a:r>
+              <a:rPr lang="en-US" altLang="ko-KR" sz="1200" dirty="0"/>
+              <a:t>(</a:t>
+            </a:r>
+            <a:r>
+              <a:rPr lang="en-US" altLang="ko-KR" sz="1200" dirty="0" err="1"/>
+              <a:t>str</a:t>
+            </a:r>
+            <a:r>
+              <a:rPr lang="en-US" altLang="ko-KR" sz="1200" dirty="0"/>
+              <a:t>));		</a:t>
+            </a:r>
+          </a:p>
+          <a:p>
+            <a:r>
+              <a:rPr lang="en-US" altLang="ko-KR" sz="1200" dirty="0"/>
+              <a:t>	}</a:t>
+            </a:r>
+          </a:p>
+          <a:p>
+            <a:r>
+              <a:rPr lang="en-US" altLang="ko-KR" sz="1200" dirty="0"/>
+              <a:t>	</a:t>
+            </a:r>
+          </a:p>
+          <a:p>
+            <a:r>
+              <a:rPr lang="en-US" altLang="ko-KR" sz="1200" dirty="0"/>
+              <a:t>	</a:t>
+            </a:r>
+          </a:p>
+          <a:p>
+            <a:r>
+              <a:rPr lang="en-US" altLang="ko-KR" sz="1200" dirty="0"/>
+              <a:t>	public	  static void print2</a:t>
+            </a:r>
+            <a:r>
+              <a:rPr lang="en-US" altLang="ko-KR" sz="1200" dirty="0">
+                <a:solidFill>
+                  <a:srgbClr val="0070C0"/>
+                </a:solidFill>
+              </a:rPr>
+              <a:t>( </a:t>
+            </a:r>
+            <a:r>
+              <a:rPr lang="en-US" altLang="ko-KR" sz="1200" dirty="0" err="1">
+                <a:solidFill>
+                  <a:srgbClr val="0070C0"/>
+                </a:solidFill>
+              </a:rPr>
+              <a:t>ArrayList</a:t>
+            </a:r>
+            <a:r>
+              <a:rPr lang="en-US" altLang="ko-KR" sz="1200" dirty="0">
+                <a:solidFill>
+                  <a:srgbClr val="0070C0"/>
+                </a:solidFill>
+              </a:rPr>
+              <a:t>&lt;  String&gt; list)</a:t>
+            </a:r>
+            <a:r>
+              <a:rPr lang="en-US" altLang="ko-KR" sz="1200" dirty="0"/>
+              <a:t> {		</a:t>
+            </a:r>
+          </a:p>
+          <a:p>
+            <a:r>
+              <a:rPr lang="en-US" altLang="ko-KR" sz="1200" dirty="0"/>
+              <a:t>		</a:t>
+            </a:r>
+            <a:r>
+              <a:rPr lang="en-US" altLang="ko-KR" sz="1200" dirty="0" err="1"/>
+              <a:t>list.forEach</a:t>
+            </a:r>
+            <a:r>
+              <a:rPr lang="en-US" altLang="ko-KR" sz="1200" dirty="0"/>
+              <a:t>( </a:t>
+            </a:r>
+            <a:r>
+              <a:rPr lang="en-US" altLang="ko-KR" sz="1200" dirty="0" err="1"/>
+              <a:t>str</a:t>
+            </a:r>
+            <a:r>
+              <a:rPr lang="en-US" altLang="ko-KR" sz="1200" dirty="0"/>
+              <a:t> -&gt; </a:t>
+            </a:r>
+            <a:r>
+              <a:rPr lang="en-US" altLang="ko-KR" sz="1200" dirty="0" err="1"/>
+              <a:t>System.out.println</a:t>
+            </a:r>
+            <a:r>
+              <a:rPr lang="en-US" altLang="ko-KR" sz="1200" dirty="0"/>
+              <a:t>(</a:t>
+            </a:r>
+            <a:r>
+              <a:rPr lang="en-US" altLang="ko-KR" sz="1200" dirty="0" err="1"/>
+              <a:t>str</a:t>
+            </a:r>
+            <a:r>
+              <a:rPr lang="en-US" altLang="ko-KR" sz="1200" dirty="0"/>
+              <a:t>));		</a:t>
+            </a:r>
+          </a:p>
+          <a:p>
+            <a:r>
+              <a:rPr lang="en-US" altLang="ko-KR" sz="1200" dirty="0"/>
+              <a:t>	}</a:t>
+            </a:r>
+          </a:p>
+          <a:p>
+            <a:r>
+              <a:rPr lang="en-US" altLang="ko-KR" sz="1200" dirty="0"/>
+              <a:t>	</a:t>
+            </a:r>
+          </a:p>
+          <a:p>
+            <a:r>
+              <a:rPr lang="en-US" altLang="ko-KR" sz="1200" dirty="0"/>
+              <a:t>	 </a:t>
+            </a:r>
+          </a:p>
+          <a:p>
+            <a:r>
+              <a:rPr lang="en-US" altLang="ko-KR" sz="1200" dirty="0"/>
+              <a:t>}</a:t>
+            </a:r>
+          </a:p>
+        </p:txBody>
+      </p:sp>
+      <p:sp>
+        <p:nvSpPr>
+          <p:cNvPr id="4" name="직사각형 3"/>
+          <p:cNvSpPr/>
+          <p:nvPr/>
+        </p:nvSpPr>
+        <p:spPr>
+          <a:xfrm>
+            <a:off x="6994252" y="3887714"/>
+            <a:ext cx="2979370" cy="763009"/>
+          </a:xfrm>
+          <a:prstGeom prst="rect">
+            <a:avLst/>
+          </a:prstGeom>
+        </p:spPr>
+        <p:style>
+          <a:lnRef idx="2">
+            <a:schemeClr val="accent6"/>
+          </a:lnRef>
+          <a:fillRef idx="1">
+            <a:schemeClr val="lt1"/>
+          </a:fillRef>
+          <a:effectRef idx="0">
+            <a:schemeClr val="accent6"/>
+          </a:effectRef>
+          <a:fontRef idx="minor">
+            <a:schemeClr val="dk1"/>
+          </a:fontRef>
+        </p:style>
+        <p:txBody>
+          <a:bodyPr rtlCol="0" anchor="ctr"/>
+          <a:lstStyle/>
+          <a:p>
+            <a:r>
+              <a:rPr lang="ko-KR" altLang="en-US" sz="1200" dirty="0" smtClean="0"/>
+              <a:t>와일드카드</a:t>
+            </a:r>
+            <a:endParaRPr lang="en-US" altLang="ko-KR" sz="1200" dirty="0" smtClean="0"/>
+          </a:p>
+          <a:p>
+            <a:r>
+              <a:rPr lang="ko-KR" altLang="en-US" sz="1200" dirty="0" smtClean="0"/>
+              <a:t>하나의 참조변수로 서로 다른 타입이 대입된 </a:t>
+            </a:r>
+            <a:r>
+              <a:rPr lang="ko-KR" altLang="en-US" sz="1200" dirty="0" err="1" smtClean="0"/>
+              <a:t>제네릭객체를</a:t>
+            </a:r>
+            <a:r>
+              <a:rPr lang="ko-KR" altLang="en-US" sz="1200" dirty="0" smtClean="0"/>
+              <a:t> 다루기 </a:t>
+            </a:r>
+            <a:r>
+              <a:rPr lang="ko-KR" altLang="en-US" sz="1200" dirty="0" err="1" smtClean="0"/>
+              <a:t>위한것</a:t>
+            </a:r>
+            <a:endParaRPr lang="ko-KR" altLang="en-US" sz="1200" dirty="0"/>
+          </a:p>
+        </p:txBody>
+      </p:sp>
+      <p:cxnSp>
+        <p:nvCxnSpPr>
+          <p:cNvPr id="7" name="직선 화살표 연결선 6"/>
+          <p:cNvCxnSpPr/>
+          <p:nvPr/>
+        </p:nvCxnSpPr>
+        <p:spPr>
+          <a:xfrm flipH="1">
+            <a:off x="5625679" y="4014882"/>
+            <a:ext cx="1350406" cy="369393"/>
+          </a:xfrm>
+          <a:prstGeom prst="straightConnector1">
+            <a:avLst/>
+          </a:prstGeom>
+          <a:ln>
+            <a:tailEnd type="triangle"/>
+          </a:ln>
+        </p:spPr>
+        <p:style>
+          <a:lnRef idx="1">
+            <a:schemeClr val="accent1"/>
+          </a:lnRef>
+          <a:fillRef idx="0">
+            <a:schemeClr val="accent1"/>
+          </a:fillRef>
+          <a:effectRef idx="0">
+            <a:schemeClr val="accent1"/>
+          </a:effectRef>
+          <a:fontRef idx="minor">
+            <a:schemeClr val="tx1"/>
+          </a:fontRef>
+        </p:style>
+      </p:cxnSp>
+    </p:spTree>
+    <p:extLst>
+      <p:ext uri="{BB962C8B-B14F-4D97-AF65-F5344CB8AC3E}">
+        <p14:creationId xmlns:p14="http://schemas.microsoft.com/office/powerpoint/2010/main" val="434167640"/>
+      </p:ext>
+    </p:extLst>
+  </p:cSld>
+  <p:clrMapOvr>
+    <a:masterClrMapping/>
+  </p:clrMapOvr>
+</p:sld>
+</file>
+
+<file path=ppt/slides/slide11.xml><?xml version="1.0" encoding="utf-8"?>
+<p:sld xmlns:a="http://schemas.openxmlformats.org/drawingml/2006/main" xmlns:r="http://schemas.openxmlformats.org/officeDocument/2006/relationships" xmlns:p="http://schemas.openxmlformats.org/presentationml/2006/main">
+  <p:cSld>
+    <p:spTree>
+      <p:nvGrpSpPr>
+        <p:cNvPr id="1" name=""/>
+        <p:cNvGrpSpPr/>
+        <p:nvPr/>
+      </p:nvGrpSpPr>
+      <p:grpSpPr>
+        <a:xfrm>
+          <a:off x="0" y="0"/>
+          <a:ext cx="0" cy="0"/>
+          <a:chOff x="0" y="0"/>
+          <a:chExt cx="0" cy="0"/>
+        </a:xfrm>
+      </p:grpSpPr>
+      <p:sp>
+        <p:nvSpPr>
+          <p:cNvPr id="2" name="직사각형 1"/>
+          <p:cNvSpPr/>
+          <p:nvPr/>
+        </p:nvSpPr>
+        <p:spPr>
+          <a:xfrm>
             <a:off x="339365" y="348792"/>
             <a:ext cx="5590095" cy="6157112"/>
           </a:xfrm>
@@ -3112,8 +3657,13 @@
           <a:p>
             <a:r>
               <a:rPr lang="en-US" altLang="ko-KR" sz="1200" dirty="0"/>
-              <a:t>    String name;</a:t>
-            </a:r>
+              <a:t>    String name</a:t>
+            </a:r>
+            <a:r>
+              <a:rPr lang="en-US" altLang="ko-KR" sz="1200" dirty="0" smtClean="0"/>
+              <a:t>; </a:t>
+            </a:r>
+            <a:endParaRPr lang="en-US" altLang="ko-KR" sz="1200" dirty="0"/>
           </a:p>
           <a:p>
             <a:endParaRPr lang="ko-KR" altLang="en-US" sz="1200" dirty="0"/>
@@ -3128,19 +3678,28 @@
               <a:t>// </a:t>
             </a:r>
             <a:r>
-              <a:rPr lang="ko-KR" altLang="en-US" sz="1200" dirty="0"/>
-              <a:t>기본 </a:t>
-            </a:r>
-            <a:r>
               <a:rPr lang="ko-KR" altLang="en-US" sz="1200" dirty="0" err="1"/>
               <a:t>생성자</a:t>
             </a:r>
-            <a:endParaRPr lang="ko-KR" altLang="en-US" sz="1200" dirty="0"/>
+            <a:r>
+              <a:rPr lang="ko-KR" altLang="en-US" sz="1200" dirty="0"/>
+              <a:t> 오버로딩</a:t>
+            </a:r>
           </a:p>
           <a:p>
             <a:r>
               <a:rPr lang="en-US" altLang="ko-KR" sz="1200" dirty="0"/>
-              <a:t>    Person() {</a:t>
+              <a:t>    Person(String name) {</a:t>
+            </a:r>
+          </a:p>
+          <a:p>
+            <a:r>
+              <a:rPr lang="en-US" altLang="ko-KR" sz="1200" dirty="0"/>
+              <a:t>        </a:t>
+            </a:r>
+            <a:r>
+              <a:rPr lang="en-US" altLang="ko-KR" sz="1200" b="1" dirty="0"/>
+              <a:t>this.name = name;</a:t>
             </a:r>
           </a:p>
           <a:p>
@@ -3158,43 +3717,43 @@
           </a:p>
           <a:p>
             <a:r>
+              <a:rPr lang="en-US" altLang="ko-KR" sz="1200" dirty="0"/>
+              <a:t>    </a:t>
+            </a:r>
+            <a:r>
+              <a:rPr lang="en-US" altLang="ko-KR" sz="1200" b="1" dirty="0"/>
+              <a:t>public String </a:t>
+            </a:r>
+            <a:r>
+              <a:rPr lang="en-US" altLang="ko-KR" sz="1200" b="1" dirty="0" err="1"/>
+              <a:t>toString</a:t>
+            </a:r>
+            <a:r>
+              <a:rPr lang="en-US" altLang="ko-KR" sz="1200" b="1" dirty="0"/>
+              <a:t>() {</a:t>
+            </a:r>
+          </a:p>
+          <a:p>
+            <a:r>
+              <a:rPr lang="en-US" altLang="ko-KR" sz="1200" dirty="0"/>
+              <a:t>        </a:t>
+            </a:r>
+            <a:r>
+              <a:rPr lang="en-US" altLang="ko-KR" sz="1200" b="1" dirty="0"/>
+              <a:t>return name;</a:t>
+            </a:r>
+          </a:p>
+          <a:p>
+            <a:r>
               <a:rPr lang="ko-KR" altLang="en-US" sz="1200" dirty="0"/>
               <a:t>    </a:t>
             </a:r>
             <a:r>
               <a:rPr lang="en-US" altLang="ko-KR" sz="1200" dirty="0"/>
-              <a:t>// </a:t>
-            </a:r>
-            <a:r>
-              <a:rPr lang="ko-KR" altLang="en-US" sz="1200" dirty="0" err="1"/>
-              <a:t>생성자</a:t>
-            </a:r>
-            <a:r>
-              <a:rPr lang="ko-KR" altLang="en-US" sz="1200" dirty="0"/>
-              <a:t> 오버로딩</a:t>
-            </a:r>
-          </a:p>
-          <a:p>
-            <a:r>
-              <a:rPr lang="en-US" altLang="ko-KR" sz="1200" dirty="0"/>
-              <a:t>    Person(String name) {</a:t>
-            </a:r>
-          </a:p>
-          <a:p>
-            <a:r>
-              <a:rPr lang="en-US" altLang="ko-KR" sz="1200" dirty="0"/>
-              <a:t>        </a:t>
-            </a:r>
-            <a:r>
-              <a:rPr lang="en-US" altLang="ko-KR" sz="1200" b="1" dirty="0"/>
-              <a:t>this.name = name;</a:t>
-            </a:r>
-          </a:p>
-          <a:p>
-            <a:r>
-              <a:rPr lang="ko-KR" altLang="en-US" sz="1200" dirty="0"/>
-              <a:t>    </a:t>
-            </a:r>
+              <a:t>}</a:t>
+            </a:r>
+          </a:p>
+          <a:p>
             <a:r>
               <a:rPr lang="en-US" altLang="ko-KR" sz="1200" dirty="0"/>
               <a:t>}</a:t>
@@ -3206,48 +3765,66 @@
           <a:p>
             <a:r>
               <a:rPr lang="en-US" altLang="ko-KR" sz="1200" dirty="0"/>
-              <a:t>    </a:t>
-            </a:r>
+              <a:t>// Person </a:t>
+            </a:r>
+            <a:r>
+              <a:rPr lang="ko-KR" altLang="en-US" sz="1200" dirty="0"/>
+              <a:t>상속 </a:t>
+            </a:r>
+            <a:r>
+              <a:rPr lang="en-US" altLang="ko-KR" sz="1200" dirty="0"/>
+              <a:t>Man </a:t>
+            </a:r>
+            <a:r>
+              <a:rPr lang="ko-KR" altLang="en-US" sz="1200" dirty="0"/>
+              <a:t>클래스</a:t>
+            </a:r>
+          </a:p>
+          <a:p>
             <a:r>
               <a:rPr lang="en-US" altLang="ko-KR" sz="1200" b="1" dirty="0"/>
-              <a:t>public String </a:t>
-            </a:r>
-            <a:r>
-              <a:rPr lang="en-US" altLang="ko-KR" sz="1200" b="1" dirty="0" err="1"/>
-              <a:t>toString</a:t>
+              <a:t>class Man extends Person {</a:t>
+            </a:r>
+          </a:p>
+          <a:p>
+            <a:pPr lvl="1"/>
+            <a:r>
+              <a:rPr lang="en-US" altLang="ko-KR" sz="1200" dirty="0"/>
+              <a:t>Man( String name){</a:t>
+            </a:r>
+          </a:p>
+          <a:p>
+            <a:pPr lvl="1"/>
+            <a:r>
+              <a:rPr lang="en-US" altLang="ko-KR" sz="1200" dirty="0"/>
+              <a:t>  </a:t>
             </a:r>
             <a:r>
               <a:rPr lang="en-US" altLang="ko-KR" sz="1200" b="1" dirty="0"/>
-              <a:t>() {</a:t>
-            </a:r>
-          </a:p>
-          <a:p>
-            <a:r>
-              <a:rPr lang="en-US" altLang="ko-KR" sz="1200" dirty="0"/>
-              <a:t>        </a:t>
-            </a:r>
-            <a:r>
-              <a:rPr lang="en-US" altLang="ko-KR" sz="1200" b="1" dirty="0"/>
-              <a:t>return name;</a:t>
-            </a:r>
+              <a:t>super(name);</a:t>
+            </a:r>
+          </a:p>
+          <a:p>
+            <a:pPr lvl="1"/>
+            <a:r>
+              <a:rPr lang="en-US" altLang="ko-KR" sz="1200" dirty="0" smtClean="0"/>
+              <a:t>}</a:t>
+            </a:r>
+            <a:endParaRPr lang="en-US" altLang="ko-KR" sz="1200" dirty="0"/>
           </a:p>
           <a:p>
             <a:r>
               <a:rPr lang="ko-KR" altLang="en-US" sz="1200" dirty="0"/>
-              <a:t>    </a:t>
-            </a:r>
+              <a:t>     </a:t>
+            </a:r>
+          </a:p>
+          <a:p>
             <a:r>
               <a:rPr lang="en-US" altLang="ko-KR" sz="1200" dirty="0"/>
               <a:t>}</a:t>
             </a:r>
           </a:p>
           <a:p>
-            <a:r>
-              <a:rPr lang="en-US" altLang="ko-KR" sz="1200" dirty="0"/>
-              <a:t>}</a:t>
-            </a:r>
-          </a:p>
-          <a:p>
             <a:endParaRPr lang="ko-KR" altLang="en-US" sz="1200" dirty="0"/>
           </a:p>
           <a:p>
@@ -3261,7 +3838,7 @@
             </a:r>
             <a:r>
               <a:rPr lang="en-US" altLang="ko-KR" sz="1200" dirty="0"/>
-              <a:t>Man </a:t>
+              <a:t>Woman </a:t>
             </a:r>
             <a:r>
               <a:rPr lang="ko-KR" altLang="en-US" sz="1200" dirty="0"/>
@@ -3271,19 +3848,25 @@
           <a:p>
             <a:r>
               <a:rPr lang="en-US" altLang="ko-KR" sz="1200" b="1" dirty="0"/>
-              <a:t>class Man extends Person {</a:t>
-            </a:r>
-          </a:p>
-          <a:p>
+              <a:t>class Woman extends Person {</a:t>
+            </a:r>
+          </a:p>
+          <a:p>
+            <a:pPr lvl="1"/>
             <a:r>
               <a:rPr lang="en-US" altLang="ko-KR" sz="1200" dirty="0"/>
-              <a:t>Man( String name){</a:t>
-            </a:r>
-          </a:p>
-          <a:p>
+              <a:t>  Woman( String name){</a:t>
+            </a:r>
+          </a:p>
+          <a:p>
+            <a:pPr lvl="1"/>
             <a:r>
               <a:rPr lang="en-US" altLang="ko-KR" sz="1200" dirty="0"/>
-              <a:t>  </a:t>
+              <a:t> </a:t>
+            </a:r>
+            <a:r>
+              <a:rPr lang="en-US" altLang="ko-KR" sz="1200" dirty="0" smtClean="0"/>
+              <a:t>     </a:t>
             </a:r>
             <a:r>
               <a:rPr lang="en-US" altLang="ko-KR" sz="1200" b="1" dirty="0"/>
@@ -3296,69 +3879,8 @@
               <a:t> </a:t>
             </a:r>
             <a:r>
-              <a:rPr lang="en-US" altLang="ko-KR" sz="1200" dirty="0"/>
-              <a:t>}</a:t>
-            </a:r>
-          </a:p>
-          <a:p>
-            <a:r>
-              <a:rPr lang="ko-KR" altLang="en-US" sz="1200" dirty="0"/>
-              <a:t>     </a:t>
-            </a:r>
-          </a:p>
-          <a:p>
-            <a:r>
-              <a:rPr lang="en-US" altLang="ko-KR" sz="1200" dirty="0"/>
-              <a:t>}</a:t>
-            </a:r>
-          </a:p>
-          <a:p>
-            <a:endParaRPr lang="ko-KR" altLang="en-US" sz="1200" dirty="0"/>
-          </a:p>
-          <a:p>
-            <a:r>
-              <a:rPr lang="en-US" altLang="ko-KR" sz="1200" dirty="0"/>
-              <a:t>// Person </a:t>
-            </a:r>
-            <a:r>
-              <a:rPr lang="ko-KR" altLang="en-US" sz="1200" dirty="0"/>
-              <a:t>상속 </a:t>
-            </a:r>
-            <a:r>
-              <a:rPr lang="en-US" altLang="ko-KR" sz="1200" dirty="0"/>
-              <a:t>Woman </a:t>
-            </a:r>
-            <a:r>
-              <a:rPr lang="ko-KR" altLang="en-US" sz="1200" dirty="0"/>
-              <a:t>클래스</a:t>
-            </a:r>
-          </a:p>
-          <a:p>
-            <a:r>
-              <a:rPr lang="en-US" altLang="ko-KR" sz="1200" b="1" dirty="0"/>
-              <a:t>class Woman extends Person {</a:t>
-            </a:r>
-          </a:p>
-          <a:p>
-            <a:r>
-              <a:rPr lang="en-US" altLang="ko-KR" sz="1200" dirty="0"/>
-              <a:t>  Woman( String name){</a:t>
-            </a:r>
-          </a:p>
-          <a:p>
-            <a:r>
-              <a:rPr lang="en-US" altLang="ko-KR" sz="1200" dirty="0"/>
-              <a:t>  </a:t>
-            </a:r>
-            <a:r>
-              <a:rPr lang="en-US" altLang="ko-KR" sz="1200" b="1" dirty="0"/>
-              <a:t>super(name);</a:t>
-            </a:r>
-          </a:p>
-          <a:p>
-            <a:r>
-              <a:rPr lang="ko-KR" altLang="en-US" sz="1200" dirty="0"/>
-              <a:t>  </a:t>
+              <a:rPr lang="ko-KR" altLang="en-US" sz="1200" dirty="0" smtClean="0"/>
+              <a:t>         </a:t>
             </a:r>
             <a:r>
               <a:rPr lang="en-US" altLang="ko-KR" sz="1200" dirty="0" smtClean="0"/>
@@ -3413,534 +3935,1200 @@
           <a:lstStyle/>
           <a:p>
             <a:r>
-              <a:rPr lang="en-US" altLang="ko-KR" sz="1200" b="1" dirty="0"/>
+              <a:rPr lang="en-US" altLang="ko-KR" sz="1200" b="1" dirty="0">
+                <a:latin typeface="HY강B" panose="02030600000101010101" pitchFamily="18" charset="-127"/>
+                <a:ea typeface="HY강B" panose="02030600000101010101" pitchFamily="18" charset="-127"/>
+              </a:rPr>
               <a:t>public class </a:t>
             </a:r>
             <a:r>
-              <a:rPr lang="en-US" altLang="ko-KR" sz="1200" b="1" dirty="0" err="1"/>
+              <a:rPr lang="en-US" altLang="ko-KR" sz="1200" b="1" dirty="0" err="1">
+                <a:latin typeface="HY강B" panose="02030600000101010101" pitchFamily="18" charset="-127"/>
+                <a:ea typeface="HY강B" panose="02030600000101010101" pitchFamily="18" charset="-127"/>
+              </a:rPr>
               <a:t>WildSuper</a:t>
             </a:r>
             <a:r>
-              <a:rPr lang="en-US" altLang="ko-KR" sz="1200" b="1" dirty="0"/>
+              <a:rPr lang="en-US" altLang="ko-KR" sz="1200" b="1" dirty="0">
+                <a:latin typeface="HY강B" panose="02030600000101010101" pitchFamily="18" charset="-127"/>
+                <a:ea typeface="HY강B" panose="02030600000101010101" pitchFamily="18" charset="-127"/>
+              </a:rPr>
               <a:t> {</a:t>
             </a:r>
           </a:p>
           <a:p>
             <a:r>
-              <a:rPr lang="en-US" altLang="ko-KR" sz="1200" dirty="0"/>
+              <a:rPr lang="en-US" altLang="ko-KR" sz="1200" dirty="0">
+                <a:latin typeface="HY강B" panose="02030600000101010101" pitchFamily="18" charset="-127"/>
+                <a:ea typeface="HY강B" panose="02030600000101010101" pitchFamily="18" charset="-127"/>
+              </a:rPr>
               <a:t>    </a:t>
             </a:r>
             <a:r>
-              <a:rPr lang="en-US" altLang="ko-KR" sz="1200" b="1" dirty="0"/>
+              <a:rPr lang="en-US" altLang="ko-KR" sz="1200" b="1" dirty="0">
+                <a:latin typeface="HY강B" panose="02030600000101010101" pitchFamily="18" charset="-127"/>
+                <a:ea typeface="HY강B" panose="02030600000101010101" pitchFamily="18" charset="-127"/>
+              </a:rPr>
               <a:t>public static void main(String[] </a:t>
             </a:r>
             <a:r>
-              <a:rPr lang="en-US" altLang="ko-KR" sz="1200" b="1" dirty="0" err="1"/>
+              <a:rPr lang="en-US" altLang="ko-KR" sz="1200" b="1" dirty="0" err="1">
+                <a:latin typeface="HY강B" panose="02030600000101010101" pitchFamily="18" charset="-127"/>
+                <a:ea typeface="HY강B" panose="02030600000101010101" pitchFamily="18" charset="-127"/>
+              </a:rPr>
               <a:t>args</a:t>
             </a:r>
             <a:r>
-              <a:rPr lang="en-US" altLang="ko-KR" sz="1200" b="1" dirty="0"/>
+              <a:rPr lang="en-US" altLang="ko-KR" sz="1200" b="1" dirty="0">
+                <a:latin typeface="HY강B" panose="02030600000101010101" pitchFamily="18" charset="-127"/>
+                <a:ea typeface="HY강B" panose="02030600000101010101" pitchFamily="18" charset="-127"/>
+              </a:rPr>
               <a:t>) {</a:t>
             </a:r>
           </a:p>
           <a:p>
-            <a:endParaRPr lang="ko-KR" altLang="en-US" sz="1200" dirty="0"/>
-          </a:p>
-          <a:p>
-            <a:r>
-              <a:rPr lang="en-US" altLang="ko-KR" sz="1200" dirty="0"/>
+            <a:endParaRPr lang="ko-KR" altLang="en-US" sz="1200" dirty="0">
+              <a:latin typeface="HY강B" panose="02030600000101010101" pitchFamily="18" charset="-127"/>
+              <a:ea typeface="HY강B" panose="02030600000101010101" pitchFamily="18" charset="-127"/>
+            </a:endParaRPr>
+          </a:p>
+          <a:p>
+            <a:r>
+              <a:rPr lang="en-US" altLang="ko-KR" sz="1200" dirty="0">
+                <a:latin typeface="HY강B" panose="02030600000101010101" pitchFamily="18" charset="-127"/>
+                <a:ea typeface="HY강B" panose="02030600000101010101" pitchFamily="18" charset="-127"/>
+              </a:rPr>
               <a:t>        // Person</a:t>
             </a:r>
           </a:p>
           <a:p>
             <a:r>
-              <a:rPr lang="en-US" altLang="ko-KR" sz="1200" dirty="0"/>
-              <a:t>        List&lt;Person&gt; </a:t>
-            </a:r>
-            <a:r>
-              <a:rPr lang="en-US" altLang="ko-KR" sz="1200" dirty="0" err="1"/>
+              <a:rPr lang="en-US" altLang="ko-KR" sz="1200" dirty="0">
+                <a:solidFill>
+                  <a:srgbClr val="0070C0"/>
+                </a:solidFill>
+                <a:latin typeface="HY강B" panose="02030600000101010101" pitchFamily="18" charset="-127"/>
+                <a:ea typeface="HY강B" panose="02030600000101010101" pitchFamily="18" charset="-127"/>
+              </a:rPr>
+              <a:t>        </a:t>
+            </a:r>
+            <a:r>
+              <a:rPr lang="en-US" altLang="ko-KR" sz="1200" dirty="0" err="1" smtClean="0">
+                <a:solidFill>
+                  <a:srgbClr val="0070C0"/>
+                </a:solidFill>
+                <a:latin typeface="HY강B" panose="02030600000101010101" pitchFamily="18" charset="-127"/>
+                <a:ea typeface="HY강B" panose="02030600000101010101" pitchFamily="18" charset="-127"/>
+              </a:rPr>
+              <a:t>ArrayList</a:t>
+            </a:r>
+            <a:r>
+              <a:rPr lang="en-US" altLang="ko-KR" sz="1200" dirty="0" smtClean="0">
+                <a:solidFill>
+                  <a:srgbClr val="0070C0"/>
+                </a:solidFill>
+                <a:latin typeface="HY강B" panose="02030600000101010101" pitchFamily="18" charset="-127"/>
+                <a:ea typeface="HY강B" panose="02030600000101010101" pitchFamily="18" charset="-127"/>
+              </a:rPr>
+              <a:t>&lt;Person</a:t>
+            </a:r>
+            <a:r>
+              <a:rPr lang="en-US" altLang="ko-KR" sz="1200" dirty="0">
+                <a:solidFill>
+                  <a:srgbClr val="0070C0"/>
+                </a:solidFill>
+                <a:latin typeface="HY강B" panose="02030600000101010101" pitchFamily="18" charset="-127"/>
+                <a:ea typeface="HY강B" panose="02030600000101010101" pitchFamily="18" charset="-127"/>
+              </a:rPr>
+              <a:t>&gt; </a:t>
+            </a:r>
+            <a:r>
+              <a:rPr lang="en-US" altLang="ko-KR" sz="1200" dirty="0" err="1">
+                <a:solidFill>
+                  <a:srgbClr val="0070C0"/>
+                </a:solidFill>
+                <a:latin typeface="HY강B" panose="02030600000101010101" pitchFamily="18" charset="-127"/>
+                <a:ea typeface="HY강B" panose="02030600000101010101" pitchFamily="18" charset="-127"/>
+              </a:rPr>
               <a:t>listP</a:t>
             </a:r>
             <a:r>
-              <a:rPr lang="en-US" altLang="ko-KR" sz="1200" dirty="0"/>
+              <a:rPr lang="en-US" altLang="ko-KR" sz="1200" dirty="0">
+                <a:solidFill>
+                  <a:srgbClr val="0070C0"/>
+                </a:solidFill>
+                <a:latin typeface="HY강B" panose="02030600000101010101" pitchFamily="18" charset="-127"/>
+                <a:ea typeface="HY강B" panose="02030600000101010101" pitchFamily="18" charset="-127"/>
+              </a:rPr>
               <a:t> = </a:t>
             </a:r>
             <a:r>
-              <a:rPr lang="en-US" altLang="ko-KR" sz="1200" b="1" dirty="0"/>
+              <a:rPr lang="en-US" altLang="ko-KR" sz="1200" b="1" dirty="0">
+                <a:solidFill>
+                  <a:srgbClr val="0070C0"/>
+                </a:solidFill>
+                <a:latin typeface="HY강B" panose="02030600000101010101" pitchFamily="18" charset="-127"/>
+                <a:ea typeface="HY강B" panose="02030600000101010101" pitchFamily="18" charset="-127"/>
+              </a:rPr>
               <a:t>new </a:t>
             </a:r>
             <a:r>
-              <a:rPr lang="en-US" altLang="ko-KR" sz="1200" b="1" dirty="0" err="1"/>
+              <a:rPr lang="en-US" altLang="ko-KR" sz="1200" b="1" dirty="0" err="1" smtClean="0">
+                <a:solidFill>
+                  <a:srgbClr val="0070C0"/>
+                </a:solidFill>
+                <a:latin typeface="HY강B" panose="02030600000101010101" pitchFamily="18" charset="-127"/>
+                <a:ea typeface="HY강B" panose="02030600000101010101" pitchFamily="18" charset="-127"/>
+              </a:rPr>
               <a:t>ArrayList</a:t>
             </a:r>
             <a:r>
-              <a:rPr lang="en-US" altLang="ko-KR" sz="1200" b="1" dirty="0"/>
-              <a:t>&lt;Person&gt;();</a:t>
-            </a:r>
-          </a:p>
-          <a:p>
-            <a:r>
-              <a:rPr lang="en-US" altLang="ko-KR" sz="1200" dirty="0"/>
+              <a:rPr lang="en-US" altLang="ko-KR" sz="1200" b="1" dirty="0" smtClean="0">
+                <a:solidFill>
+                  <a:srgbClr val="0070C0"/>
+                </a:solidFill>
+                <a:latin typeface="HY강B" panose="02030600000101010101" pitchFamily="18" charset="-127"/>
+                <a:ea typeface="HY강B" panose="02030600000101010101" pitchFamily="18" charset="-127"/>
+              </a:rPr>
+              <a:t>&lt;&gt;();</a:t>
+            </a:r>
+            <a:endParaRPr lang="en-US" altLang="ko-KR" sz="1200" b="1" dirty="0">
+              <a:solidFill>
+                <a:srgbClr val="0070C0"/>
+              </a:solidFill>
+              <a:latin typeface="HY강B" panose="02030600000101010101" pitchFamily="18" charset="-127"/>
+              <a:ea typeface="HY강B" panose="02030600000101010101" pitchFamily="18" charset="-127"/>
+            </a:endParaRPr>
+          </a:p>
+          <a:p>
+            <a:r>
+              <a:rPr lang="en-US" altLang="ko-KR" sz="1200" dirty="0">
+                <a:solidFill>
+                  <a:srgbClr val="0070C0"/>
+                </a:solidFill>
+                <a:latin typeface="HY강B" panose="02030600000101010101" pitchFamily="18" charset="-127"/>
+                <a:ea typeface="HY강B" panose="02030600000101010101" pitchFamily="18" charset="-127"/>
+              </a:rPr>
               <a:t>        </a:t>
             </a:r>
             <a:r>
-              <a:rPr lang="en-US" altLang="ko-KR" sz="1200" dirty="0" err="1"/>
+              <a:rPr lang="en-US" altLang="ko-KR" sz="1200" dirty="0" err="1">
+                <a:solidFill>
+                  <a:srgbClr val="0070C0"/>
+                </a:solidFill>
+                <a:latin typeface="HY강B" panose="02030600000101010101" pitchFamily="18" charset="-127"/>
+                <a:ea typeface="HY강B" panose="02030600000101010101" pitchFamily="18" charset="-127"/>
+              </a:rPr>
               <a:t>listP.add</a:t>
             </a:r>
             <a:r>
-              <a:rPr lang="en-US" altLang="ko-KR" sz="1200" dirty="0"/>
+              <a:rPr lang="en-US" altLang="ko-KR" sz="1200" dirty="0">
+                <a:solidFill>
+                  <a:srgbClr val="0070C0"/>
+                </a:solidFill>
+                <a:latin typeface="HY강B" panose="02030600000101010101" pitchFamily="18" charset="-127"/>
+                <a:ea typeface="HY강B" panose="02030600000101010101" pitchFamily="18" charset="-127"/>
+              </a:rPr>
               <a:t>(</a:t>
             </a:r>
             <a:r>
-              <a:rPr lang="en-US" altLang="ko-KR" sz="1200" b="1" dirty="0"/>
+              <a:rPr lang="en-US" altLang="ko-KR" sz="1200" b="1" dirty="0">
+                <a:solidFill>
+                  <a:srgbClr val="0070C0"/>
+                </a:solidFill>
+                <a:latin typeface="HY강B" panose="02030600000101010101" pitchFamily="18" charset="-127"/>
+                <a:ea typeface="HY강B" panose="02030600000101010101" pitchFamily="18" charset="-127"/>
+              </a:rPr>
               <a:t>new Person("</a:t>
             </a:r>
             <a:r>
-              <a:rPr lang="ko-KR" altLang="en-US" sz="1200" b="1" dirty="0"/>
+              <a:rPr lang="ko-KR" altLang="en-US" sz="1200" b="1" dirty="0">
+                <a:solidFill>
+                  <a:srgbClr val="0070C0"/>
+                </a:solidFill>
+                <a:latin typeface="HY강B" panose="02030600000101010101" pitchFamily="18" charset="-127"/>
+                <a:ea typeface="HY강B" panose="02030600000101010101" pitchFamily="18" charset="-127"/>
+              </a:rPr>
               <a:t>이사람</a:t>
             </a:r>
             <a:r>
-              <a:rPr lang="en-US" altLang="ko-KR" sz="1200" b="1" dirty="0"/>
+              <a:rPr lang="en-US" altLang="ko-KR" sz="1200" b="1" dirty="0">
+                <a:solidFill>
+                  <a:srgbClr val="0070C0"/>
+                </a:solidFill>
+                <a:latin typeface="HY강B" panose="02030600000101010101" pitchFamily="18" charset="-127"/>
+                <a:ea typeface="HY강B" panose="02030600000101010101" pitchFamily="18" charset="-127"/>
+              </a:rPr>
               <a:t>"));</a:t>
             </a:r>
           </a:p>
           <a:p>
             <a:r>
-              <a:rPr lang="en-US" altLang="ko-KR" sz="1200" dirty="0"/>
+              <a:rPr lang="en-US" altLang="ko-KR" sz="1200" dirty="0">
+                <a:solidFill>
+                  <a:srgbClr val="0070C0"/>
+                </a:solidFill>
+                <a:latin typeface="HY강B" panose="02030600000101010101" pitchFamily="18" charset="-127"/>
+                <a:ea typeface="HY강B" panose="02030600000101010101" pitchFamily="18" charset="-127"/>
+              </a:rPr>
               <a:t>        </a:t>
             </a:r>
             <a:r>
-              <a:rPr lang="en-US" altLang="ko-KR" sz="1200" dirty="0" err="1"/>
+              <a:rPr lang="en-US" altLang="ko-KR" sz="1200" dirty="0" err="1">
+                <a:solidFill>
+                  <a:srgbClr val="0070C0"/>
+                </a:solidFill>
+                <a:latin typeface="HY강B" panose="02030600000101010101" pitchFamily="18" charset="-127"/>
+                <a:ea typeface="HY강B" panose="02030600000101010101" pitchFamily="18" charset="-127"/>
+              </a:rPr>
               <a:t>listP.add</a:t>
             </a:r>
             <a:r>
-              <a:rPr lang="en-US" altLang="ko-KR" sz="1200" dirty="0"/>
+              <a:rPr lang="en-US" altLang="ko-KR" sz="1200" dirty="0">
+                <a:solidFill>
+                  <a:srgbClr val="0070C0"/>
+                </a:solidFill>
+                <a:latin typeface="HY강B" panose="02030600000101010101" pitchFamily="18" charset="-127"/>
+                <a:ea typeface="HY강B" panose="02030600000101010101" pitchFamily="18" charset="-127"/>
+              </a:rPr>
               <a:t>(</a:t>
             </a:r>
             <a:r>
-              <a:rPr lang="en-US" altLang="ko-KR" sz="1200" b="1" dirty="0"/>
+              <a:rPr lang="en-US" altLang="ko-KR" sz="1200" b="1" dirty="0">
+                <a:solidFill>
+                  <a:srgbClr val="0070C0"/>
+                </a:solidFill>
+                <a:latin typeface="HY강B" panose="02030600000101010101" pitchFamily="18" charset="-127"/>
+                <a:ea typeface="HY강B" panose="02030600000101010101" pitchFamily="18" charset="-127"/>
+              </a:rPr>
               <a:t>new Person("</a:t>
             </a:r>
             <a:r>
-              <a:rPr lang="ko-KR" altLang="en-US" sz="1200" b="1" dirty="0" err="1"/>
+              <a:rPr lang="ko-KR" altLang="en-US" sz="1200" b="1" dirty="0" err="1">
+                <a:solidFill>
+                  <a:srgbClr val="0070C0"/>
+                </a:solidFill>
+                <a:latin typeface="HY강B" panose="02030600000101010101" pitchFamily="18" charset="-127"/>
+                <a:ea typeface="HY강B" panose="02030600000101010101" pitchFamily="18" charset="-127"/>
+              </a:rPr>
               <a:t>김사람</a:t>
             </a:r>
             <a:r>
-              <a:rPr lang="en-US" altLang="ko-KR" sz="1200" b="1" dirty="0"/>
+              <a:rPr lang="en-US" altLang="ko-KR" sz="1200" b="1" dirty="0">
+                <a:solidFill>
+                  <a:srgbClr val="0070C0"/>
+                </a:solidFill>
+                <a:latin typeface="HY강B" panose="02030600000101010101" pitchFamily="18" charset="-127"/>
+                <a:ea typeface="HY강B" panose="02030600000101010101" pitchFamily="18" charset="-127"/>
+              </a:rPr>
               <a:t>"));</a:t>
             </a:r>
           </a:p>
           <a:p>
             <a:r>
-              <a:rPr lang="en-US" altLang="ko-KR" sz="1200" dirty="0"/>
+              <a:rPr lang="en-US" altLang="ko-KR" sz="1200" dirty="0">
+                <a:latin typeface="HY강B" panose="02030600000101010101" pitchFamily="18" charset="-127"/>
+                <a:ea typeface="HY강B" panose="02030600000101010101" pitchFamily="18" charset="-127"/>
+              </a:rPr>
               <a:t>        </a:t>
             </a:r>
             <a:r>
-              <a:rPr lang="en-US" altLang="ko-KR" sz="1200" i="1" dirty="0" err="1"/>
+              <a:rPr lang="en-US" altLang="ko-KR" sz="1200" dirty="0" err="1">
+                <a:latin typeface="HY강B" panose="02030600000101010101" pitchFamily="18" charset="-127"/>
+                <a:ea typeface="HY강B" panose="02030600000101010101" pitchFamily="18" charset="-127"/>
+              </a:rPr>
               <a:t>printData</a:t>
             </a:r>
             <a:r>
-              <a:rPr lang="en-US" altLang="ko-KR" sz="1200" i="1" dirty="0"/>
+              <a:rPr lang="en-US" altLang="ko-KR" sz="1200" dirty="0">
+                <a:latin typeface="HY강B" panose="02030600000101010101" pitchFamily="18" charset="-127"/>
+                <a:ea typeface="HY강B" panose="02030600000101010101" pitchFamily="18" charset="-127"/>
+              </a:rPr>
               <a:t>(</a:t>
             </a:r>
             <a:r>
-              <a:rPr lang="en-US" altLang="ko-KR" sz="1200" i="1" dirty="0" err="1"/>
+              <a:rPr lang="en-US" altLang="ko-KR" sz="1200" dirty="0" err="1">
+                <a:latin typeface="HY강B" panose="02030600000101010101" pitchFamily="18" charset="-127"/>
+                <a:ea typeface="HY강B" panose="02030600000101010101" pitchFamily="18" charset="-127"/>
+              </a:rPr>
               <a:t>listP</a:t>
             </a:r>
             <a:r>
-              <a:rPr lang="en-US" altLang="ko-KR" sz="1200" i="1" dirty="0"/>
+              <a:rPr lang="en-US" altLang="ko-KR" sz="1200" dirty="0">
+                <a:latin typeface="HY강B" panose="02030600000101010101" pitchFamily="18" charset="-127"/>
+                <a:ea typeface="HY강B" panose="02030600000101010101" pitchFamily="18" charset="-127"/>
+              </a:rPr>
               <a:t>);  </a:t>
             </a:r>
           </a:p>
           <a:p>
-            <a:endParaRPr lang="ko-KR" altLang="en-US" sz="1200" dirty="0"/>
-          </a:p>
-          <a:p>
-            <a:r>
-              <a:rPr lang="en-US" altLang="ko-KR" sz="1200" dirty="0"/>
+            <a:endParaRPr lang="ko-KR" altLang="en-US" sz="1200" dirty="0">
+              <a:latin typeface="HY강B" panose="02030600000101010101" pitchFamily="18" charset="-127"/>
+              <a:ea typeface="HY강B" panose="02030600000101010101" pitchFamily="18" charset="-127"/>
+            </a:endParaRPr>
+          </a:p>
+          <a:p>
+            <a:r>
+              <a:rPr lang="en-US" altLang="ko-KR" sz="1200" dirty="0">
+                <a:latin typeface="HY강B" panose="02030600000101010101" pitchFamily="18" charset="-127"/>
+                <a:ea typeface="HY강B" panose="02030600000101010101" pitchFamily="18" charset="-127"/>
+              </a:rPr>
               <a:t>        // Man</a:t>
             </a:r>
           </a:p>
           <a:p>
             <a:r>
-              <a:rPr lang="en-US" altLang="ko-KR" sz="1200" dirty="0"/>
-              <a:t>        List&lt;Man&gt; </a:t>
-            </a:r>
-            <a:r>
-              <a:rPr lang="en-US" altLang="ko-KR" sz="1200" dirty="0" err="1"/>
+              <a:rPr lang="en-US" altLang="ko-KR" sz="1200" dirty="0">
+                <a:solidFill>
+                  <a:srgbClr val="0070C0"/>
+                </a:solidFill>
+                <a:latin typeface="HY강B" panose="02030600000101010101" pitchFamily="18" charset="-127"/>
+                <a:ea typeface="HY강B" panose="02030600000101010101" pitchFamily="18" charset="-127"/>
+              </a:rPr>
+              <a:t>        </a:t>
+            </a:r>
+            <a:r>
+              <a:rPr lang="en-US" altLang="ko-KR" sz="1200" dirty="0" err="1" smtClean="0">
+                <a:solidFill>
+                  <a:srgbClr val="0070C0"/>
+                </a:solidFill>
+                <a:latin typeface="HY강B" panose="02030600000101010101" pitchFamily="18" charset="-127"/>
+                <a:ea typeface="HY강B" panose="02030600000101010101" pitchFamily="18" charset="-127"/>
+              </a:rPr>
+              <a:t>ArrayList</a:t>
+            </a:r>
+            <a:r>
+              <a:rPr lang="en-US" altLang="ko-KR" sz="1200" dirty="0" smtClean="0">
+                <a:solidFill>
+                  <a:srgbClr val="0070C0"/>
+                </a:solidFill>
+                <a:latin typeface="HY강B" panose="02030600000101010101" pitchFamily="18" charset="-127"/>
+                <a:ea typeface="HY강B" panose="02030600000101010101" pitchFamily="18" charset="-127"/>
+              </a:rPr>
+              <a:t>&lt;Man</a:t>
+            </a:r>
+            <a:r>
+              <a:rPr lang="en-US" altLang="ko-KR" sz="1200" dirty="0">
+                <a:solidFill>
+                  <a:srgbClr val="0070C0"/>
+                </a:solidFill>
+                <a:latin typeface="HY강B" panose="02030600000101010101" pitchFamily="18" charset="-127"/>
+                <a:ea typeface="HY강B" panose="02030600000101010101" pitchFamily="18" charset="-127"/>
+              </a:rPr>
+              <a:t>&gt; </a:t>
+            </a:r>
+            <a:r>
+              <a:rPr lang="en-US" altLang="ko-KR" sz="1200" dirty="0" err="1">
+                <a:solidFill>
+                  <a:srgbClr val="0070C0"/>
+                </a:solidFill>
+                <a:latin typeface="HY강B" panose="02030600000101010101" pitchFamily="18" charset="-127"/>
+                <a:ea typeface="HY강B" panose="02030600000101010101" pitchFamily="18" charset="-127"/>
+              </a:rPr>
               <a:t>listM</a:t>
             </a:r>
             <a:r>
-              <a:rPr lang="en-US" altLang="ko-KR" sz="1200" dirty="0"/>
+              <a:rPr lang="en-US" altLang="ko-KR" sz="1200" dirty="0">
+                <a:solidFill>
+                  <a:srgbClr val="0070C0"/>
+                </a:solidFill>
+                <a:latin typeface="HY강B" panose="02030600000101010101" pitchFamily="18" charset="-127"/>
+                <a:ea typeface="HY강B" panose="02030600000101010101" pitchFamily="18" charset="-127"/>
+              </a:rPr>
               <a:t> = </a:t>
             </a:r>
             <a:r>
-              <a:rPr lang="en-US" altLang="ko-KR" sz="1200" b="1" dirty="0"/>
+              <a:rPr lang="en-US" altLang="ko-KR" sz="1200" b="1" dirty="0">
+                <a:solidFill>
+                  <a:srgbClr val="0070C0"/>
+                </a:solidFill>
+                <a:latin typeface="HY강B" panose="02030600000101010101" pitchFamily="18" charset="-127"/>
+                <a:ea typeface="HY강B" panose="02030600000101010101" pitchFamily="18" charset="-127"/>
+              </a:rPr>
               <a:t>new </a:t>
             </a:r>
             <a:r>
-              <a:rPr lang="en-US" altLang="ko-KR" sz="1200" b="1" dirty="0" err="1"/>
+              <a:rPr lang="en-US" altLang="ko-KR" sz="1200" b="1" dirty="0" err="1" smtClean="0">
+                <a:solidFill>
+                  <a:srgbClr val="0070C0"/>
+                </a:solidFill>
+                <a:latin typeface="HY강B" panose="02030600000101010101" pitchFamily="18" charset="-127"/>
+                <a:ea typeface="HY강B" panose="02030600000101010101" pitchFamily="18" charset="-127"/>
+              </a:rPr>
               <a:t>ArrayList</a:t>
             </a:r>
             <a:r>
-              <a:rPr lang="en-US" altLang="ko-KR" sz="1200" b="1" dirty="0"/>
-              <a:t>&lt;Man&gt;();</a:t>
-            </a:r>
-          </a:p>
-          <a:p>
-            <a:r>
-              <a:rPr lang="en-US" altLang="ko-KR" sz="1200" dirty="0"/>
+              <a:rPr lang="en-US" altLang="ko-KR" sz="1200" b="1" dirty="0" smtClean="0">
+                <a:solidFill>
+                  <a:srgbClr val="0070C0"/>
+                </a:solidFill>
+                <a:latin typeface="HY강B" panose="02030600000101010101" pitchFamily="18" charset="-127"/>
+                <a:ea typeface="HY강B" panose="02030600000101010101" pitchFamily="18" charset="-127"/>
+              </a:rPr>
+              <a:t>&lt;&gt;();</a:t>
+            </a:r>
+            <a:endParaRPr lang="en-US" altLang="ko-KR" sz="1200" b="1" dirty="0">
+              <a:solidFill>
+                <a:srgbClr val="0070C0"/>
+              </a:solidFill>
+              <a:latin typeface="HY강B" panose="02030600000101010101" pitchFamily="18" charset="-127"/>
+              <a:ea typeface="HY강B" panose="02030600000101010101" pitchFamily="18" charset="-127"/>
+            </a:endParaRPr>
+          </a:p>
+          <a:p>
+            <a:r>
+              <a:rPr lang="en-US" altLang="ko-KR" sz="1200" dirty="0">
+                <a:solidFill>
+                  <a:srgbClr val="0070C0"/>
+                </a:solidFill>
+                <a:latin typeface="HY강B" panose="02030600000101010101" pitchFamily="18" charset="-127"/>
+                <a:ea typeface="HY강B" panose="02030600000101010101" pitchFamily="18" charset="-127"/>
+              </a:rPr>
               <a:t>        </a:t>
             </a:r>
             <a:r>
-              <a:rPr lang="en-US" altLang="ko-KR" sz="1200" dirty="0" err="1"/>
+              <a:rPr lang="en-US" altLang="ko-KR" sz="1200" dirty="0" err="1">
+                <a:solidFill>
+                  <a:srgbClr val="0070C0"/>
+                </a:solidFill>
+                <a:latin typeface="HY강B" panose="02030600000101010101" pitchFamily="18" charset="-127"/>
+                <a:ea typeface="HY강B" panose="02030600000101010101" pitchFamily="18" charset="-127"/>
+              </a:rPr>
               <a:t>listM.add</a:t>
             </a:r>
             <a:r>
-              <a:rPr lang="en-US" altLang="ko-KR" sz="1200" dirty="0"/>
+              <a:rPr lang="en-US" altLang="ko-KR" sz="1200" dirty="0">
+                <a:solidFill>
+                  <a:srgbClr val="0070C0"/>
+                </a:solidFill>
+                <a:latin typeface="HY강B" panose="02030600000101010101" pitchFamily="18" charset="-127"/>
+                <a:ea typeface="HY강B" panose="02030600000101010101" pitchFamily="18" charset="-127"/>
+              </a:rPr>
               <a:t>(</a:t>
             </a:r>
             <a:r>
-              <a:rPr lang="en-US" altLang="ko-KR" sz="1200" b="1" dirty="0"/>
+              <a:rPr lang="en-US" altLang="ko-KR" sz="1200" b="1" dirty="0">
+                <a:solidFill>
+                  <a:srgbClr val="0070C0"/>
+                </a:solidFill>
+                <a:latin typeface="HY강B" panose="02030600000101010101" pitchFamily="18" charset="-127"/>
+                <a:ea typeface="HY강B" panose="02030600000101010101" pitchFamily="18" charset="-127"/>
+              </a:rPr>
               <a:t>new Man("</a:t>
             </a:r>
             <a:r>
-              <a:rPr lang="ko-KR" altLang="en-US" sz="1200" b="1" dirty="0"/>
+              <a:rPr lang="ko-KR" altLang="en-US" sz="1200" b="1" dirty="0">
+                <a:solidFill>
+                  <a:srgbClr val="0070C0"/>
+                </a:solidFill>
+                <a:latin typeface="HY강B" panose="02030600000101010101" pitchFamily="18" charset="-127"/>
+                <a:ea typeface="HY강B" panose="02030600000101010101" pitchFamily="18" charset="-127"/>
+              </a:rPr>
               <a:t>공유</a:t>
             </a:r>
             <a:r>
-              <a:rPr lang="en-US" altLang="ko-KR" sz="1200" b="1" dirty="0"/>
+              <a:rPr lang="en-US" altLang="ko-KR" sz="1200" b="1" dirty="0">
+                <a:solidFill>
+                  <a:srgbClr val="0070C0"/>
+                </a:solidFill>
+                <a:latin typeface="HY강B" panose="02030600000101010101" pitchFamily="18" charset="-127"/>
+                <a:ea typeface="HY강B" panose="02030600000101010101" pitchFamily="18" charset="-127"/>
+              </a:rPr>
               <a:t>"));</a:t>
             </a:r>
           </a:p>
           <a:p>
             <a:r>
-              <a:rPr lang="en-US" altLang="ko-KR" sz="1200" dirty="0"/>
+              <a:rPr lang="en-US" altLang="ko-KR" sz="1200" dirty="0">
+                <a:solidFill>
+                  <a:srgbClr val="0070C0"/>
+                </a:solidFill>
+                <a:latin typeface="HY강B" panose="02030600000101010101" pitchFamily="18" charset="-127"/>
+                <a:ea typeface="HY강B" panose="02030600000101010101" pitchFamily="18" charset="-127"/>
+              </a:rPr>
               <a:t>        </a:t>
             </a:r>
             <a:r>
-              <a:rPr lang="en-US" altLang="ko-KR" sz="1200" dirty="0" err="1"/>
+              <a:rPr lang="en-US" altLang="ko-KR" sz="1200" dirty="0" err="1">
+                <a:solidFill>
+                  <a:srgbClr val="0070C0"/>
+                </a:solidFill>
+                <a:latin typeface="HY강B" panose="02030600000101010101" pitchFamily="18" charset="-127"/>
+                <a:ea typeface="HY강B" panose="02030600000101010101" pitchFamily="18" charset="-127"/>
+              </a:rPr>
               <a:t>listM.add</a:t>
             </a:r>
             <a:r>
-              <a:rPr lang="en-US" altLang="ko-KR" sz="1200" dirty="0"/>
+              <a:rPr lang="en-US" altLang="ko-KR" sz="1200" dirty="0">
+                <a:solidFill>
+                  <a:srgbClr val="0070C0"/>
+                </a:solidFill>
+                <a:latin typeface="HY강B" panose="02030600000101010101" pitchFamily="18" charset="-127"/>
+                <a:ea typeface="HY강B" panose="02030600000101010101" pitchFamily="18" charset="-127"/>
+              </a:rPr>
               <a:t>(</a:t>
             </a:r>
             <a:r>
-              <a:rPr lang="en-US" altLang="ko-KR" sz="1200" b="1" dirty="0"/>
+              <a:rPr lang="en-US" altLang="ko-KR" sz="1200" b="1" dirty="0">
+                <a:solidFill>
+                  <a:srgbClr val="0070C0"/>
+                </a:solidFill>
+                <a:latin typeface="HY강B" panose="02030600000101010101" pitchFamily="18" charset="-127"/>
+                <a:ea typeface="HY강B" panose="02030600000101010101" pitchFamily="18" charset="-127"/>
+              </a:rPr>
               <a:t>new Man("</a:t>
             </a:r>
             <a:r>
-              <a:rPr lang="ko-KR" altLang="en-US" sz="1200" b="1" dirty="0" err="1"/>
+              <a:rPr lang="ko-KR" altLang="en-US" sz="1200" b="1" dirty="0" err="1">
+                <a:solidFill>
+                  <a:srgbClr val="0070C0"/>
+                </a:solidFill>
+                <a:latin typeface="HY강B" panose="02030600000101010101" pitchFamily="18" charset="-127"/>
+                <a:ea typeface="HY강B" panose="02030600000101010101" pitchFamily="18" charset="-127"/>
+              </a:rPr>
               <a:t>스티브잡스</a:t>
             </a:r>
             <a:r>
-              <a:rPr lang="en-US" altLang="ko-KR" sz="1200" b="1" dirty="0"/>
+              <a:rPr lang="en-US" altLang="ko-KR" sz="1200" b="1" dirty="0">
+                <a:solidFill>
+                  <a:srgbClr val="0070C0"/>
+                </a:solidFill>
+                <a:latin typeface="HY강B" panose="02030600000101010101" pitchFamily="18" charset="-127"/>
+                <a:ea typeface="HY강B" panose="02030600000101010101" pitchFamily="18" charset="-127"/>
+              </a:rPr>
               <a:t>"));</a:t>
             </a:r>
           </a:p>
           <a:p>
             <a:r>
-              <a:rPr lang="en-US" altLang="ko-KR" sz="1200" dirty="0"/>
+              <a:rPr lang="en-US" altLang="ko-KR" sz="1200" dirty="0">
+                <a:solidFill>
+                  <a:srgbClr val="0070C0"/>
+                </a:solidFill>
+                <a:latin typeface="HY강B" panose="02030600000101010101" pitchFamily="18" charset="-127"/>
+                <a:ea typeface="HY강B" panose="02030600000101010101" pitchFamily="18" charset="-127"/>
+              </a:rPr>
               <a:t>        </a:t>
             </a:r>
             <a:r>
-              <a:rPr lang="en-US" altLang="ko-KR" sz="1200" i="1" dirty="0" err="1"/>
+              <a:rPr lang="en-US" altLang="ko-KR" sz="1200" dirty="0" err="1">
+                <a:solidFill>
+                  <a:srgbClr val="0070C0"/>
+                </a:solidFill>
+                <a:latin typeface="HY강B" panose="02030600000101010101" pitchFamily="18" charset="-127"/>
+                <a:ea typeface="HY강B" panose="02030600000101010101" pitchFamily="18" charset="-127"/>
+              </a:rPr>
               <a:t>printData</a:t>
             </a:r>
             <a:r>
-              <a:rPr lang="en-US" altLang="ko-KR" sz="1200" i="1" dirty="0"/>
+              <a:rPr lang="en-US" altLang="ko-KR" sz="1200" dirty="0">
+                <a:solidFill>
+                  <a:srgbClr val="0070C0"/>
+                </a:solidFill>
+                <a:latin typeface="HY강B" panose="02030600000101010101" pitchFamily="18" charset="-127"/>
+                <a:ea typeface="HY강B" panose="02030600000101010101" pitchFamily="18" charset="-127"/>
+              </a:rPr>
               <a:t>(</a:t>
             </a:r>
             <a:r>
-              <a:rPr lang="en-US" altLang="ko-KR" sz="1200" i="1" dirty="0" err="1"/>
+              <a:rPr lang="en-US" altLang="ko-KR" sz="1200" dirty="0" err="1">
+                <a:solidFill>
+                  <a:srgbClr val="0070C0"/>
+                </a:solidFill>
+                <a:latin typeface="HY강B" panose="02030600000101010101" pitchFamily="18" charset="-127"/>
+                <a:ea typeface="HY강B" panose="02030600000101010101" pitchFamily="18" charset="-127"/>
+              </a:rPr>
               <a:t>listM</a:t>
             </a:r>
             <a:r>
-              <a:rPr lang="en-US" altLang="ko-KR" sz="1200" i="1" dirty="0"/>
+              <a:rPr lang="en-US" altLang="ko-KR" sz="1200" dirty="0">
+                <a:solidFill>
+                  <a:srgbClr val="0070C0"/>
+                </a:solidFill>
+                <a:latin typeface="HY강B" panose="02030600000101010101" pitchFamily="18" charset="-127"/>
+                <a:ea typeface="HY강B" panose="02030600000101010101" pitchFamily="18" charset="-127"/>
+              </a:rPr>
               <a:t>);  </a:t>
             </a:r>
           </a:p>
           <a:p>
-            <a:endParaRPr lang="ko-KR" altLang="en-US" sz="1200" dirty="0"/>
-          </a:p>
-          <a:p>
-            <a:r>
-              <a:rPr lang="en-US" altLang="ko-KR" sz="1200" dirty="0"/>
+            <a:endParaRPr lang="ko-KR" altLang="en-US" sz="1200" dirty="0">
+              <a:latin typeface="HY강B" panose="02030600000101010101" pitchFamily="18" charset="-127"/>
+              <a:ea typeface="HY강B" panose="02030600000101010101" pitchFamily="18" charset="-127"/>
+            </a:endParaRPr>
+          </a:p>
+          <a:p>
+            <a:r>
+              <a:rPr lang="en-US" altLang="ko-KR" sz="1200" dirty="0">
+                <a:latin typeface="HY강B" panose="02030600000101010101" pitchFamily="18" charset="-127"/>
+                <a:ea typeface="HY강B" panose="02030600000101010101" pitchFamily="18" charset="-127"/>
+              </a:rPr>
               <a:t>        // Woman</a:t>
             </a:r>
           </a:p>
           <a:p>
             <a:r>
-              <a:rPr lang="en-US" altLang="ko-KR" sz="1200" dirty="0"/>
-              <a:t>        List&lt;Woman&gt; </a:t>
-            </a:r>
-            <a:r>
-              <a:rPr lang="en-US" altLang="ko-KR" sz="1200" dirty="0" err="1"/>
+              <a:rPr lang="en-US" altLang="ko-KR" sz="1200" dirty="0">
+                <a:solidFill>
+                  <a:srgbClr val="0070C0"/>
+                </a:solidFill>
+                <a:latin typeface="HY강B" panose="02030600000101010101" pitchFamily="18" charset="-127"/>
+                <a:ea typeface="HY강B" panose="02030600000101010101" pitchFamily="18" charset="-127"/>
+              </a:rPr>
+              <a:t>        </a:t>
+            </a:r>
+            <a:r>
+              <a:rPr lang="en-US" altLang="ko-KR" sz="1200" dirty="0" err="1" smtClean="0">
+                <a:solidFill>
+                  <a:srgbClr val="0070C0"/>
+                </a:solidFill>
+                <a:latin typeface="HY강B" panose="02030600000101010101" pitchFamily="18" charset="-127"/>
+                <a:ea typeface="HY강B" panose="02030600000101010101" pitchFamily="18" charset="-127"/>
+              </a:rPr>
+              <a:t>ArrayList</a:t>
+            </a:r>
+            <a:r>
+              <a:rPr lang="en-US" altLang="ko-KR" sz="1200" dirty="0" smtClean="0">
+                <a:solidFill>
+                  <a:srgbClr val="0070C0"/>
+                </a:solidFill>
+                <a:latin typeface="HY강B" panose="02030600000101010101" pitchFamily="18" charset="-127"/>
+                <a:ea typeface="HY강B" panose="02030600000101010101" pitchFamily="18" charset="-127"/>
+              </a:rPr>
+              <a:t>&lt;Woman</a:t>
+            </a:r>
+            <a:r>
+              <a:rPr lang="en-US" altLang="ko-KR" sz="1200" dirty="0">
+                <a:solidFill>
+                  <a:srgbClr val="0070C0"/>
+                </a:solidFill>
+                <a:latin typeface="HY강B" panose="02030600000101010101" pitchFamily="18" charset="-127"/>
+                <a:ea typeface="HY강B" panose="02030600000101010101" pitchFamily="18" charset="-127"/>
+              </a:rPr>
+              <a:t>&gt; </a:t>
+            </a:r>
+            <a:r>
+              <a:rPr lang="en-US" altLang="ko-KR" sz="1200" dirty="0" err="1">
+                <a:solidFill>
+                  <a:srgbClr val="0070C0"/>
+                </a:solidFill>
+                <a:latin typeface="HY강B" panose="02030600000101010101" pitchFamily="18" charset="-127"/>
+                <a:ea typeface="HY강B" panose="02030600000101010101" pitchFamily="18" charset="-127"/>
+              </a:rPr>
               <a:t>listW</a:t>
             </a:r>
             <a:r>
-              <a:rPr lang="en-US" altLang="ko-KR" sz="1200" dirty="0"/>
+              <a:rPr lang="en-US" altLang="ko-KR" sz="1200" dirty="0">
+                <a:solidFill>
+                  <a:srgbClr val="0070C0"/>
+                </a:solidFill>
+                <a:latin typeface="HY강B" panose="02030600000101010101" pitchFamily="18" charset="-127"/>
+                <a:ea typeface="HY강B" panose="02030600000101010101" pitchFamily="18" charset="-127"/>
+              </a:rPr>
               <a:t> = </a:t>
             </a:r>
             <a:r>
-              <a:rPr lang="en-US" altLang="ko-KR" sz="1200" b="1" dirty="0"/>
+              <a:rPr lang="en-US" altLang="ko-KR" sz="1200" b="1" dirty="0">
+                <a:solidFill>
+                  <a:srgbClr val="0070C0"/>
+                </a:solidFill>
+                <a:latin typeface="HY강B" panose="02030600000101010101" pitchFamily="18" charset="-127"/>
+                <a:ea typeface="HY강B" panose="02030600000101010101" pitchFamily="18" charset="-127"/>
+              </a:rPr>
               <a:t>new </a:t>
             </a:r>
             <a:r>
-              <a:rPr lang="en-US" altLang="ko-KR" sz="1200" b="1" dirty="0" err="1"/>
+              <a:rPr lang="en-US" altLang="ko-KR" sz="1200" b="1" dirty="0" err="1" smtClean="0">
+                <a:solidFill>
+                  <a:srgbClr val="0070C0"/>
+                </a:solidFill>
+                <a:latin typeface="HY강B" panose="02030600000101010101" pitchFamily="18" charset="-127"/>
+                <a:ea typeface="HY강B" panose="02030600000101010101" pitchFamily="18" charset="-127"/>
+              </a:rPr>
               <a:t>ArrayList</a:t>
             </a:r>
             <a:r>
-              <a:rPr lang="en-US" altLang="ko-KR" sz="1200" b="1" dirty="0"/>
-              <a:t>&lt;Woman&gt;();</a:t>
-            </a:r>
-          </a:p>
-          <a:p>
-            <a:r>
-              <a:rPr lang="en-US" altLang="ko-KR" sz="1200" dirty="0"/>
+              <a:rPr lang="en-US" altLang="ko-KR" sz="1200" b="1" dirty="0">
+                <a:solidFill>
+                  <a:srgbClr val="0070C0"/>
+                </a:solidFill>
+                <a:latin typeface="HY강B" panose="02030600000101010101" pitchFamily="18" charset="-127"/>
+                <a:ea typeface="HY강B" panose="02030600000101010101" pitchFamily="18" charset="-127"/>
+              </a:rPr>
+              <a:t>&lt;</a:t>
+            </a:r>
+            <a:r>
+              <a:rPr lang="en-US" altLang="ko-KR" sz="1200" b="1" dirty="0" smtClean="0">
+                <a:solidFill>
+                  <a:srgbClr val="0070C0"/>
+                </a:solidFill>
+                <a:latin typeface="HY강B" panose="02030600000101010101" pitchFamily="18" charset="-127"/>
+                <a:ea typeface="HY강B" panose="02030600000101010101" pitchFamily="18" charset="-127"/>
+              </a:rPr>
+              <a:t>&gt;();</a:t>
+            </a:r>
+            <a:endParaRPr lang="en-US" altLang="ko-KR" sz="1200" b="1" dirty="0">
+              <a:solidFill>
+                <a:srgbClr val="0070C0"/>
+              </a:solidFill>
+              <a:latin typeface="HY강B" panose="02030600000101010101" pitchFamily="18" charset="-127"/>
+              <a:ea typeface="HY강B" panose="02030600000101010101" pitchFamily="18" charset="-127"/>
+            </a:endParaRPr>
+          </a:p>
+          <a:p>
+            <a:r>
+              <a:rPr lang="en-US" altLang="ko-KR" sz="1200" dirty="0">
+                <a:solidFill>
+                  <a:srgbClr val="0070C0"/>
+                </a:solidFill>
+                <a:latin typeface="HY강B" panose="02030600000101010101" pitchFamily="18" charset="-127"/>
+                <a:ea typeface="HY강B" panose="02030600000101010101" pitchFamily="18" charset="-127"/>
+              </a:rPr>
               <a:t>        </a:t>
             </a:r>
             <a:r>
-              <a:rPr lang="en-US" altLang="ko-KR" sz="1200" dirty="0" err="1"/>
+              <a:rPr lang="en-US" altLang="ko-KR" sz="1200" dirty="0" err="1">
+                <a:solidFill>
+                  <a:srgbClr val="0070C0"/>
+                </a:solidFill>
+                <a:latin typeface="HY강B" panose="02030600000101010101" pitchFamily="18" charset="-127"/>
+                <a:ea typeface="HY강B" panose="02030600000101010101" pitchFamily="18" charset="-127"/>
+              </a:rPr>
               <a:t>listW.add</a:t>
             </a:r>
             <a:r>
-              <a:rPr lang="en-US" altLang="ko-KR" sz="1200" dirty="0"/>
+              <a:rPr lang="en-US" altLang="ko-KR" sz="1200" dirty="0">
+                <a:solidFill>
+                  <a:srgbClr val="0070C0"/>
+                </a:solidFill>
+                <a:latin typeface="HY강B" panose="02030600000101010101" pitchFamily="18" charset="-127"/>
+                <a:ea typeface="HY강B" panose="02030600000101010101" pitchFamily="18" charset="-127"/>
+              </a:rPr>
               <a:t>(</a:t>
             </a:r>
             <a:r>
-              <a:rPr lang="en-US" altLang="ko-KR" sz="1200" b="1" dirty="0"/>
+              <a:rPr lang="en-US" altLang="ko-KR" sz="1200" b="1" dirty="0">
+                <a:solidFill>
+                  <a:srgbClr val="0070C0"/>
+                </a:solidFill>
+                <a:latin typeface="HY강B" panose="02030600000101010101" pitchFamily="18" charset="-127"/>
+                <a:ea typeface="HY강B" panose="02030600000101010101" pitchFamily="18" charset="-127"/>
+              </a:rPr>
               <a:t>new Woman("</a:t>
             </a:r>
             <a:r>
-              <a:rPr lang="ko-KR" altLang="en-US" sz="1200" b="1" dirty="0"/>
+              <a:rPr lang="ko-KR" altLang="en-US" sz="1200" b="1" dirty="0">
+                <a:solidFill>
+                  <a:srgbClr val="0070C0"/>
+                </a:solidFill>
+                <a:latin typeface="HY강B" panose="02030600000101010101" pitchFamily="18" charset="-127"/>
+                <a:ea typeface="HY강B" panose="02030600000101010101" pitchFamily="18" charset="-127"/>
+              </a:rPr>
               <a:t>아이유</a:t>
             </a:r>
             <a:r>
-              <a:rPr lang="en-US" altLang="ko-KR" sz="1200" b="1" dirty="0"/>
+              <a:rPr lang="en-US" altLang="ko-KR" sz="1200" b="1" dirty="0">
+                <a:solidFill>
+                  <a:srgbClr val="0070C0"/>
+                </a:solidFill>
+                <a:latin typeface="HY강B" panose="02030600000101010101" pitchFamily="18" charset="-127"/>
+                <a:ea typeface="HY강B" panose="02030600000101010101" pitchFamily="18" charset="-127"/>
+              </a:rPr>
               <a:t>"));</a:t>
             </a:r>
           </a:p>
           <a:p>
             <a:r>
-              <a:rPr lang="en-US" altLang="ko-KR" sz="1200" dirty="0"/>
+              <a:rPr lang="en-US" altLang="ko-KR" sz="1200" dirty="0">
+                <a:solidFill>
+                  <a:srgbClr val="0070C0"/>
+                </a:solidFill>
+                <a:latin typeface="HY강B" panose="02030600000101010101" pitchFamily="18" charset="-127"/>
+                <a:ea typeface="HY강B" panose="02030600000101010101" pitchFamily="18" charset="-127"/>
+              </a:rPr>
               <a:t>        </a:t>
             </a:r>
             <a:r>
-              <a:rPr lang="en-US" altLang="ko-KR" sz="1200" dirty="0" err="1"/>
+              <a:rPr lang="en-US" altLang="ko-KR" sz="1200" dirty="0" err="1">
+                <a:solidFill>
+                  <a:srgbClr val="0070C0"/>
+                </a:solidFill>
+                <a:latin typeface="HY강B" panose="02030600000101010101" pitchFamily="18" charset="-127"/>
+                <a:ea typeface="HY강B" panose="02030600000101010101" pitchFamily="18" charset="-127"/>
+              </a:rPr>
               <a:t>listW.add</a:t>
             </a:r>
             <a:r>
-              <a:rPr lang="en-US" altLang="ko-KR" sz="1200" dirty="0"/>
+              <a:rPr lang="en-US" altLang="ko-KR" sz="1200" dirty="0">
+                <a:solidFill>
+                  <a:srgbClr val="0070C0"/>
+                </a:solidFill>
+                <a:latin typeface="HY강B" panose="02030600000101010101" pitchFamily="18" charset="-127"/>
+                <a:ea typeface="HY강B" panose="02030600000101010101" pitchFamily="18" charset="-127"/>
+              </a:rPr>
               <a:t>(</a:t>
             </a:r>
             <a:r>
-              <a:rPr lang="en-US" altLang="ko-KR" sz="1200" b="1" dirty="0"/>
+              <a:rPr lang="en-US" altLang="ko-KR" sz="1200" b="1" dirty="0">
+                <a:solidFill>
+                  <a:srgbClr val="0070C0"/>
+                </a:solidFill>
+                <a:latin typeface="HY강B" panose="02030600000101010101" pitchFamily="18" charset="-127"/>
+                <a:ea typeface="HY강B" panose="02030600000101010101" pitchFamily="18" charset="-127"/>
+              </a:rPr>
               <a:t>new Woman("</a:t>
             </a:r>
             <a:r>
-              <a:rPr lang="ko-KR" altLang="en-US" sz="1200" b="1" dirty="0"/>
+              <a:rPr lang="ko-KR" altLang="en-US" sz="1200" b="1" dirty="0">
+                <a:solidFill>
+                  <a:srgbClr val="0070C0"/>
+                </a:solidFill>
+                <a:latin typeface="HY강B" panose="02030600000101010101" pitchFamily="18" charset="-127"/>
+                <a:ea typeface="HY강B" panose="02030600000101010101" pitchFamily="18" charset="-127"/>
+              </a:rPr>
               <a:t>김연아</a:t>
             </a:r>
             <a:r>
-              <a:rPr lang="en-US" altLang="ko-KR" sz="1200" b="1" dirty="0"/>
+              <a:rPr lang="en-US" altLang="ko-KR" sz="1200" b="1" dirty="0">
+                <a:solidFill>
+                  <a:srgbClr val="0070C0"/>
+                </a:solidFill>
+                <a:latin typeface="HY강B" panose="02030600000101010101" pitchFamily="18" charset="-127"/>
+                <a:ea typeface="HY강B" panose="02030600000101010101" pitchFamily="18" charset="-127"/>
+              </a:rPr>
               <a:t>"));</a:t>
             </a:r>
           </a:p>
           <a:p>
             <a:r>
-              <a:rPr lang="ko-KR" altLang="en-US" sz="1200" dirty="0"/>
+              <a:rPr lang="ko-KR" altLang="en-US" sz="1200" dirty="0">
+                <a:latin typeface="HY강B" panose="02030600000101010101" pitchFamily="18" charset="-127"/>
+                <a:ea typeface="HY강B" panose="02030600000101010101" pitchFamily="18" charset="-127"/>
+              </a:rPr>
               <a:t>      </a:t>
             </a:r>
             <a:r>
-              <a:rPr lang="en-US" altLang="ko-KR" sz="1200" dirty="0"/>
+              <a:rPr lang="en-US" altLang="ko-KR" sz="1200" dirty="0">
+                <a:latin typeface="HY강B" panose="02030600000101010101" pitchFamily="18" charset="-127"/>
+                <a:ea typeface="HY강B" panose="02030600000101010101" pitchFamily="18" charset="-127"/>
+              </a:rPr>
               <a:t>//   </a:t>
             </a:r>
             <a:r>
-              <a:rPr lang="en-US" altLang="ko-KR" sz="1200" dirty="0" err="1"/>
+              <a:rPr lang="en-US" altLang="ko-KR" sz="1200" dirty="0" err="1">
+                <a:latin typeface="HY강B" panose="02030600000101010101" pitchFamily="18" charset="-127"/>
+                <a:ea typeface="HY강B" panose="02030600000101010101" pitchFamily="18" charset="-127"/>
+              </a:rPr>
               <a:t>printData</a:t>
             </a:r>
             <a:r>
-              <a:rPr lang="en-US" altLang="ko-KR" sz="1200" dirty="0"/>
+              <a:rPr lang="en-US" altLang="ko-KR" sz="1200" dirty="0">
+                <a:latin typeface="HY강B" panose="02030600000101010101" pitchFamily="18" charset="-127"/>
+                <a:ea typeface="HY강B" panose="02030600000101010101" pitchFamily="18" charset="-127"/>
+              </a:rPr>
               <a:t>(</a:t>
             </a:r>
             <a:r>
-              <a:rPr lang="en-US" altLang="ko-KR" sz="1200" dirty="0" err="1"/>
+              <a:rPr lang="en-US" altLang="ko-KR" sz="1200" dirty="0" err="1">
+                <a:latin typeface="HY강B" panose="02030600000101010101" pitchFamily="18" charset="-127"/>
+                <a:ea typeface="HY강B" panose="02030600000101010101" pitchFamily="18" charset="-127"/>
+              </a:rPr>
               <a:t>listW</a:t>
             </a:r>
             <a:r>
-              <a:rPr lang="en-US" altLang="ko-KR" sz="1200" dirty="0"/>
+              <a:rPr lang="en-US" altLang="ko-KR" sz="1200" dirty="0">
+                <a:latin typeface="HY강B" panose="02030600000101010101" pitchFamily="18" charset="-127"/>
+                <a:ea typeface="HY강B" panose="02030600000101010101" pitchFamily="18" charset="-127"/>
+              </a:rPr>
               <a:t>); → Man </a:t>
             </a:r>
             <a:r>
-              <a:rPr lang="ko-KR" altLang="en-US" sz="1200" dirty="0"/>
+              <a:rPr lang="ko-KR" altLang="en-US" sz="1200" dirty="0">
+                <a:latin typeface="HY강B" panose="02030600000101010101" pitchFamily="18" charset="-127"/>
+                <a:ea typeface="HY강B" panose="02030600000101010101" pitchFamily="18" charset="-127"/>
+              </a:rPr>
               <a:t>클래스의 상위 클래스가 아니기 때문에 </a:t>
             </a:r>
             <a:r>
-              <a:rPr lang="ko-KR" altLang="en-US" sz="1200" dirty="0" err="1"/>
+              <a:rPr lang="ko-KR" altLang="en-US" sz="1200" dirty="0" err="1">
+                <a:latin typeface="HY강B" panose="02030600000101010101" pitchFamily="18" charset="-127"/>
+                <a:ea typeface="HY강B" panose="02030600000101010101" pitchFamily="18" charset="-127"/>
+              </a:rPr>
               <a:t>메소드</a:t>
             </a:r>
             <a:r>
-              <a:rPr lang="ko-KR" altLang="en-US" sz="1200" dirty="0"/>
+              <a:rPr lang="ko-KR" altLang="en-US" sz="1200" dirty="0">
+                <a:latin typeface="HY강B" panose="02030600000101010101" pitchFamily="18" charset="-127"/>
+                <a:ea typeface="HY강B" panose="02030600000101010101" pitchFamily="18" charset="-127"/>
+              </a:rPr>
               <a:t> 호출 불가</a:t>
             </a:r>
           </a:p>
           <a:p>
-            <a:endParaRPr lang="ko-KR" altLang="en-US" sz="1200" dirty="0"/>
-          </a:p>
-          <a:p>
-            <a:r>
-              <a:rPr lang="ko-KR" altLang="en-US" sz="1200" dirty="0"/>
+            <a:endParaRPr lang="ko-KR" altLang="en-US" sz="1200" dirty="0">
+              <a:latin typeface="HY강B" panose="02030600000101010101" pitchFamily="18" charset="-127"/>
+              <a:ea typeface="HY강B" panose="02030600000101010101" pitchFamily="18" charset="-127"/>
+            </a:endParaRPr>
+          </a:p>
+          <a:p>
+            <a:r>
+              <a:rPr lang="ko-KR" altLang="en-US" sz="1200" dirty="0">
+                <a:latin typeface="HY강B" panose="02030600000101010101" pitchFamily="18" charset="-127"/>
+                <a:ea typeface="HY강B" panose="02030600000101010101" pitchFamily="18" charset="-127"/>
+              </a:rPr>
               <a:t>    </a:t>
             </a:r>
             <a:r>
-              <a:rPr lang="en-US" altLang="ko-KR" sz="1200" dirty="0"/>
+              <a:rPr lang="en-US" altLang="ko-KR" sz="1200" dirty="0">
+                <a:latin typeface="HY강B" panose="02030600000101010101" pitchFamily="18" charset="-127"/>
+                <a:ea typeface="HY강B" panose="02030600000101010101" pitchFamily="18" charset="-127"/>
+              </a:rPr>
               <a:t>}</a:t>
             </a:r>
           </a:p>
           <a:p>
-            <a:endParaRPr lang="ko-KR" altLang="en-US" sz="1200" dirty="0"/>
-          </a:p>
-          <a:p>
-            <a:r>
-              <a:rPr lang="ko-KR" altLang="en-US" sz="1200" dirty="0"/>
+            <a:endParaRPr lang="ko-KR" altLang="en-US" sz="1200" dirty="0">
+              <a:latin typeface="HY강B" panose="02030600000101010101" pitchFamily="18" charset="-127"/>
+              <a:ea typeface="HY강B" panose="02030600000101010101" pitchFamily="18" charset="-127"/>
+            </a:endParaRPr>
+          </a:p>
+          <a:p>
+            <a:r>
+              <a:rPr lang="ko-KR" altLang="en-US" sz="1200" dirty="0">
+                <a:latin typeface="HY강B" panose="02030600000101010101" pitchFamily="18" charset="-127"/>
+                <a:ea typeface="HY강B" panose="02030600000101010101" pitchFamily="18" charset="-127"/>
+              </a:rPr>
               <a:t>    </a:t>
             </a:r>
             <a:r>
-              <a:rPr lang="en-US" altLang="ko-KR" sz="1200" dirty="0"/>
+              <a:rPr lang="en-US" altLang="ko-KR" sz="1200" dirty="0">
+                <a:latin typeface="HY강B" panose="02030600000101010101" pitchFamily="18" charset="-127"/>
+                <a:ea typeface="HY강B" panose="02030600000101010101" pitchFamily="18" charset="-127"/>
+              </a:rPr>
               <a:t>// Man </a:t>
             </a:r>
             <a:r>
-              <a:rPr lang="ko-KR" altLang="en-US" sz="1200" dirty="0"/>
+              <a:rPr lang="ko-KR" altLang="en-US" sz="1200" dirty="0">
+                <a:latin typeface="HY강B" panose="02030600000101010101" pitchFamily="18" charset="-127"/>
+                <a:ea typeface="HY강B" panose="02030600000101010101" pitchFamily="18" charset="-127"/>
+              </a:rPr>
               <a:t>클래스와 그 상위 클래스로 생성된 인스턴스만 매개변수로 전달 가능</a:t>
             </a:r>
           </a:p>
           <a:p>
             <a:r>
-              <a:rPr lang="en-US" altLang="ko-KR" sz="1200" dirty="0"/>
+              <a:rPr lang="en-US" altLang="ko-KR" sz="1200" dirty="0">
+                <a:latin typeface="HY강B" panose="02030600000101010101" pitchFamily="18" charset="-127"/>
+                <a:ea typeface="HY강B" panose="02030600000101010101" pitchFamily="18" charset="-127"/>
+              </a:rPr>
               <a:t>    </a:t>
             </a:r>
             <a:r>
-              <a:rPr lang="en-US" altLang="ko-KR" sz="1200" b="1" dirty="0"/>
+              <a:rPr lang="en-US" altLang="ko-KR" sz="1200" b="1" dirty="0">
+                <a:latin typeface="HY강B" panose="02030600000101010101" pitchFamily="18" charset="-127"/>
+                <a:ea typeface="HY강B" panose="02030600000101010101" pitchFamily="18" charset="-127"/>
+              </a:rPr>
               <a:t>public static void </a:t>
             </a:r>
             <a:r>
-              <a:rPr lang="en-US" altLang="ko-KR" sz="1200" b="1" dirty="0" err="1"/>
+              <a:rPr lang="en-US" altLang="ko-KR" sz="1200" b="1" dirty="0" err="1" smtClean="0">
+                <a:latin typeface="HY강B" panose="02030600000101010101" pitchFamily="18" charset="-127"/>
+                <a:ea typeface="HY강B" panose="02030600000101010101" pitchFamily="18" charset="-127"/>
+              </a:rPr>
               <a:t>printData</a:t>
             </a:r>
             <a:r>
-              <a:rPr lang="en-US" altLang="ko-KR" sz="1200" b="1" dirty="0"/>
-              <a:t>(List&lt;? super Man&gt; list) </a:t>
-            </a:r>
-            <a:r>
-              <a:rPr lang="en-US" altLang="ko-KR" sz="1200" b="1" dirty="0" smtClean="0"/>
-              <a:t>{</a:t>
-            </a:r>
-          </a:p>
-          <a:p>
-            <a:r>
-              <a:rPr lang="en-US" altLang="ko-KR" sz="1200" b="1" dirty="0" smtClean="0"/>
-              <a:t>    //</a:t>
-            </a:r>
-            <a:r>
-              <a:rPr lang="en-US" altLang="ko-KR" sz="1200" dirty="0" smtClean="0"/>
+              <a:rPr lang="en-US" altLang="ko-KR" sz="1200" b="1" dirty="0" smtClean="0">
+                <a:latin typeface="HY강B" panose="02030600000101010101" pitchFamily="18" charset="-127"/>
+                <a:ea typeface="HY강B" panose="02030600000101010101" pitchFamily="18" charset="-127"/>
+              </a:rPr>
+              <a:t>(</a:t>
+            </a:r>
+            <a:r>
+              <a:rPr lang="en-US" altLang="ko-KR" sz="1200" b="1" dirty="0" err="1" smtClean="0">
+                <a:latin typeface="HY강B" panose="02030600000101010101" pitchFamily="18" charset="-127"/>
+                <a:ea typeface="HY강B" panose="02030600000101010101" pitchFamily="18" charset="-127"/>
+              </a:rPr>
+              <a:t>ArrayList</a:t>
+            </a:r>
+            <a:r>
+              <a:rPr lang="en-US" altLang="ko-KR" sz="1200" b="1" dirty="0" smtClean="0">
+                <a:latin typeface="HY강B" panose="02030600000101010101" pitchFamily="18" charset="-127"/>
+                <a:ea typeface="HY강B" panose="02030600000101010101" pitchFamily="18" charset="-127"/>
+              </a:rPr>
+              <a:t>&lt;? </a:t>
+            </a:r>
+            <a:r>
+              <a:rPr lang="en-US" altLang="ko-KR" sz="1200" b="1" dirty="0">
+                <a:latin typeface="HY강B" panose="02030600000101010101" pitchFamily="18" charset="-127"/>
+                <a:ea typeface="HY강B" panose="02030600000101010101" pitchFamily="18" charset="-127"/>
+              </a:rPr>
+              <a:t>super Man&gt; list) </a:t>
+            </a:r>
+            <a:r>
+              <a:rPr lang="en-US" altLang="ko-KR" sz="1200" b="1" dirty="0" smtClean="0">
+                <a:latin typeface="HY강B" panose="02030600000101010101" pitchFamily="18" charset="-127"/>
+                <a:ea typeface="HY강B" panose="02030600000101010101" pitchFamily="18" charset="-127"/>
+              </a:rPr>
+              <a:t>{ </a:t>
+            </a:r>
+            <a:endParaRPr lang="en-US" altLang="ko-KR" sz="1200" b="1" dirty="0">
+              <a:latin typeface="HY강B" panose="02030600000101010101" pitchFamily="18" charset="-127"/>
+              <a:ea typeface="HY강B" panose="02030600000101010101" pitchFamily="18" charset="-127"/>
+            </a:endParaRPr>
+          </a:p>
+          <a:p>
+            <a:r>
+              <a:rPr lang="en-US" altLang="ko-KR" sz="1200" dirty="0">
+                <a:latin typeface="HY강B" panose="02030600000101010101" pitchFamily="18" charset="-127"/>
+                <a:ea typeface="HY강B" panose="02030600000101010101" pitchFamily="18" charset="-127"/>
+              </a:rPr>
+              <a:t>        </a:t>
+            </a:r>
+            <a:r>
+              <a:rPr lang="en-US" altLang="ko-KR" sz="1200" b="1" dirty="0">
+                <a:latin typeface="HY강B" panose="02030600000101010101" pitchFamily="18" charset="-127"/>
+                <a:ea typeface="HY강B" panose="02030600000101010101" pitchFamily="18" charset="-127"/>
+              </a:rPr>
+              <a:t>for (Object </a:t>
+            </a:r>
+            <a:r>
+              <a:rPr lang="en-US" altLang="ko-KR" sz="1200" b="1" dirty="0" err="1">
+                <a:latin typeface="HY강B" panose="02030600000101010101" pitchFamily="18" charset="-127"/>
+                <a:ea typeface="HY강B" panose="02030600000101010101" pitchFamily="18" charset="-127"/>
+              </a:rPr>
+              <a:t>obj</a:t>
+            </a:r>
+            <a:r>
+              <a:rPr lang="en-US" altLang="ko-KR" sz="1200" b="1" dirty="0">
+                <a:latin typeface="HY강B" panose="02030600000101010101" pitchFamily="18" charset="-127"/>
+                <a:ea typeface="HY강B" panose="02030600000101010101" pitchFamily="18" charset="-127"/>
+              </a:rPr>
+              <a:t> : list) {</a:t>
+            </a:r>
+          </a:p>
+          <a:p>
+            <a:r>
+              <a:rPr lang="en-US" altLang="ko-KR" sz="1200" dirty="0">
+                <a:latin typeface="HY강B" panose="02030600000101010101" pitchFamily="18" charset="-127"/>
+                <a:ea typeface="HY강B" panose="02030600000101010101" pitchFamily="18" charset="-127"/>
+              </a:rPr>
+              <a:t>            </a:t>
+            </a:r>
+            <a:r>
+              <a:rPr lang="en-US" altLang="ko-KR" sz="1200" dirty="0" err="1">
+                <a:latin typeface="HY강B" panose="02030600000101010101" pitchFamily="18" charset="-127"/>
+                <a:ea typeface="HY강B" panose="02030600000101010101" pitchFamily="18" charset="-127"/>
+              </a:rPr>
+              <a:t>System.</a:t>
+            </a:r>
+            <a:r>
+              <a:rPr lang="en-US" altLang="ko-KR" sz="1200" b="1" dirty="0" err="1">
+                <a:latin typeface="HY강B" panose="02030600000101010101" pitchFamily="18" charset="-127"/>
+                <a:ea typeface="HY강B" panose="02030600000101010101" pitchFamily="18" charset="-127"/>
+              </a:rPr>
+              <a:t>out.println</a:t>
+            </a:r>
+            <a:r>
+              <a:rPr lang="en-US" altLang="ko-KR" sz="1200" b="1" dirty="0">
+                <a:latin typeface="HY강B" panose="02030600000101010101" pitchFamily="18" charset="-127"/>
+                <a:ea typeface="HY강B" panose="02030600000101010101" pitchFamily="18" charset="-127"/>
+              </a:rPr>
+              <a:t>(</a:t>
+            </a:r>
+            <a:r>
+              <a:rPr lang="en-US" altLang="ko-KR" sz="1200" b="1" dirty="0" err="1">
+                <a:latin typeface="HY강B" panose="02030600000101010101" pitchFamily="18" charset="-127"/>
+                <a:ea typeface="HY강B" panose="02030600000101010101" pitchFamily="18" charset="-127"/>
+              </a:rPr>
+              <a:t>obj</a:t>
+            </a:r>
+            <a:r>
+              <a:rPr lang="en-US" altLang="ko-KR" sz="1200" b="1" dirty="0">
+                <a:latin typeface="HY강B" panose="02030600000101010101" pitchFamily="18" charset="-127"/>
+                <a:ea typeface="HY강B" panose="02030600000101010101" pitchFamily="18" charset="-127"/>
+              </a:rPr>
+              <a:t>);</a:t>
+            </a:r>
+          </a:p>
+          <a:p>
+            <a:r>
+              <a:rPr lang="ko-KR" altLang="en-US" sz="1200" dirty="0">
+                <a:latin typeface="HY강B" panose="02030600000101010101" pitchFamily="18" charset="-127"/>
+                <a:ea typeface="HY강B" panose="02030600000101010101" pitchFamily="18" charset="-127"/>
+              </a:rPr>
+              <a:t>        </a:t>
+            </a:r>
+            <a:r>
+              <a:rPr lang="en-US" altLang="ko-KR" sz="1200" dirty="0">
+                <a:latin typeface="HY강B" panose="02030600000101010101" pitchFamily="18" charset="-127"/>
+                <a:ea typeface="HY강B" panose="02030600000101010101" pitchFamily="18" charset="-127"/>
+              </a:rPr>
+              <a:t>}</a:t>
+            </a:r>
+          </a:p>
+          <a:p>
+            <a:r>
+              <a:rPr lang="ko-KR" altLang="en-US" sz="1200" dirty="0">
+                <a:latin typeface="HY강B" panose="02030600000101010101" pitchFamily="18" charset="-127"/>
+                <a:ea typeface="HY강B" panose="02030600000101010101" pitchFamily="18" charset="-127"/>
+              </a:rPr>
+              <a:t>    </a:t>
+            </a:r>
+            <a:r>
+              <a:rPr lang="en-US" altLang="ko-KR" sz="1200" dirty="0">
+                <a:latin typeface="HY강B" panose="02030600000101010101" pitchFamily="18" charset="-127"/>
+                <a:ea typeface="HY강B" panose="02030600000101010101" pitchFamily="18" charset="-127"/>
+              </a:rPr>
+              <a:t>}</a:t>
+            </a:r>
+          </a:p>
+          <a:p>
+            <a:r>
+              <a:rPr lang="ko-KR" altLang="en-US" sz="1200" dirty="0">
+                <a:latin typeface="HY강B" panose="02030600000101010101" pitchFamily="18" charset="-127"/>
+                <a:ea typeface="HY강B" panose="02030600000101010101" pitchFamily="18" charset="-127"/>
+              </a:rPr>
+              <a:t>    </a:t>
+            </a:r>
+            <a:r>
+              <a:rPr lang="en-US" altLang="ko-KR" sz="1200" dirty="0" smtClean="0">
+                <a:latin typeface="HY강B" panose="02030600000101010101" pitchFamily="18" charset="-127"/>
+                <a:ea typeface="HY강B" panose="02030600000101010101" pitchFamily="18" charset="-127"/>
+              </a:rPr>
               <a:t> </a:t>
             </a:r>
             <a:r>
-              <a:rPr lang="en-US" altLang="ko-KR" sz="1200" b="1" dirty="0"/>
-              <a:t>public static void printData2(List&lt;? extends Person&gt; list) {</a:t>
-            </a:r>
-          </a:p>
-          <a:p>
-            <a:r>
-              <a:rPr lang="en-US" altLang="ko-KR" sz="1200" dirty="0"/>
-              <a:t>        </a:t>
-            </a:r>
-            <a:r>
-              <a:rPr lang="en-US" altLang="ko-KR" sz="1200" b="1" dirty="0"/>
-              <a:t>for (Object </a:t>
-            </a:r>
-            <a:r>
-              <a:rPr lang="en-US" altLang="ko-KR" sz="1200" b="1" dirty="0" err="1"/>
-              <a:t>obj</a:t>
-            </a:r>
-            <a:r>
-              <a:rPr lang="en-US" altLang="ko-KR" sz="1200" b="1" dirty="0"/>
-              <a:t> : list) {</a:t>
-            </a:r>
-          </a:p>
-          <a:p>
-            <a:r>
-              <a:rPr lang="en-US" altLang="ko-KR" sz="1200" dirty="0"/>
-              <a:t>            </a:t>
-            </a:r>
-            <a:r>
-              <a:rPr lang="en-US" altLang="ko-KR" sz="1200" dirty="0" err="1"/>
-              <a:t>System.</a:t>
-            </a:r>
-            <a:r>
-              <a:rPr lang="en-US" altLang="ko-KR" sz="1200" b="1" i="1" dirty="0" err="1"/>
-              <a:t>out.println</a:t>
-            </a:r>
-            <a:r>
-              <a:rPr lang="en-US" altLang="ko-KR" sz="1200" b="1" i="1" dirty="0"/>
-              <a:t>(</a:t>
-            </a:r>
-            <a:r>
-              <a:rPr lang="en-US" altLang="ko-KR" sz="1200" b="1" i="1" dirty="0" err="1"/>
-              <a:t>obj</a:t>
-            </a:r>
-            <a:r>
-              <a:rPr lang="en-US" altLang="ko-KR" sz="1200" b="1" i="1" dirty="0"/>
-              <a:t>);</a:t>
-            </a:r>
-          </a:p>
-          <a:p>
-            <a:r>
-              <a:rPr lang="ko-KR" altLang="en-US" sz="1200" dirty="0"/>
-              <a:t>        </a:t>
-            </a:r>
-            <a:r>
-              <a:rPr lang="en-US" altLang="ko-KR" sz="1200" dirty="0"/>
+              <a:rPr lang="ko-KR" altLang="en-US" sz="1200" dirty="0" smtClean="0">
+                <a:latin typeface="HY강B" panose="02030600000101010101" pitchFamily="18" charset="-127"/>
+                <a:ea typeface="HY강B" panose="02030600000101010101" pitchFamily="18" charset="-127"/>
+              </a:rPr>
+              <a:t>    </a:t>
+            </a:r>
+            <a:r>
+              <a:rPr lang="en-US" altLang="ko-KR" sz="1200" dirty="0" smtClean="0">
+                <a:latin typeface="HY강B" panose="02030600000101010101" pitchFamily="18" charset="-127"/>
+                <a:ea typeface="HY강B" panose="02030600000101010101" pitchFamily="18" charset="-127"/>
+              </a:rPr>
+              <a:t> </a:t>
+            </a:r>
+            <a:endParaRPr lang="ko-KR" altLang="en-US" sz="1200" dirty="0">
+              <a:latin typeface="HY강B" panose="02030600000101010101" pitchFamily="18" charset="-127"/>
+              <a:ea typeface="HY강B" panose="02030600000101010101" pitchFamily="18" charset="-127"/>
+            </a:endParaRPr>
+          </a:p>
+          <a:p>
+            <a:r>
+              <a:rPr lang="en-US" altLang="ko-KR" sz="1200" dirty="0">
+                <a:latin typeface="HY강B" panose="02030600000101010101" pitchFamily="18" charset="-127"/>
+                <a:ea typeface="HY강B" panose="02030600000101010101" pitchFamily="18" charset="-127"/>
+              </a:rPr>
               <a:t>}</a:t>
             </a:r>
-          </a:p>
-          <a:p>
-            <a:r>
-              <a:rPr lang="ko-KR" altLang="en-US" sz="1200" dirty="0"/>
-              <a:t>    </a:t>
-            </a:r>
-            <a:r>
-              <a:rPr lang="en-US" altLang="ko-KR" sz="1200" dirty="0"/>
-              <a:t>}</a:t>
-            </a:r>
-          </a:p>
-          <a:p>
-            <a:r>
-              <a:rPr lang="ko-KR" altLang="en-US" sz="1200" dirty="0"/>
-              <a:t>    </a:t>
-            </a:r>
-            <a:r>
-              <a:rPr lang="en-US" altLang="ko-KR" sz="1200" dirty="0" smtClean="0"/>
-              <a:t> </a:t>
-            </a:r>
-            <a:r>
-              <a:rPr lang="ko-KR" altLang="en-US" sz="1200" dirty="0" smtClean="0"/>
-              <a:t>    </a:t>
-            </a:r>
-            <a:r>
-              <a:rPr lang="en-US" altLang="ko-KR" sz="1200" dirty="0" smtClean="0"/>
-              <a:t> </a:t>
-            </a:r>
-            <a:endParaRPr lang="ko-KR" altLang="en-US" sz="1200" dirty="0"/>
-          </a:p>
-          <a:p>
-            <a:r>
-              <a:rPr lang="en-US" altLang="ko-KR" sz="1200" dirty="0"/>
-              <a:t>}</a:t>
-            </a:r>
-            <a:endParaRPr lang="ko-KR" altLang="en-US" sz="1200" dirty="0"/>
+            <a:endParaRPr lang="ko-KR" altLang="en-US" sz="1200" dirty="0">
+              <a:latin typeface="HY강B" panose="02030600000101010101" pitchFamily="18" charset="-127"/>
+              <a:ea typeface="HY강B" panose="02030600000101010101" pitchFamily="18" charset="-127"/>
+            </a:endParaRPr>
           </a:p>
         </p:txBody>
       </p:sp>
@@ -3953,7 +5141,7 @@
         <p:spPr>
           <a:xfrm>
             <a:off x="7840717" y="1366345"/>
-            <a:ext cx="2816773" cy="646331"/>
+            <a:ext cx="2816773" cy="923330"/>
           </a:xfrm>
           <a:prstGeom prst="rect">
             <a:avLst/>
@@ -3982,13 +5170,65 @@
                   <a:srgbClr val="FF0000"/>
                 </a:solidFill>
               </a:rPr>
-              <a:t>? extends Person</a:t>
+              <a:t>? extends Man</a:t>
+            </a:r>
+          </a:p>
+          <a:p>
+            <a:r>
+              <a:rPr lang="en-US" altLang="ko-KR" dirty="0">
+                <a:solidFill>
+                  <a:srgbClr val="FF0000"/>
+                </a:solidFill>
+              </a:rPr>
+              <a:t>?</a:t>
             </a:r>
             <a:endParaRPr lang="ko-KR" altLang="en-US" dirty="0">
               <a:solidFill>
                 <a:srgbClr val="FF0000"/>
               </a:solidFill>
             </a:endParaRPr>
+          </a:p>
+        </p:txBody>
+      </p:sp>
+      <p:sp>
+        <p:nvSpPr>
+          <p:cNvPr id="5" name="폭발 1 4"/>
+          <p:cNvSpPr/>
+          <p:nvPr/>
+        </p:nvSpPr>
+        <p:spPr>
+          <a:xfrm>
+            <a:off x="9773368" y="2906703"/>
+            <a:ext cx="1768243" cy="1320127"/>
+          </a:xfrm>
+          <a:prstGeom prst="irregularSeal1">
+            <a:avLst/>
+          </a:prstGeom>
+        </p:spPr>
+        <p:style>
+          <a:lnRef idx="2">
+            <a:schemeClr val="accent6"/>
+          </a:lnRef>
+          <a:fillRef idx="1">
+            <a:schemeClr val="lt1"/>
+          </a:fillRef>
+          <a:effectRef idx="0">
+            <a:schemeClr val="accent6"/>
+          </a:effectRef>
+          <a:fontRef idx="minor">
+            <a:schemeClr val="dk1"/>
+          </a:fontRef>
+        </p:style>
+        <p:txBody>
+          <a:bodyPr rtlCol="0" anchor="ctr"/>
+          <a:lstStyle/>
+          <a:p>
+            <a:pPr algn="ctr"/>
+            <a:r>
+              <a:rPr lang="ko-KR" altLang="en-US" sz="1200" smtClean="0"/>
+              <a:t>문제풀기</a:t>
+            </a:r>
+            <a:endParaRPr lang="ko-KR" altLang="en-US" sz="1200"/>
           </a:p>
         </p:txBody>
       </p:sp>
@@ -4005,7 +5245,7 @@
 </p:sld>
 </file>
 
-<file path=ppt/slides/slide11.xml><?xml version="1.0" encoding="utf-8"?>
+<file path=ppt/slides/slide12.xml><?xml version="1.0" encoding="utf-8"?>
 <p:sld xmlns:a="http://schemas.openxmlformats.org/drawingml/2006/main" xmlns:r="http://schemas.openxmlformats.org/officeDocument/2006/relationships" xmlns:p="http://schemas.openxmlformats.org/presentationml/2006/main">
   <p:cSld>
     <p:spTree>
@@ -4299,7 +5539,7 @@
 </p:sld>
 </file>
 
-<file path=ppt/slides/slide12.xml><?xml version="1.0" encoding="utf-8"?>
+<file path=ppt/slides/slide13.xml><?xml version="1.0" encoding="utf-8"?>
 <p:sld xmlns:a="http://schemas.openxmlformats.org/drawingml/2006/main" xmlns:r="http://schemas.openxmlformats.org/officeDocument/2006/relationships" xmlns:p="http://schemas.openxmlformats.org/presentationml/2006/main">
   <p:cSld>
     <p:spTree>
@@ -4431,17 +5671,8 @@
             </a:r>
             <a:r>
               <a:rPr lang="ko-KR" altLang="en-US" dirty="0" smtClean="0"/>
-              <a:t>익명클래스의 </a:t>
-            </a:r>
-            <a:r>
-              <a:rPr lang="ko-KR" altLang="en-US" err="1" smtClean="0"/>
-              <a:t>익명객체가</a:t>
-            </a:r>
-            <a:r>
-              <a:rPr lang="ko-KR" altLang="en-US" smtClean="0"/>
-              <a:t> 생성됨</a:t>
-            </a:r>
-            <a:endParaRPr lang="ko-KR" altLang="en-US" dirty="0" smtClean="0"/>
+              <a:t>익명클래스의 익명객체가 생성됨</a:t>
+            </a:r>
           </a:p>
           <a:p>
             <a:endParaRPr lang="ko-KR" altLang="en-US" dirty="0" smtClean="0"/>
@@ -4509,7 +5740,7 @@
 </p:sld>
 </file>
 
-<file path=ppt/slides/slide13.xml><?xml version="1.0" encoding="utf-8"?>
+<file path=ppt/slides/slide14.xml><?xml version="1.0" encoding="utf-8"?>
 <p:sld xmlns:a="http://schemas.openxmlformats.org/drawingml/2006/main" xmlns:r="http://schemas.openxmlformats.org/officeDocument/2006/relationships" xmlns:p="http://schemas.openxmlformats.org/presentationml/2006/main">
   <p:cSld>
     <p:spTree>
@@ -4922,7 +6153,7 @@
 </p:sld>
 </file>
 
-<file path=ppt/slides/slide14.xml><?xml version="1.0" encoding="utf-8"?>
+<file path=ppt/slides/slide15.xml><?xml version="1.0" encoding="utf-8"?>
 <p:sld xmlns:a="http://schemas.openxmlformats.org/drawingml/2006/main" xmlns:r="http://schemas.openxmlformats.org/officeDocument/2006/relationships" xmlns:p="http://schemas.openxmlformats.org/presentationml/2006/main">
   <p:cSld>
     <p:spTree>
@@ -5453,7 +6684,7 @@
 </p:sld>
 </file>
 
-<file path=ppt/slides/slide15.xml><?xml version="1.0" encoding="utf-8"?>
+<file path=ppt/slides/slide16.xml><?xml version="1.0" encoding="utf-8"?>
 <p:sld xmlns:a="http://schemas.openxmlformats.org/drawingml/2006/main" xmlns:r="http://schemas.openxmlformats.org/officeDocument/2006/relationships" xmlns:p="http://schemas.openxmlformats.org/presentationml/2006/main">
   <p:cSld>
     <p:spTree>
@@ -5632,7 +6863,7 @@
 </p:sld>
 </file>
 
-<file path=ppt/slides/slide16.xml><?xml version="1.0" encoding="utf-8"?>
+<file path=ppt/slides/slide17.xml><?xml version="1.0" encoding="utf-8"?>
 <p:sld xmlns:a="http://schemas.openxmlformats.org/drawingml/2006/main" xmlns:r="http://schemas.openxmlformats.org/officeDocument/2006/relationships" xmlns:p="http://schemas.openxmlformats.org/presentationml/2006/main">
   <p:cSld>
     <p:spTree>
@@ -6099,7 +7330,7 @@
 </p:sld>
 </file>
 
-<file path=ppt/slides/slide17.xml><?xml version="1.0" encoding="utf-8"?>
+<file path=ppt/slides/slide18.xml><?xml version="1.0" encoding="utf-8"?>
 <p:sld xmlns:a="http://schemas.openxmlformats.org/drawingml/2006/main" xmlns:r="http://schemas.openxmlformats.org/officeDocument/2006/relationships" xmlns:p="http://schemas.openxmlformats.org/presentationml/2006/main">
   <p:cSld>
     <p:spTree>
@@ -6801,7 +8032,7 @@
 </p:sld>
 </file>
 
-<file path=ppt/slides/slide18.xml><?xml version="1.0" encoding="utf-8"?>
+<file path=ppt/slides/slide19.xml><?xml version="1.0" encoding="utf-8"?>
 <p:sld xmlns:a="http://schemas.openxmlformats.org/drawingml/2006/main" xmlns:r="http://schemas.openxmlformats.org/officeDocument/2006/relationships" xmlns:p="http://schemas.openxmlformats.org/presentationml/2006/main">
   <p:cSld>
     <p:spTree>
@@ -7245,7 +8476,477 @@
 </p:sld>
 </file>
 
-<file path=ppt/slides/slide19.xml><?xml version="1.0" encoding="utf-8"?>
+<file path=ppt/slides/slide2.xml><?xml version="1.0" encoding="utf-8"?>
+<p:sld xmlns:a="http://schemas.openxmlformats.org/drawingml/2006/main" xmlns:r="http://schemas.openxmlformats.org/officeDocument/2006/relationships" xmlns:p="http://schemas.openxmlformats.org/presentationml/2006/main">
+  <p:cSld>
+    <p:spTree>
+      <p:nvGrpSpPr>
+        <p:cNvPr id="1" name=""/>
+        <p:cNvGrpSpPr/>
+        <p:nvPr/>
+      </p:nvGrpSpPr>
+      <p:grpSpPr>
+        <a:xfrm>
+          <a:off x="0" y="0"/>
+          <a:ext cx="0" cy="0"/>
+          <a:chOff x="0" y="0"/>
+          <a:chExt cx="0" cy="0"/>
+        </a:xfrm>
+      </p:grpSpPr>
+      <p:sp>
+        <p:nvSpPr>
+          <p:cNvPr id="4" name="직사각형 3"/>
+          <p:cNvSpPr/>
+          <p:nvPr/>
+        </p:nvSpPr>
+        <p:spPr>
+          <a:xfrm>
+            <a:off x="1180434" y="1176243"/>
+            <a:ext cx="3647153" cy="923330"/>
+          </a:xfrm>
+          <a:prstGeom prst="rect">
+            <a:avLst/>
+          </a:prstGeom>
+          <a:noFill/>
+        </p:spPr>
+        <p:txBody>
+          <a:bodyPr wrap="none" lIns="91440" tIns="45720" rIns="91440" bIns="45720">
+            <a:spAutoFit/>
+          </a:bodyPr>
+          <a:lstStyle/>
+          <a:p>
+            <a:pPr algn="ctr"/>
+            <a:r>
+              <a:rPr lang="ko-KR" altLang="en-US" sz="5400" b="1" dirty="0" err="1" smtClean="0">
+                <a:ln w="12700" cmpd="sng">
+                  <a:solidFill>
+                    <a:schemeClr val="accent4"/>
+                  </a:solidFill>
+                  <a:prstDash val="solid"/>
+                </a:ln>
+                <a:gradFill>
+                  <a:gsLst>
+                    <a:gs pos="0">
+                      <a:schemeClr val="accent4"/>
+                    </a:gs>
+                    <a:gs pos="4000">
+                      <a:schemeClr val="accent4">
+                        <a:lumMod val="60000"/>
+                        <a:lumOff val="40000"/>
+                      </a:schemeClr>
+                    </a:gs>
+                    <a:gs pos="87000">
+                      <a:schemeClr val="accent4">
+                        <a:lumMod val="20000"/>
+                        <a:lumOff val="80000"/>
+                      </a:schemeClr>
+                    </a:gs>
+                  </a:gsLst>
+                  <a:lin ang="5400000"/>
+                </a:gradFill>
+              </a:rPr>
+              <a:t>내부클래스</a:t>
+            </a:r>
+            <a:endParaRPr lang="en-US" altLang="ko-KR" sz="5400" b="1" cap="none" spc="0" dirty="0">
+              <a:ln w="12700" cmpd="sng">
+                <a:solidFill>
+                  <a:schemeClr val="accent4"/>
+                </a:solidFill>
+                <a:prstDash val="solid"/>
+              </a:ln>
+              <a:gradFill>
+                <a:gsLst>
+                  <a:gs pos="0">
+                    <a:schemeClr val="accent4"/>
+                  </a:gs>
+                  <a:gs pos="4000">
+                    <a:schemeClr val="accent4">
+                      <a:lumMod val="60000"/>
+                      <a:lumOff val="40000"/>
+                    </a:schemeClr>
+                  </a:gs>
+                  <a:gs pos="87000">
+                    <a:schemeClr val="accent4">
+                      <a:lumMod val="20000"/>
+                      <a:lumOff val="80000"/>
+                    </a:schemeClr>
+                  </a:gs>
+                </a:gsLst>
+                <a:lin ang="5400000"/>
+              </a:gradFill>
+              <a:effectLst/>
+            </a:endParaRPr>
+          </a:p>
+        </p:txBody>
+      </p:sp>
+      <p:sp>
+        <p:nvSpPr>
+          <p:cNvPr id="7" name="직사각형 6"/>
+          <p:cNvSpPr/>
+          <p:nvPr/>
+        </p:nvSpPr>
+        <p:spPr>
+          <a:xfrm>
+            <a:off x="1272619" y="3431357"/>
+            <a:ext cx="1687397" cy="1357459"/>
+          </a:xfrm>
+          <a:prstGeom prst="rect">
+            <a:avLst/>
+          </a:prstGeom>
+        </p:spPr>
+        <p:style>
+          <a:lnRef idx="2">
+            <a:schemeClr val="accent6"/>
+          </a:lnRef>
+          <a:fillRef idx="1">
+            <a:schemeClr val="lt1"/>
+          </a:fillRef>
+          <a:effectRef idx="0">
+            <a:schemeClr val="accent6"/>
+          </a:effectRef>
+          <a:fontRef idx="minor">
+            <a:schemeClr val="dk1"/>
+          </a:fontRef>
+        </p:style>
+        <p:txBody>
+          <a:bodyPr rtlCol="0" anchor="ctr"/>
+          <a:lstStyle/>
+          <a:p>
+            <a:pPr algn="ctr"/>
+            <a:endParaRPr lang="ko-KR" altLang="en-US"/>
+          </a:p>
+        </p:txBody>
+      </p:sp>
+      <p:sp>
+        <p:nvSpPr>
+          <p:cNvPr id="5" name="직사각형 4"/>
+          <p:cNvSpPr/>
+          <p:nvPr/>
+        </p:nvSpPr>
+        <p:spPr>
+          <a:xfrm>
+            <a:off x="1180434" y="2422689"/>
+            <a:ext cx="2439459" cy="2969443"/>
+          </a:xfrm>
+          <a:prstGeom prst="rect">
+            <a:avLst/>
+          </a:prstGeom>
+        </p:spPr>
+        <p:style>
+          <a:lnRef idx="2">
+            <a:schemeClr val="accent6"/>
+          </a:lnRef>
+          <a:fillRef idx="1">
+            <a:schemeClr val="lt1"/>
+          </a:fillRef>
+          <a:effectRef idx="0">
+            <a:schemeClr val="accent6"/>
+          </a:effectRef>
+          <a:fontRef idx="minor">
+            <a:schemeClr val="dk1"/>
+          </a:fontRef>
+        </p:style>
+        <p:txBody>
+          <a:bodyPr rtlCol="0" anchor="ctr"/>
+          <a:lstStyle/>
+          <a:p>
+            <a:r>
+              <a:rPr lang="en-US" altLang="ko-KR" dirty="0"/>
+              <a:t>c</a:t>
+            </a:r>
+            <a:r>
+              <a:rPr lang="en-US" altLang="ko-KR" dirty="0" smtClean="0"/>
+              <a:t>lass Out{</a:t>
+            </a:r>
+          </a:p>
+          <a:p>
+            <a:endParaRPr lang="en-US" altLang="ko-KR" dirty="0"/>
+          </a:p>
+          <a:p>
+            <a:endParaRPr lang="en-US" altLang="ko-KR" dirty="0" smtClean="0"/>
+          </a:p>
+          <a:p>
+            <a:r>
+              <a:rPr lang="en-US" altLang="ko-KR" dirty="0" smtClean="0"/>
+              <a:t>   class In{</a:t>
+            </a:r>
+          </a:p>
+          <a:p>
+            <a:endParaRPr lang="en-US" altLang="ko-KR" dirty="0"/>
+          </a:p>
+          <a:p>
+            <a:endParaRPr lang="en-US" altLang="ko-KR" dirty="0" smtClean="0"/>
+          </a:p>
+          <a:p>
+            <a:r>
+              <a:rPr lang="en-US" altLang="ko-KR" dirty="0" smtClean="0"/>
+              <a:t>   }</a:t>
+            </a:r>
+          </a:p>
+          <a:p>
+            <a:r>
+              <a:rPr lang="en-US" altLang="ko-KR" dirty="0" smtClean="0"/>
+              <a:t>} </a:t>
+            </a:r>
+            <a:endParaRPr lang="ko-KR" altLang="en-US" dirty="0"/>
+          </a:p>
+        </p:txBody>
+      </p:sp>
+      <p:sp>
+        <p:nvSpPr>
+          <p:cNvPr id="8" name="직사각형 7"/>
+          <p:cNvSpPr/>
+          <p:nvPr/>
+        </p:nvSpPr>
+        <p:spPr>
+          <a:xfrm>
+            <a:off x="1414021" y="3525625"/>
+            <a:ext cx="1589989" cy="1263191"/>
+          </a:xfrm>
+          <a:prstGeom prst="rect">
+            <a:avLst/>
+          </a:prstGeom>
+          <a:noFill/>
+        </p:spPr>
+        <p:style>
+          <a:lnRef idx="2">
+            <a:schemeClr val="accent6"/>
+          </a:lnRef>
+          <a:fillRef idx="1">
+            <a:schemeClr val="lt1"/>
+          </a:fillRef>
+          <a:effectRef idx="0">
+            <a:schemeClr val="accent6"/>
+          </a:effectRef>
+          <a:fontRef idx="minor">
+            <a:schemeClr val="dk1"/>
+          </a:fontRef>
+        </p:style>
+        <p:txBody>
+          <a:bodyPr rtlCol="0" anchor="ctr"/>
+          <a:lstStyle/>
+          <a:p>
+            <a:pPr algn="ctr"/>
+            <a:endParaRPr lang="ko-KR" altLang="en-US"/>
+          </a:p>
+        </p:txBody>
+      </p:sp>
+      <p:cxnSp>
+        <p:nvCxnSpPr>
+          <p:cNvPr id="10" name="직선 화살표 연결선 9"/>
+          <p:cNvCxnSpPr>
+            <a:endCxn id="11" idx="1"/>
+          </p:cNvCxnSpPr>
+          <p:nvPr/>
+        </p:nvCxnSpPr>
+        <p:spPr>
+          <a:xfrm flipV="1">
+            <a:off x="3619893" y="2758184"/>
+            <a:ext cx="942680" cy="13296"/>
+          </a:xfrm>
+          <a:prstGeom prst="straightConnector1">
+            <a:avLst/>
+          </a:prstGeom>
+          <a:ln>
+            <a:tailEnd type="triangle"/>
+          </a:ln>
+        </p:spPr>
+        <p:style>
+          <a:lnRef idx="1">
+            <a:schemeClr val="accent1"/>
+          </a:lnRef>
+          <a:fillRef idx="0">
+            <a:schemeClr val="accent1"/>
+          </a:fillRef>
+          <a:effectRef idx="0">
+            <a:schemeClr val="accent1"/>
+          </a:effectRef>
+          <a:fontRef idx="minor">
+            <a:schemeClr val="tx1"/>
+          </a:fontRef>
+        </p:style>
+      </p:cxnSp>
+      <p:sp>
+        <p:nvSpPr>
+          <p:cNvPr id="11" name="TextBox 10"/>
+          <p:cNvSpPr txBox="1"/>
+          <p:nvPr/>
+        </p:nvSpPr>
+        <p:spPr>
+          <a:xfrm>
+            <a:off x="4562573" y="2573518"/>
+            <a:ext cx="2658359" cy="369332"/>
+          </a:xfrm>
+          <a:prstGeom prst="rect">
+            <a:avLst/>
+          </a:prstGeom>
+          <a:noFill/>
+        </p:spPr>
+        <p:txBody>
+          <a:bodyPr wrap="square" rtlCol="0">
+            <a:spAutoFit/>
+          </a:bodyPr>
+          <a:lstStyle/>
+          <a:p>
+            <a:r>
+              <a:rPr lang="ko-KR" altLang="en-US" dirty="0" err="1" smtClean="0"/>
+              <a:t>외부클래스</a:t>
+            </a:r>
+            <a:endParaRPr lang="ko-KR" altLang="en-US" dirty="0"/>
+          </a:p>
+        </p:txBody>
+      </p:sp>
+      <p:cxnSp>
+        <p:nvCxnSpPr>
+          <p:cNvPr id="13" name="직선 화살표 연결선 12"/>
+          <p:cNvCxnSpPr/>
+          <p:nvPr/>
+        </p:nvCxnSpPr>
+        <p:spPr>
+          <a:xfrm>
+            <a:off x="2510673" y="4091232"/>
+            <a:ext cx="2051900" cy="0"/>
+          </a:xfrm>
+          <a:prstGeom prst="straightConnector1">
+            <a:avLst/>
+          </a:prstGeom>
+          <a:ln>
+            <a:tailEnd type="triangle"/>
+          </a:ln>
+        </p:spPr>
+        <p:style>
+          <a:lnRef idx="1">
+            <a:schemeClr val="accent1"/>
+          </a:lnRef>
+          <a:fillRef idx="0">
+            <a:schemeClr val="accent1"/>
+          </a:fillRef>
+          <a:effectRef idx="0">
+            <a:schemeClr val="accent1"/>
+          </a:effectRef>
+          <a:fontRef idx="minor">
+            <a:schemeClr val="tx1"/>
+          </a:fontRef>
+        </p:style>
+      </p:cxnSp>
+      <p:sp>
+        <p:nvSpPr>
+          <p:cNvPr id="15" name="TextBox 14"/>
+          <p:cNvSpPr txBox="1"/>
+          <p:nvPr/>
+        </p:nvSpPr>
+        <p:spPr>
+          <a:xfrm>
+            <a:off x="4534292" y="3906566"/>
+            <a:ext cx="2658359" cy="369332"/>
+          </a:xfrm>
+          <a:prstGeom prst="rect">
+            <a:avLst/>
+          </a:prstGeom>
+          <a:noFill/>
+        </p:spPr>
+        <p:txBody>
+          <a:bodyPr wrap="square" rtlCol="0">
+            <a:spAutoFit/>
+          </a:bodyPr>
+          <a:lstStyle/>
+          <a:p>
+            <a:r>
+              <a:rPr lang="ko-KR" altLang="en-US" dirty="0" err="1" smtClean="0"/>
+              <a:t>내부클래스</a:t>
+            </a:r>
+            <a:endParaRPr lang="ko-KR" altLang="en-US" dirty="0"/>
+          </a:p>
+        </p:txBody>
+      </p:sp>
+      <p:sp>
+        <p:nvSpPr>
+          <p:cNvPr id="16" name="직사각형 15"/>
+          <p:cNvSpPr/>
+          <p:nvPr/>
+        </p:nvSpPr>
+        <p:spPr>
+          <a:xfrm>
+            <a:off x="6898337" y="2488676"/>
+            <a:ext cx="4194928" cy="2154025"/>
+          </a:xfrm>
+          <a:prstGeom prst="rect">
+            <a:avLst/>
+          </a:prstGeom>
+        </p:spPr>
+        <p:style>
+          <a:lnRef idx="2">
+            <a:schemeClr val="accent6"/>
+          </a:lnRef>
+          <a:fillRef idx="1">
+            <a:schemeClr val="lt1"/>
+          </a:fillRef>
+          <a:effectRef idx="0">
+            <a:schemeClr val="accent6"/>
+          </a:effectRef>
+          <a:fontRef idx="minor">
+            <a:schemeClr val="dk1"/>
+          </a:fontRef>
+        </p:style>
+        <p:txBody>
+          <a:bodyPr rtlCol="0" anchor="ctr"/>
+          <a:lstStyle/>
+          <a:p>
+            <a:pPr algn="ctr"/>
+            <a:r>
+              <a:rPr lang="ko-KR" altLang="en-US" dirty="0" smtClean="0"/>
+              <a:t>인스턴스 </a:t>
+            </a:r>
+            <a:r>
+              <a:rPr lang="ko-KR" altLang="en-US" dirty="0" err="1" smtClean="0"/>
+              <a:t>내부클래스</a:t>
+            </a:r>
+            <a:endParaRPr lang="en-US" altLang="ko-KR" dirty="0" smtClean="0"/>
+          </a:p>
+          <a:p>
+            <a:pPr algn="ctr"/>
+            <a:r>
+              <a:rPr lang="ko-KR" altLang="en-US" dirty="0" smtClean="0"/>
+              <a:t>정적 </a:t>
+            </a:r>
+            <a:r>
+              <a:rPr lang="ko-KR" altLang="en-US" dirty="0" err="1" smtClean="0"/>
+              <a:t>내부클래스</a:t>
+            </a:r>
+            <a:endParaRPr lang="en-US" altLang="ko-KR" dirty="0" smtClean="0"/>
+          </a:p>
+          <a:p>
+            <a:pPr algn="ctr"/>
+            <a:r>
+              <a:rPr lang="ko-KR" altLang="en-US" dirty="0" smtClean="0"/>
+              <a:t>지역내부클래스</a:t>
+            </a:r>
+            <a:endParaRPr lang="en-US" altLang="ko-KR" dirty="0" smtClean="0"/>
+          </a:p>
+          <a:p>
+            <a:pPr algn="ctr"/>
+            <a:r>
+              <a:rPr lang="ko-KR" altLang="en-US" dirty="0" smtClean="0"/>
+              <a:t>익명내부클래스</a:t>
+            </a:r>
+            <a:endParaRPr lang="ko-KR" altLang="en-US" dirty="0"/>
+          </a:p>
+        </p:txBody>
+      </p:sp>
+    </p:spTree>
+    <p:extLst>
+      <p:ext uri="{BB962C8B-B14F-4D97-AF65-F5344CB8AC3E}">
+        <p14:creationId xmlns:p14="http://schemas.microsoft.com/office/powerpoint/2010/main" val="1183702104"/>
+      </p:ext>
+    </p:extLst>
+  </p:cSld>
+  <p:clrMapOvr>
+    <a:masterClrMapping/>
+  </p:clrMapOvr>
+</p:sld>
+</file>
+
+<file path=ppt/slides/slide20.xml><?xml version="1.0" encoding="utf-8"?>
 <p:sld xmlns:a="http://schemas.openxmlformats.org/drawingml/2006/main" xmlns:r="http://schemas.openxmlformats.org/officeDocument/2006/relationships" xmlns:p="http://schemas.openxmlformats.org/presentationml/2006/main">
   <p:cSld>
     <p:spTree>
@@ -7744,477 +9445,7 @@
 </p:sld>
 </file>
 
-<file path=ppt/slides/slide2.xml><?xml version="1.0" encoding="utf-8"?>
-<p:sld xmlns:a="http://schemas.openxmlformats.org/drawingml/2006/main" xmlns:r="http://schemas.openxmlformats.org/officeDocument/2006/relationships" xmlns:p="http://schemas.openxmlformats.org/presentationml/2006/main">
-  <p:cSld>
-    <p:spTree>
-      <p:nvGrpSpPr>
-        <p:cNvPr id="1" name=""/>
-        <p:cNvGrpSpPr/>
-        <p:nvPr/>
-      </p:nvGrpSpPr>
-      <p:grpSpPr>
-        <a:xfrm>
-          <a:off x="0" y="0"/>
-          <a:ext cx="0" cy="0"/>
-          <a:chOff x="0" y="0"/>
-          <a:chExt cx="0" cy="0"/>
-        </a:xfrm>
-      </p:grpSpPr>
-      <p:sp>
-        <p:nvSpPr>
-          <p:cNvPr id="4" name="직사각형 3"/>
-          <p:cNvSpPr/>
-          <p:nvPr/>
-        </p:nvSpPr>
-        <p:spPr>
-          <a:xfrm>
-            <a:off x="1180434" y="1176243"/>
-            <a:ext cx="3647153" cy="923330"/>
-          </a:xfrm>
-          <a:prstGeom prst="rect">
-            <a:avLst/>
-          </a:prstGeom>
-          <a:noFill/>
-        </p:spPr>
-        <p:txBody>
-          <a:bodyPr wrap="none" lIns="91440" tIns="45720" rIns="91440" bIns="45720">
-            <a:spAutoFit/>
-          </a:bodyPr>
-          <a:lstStyle/>
-          <a:p>
-            <a:pPr algn="ctr"/>
-            <a:r>
-              <a:rPr lang="ko-KR" altLang="en-US" sz="5400" b="1" dirty="0" err="1" smtClean="0">
-                <a:ln w="12700" cmpd="sng">
-                  <a:solidFill>
-                    <a:schemeClr val="accent4"/>
-                  </a:solidFill>
-                  <a:prstDash val="solid"/>
-                </a:ln>
-                <a:gradFill>
-                  <a:gsLst>
-                    <a:gs pos="0">
-                      <a:schemeClr val="accent4"/>
-                    </a:gs>
-                    <a:gs pos="4000">
-                      <a:schemeClr val="accent4">
-                        <a:lumMod val="60000"/>
-                        <a:lumOff val="40000"/>
-                      </a:schemeClr>
-                    </a:gs>
-                    <a:gs pos="87000">
-                      <a:schemeClr val="accent4">
-                        <a:lumMod val="20000"/>
-                        <a:lumOff val="80000"/>
-                      </a:schemeClr>
-                    </a:gs>
-                  </a:gsLst>
-                  <a:lin ang="5400000"/>
-                </a:gradFill>
-              </a:rPr>
-              <a:t>내부클래스</a:t>
-            </a:r>
-            <a:endParaRPr lang="en-US" altLang="ko-KR" sz="5400" b="1" cap="none" spc="0" dirty="0">
-              <a:ln w="12700" cmpd="sng">
-                <a:solidFill>
-                  <a:schemeClr val="accent4"/>
-                </a:solidFill>
-                <a:prstDash val="solid"/>
-              </a:ln>
-              <a:gradFill>
-                <a:gsLst>
-                  <a:gs pos="0">
-                    <a:schemeClr val="accent4"/>
-                  </a:gs>
-                  <a:gs pos="4000">
-                    <a:schemeClr val="accent4">
-                      <a:lumMod val="60000"/>
-                      <a:lumOff val="40000"/>
-                    </a:schemeClr>
-                  </a:gs>
-                  <a:gs pos="87000">
-                    <a:schemeClr val="accent4">
-                      <a:lumMod val="20000"/>
-                      <a:lumOff val="80000"/>
-                    </a:schemeClr>
-                  </a:gs>
-                </a:gsLst>
-                <a:lin ang="5400000"/>
-              </a:gradFill>
-              <a:effectLst/>
-            </a:endParaRPr>
-          </a:p>
-        </p:txBody>
-      </p:sp>
-      <p:sp>
-        <p:nvSpPr>
-          <p:cNvPr id="7" name="직사각형 6"/>
-          <p:cNvSpPr/>
-          <p:nvPr/>
-        </p:nvSpPr>
-        <p:spPr>
-          <a:xfrm>
-            <a:off x="1272619" y="3431357"/>
-            <a:ext cx="1687397" cy="1357459"/>
-          </a:xfrm>
-          <a:prstGeom prst="rect">
-            <a:avLst/>
-          </a:prstGeom>
-        </p:spPr>
-        <p:style>
-          <a:lnRef idx="2">
-            <a:schemeClr val="accent6"/>
-          </a:lnRef>
-          <a:fillRef idx="1">
-            <a:schemeClr val="lt1"/>
-          </a:fillRef>
-          <a:effectRef idx="0">
-            <a:schemeClr val="accent6"/>
-          </a:effectRef>
-          <a:fontRef idx="minor">
-            <a:schemeClr val="dk1"/>
-          </a:fontRef>
-        </p:style>
-        <p:txBody>
-          <a:bodyPr rtlCol="0" anchor="ctr"/>
-          <a:lstStyle/>
-          <a:p>
-            <a:pPr algn="ctr"/>
-            <a:endParaRPr lang="ko-KR" altLang="en-US"/>
-          </a:p>
-        </p:txBody>
-      </p:sp>
-      <p:sp>
-        <p:nvSpPr>
-          <p:cNvPr id="5" name="직사각형 4"/>
-          <p:cNvSpPr/>
-          <p:nvPr/>
-        </p:nvSpPr>
-        <p:spPr>
-          <a:xfrm>
-            <a:off x="1180434" y="2422689"/>
-            <a:ext cx="2439459" cy="2969443"/>
-          </a:xfrm>
-          <a:prstGeom prst="rect">
-            <a:avLst/>
-          </a:prstGeom>
-        </p:spPr>
-        <p:style>
-          <a:lnRef idx="2">
-            <a:schemeClr val="accent6"/>
-          </a:lnRef>
-          <a:fillRef idx="1">
-            <a:schemeClr val="lt1"/>
-          </a:fillRef>
-          <a:effectRef idx="0">
-            <a:schemeClr val="accent6"/>
-          </a:effectRef>
-          <a:fontRef idx="minor">
-            <a:schemeClr val="dk1"/>
-          </a:fontRef>
-        </p:style>
-        <p:txBody>
-          <a:bodyPr rtlCol="0" anchor="ctr"/>
-          <a:lstStyle/>
-          <a:p>
-            <a:r>
-              <a:rPr lang="en-US" altLang="ko-KR" dirty="0"/>
-              <a:t>c</a:t>
-            </a:r>
-            <a:r>
-              <a:rPr lang="en-US" altLang="ko-KR" dirty="0" smtClean="0"/>
-              <a:t>lass Out{</a:t>
-            </a:r>
-          </a:p>
-          <a:p>
-            <a:endParaRPr lang="en-US" altLang="ko-KR" dirty="0"/>
-          </a:p>
-          <a:p>
-            <a:endParaRPr lang="en-US" altLang="ko-KR" dirty="0" smtClean="0"/>
-          </a:p>
-          <a:p>
-            <a:r>
-              <a:rPr lang="en-US" altLang="ko-KR" dirty="0" smtClean="0"/>
-              <a:t>   class In{</a:t>
-            </a:r>
-          </a:p>
-          <a:p>
-            <a:endParaRPr lang="en-US" altLang="ko-KR" dirty="0"/>
-          </a:p>
-          <a:p>
-            <a:endParaRPr lang="en-US" altLang="ko-KR" dirty="0" smtClean="0"/>
-          </a:p>
-          <a:p>
-            <a:r>
-              <a:rPr lang="en-US" altLang="ko-KR" dirty="0" smtClean="0"/>
-              <a:t>   }</a:t>
-            </a:r>
-          </a:p>
-          <a:p>
-            <a:r>
-              <a:rPr lang="en-US" altLang="ko-KR" dirty="0" smtClean="0"/>
-              <a:t>} </a:t>
-            </a:r>
-            <a:endParaRPr lang="ko-KR" altLang="en-US" dirty="0"/>
-          </a:p>
-        </p:txBody>
-      </p:sp>
-      <p:sp>
-        <p:nvSpPr>
-          <p:cNvPr id="8" name="직사각형 7"/>
-          <p:cNvSpPr/>
-          <p:nvPr/>
-        </p:nvSpPr>
-        <p:spPr>
-          <a:xfrm>
-            <a:off x="1414021" y="3525625"/>
-            <a:ext cx="1589989" cy="1263191"/>
-          </a:xfrm>
-          <a:prstGeom prst="rect">
-            <a:avLst/>
-          </a:prstGeom>
-          <a:noFill/>
-        </p:spPr>
-        <p:style>
-          <a:lnRef idx="2">
-            <a:schemeClr val="accent6"/>
-          </a:lnRef>
-          <a:fillRef idx="1">
-            <a:schemeClr val="lt1"/>
-          </a:fillRef>
-          <a:effectRef idx="0">
-            <a:schemeClr val="accent6"/>
-          </a:effectRef>
-          <a:fontRef idx="minor">
-            <a:schemeClr val="dk1"/>
-          </a:fontRef>
-        </p:style>
-        <p:txBody>
-          <a:bodyPr rtlCol="0" anchor="ctr"/>
-          <a:lstStyle/>
-          <a:p>
-            <a:pPr algn="ctr"/>
-            <a:endParaRPr lang="ko-KR" altLang="en-US"/>
-          </a:p>
-        </p:txBody>
-      </p:sp>
-      <p:cxnSp>
-        <p:nvCxnSpPr>
-          <p:cNvPr id="10" name="직선 화살표 연결선 9"/>
-          <p:cNvCxnSpPr>
-            <a:endCxn id="11" idx="1"/>
-          </p:cNvCxnSpPr>
-          <p:nvPr/>
-        </p:nvCxnSpPr>
-        <p:spPr>
-          <a:xfrm flipV="1">
-            <a:off x="3619893" y="2758184"/>
-            <a:ext cx="942680" cy="13296"/>
-          </a:xfrm>
-          <a:prstGeom prst="straightConnector1">
-            <a:avLst/>
-          </a:prstGeom>
-          <a:ln>
-            <a:tailEnd type="triangle"/>
-          </a:ln>
-        </p:spPr>
-        <p:style>
-          <a:lnRef idx="1">
-            <a:schemeClr val="accent1"/>
-          </a:lnRef>
-          <a:fillRef idx="0">
-            <a:schemeClr val="accent1"/>
-          </a:fillRef>
-          <a:effectRef idx="0">
-            <a:schemeClr val="accent1"/>
-          </a:effectRef>
-          <a:fontRef idx="minor">
-            <a:schemeClr val="tx1"/>
-          </a:fontRef>
-        </p:style>
-      </p:cxnSp>
-      <p:sp>
-        <p:nvSpPr>
-          <p:cNvPr id="11" name="TextBox 10"/>
-          <p:cNvSpPr txBox="1"/>
-          <p:nvPr/>
-        </p:nvSpPr>
-        <p:spPr>
-          <a:xfrm>
-            <a:off x="4562573" y="2573518"/>
-            <a:ext cx="2658359" cy="369332"/>
-          </a:xfrm>
-          <a:prstGeom prst="rect">
-            <a:avLst/>
-          </a:prstGeom>
-          <a:noFill/>
-        </p:spPr>
-        <p:txBody>
-          <a:bodyPr wrap="square" rtlCol="0">
-            <a:spAutoFit/>
-          </a:bodyPr>
-          <a:lstStyle/>
-          <a:p>
-            <a:r>
-              <a:rPr lang="ko-KR" altLang="en-US" dirty="0" err="1" smtClean="0"/>
-              <a:t>외부클래스</a:t>
-            </a:r>
-            <a:endParaRPr lang="ko-KR" altLang="en-US" dirty="0"/>
-          </a:p>
-        </p:txBody>
-      </p:sp>
-      <p:cxnSp>
-        <p:nvCxnSpPr>
-          <p:cNvPr id="13" name="직선 화살표 연결선 12"/>
-          <p:cNvCxnSpPr/>
-          <p:nvPr/>
-        </p:nvCxnSpPr>
-        <p:spPr>
-          <a:xfrm>
-            <a:off x="2510673" y="4091232"/>
-            <a:ext cx="2051900" cy="0"/>
-          </a:xfrm>
-          <a:prstGeom prst="straightConnector1">
-            <a:avLst/>
-          </a:prstGeom>
-          <a:ln>
-            <a:tailEnd type="triangle"/>
-          </a:ln>
-        </p:spPr>
-        <p:style>
-          <a:lnRef idx="1">
-            <a:schemeClr val="accent1"/>
-          </a:lnRef>
-          <a:fillRef idx="0">
-            <a:schemeClr val="accent1"/>
-          </a:fillRef>
-          <a:effectRef idx="0">
-            <a:schemeClr val="accent1"/>
-          </a:effectRef>
-          <a:fontRef idx="minor">
-            <a:schemeClr val="tx1"/>
-          </a:fontRef>
-        </p:style>
-      </p:cxnSp>
-      <p:sp>
-        <p:nvSpPr>
-          <p:cNvPr id="15" name="TextBox 14"/>
-          <p:cNvSpPr txBox="1"/>
-          <p:nvPr/>
-        </p:nvSpPr>
-        <p:spPr>
-          <a:xfrm>
-            <a:off x="4534292" y="3906566"/>
-            <a:ext cx="2658359" cy="369332"/>
-          </a:xfrm>
-          <a:prstGeom prst="rect">
-            <a:avLst/>
-          </a:prstGeom>
-          <a:noFill/>
-        </p:spPr>
-        <p:txBody>
-          <a:bodyPr wrap="square" rtlCol="0">
-            <a:spAutoFit/>
-          </a:bodyPr>
-          <a:lstStyle/>
-          <a:p>
-            <a:r>
-              <a:rPr lang="ko-KR" altLang="en-US" dirty="0" err="1" smtClean="0"/>
-              <a:t>내부클래스</a:t>
-            </a:r>
-            <a:endParaRPr lang="ko-KR" altLang="en-US" dirty="0"/>
-          </a:p>
-        </p:txBody>
-      </p:sp>
-      <p:sp>
-        <p:nvSpPr>
-          <p:cNvPr id="16" name="직사각형 15"/>
-          <p:cNvSpPr/>
-          <p:nvPr/>
-        </p:nvSpPr>
-        <p:spPr>
-          <a:xfrm>
-            <a:off x="6898337" y="2488676"/>
-            <a:ext cx="4194928" cy="2154025"/>
-          </a:xfrm>
-          <a:prstGeom prst="rect">
-            <a:avLst/>
-          </a:prstGeom>
-        </p:spPr>
-        <p:style>
-          <a:lnRef idx="2">
-            <a:schemeClr val="accent6"/>
-          </a:lnRef>
-          <a:fillRef idx="1">
-            <a:schemeClr val="lt1"/>
-          </a:fillRef>
-          <a:effectRef idx="0">
-            <a:schemeClr val="accent6"/>
-          </a:effectRef>
-          <a:fontRef idx="minor">
-            <a:schemeClr val="dk1"/>
-          </a:fontRef>
-        </p:style>
-        <p:txBody>
-          <a:bodyPr rtlCol="0" anchor="ctr"/>
-          <a:lstStyle/>
-          <a:p>
-            <a:pPr algn="ctr"/>
-            <a:r>
-              <a:rPr lang="ko-KR" altLang="en-US" dirty="0" smtClean="0"/>
-              <a:t>인스턴스 </a:t>
-            </a:r>
-            <a:r>
-              <a:rPr lang="ko-KR" altLang="en-US" dirty="0" err="1" smtClean="0"/>
-              <a:t>내부클래스</a:t>
-            </a:r>
-            <a:endParaRPr lang="en-US" altLang="ko-KR" dirty="0" smtClean="0"/>
-          </a:p>
-          <a:p>
-            <a:pPr algn="ctr"/>
-            <a:r>
-              <a:rPr lang="ko-KR" altLang="en-US" dirty="0" smtClean="0"/>
-              <a:t>정적 </a:t>
-            </a:r>
-            <a:r>
-              <a:rPr lang="ko-KR" altLang="en-US" dirty="0" err="1" smtClean="0"/>
-              <a:t>내부클래스</a:t>
-            </a:r>
-            <a:endParaRPr lang="en-US" altLang="ko-KR" dirty="0" smtClean="0"/>
-          </a:p>
-          <a:p>
-            <a:pPr algn="ctr"/>
-            <a:r>
-              <a:rPr lang="ko-KR" altLang="en-US" dirty="0" smtClean="0"/>
-              <a:t>지역내부클래스</a:t>
-            </a:r>
-            <a:endParaRPr lang="en-US" altLang="ko-KR" dirty="0" smtClean="0"/>
-          </a:p>
-          <a:p>
-            <a:pPr algn="ctr"/>
-            <a:r>
-              <a:rPr lang="ko-KR" altLang="en-US" dirty="0" smtClean="0"/>
-              <a:t>익명내부클래스</a:t>
-            </a:r>
-            <a:endParaRPr lang="ko-KR" altLang="en-US" dirty="0"/>
-          </a:p>
-        </p:txBody>
-      </p:sp>
-    </p:spTree>
-    <p:extLst>
-      <p:ext uri="{BB962C8B-B14F-4D97-AF65-F5344CB8AC3E}">
-        <p14:creationId xmlns:p14="http://schemas.microsoft.com/office/powerpoint/2010/main" val="1183702104"/>
-      </p:ext>
-    </p:extLst>
-  </p:cSld>
-  <p:clrMapOvr>
-    <a:masterClrMapping/>
-  </p:clrMapOvr>
-</p:sld>
-</file>
-
-<file path=ppt/slides/slide20.xml><?xml version="1.0" encoding="utf-8"?>
+<file path=ppt/slides/slide21.xml><?xml version="1.0" encoding="utf-8"?>
 <p:sld xmlns:a="http://schemas.openxmlformats.org/drawingml/2006/main" xmlns:r="http://schemas.openxmlformats.org/officeDocument/2006/relationships" xmlns:p="http://schemas.openxmlformats.org/presentationml/2006/main">
   <p:cSld>
     <p:spTree>
@@ -8734,7 +9965,7 @@
 </p:sld>
 </file>
 
-<file path=ppt/slides/slide21.xml><?xml version="1.0" encoding="utf-8"?>
+<file path=ppt/slides/slide22.xml><?xml version="1.0" encoding="utf-8"?>
 <p:sld xmlns:a="http://schemas.openxmlformats.org/drawingml/2006/main" xmlns:r="http://schemas.openxmlformats.org/officeDocument/2006/relationships" xmlns:p="http://schemas.openxmlformats.org/presentationml/2006/main">
   <p:cSld>
     <p:spTree>
@@ -9117,7 +10348,7 @@
 </p:sld>
 </file>
 
-<file path=ppt/slides/slide22.xml><?xml version="1.0" encoding="utf-8"?>
+<file path=ppt/slides/slide23.xml><?xml version="1.0" encoding="utf-8"?>
 <p:sld xmlns:a="http://schemas.openxmlformats.org/drawingml/2006/main" xmlns:r="http://schemas.openxmlformats.org/officeDocument/2006/relationships" xmlns:p="http://schemas.openxmlformats.org/presentationml/2006/main">
   <p:cSld>
     <p:spTree>
@@ -9454,7 +10685,7 @@
 </p:sld>
 </file>
 
-<file path=ppt/slides/slide23.xml><?xml version="1.0" encoding="utf-8"?>
+<file path=ppt/slides/slide24.xml><?xml version="1.0" encoding="utf-8"?>
 <p:sld xmlns:a="http://schemas.openxmlformats.org/drawingml/2006/main" xmlns:r="http://schemas.openxmlformats.org/officeDocument/2006/relationships" xmlns:p="http://schemas.openxmlformats.org/presentationml/2006/main">
   <p:cSld>
     <p:spTree>
@@ -10210,7 +11441,6 @@
               <a:rPr lang="ko-KR" altLang="en-US" sz="1200" dirty="0"/>
               <a:t>리턴</a:t>
             </a:r>
-            <a:endParaRPr lang="ko-KR" altLang="en-US" sz="1200" dirty="0"/>
           </a:p>
         </p:txBody>
       </p:sp>
@@ -10227,7 +11457,7 @@
 </p:sld>
 </file>
 
-<file path=ppt/slides/slide24.xml><?xml version="1.0" encoding="utf-8"?>
+<file path=ppt/slides/slide25.xml><?xml version="1.0" encoding="utf-8"?>
 <p:sld xmlns:a="http://schemas.openxmlformats.org/drawingml/2006/main" xmlns:r="http://schemas.openxmlformats.org/officeDocument/2006/relationships" xmlns:p="http://schemas.openxmlformats.org/presentationml/2006/main">
   <p:cSld>
     <p:spTree>
@@ -10415,7 +11645,7 @@
 </p:sld>
 </file>
 
-<file path=ppt/slides/slide25.xml><?xml version="1.0" encoding="utf-8"?>
+<file path=ppt/slides/slide26.xml><?xml version="1.0" encoding="utf-8"?>
 <p:sld xmlns:a="http://schemas.openxmlformats.org/drawingml/2006/main" xmlns:r="http://schemas.openxmlformats.org/officeDocument/2006/relationships" xmlns:p="http://schemas.openxmlformats.org/presentationml/2006/main">
   <p:cSld>
     <p:spTree>
@@ -10820,7 +12050,7 @@
 </p:sld>
 </file>
 
-<file path=ppt/slides/slide26.xml><?xml version="1.0" encoding="utf-8"?>
+<file path=ppt/slides/slide27.xml><?xml version="1.0" encoding="utf-8"?>
 <p:sld xmlns:a="http://schemas.openxmlformats.org/drawingml/2006/main" xmlns:r="http://schemas.openxmlformats.org/officeDocument/2006/relationships" xmlns:p="http://schemas.openxmlformats.org/presentationml/2006/main">
   <p:cSld>
     <p:spTree>
@@ -11174,7 +12404,7 @@
 </p:sld>
 </file>
 
-<file path=ppt/slides/slide27.xml><?xml version="1.0" encoding="utf-8"?>
+<file path=ppt/slides/slide28.xml><?xml version="1.0" encoding="utf-8"?>
 <p:sld xmlns:a="http://schemas.openxmlformats.org/drawingml/2006/main" xmlns:r="http://schemas.openxmlformats.org/officeDocument/2006/relationships" xmlns:p="http://schemas.openxmlformats.org/presentationml/2006/main">
   <p:cSld>
     <p:spTree>
@@ -11306,7 +12536,7 @@
 </p:sld>
 </file>
 
-<file path=ppt/slides/slide28.xml><?xml version="1.0" encoding="utf-8"?>
+<file path=ppt/slides/slide29.xml><?xml version="1.0" encoding="utf-8"?>
 <p:sld xmlns:a="http://schemas.openxmlformats.org/drawingml/2006/main" xmlns:r="http://schemas.openxmlformats.org/officeDocument/2006/relationships" xmlns:p="http://schemas.openxmlformats.org/presentationml/2006/main">
   <p:cSld>
     <p:spTree>
@@ -11534,7 +12764,594 @@
 </p:sld>
 </file>
 
-<file path=ppt/slides/slide29.xml><?xml version="1.0" encoding="utf-8"?>
+<file path=ppt/slides/slide3.xml><?xml version="1.0" encoding="utf-8"?>
+<p:sld xmlns:a="http://schemas.openxmlformats.org/drawingml/2006/main" xmlns:r="http://schemas.openxmlformats.org/officeDocument/2006/relationships" xmlns:p="http://schemas.openxmlformats.org/presentationml/2006/main">
+  <p:cSld>
+    <p:spTree>
+      <p:nvGrpSpPr>
+        <p:cNvPr id="1" name=""/>
+        <p:cNvGrpSpPr/>
+        <p:nvPr/>
+      </p:nvGrpSpPr>
+      <p:grpSpPr>
+        <a:xfrm>
+          <a:off x="0" y="0"/>
+          <a:ext cx="0" cy="0"/>
+          <a:chOff x="0" y="0"/>
+          <a:chExt cx="0" cy="0"/>
+        </a:xfrm>
+      </p:grpSpPr>
+      <p:sp>
+        <p:nvSpPr>
+          <p:cNvPr id="2" name="직사각형 1"/>
+          <p:cNvSpPr/>
+          <p:nvPr/>
+        </p:nvSpPr>
+        <p:spPr>
+          <a:xfrm>
+            <a:off x="980387" y="193249"/>
+            <a:ext cx="5081047" cy="6664751"/>
+          </a:xfrm>
+          <a:prstGeom prst="rect">
+            <a:avLst/>
+          </a:prstGeom>
+        </p:spPr>
+        <p:style>
+          <a:lnRef idx="2">
+            <a:schemeClr val="accent6"/>
+          </a:lnRef>
+          <a:fillRef idx="1">
+            <a:schemeClr val="lt1"/>
+          </a:fillRef>
+          <a:effectRef idx="0">
+            <a:schemeClr val="accent6"/>
+          </a:effectRef>
+          <a:fontRef idx="minor">
+            <a:schemeClr val="dk1"/>
+          </a:fontRef>
+        </p:style>
+        <p:txBody>
+          <a:bodyPr rtlCol="0" anchor="ctr"/>
+          <a:lstStyle/>
+          <a:p>
+            <a:r>
+              <a:rPr lang="en-US" altLang="ko-KR" sz="1600" dirty="0"/>
+              <a:t>//</a:t>
+            </a:r>
+            <a:r>
+              <a:rPr lang="ko-KR" altLang="en-US" sz="1600" dirty="0" err="1"/>
+              <a:t>외부클래스</a:t>
+            </a:r>
+            <a:r>
+              <a:rPr lang="ko-KR" altLang="en-US" sz="1600" dirty="0"/>
+              <a:t> </a:t>
+            </a:r>
+          </a:p>
+          <a:p>
+            <a:r>
+              <a:rPr lang="en-US" altLang="ko-KR" sz="1600" dirty="0"/>
+              <a:t>class </a:t>
+            </a:r>
+            <a:r>
+              <a:rPr lang="en-US" altLang="ko-KR" sz="1600" dirty="0" err="1"/>
+              <a:t>OutClass</a:t>
+            </a:r>
+            <a:r>
+              <a:rPr lang="en-US" altLang="ko-KR" sz="1600" dirty="0"/>
+              <a:t>{</a:t>
+            </a:r>
+          </a:p>
+          <a:p>
+            <a:pPr lvl="1"/>
+            <a:r>
+              <a:rPr lang="en-US" altLang="ko-KR" sz="1600" dirty="0"/>
+              <a:t>private </a:t>
+            </a:r>
+            <a:r>
+              <a:rPr lang="en-US" altLang="ko-KR" sz="1600" dirty="0" err="1"/>
+              <a:t>int</a:t>
+            </a:r>
+            <a:r>
+              <a:rPr lang="en-US" altLang="ko-KR" sz="1600" dirty="0"/>
+              <a:t> </a:t>
+            </a:r>
+            <a:r>
+              <a:rPr lang="en-US" altLang="ko-KR" sz="1600" dirty="0" err="1"/>
+              <a:t>num</a:t>
+            </a:r>
+            <a:r>
+              <a:rPr lang="en-US" altLang="ko-KR" sz="1600" dirty="0"/>
+              <a:t>=100;</a:t>
+            </a:r>
+          </a:p>
+          <a:p>
+            <a:pPr lvl="1"/>
+            <a:r>
+              <a:rPr lang="en-US" altLang="ko-KR" sz="1600" dirty="0"/>
+              <a:t>private </a:t>
+            </a:r>
+            <a:r>
+              <a:rPr lang="en-US" altLang="ko-KR" sz="1600" dirty="0" err="1">
+                <a:solidFill>
+                  <a:srgbClr val="0070C0"/>
+                </a:solidFill>
+              </a:rPr>
+              <a:t>InClass</a:t>
+            </a:r>
+            <a:r>
+              <a:rPr lang="en-US" altLang="ko-KR" sz="1600" dirty="0"/>
+              <a:t> </a:t>
+            </a:r>
+            <a:r>
+              <a:rPr lang="en-US" altLang="ko-KR" sz="1600" dirty="0" err="1"/>
+              <a:t>inclass</a:t>
+            </a:r>
+            <a:r>
+              <a:rPr lang="en-US" altLang="ko-KR" sz="1600" dirty="0"/>
+              <a:t>;</a:t>
+            </a:r>
+          </a:p>
+          <a:p>
+            <a:pPr lvl="1"/>
+            <a:endParaRPr lang="ko-KR" altLang="en-US" sz="1600" dirty="0"/>
+          </a:p>
+          <a:p>
+            <a:pPr lvl="1"/>
+            <a:r>
+              <a:rPr lang="en-US" altLang="ko-KR" sz="1600" dirty="0"/>
+              <a:t>public </a:t>
+            </a:r>
+            <a:r>
+              <a:rPr lang="en-US" altLang="ko-KR" sz="1600" dirty="0" err="1"/>
+              <a:t>OutClass</a:t>
+            </a:r>
+            <a:r>
+              <a:rPr lang="en-US" altLang="ko-KR" sz="1600" dirty="0"/>
+              <a:t>() {</a:t>
+            </a:r>
+          </a:p>
+          <a:p>
+            <a:pPr lvl="1"/>
+            <a:r>
+              <a:rPr lang="en-US" altLang="ko-KR" sz="1600" dirty="0" err="1"/>
+              <a:t>inclass</a:t>
+            </a:r>
+            <a:r>
+              <a:rPr lang="en-US" altLang="ko-KR" sz="1600" dirty="0"/>
+              <a:t> = new </a:t>
+            </a:r>
+            <a:r>
+              <a:rPr lang="en-US" altLang="ko-KR" sz="1600" dirty="0" err="1"/>
+              <a:t>InClass</a:t>
+            </a:r>
+            <a:r>
+              <a:rPr lang="en-US" altLang="ko-KR" sz="1600" dirty="0"/>
+              <a:t>();</a:t>
+            </a:r>
+          </a:p>
+          <a:p>
+            <a:pPr lvl="1"/>
+            <a:endParaRPr lang="ko-KR" altLang="en-US" sz="1600" dirty="0"/>
+          </a:p>
+          <a:p>
+            <a:pPr lvl="1"/>
+            <a:r>
+              <a:rPr lang="en-US" altLang="ko-KR" sz="1600" dirty="0"/>
+              <a:t>}</a:t>
+            </a:r>
+          </a:p>
+          <a:p>
+            <a:pPr lvl="1"/>
+            <a:endParaRPr lang="ko-KR" altLang="en-US" sz="1600" dirty="0"/>
+          </a:p>
+          <a:p>
+            <a:pPr lvl="1"/>
+            <a:r>
+              <a:rPr lang="en-US" altLang="ko-KR" sz="1600" dirty="0"/>
+              <a:t>public void </a:t>
+            </a:r>
+            <a:r>
+              <a:rPr lang="en-US" altLang="ko-KR" sz="1600" dirty="0" err="1"/>
+              <a:t>OutMethod</a:t>
+            </a:r>
+            <a:r>
+              <a:rPr lang="en-US" altLang="ko-KR" sz="1600" dirty="0"/>
+              <a:t>() {</a:t>
+            </a:r>
+          </a:p>
+          <a:p>
+            <a:pPr lvl="1"/>
+            <a:r>
+              <a:rPr lang="en-US" altLang="ko-KR" sz="1600" dirty="0" err="1"/>
+              <a:t>inclass.inMethod</a:t>
+            </a:r>
+            <a:r>
+              <a:rPr lang="en-US" altLang="ko-KR" sz="1600" dirty="0"/>
+              <a:t>();</a:t>
+            </a:r>
+          </a:p>
+          <a:p>
+            <a:pPr lvl="1"/>
+            <a:r>
+              <a:rPr lang="en-US" altLang="ko-KR" sz="1600" dirty="0"/>
+              <a:t>}</a:t>
+            </a:r>
+          </a:p>
+          <a:p>
+            <a:pPr lvl="1"/>
+            <a:endParaRPr lang="ko-KR" altLang="en-US" sz="1600" dirty="0"/>
+          </a:p>
+          <a:p>
+            <a:pPr lvl="1"/>
+            <a:endParaRPr lang="ko-KR" altLang="en-US" sz="1600" dirty="0"/>
+          </a:p>
+          <a:p>
+            <a:pPr lvl="1"/>
+            <a:r>
+              <a:rPr lang="en-US" altLang="ko-KR" sz="1600" dirty="0"/>
+              <a:t>//</a:t>
+            </a:r>
+            <a:r>
+              <a:rPr lang="ko-KR" altLang="en-US" sz="1600" dirty="0"/>
+              <a:t>내부 클래스</a:t>
+            </a:r>
+          </a:p>
+          <a:p>
+            <a:pPr lvl="1"/>
+            <a:r>
+              <a:rPr lang="en-US" altLang="ko-KR" sz="1600" b="1" dirty="0"/>
+              <a:t>class </a:t>
+            </a:r>
+            <a:r>
+              <a:rPr lang="en-US" altLang="ko-KR" sz="1600" b="1" dirty="0" err="1"/>
+              <a:t>InClass</a:t>
+            </a:r>
+            <a:r>
+              <a:rPr lang="en-US" altLang="ko-KR" sz="1600" b="1" dirty="0"/>
+              <a:t>{</a:t>
+            </a:r>
+          </a:p>
+          <a:p>
+            <a:pPr lvl="1"/>
+            <a:r>
+              <a:rPr lang="en-US" altLang="ko-KR" sz="1600" dirty="0"/>
+              <a:t>   </a:t>
+            </a:r>
+            <a:r>
+              <a:rPr lang="en-US" altLang="ko-KR" sz="1600" dirty="0" err="1"/>
+              <a:t>int</a:t>
+            </a:r>
+            <a:r>
+              <a:rPr lang="en-US" altLang="ko-KR" sz="1600" dirty="0"/>
+              <a:t> </a:t>
+            </a:r>
+            <a:r>
+              <a:rPr lang="en-US" altLang="ko-KR" sz="1600" dirty="0" err="1"/>
+              <a:t>inNum</a:t>
+            </a:r>
+            <a:r>
+              <a:rPr lang="en-US" altLang="ko-KR" sz="1600" dirty="0"/>
+              <a:t>=200;</a:t>
+            </a:r>
+          </a:p>
+          <a:p>
+            <a:pPr lvl="1"/>
+            <a:r>
+              <a:rPr lang="ko-KR" altLang="en-US" sz="1600" dirty="0"/>
+              <a:t>   </a:t>
+            </a:r>
+          </a:p>
+          <a:p>
+            <a:pPr lvl="1"/>
+            <a:r>
+              <a:rPr lang="en-US" altLang="ko-KR" sz="1600" dirty="0"/>
+              <a:t>   void </a:t>
+            </a:r>
+            <a:r>
+              <a:rPr lang="en-US" altLang="ko-KR" sz="1600" dirty="0" err="1"/>
+              <a:t>inMethod</a:t>
+            </a:r>
+            <a:r>
+              <a:rPr lang="en-US" altLang="ko-KR" sz="1600" dirty="0"/>
+              <a:t>() {</a:t>
+            </a:r>
+          </a:p>
+          <a:p>
+            <a:pPr lvl="1"/>
+            <a:r>
+              <a:rPr lang="en-US" altLang="ko-KR" sz="1600" dirty="0"/>
+              <a:t>   </a:t>
+            </a:r>
+            <a:r>
+              <a:rPr lang="en-US" altLang="ko-KR" sz="1600" dirty="0" err="1"/>
+              <a:t>System.out.println</a:t>
+            </a:r>
+            <a:r>
+              <a:rPr lang="en-US" altLang="ko-KR" sz="1600" dirty="0"/>
+              <a:t>(</a:t>
+            </a:r>
+            <a:r>
+              <a:rPr lang="en-US" altLang="ko-KR" sz="1600" dirty="0" err="1"/>
+              <a:t>num</a:t>
+            </a:r>
+            <a:r>
+              <a:rPr lang="en-US" altLang="ko-KR" sz="1600" dirty="0"/>
+              <a:t>);</a:t>
+            </a:r>
+          </a:p>
+          <a:p>
+            <a:pPr lvl="1"/>
+            <a:r>
+              <a:rPr lang="en-US" altLang="ko-KR" sz="1600" dirty="0"/>
+              <a:t>   </a:t>
+            </a:r>
+            <a:r>
+              <a:rPr lang="en-US" altLang="ko-KR" sz="1600" dirty="0" err="1"/>
+              <a:t>System.out.println</a:t>
+            </a:r>
+            <a:r>
+              <a:rPr lang="en-US" altLang="ko-KR" sz="1600" dirty="0"/>
+              <a:t>(</a:t>
+            </a:r>
+            <a:r>
+              <a:rPr lang="en-US" altLang="ko-KR" sz="1600" dirty="0" err="1"/>
+              <a:t>inNum</a:t>
+            </a:r>
+            <a:r>
+              <a:rPr lang="en-US" altLang="ko-KR" sz="1600" dirty="0"/>
+              <a:t>);</a:t>
+            </a:r>
+          </a:p>
+          <a:p>
+            <a:pPr lvl="1"/>
+            <a:r>
+              <a:rPr lang="ko-KR" altLang="en-US" sz="1600" dirty="0"/>
+              <a:t>   </a:t>
+            </a:r>
+            <a:r>
+              <a:rPr lang="en-US" altLang="ko-KR" sz="1600" dirty="0"/>
+              <a:t>}</a:t>
+            </a:r>
+          </a:p>
+          <a:p>
+            <a:pPr lvl="1"/>
+            <a:r>
+              <a:rPr lang="en-US" altLang="ko-KR" sz="1600" b="1" dirty="0" smtClean="0"/>
+              <a:t>}</a:t>
+            </a:r>
+            <a:endParaRPr lang="ko-KR" altLang="en-US" sz="1600" b="1" dirty="0"/>
+          </a:p>
+          <a:p>
+            <a:r>
+              <a:rPr lang="en-US" altLang="ko-KR" sz="1600" dirty="0"/>
+              <a:t>}</a:t>
+            </a:r>
+          </a:p>
+          <a:p>
+            <a:endParaRPr lang="ko-KR" altLang="en-US" sz="1600" dirty="0"/>
+          </a:p>
+        </p:txBody>
+      </p:sp>
+      <p:sp>
+        <p:nvSpPr>
+          <p:cNvPr id="3" name="직사각형 2"/>
+          <p:cNvSpPr/>
+          <p:nvPr/>
+        </p:nvSpPr>
+        <p:spPr>
+          <a:xfrm>
+            <a:off x="6495068" y="452487"/>
+            <a:ext cx="5231876" cy="5769204"/>
+          </a:xfrm>
+          <a:prstGeom prst="rect">
+            <a:avLst/>
+          </a:prstGeom>
+        </p:spPr>
+        <p:style>
+          <a:lnRef idx="2">
+            <a:schemeClr val="accent6"/>
+          </a:lnRef>
+          <a:fillRef idx="1">
+            <a:schemeClr val="lt1"/>
+          </a:fillRef>
+          <a:effectRef idx="0">
+            <a:schemeClr val="accent6"/>
+          </a:effectRef>
+          <a:fontRef idx="minor">
+            <a:schemeClr val="dk1"/>
+          </a:fontRef>
+        </p:style>
+        <p:txBody>
+          <a:bodyPr rtlCol="0" anchor="ctr"/>
+          <a:lstStyle/>
+          <a:p>
+            <a:r>
+              <a:rPr lang="en-US" altLang="ko-KR" sz="1600" b="1" dirty="0"/>
+              <a:t>public class </a:t>
+            </a:r>
+            <a:r>
+              <a:rPr lang="en-US" altLang="ko-KR" sz="1600" b="1" dirty="0" err="1"/>
+              <a:t>InnerTest</a:t>
+            </a:r>
+            <a:r>
+              <a:rPr lang="en-US" altLang="ko-KR" sz="1600" b="1" dirty="0"/>
+              <a:t> {</a:t>
+            </a:r>
+          </a:p>
+          <a:p>
+            <a:endParaRPr lang="ko-KR" altLang="en-US" sz="1600" b="1" dirty="0"/>
+          </a:p>
+          <a:p>
+            <a:pPr lvl="1"/>
+            <a:r>
+              <a:rPr lang="en-US" altLang="ko-KR" sz="1600" b="1" dirty="0"/>
+              <a:t>public static void main(String[] </a:t>
+            </a:r>
+            <a:r>
+              <a:rPr lang="en-US" altLang="ko-KR" sz="1600" b="1" dirty="0" err="1"/>
+              <a:t>args</a:t>
+            </a:r>
+            <a:r>
+              <a:rPr lang="en-US" altLang="ko-KR" sz="1600" b="1" dirty="0"/>
+              <a:t>) {</a:t>
+            </a:r>
+          </a:p>
+          <a:p>
+            <a:pPr lvl="1"/>
+            <a:endParaRPr lang="ko-KR" altLang="en-US" sz="1600" b="1" dirty="0"/>
+          </a:p>
+          <a:p>
+            <a:pPr lvl="1"/>
+            <a:r>
+              <a:rPr lang="en-US" altLang="ko-KR" sz="1600" b="1" dirty="0" err="1">
+                <a:solidFill>
+                  <a:srgbClr val="0070C0"/>
+                </a:solidFill>
+              </a:rPr>
+              <a:t>OutClass</a:t>
+            </a:r>
+            <a:r>
+              <a:rPr lang="en-US" altLang="ko-KR" sz="1600" b="1" dirty="0">
+                <a:solidFill>
+                  <a:srgbClr val="0070C0"/>
+                </a:solidFill>
+              </a:rPr>
+              <a:t> out = new </a:t>
+            </a:r>
+            <a:r>
+              <a:rPr lang="en-US" altLang="ko-KR" sz="1600" b="1" dirty="0" err="1">
+                <a:solidFill>
+                  <a:srgbClr val="0070C0"/>
+                </a:solidFill>
+              </a:rPr>
+              <a:t>OutClass</a:t>
+            </a:r>
+            <a:r>
+              <a:rPr lang="en-US" altLang="ko-KR" sz="1600" b="1" dirty="0">
+                <a:solidFill>
+                  <a:srgbClr val="0070C0"/>
+                </a:solidFill>
+              </a:rPr>
+              <a:t>();</a:t>
+            </a:r>
+          </a:p>
+          <a:p>
+            <a:pPr lvl="1"/>
+            <a:r>
+              <a:rPr lang="en-US" altLang="ko-KR" sz="1600" b="1" dirty="0" err="1">
+                <a:solidFill>
+                  <a:srgbClr val="0070C0"/>
+                </a:solidFill>
+              </a:rPr>
+              <a:t>out.OutMethod</a:t>
+            </a:r>
+            <a:r>
+              <a:rPr lang="en-US" altLang="ko-KR" sz="1600" b="1" dirty="0">
+                <a:solidFill>
+                  <a:srgbClr val="0070C0"/>
+                </a:solidFill>
+              </a:rPr>
+              <a:t>();</a:t>
+            </a:r>
+          </a:p>
+          <a:p>
+            <a:pPr lvl="1"/>
+            <a:endParaRPr lang="ko-KR" altLang="en-US" sz="1600" b="1" dirty="0">
+              <a:solidFill>
+                <a:srgbClr val="0070C0"/>
+              </a:solidFill>
+            </a:endParaRPr>
+          </a:p>
+          <a:p>
+            <a:pPr lvl="1"/>
+            <a:endParaRPr lang="ko-KR" altLang="en-US" sz="1600" b="1" dirty="0"/>
+          </a:p>
+          <a:p>
+            <a:pPr lvl="1"/>
+            <a:r>
+              <a:rPr lang="en-US" altLang="ko-KR" sz="1600" b="1" dirty="0" err="1"/>
+              <a:t>OutClass.InClass</a:t>
+            </a:r>
+            <a:r>
+              <a:rPr lang="en-US" altLang="ko-KR" sz="1600" b="1" dirty="0"/>
+              <a:t> </a:t>
+            </a:r>
+            <a:r>
+              <a:rPr lang="en-US" altLang="ko-KR" sz="1600" b="1" dirty="0" err="1"/>
+              <a:t>inclass</a:t>
+            </a:r>
+            <a:r>
+              <a:rPr lang="en-US" altLang="ko-KR" sz="1600" b="1" dirty="0"/>
+              <a:t>=</a:t>
+            </a:r>
+            <a:r>
+              <a:rPr lang="en-US" altLang="ko-KR" sz="1600" b="1" dirty="0" err="1"/>
+              <a:t>out.new</a:t>
+            </a:r>
+            <a:r>
+              <a:rPr lang="en-US" altLang="ko-KR" sz="1600" b="1" dirty="0"/>
+              <a:t> </a:t>
+            </a:r>
+            <a:r>
+              <a:rPr lang="en-US" altLang="ko-KR" sz="1600" b="1" dirty="0" err="1"/>
+              <a:t>InClass</a:t>
+            </a:r>
+            <a:r>
+              <a:rPr lang="en-US" altLang="ko-KR" sz="1600" b="1" dirty="0"/>
+              <a:t>();</a:t>
+            </a:r>
+          </a:p>
+          <a:p>
+            <a:pPr lvl="1"/>
+            <a:r>
+              <a:rPr lang="en-US" altLang="ko-KR" sz="1600" b="1" dirty="0" err="1"/>
+              <a:t>inclass.inMethod</a:t>
+            </a:r>
+            <a:r>
+              <a:rPr lang="en-US" altLang="ko-KR" sz="1600" b="1" dirty="0"/>
+              <a:t>();</a:t>
+            </a:r>
+          </a:p>
+          <a:p>
+            <a:pPr lvl="1"/>
+            <a:endParaRPr lang="ko-KR" altLang="en-US" sz="1600" b="1" dirty="0"/>
+          </a:p>
+          <a:p>
+            <a:pPr lvl="1"/>
+            <a:endParaRPr lang="ko-KR" altLang="en-US" sz="1600" b="1" dirty="0"/>
+          </a:p>
+          <a:p>
+            <a:pPr lvl="1"/>
+            <a:r>
+              <a:rPr lang="en-US" altLang="ko-KR" sz="1600" b="1" dirty="0"/>
+              <a:t>}</a:t>
+            </a:r>
+          </a:p>
+          <a:p>
+            <a:endParaRPr lang="ko-KR" altLang="en-US" sz="1600" b="1" dirty="0"/>
+          </a:p>
+          <a:p>
+            <a:r>
+              <a:rPr lang="en-US" altLang="ko-KR" sz="1600" b="1" dirty="0"/>
+              <a:t>}</a:t>
+            </a:r>
+          </a:p>
+        </p:txBody>
+      </p:sp>
+    </p:spTree>
+    <p:extLst>
+      <p:ext uri="{BB962C8B-B14F-4D97-AF65-F5344CB8AC3E}">
+        <p14:creationId xmlns:p14="http://schemas.microsoft.com/office/powerpoint/2010/main" val="2689505543"/>
+      </p:ext>
+    </p:extLst>
+  </p:cSld>
+  <p:clrMapOvr>
+    <a:masterClrMapping/>
+  </p:clrMapOvr>
+</p:sld>
+</file>
+
+<file path=ppt/slides/slide30.xml><?xml version="1.0" encoding="utf-8"?>
 <p:sld xmlns:a="http://schemas.openxmlformats.org/drawingml/2006/main" xmlns:r="http://schemas.openxmlformats.org/officeDocument/2006/relationships" xmlns:p="http://schemas.openxmlformats.org/presentationml/2006/main">
   <p:cSld>
     <p:spTree>
@@ -12061,594 +13878,7 @@
 </p:sld>
 </file>
 
-<file path=ppt/slides/slide3.xml><?xml version="1.0" encoding="utf-8"?>
-<p:sld xmlns:a="http://schemas.openxmlformats.org/drawingml/2006/main" xmlns:r="http://schemas.openxmlformats.org/officeDocument/2006/relationships" xmlns:p="http://schemas.openxmlformats.org/presentationml/2006/main">
-  <p:cSld>
-    <p:spTree>
-      <p:nvGrpSpPr>
-        <p:cNvPr id="1" name=""/>
-        <p:cNvGrpSpPr/>
-        <p:nvPr/>
-      </p:nvGrpSpPr>
-      <p:grpSpPr>
-        <a:xfrm>
-          <a:off x="0" y="0"/>
-          <a:ext cx="0" cy="0"/>
-          <a:chOff x="0" y="0"/>
-          <a:chExt cx="0" cy="0"/>
-        </a:xfrm>
-      </p:grpSpPr>
-      <p:sp>
-        <p:nvSpPr>
-          <p:cNvPr id="2" name="직사각형 1"/>
-          <p:cNvSpPr/>
-          <p:nvPr/>
-        </p:nvSpPr>
-        <p:spPr>
-          <a:xfrm>
-            <a:off x="980387" y="193249"/>
-            <a:ext cx="5081047" cy="6664751"/>
-          </a:xfrm>
-          <a:prstGeom prst="rect">
-            <a:avLst/>
-          </a:prstGeom>
-        </p:spPr>
-        <p:style>
-          <a:lnRef idx="2">
-            <a:schemeClr val="accent6"/>
-          </a:lnRef>
-          <a:fillRef idx="1">
-            <a:schemeClr val="lt1"/>
-          </a:fillRef>
-          <a:effectRef idx="0">
-            <a:schemeClr val="accent6"/>
-          </a:effectRef>
-          <a:fontRef idx="minor">
-            <a:schemeClr val="dk1"/>
-          </a:fontRef>
-        </p:style>
-        <p:txBody>
-          <a:bodyPr rtlCol="0" anchor="ctr"/>
-          <a:lstStyle/>
-          <a:p>
-            <a:r>
-              <a:rPr lang="en-US" altLang="ko-KR" sz="1600" dirty="0"/>
-              <a:t>//</a:t>
-            </a:r>
-            <a:r>
-              <a:rPr lang="ko-KR" altLang="en-US" sz="1600" dirty="0" err="1"/>
-              <a:t>외부클래스</a:t>
-            </a:r>
-            <a:r>
-              <a:rPr lang="ko-KR" altLang="en-US" sz="1600" dirty="0"/>
-              <a:t> </a:t>
-            </a:r>
-          </a:p>
-          <a:p>
-            <a:r>
-              <a:rPr lang="en-US" altLang="ko-KR" sz="1600" dirty="0"/>
-              <a:t>class </a:t>
-            </a:r>
-            <a:r>
-              <a:rPr lang="en-US" altLang="ko-KR" sz="1600" dirty="0" err="1"/>
-              <a:t>OutClass</a:t>
-            </a:r>
-            <a:r>
-              <a:rPr lang="en-US" altLang="ko-KR" sz="1600" dirty="0"/>
-              <a:t>{</a:t>
-            </a:r>
-          </a:p>
-          <a:p>
-            <a:pPr lvl="1"/>
-            <a:r>
-              <a:rPr lang="en-US" altLang="ko-KR" sz="1600" dirty="0"/>
-              <a:t>private </a:t>
-            </a:r>
-            <a:r>
-              <a:rPr lang="en-US" altLang="ko-KR" sz="1600" dirty="0" err="1"/>
-              <a:t>int</a:t>
-            </a:r>
-            <a:r>
-              <a:rPr lang="en-US" altLang="ko-KR" sz="1600" dirty="0"/>
-              <a:t> </a:t>
-            </a:r>
-            <a:r>
-              <a:rPr lang="en-US" altLang="ko-KR" sz="1600" dirty="0" err="1"/>
-              <a:t>num</a:t>
-            </a:r>
-            <a:r>
-              <a:rPr lang="en-US" altLang="ko-KR" sz="1600" dirty="0"/>
-              <a:t>=100;</a:t>
-            </a:r>
-          </a:p>
-          <a:p>
-            <a:pPr lvl="1"/>
-            <a:r>
-              <a:rPr lang="en-US" altLang="ko-KR" sz="1600" dirty="0"/>
-              <a:t>private </a:t>
-            </a:r>
-            <a:r>
-              <a:rPr lang="en-US" altLang="ko-KR" sz="1600" dirty="0" err="1">
-                <a:solidFill>
-                  <a:srgbClr val="0070C0"/>
-                </a:solidFill>
-              </a:rPr>
-              <a:t>InClass</a:t>
-            </a:r>
-            <a:r>
-              <a:rPr lang="en-US" altLang="ko-KR" sz="1600" dirty="0"/>
-              <a:t> </a:t>
-            </a:r>
-            <a:r>
-              <a:rPr lang="en-US" altLang="ko-KR" sz="1600" dirty="0" err="1"/>
-              <a:t>inclass</a:t>
-            </a:r>
-            <a:r>
-              <a:rPr lang="en-US" altLang="ko-KR" sz="1600" dirty="0"/>
-              <a:t>;</a:t>
-            </a:r>
-          </a:p>
-          <a:p>
-            <a:pPr lvl="1"/>
-            <a:endParaRPr lang="ko-KR" altLang="en-US" sz="1600" dirty="0"/>
-          </a:p>
-          <a:p>
-            <a:pPr lvl="1"/>
-            <a:r>
-              <a:rPr lang="en-US" altLang="ko-KR" sz="1600" dirty="0"/>
-              <a:t>public </a:t>
-            </a:r>
-            <a:r>
-              <a:rPr lang="en-US" altLang="ko-KR" sz="1600" dirty="0" err="1"/>
-              <a:t>OutClass</a:t>
-            </a:r>
-            <a:r>
-              <a:rPr lang="en-US" altLang="ko-KR" sz="1600" dirty="0"/>
-              <a:t>() {</a:t>
-            </a:r>
-          </a:p>
-          <a:p>
-            <a:pPr lvl="1"/>
-            <a:r>
-              <a:rPr lang="en-US" altLang="ko-KR" sz="1600" dirty="0" err="1"/>
-              <a:t>inclass</a:t>
-            </a:r>
-            <a:r>
-              <a:rPr lang="en-US" altLang="ko-KR" sz="1600" dirty="0"/>
-              <a:t> = new </a:t>
-            </a:r>
-            <a:r>
-              <a:rPr lang="en-US" altLang="ko-KR" sz="1600" dirty="0" err="1"/>
-              <a:t>InClass</a:t>
-            </a:r>
-            <a:r>
-              <a:rPr lang="en-US" altLang="ko-KR" sz="1600" dirty="0"/>
-              <a:t>();</a:t>
-            </a:r>
-          </a:p>
-          <a:p>
-            <a:pPr lvl="1"/>
-            <a:endParaRPr lang="ko-KR" altLang="en-US" sz="1600" dirty="0"/>
-          </a:p>
-          <a:p>
-            <a:pPr lvl="1"/>
-            <a:r>
-              <a:rPr lang="en-US" altLang="ko-KR" sz="1600" dirty="0"/>
-              <a:t>}</a:t>
-            </a:r>
-          </a:p>
-          <a:p>
-            <a:pPr lvl="1"/>
-            <a:endParaRPr lang="ko-KR" altLang="en-US" sz="1600" dirty="0"/>
-          </a:p>
-          <a:p>
-            <a:pPr lvl="1"/>
-            <a:r>
-              <a:rPr lang="en-US" altLang="ko-KR" sz="1600" dirty="0"/>
-              <a:t>public void </a:t>
-            </a:r>
-            <a:r>
-              <a:rPr lang="en-US" altLang="ko-KR" sz="1600" dirty="0" err="1"/>
-              <a:t>OutMethod</a:t>
-            </a:r>
-            <a:r>
-              <a:rPr lang="en-US" altLang="ko-KR" sz="1600" dirty="0"/>
-              <a:t>() {</a:t>
-            </a:r>
-          </a:p>
-          <a:p>
-            <a:pPr lvl="1"/>
-            <a:r>
-              <a:rPr lang="en-US" altLang="ko-KR" sz="1600" dirty="0" err="1"/>
-              <a:t>inclass.inMethod</a:t>
-            </a:r>
-            <a:r>
-              <a:rPr lang="en-US" altLang="ko-KR" sz="1600" dirty="0"/>
-              <a:t>();</a:t>
-            </a:r>
-          </a:p>
-          <a:p>
-            <a:pPr lvl="1"/>
-            <a:r>
-              <a:rPr lang="en-US" altLang="ko-KR" sz="1600" dirty="0"/>
-              <a:t>}</a:t>
-            </a:r>
-          </a:p>
-          <a:p>
-            <a:pPr lvl="1"/>
-            <a:endParaRPr lang="ko-KR" altLang="en-US" sz="1600" dirty="0"/>
-          </a:p>
-          <a:p>
-            <a:pPr lvl="1"/>
-            <a:endParaRPr lang="ko-KR" altLang="en-US" sz="1600" dirty="0"/>
-          </a:p>
-          <a:p>
-            <a:pPr lvl="1"/>
-            <a:r>
-              <a:rPr lang="en-US" altLang="ko-KR" sz="1600" dirty="0"/>
-              <a:t>//</a:t>
-            </a:r>
-            <a:r>
-              <a:rPr lang="ko-KR" altLang="en-US" sz="1600" dirty="0"/>
-              <a:t>내부 클래스</a:t>
-            </a:r>
-          </a:p>
-          <a:p>
-            <a:pPr lvl="1"/>
-            <a:r>
-              <a:rPr lang="en-US" altLang="ko-KR" sz="1600" b="1" dirty="0"/>
-              <a:t>class </a:t>
-            </a:r>
-            <a:r>
-              <a:rPr lang="en-US" altLang="ko-KR" sz="1600" b="1" dirty="0" err="1"/>
-              <a:t>InClass</a:t>
-            </a:r>
-            <a:r>
-              <a:rPr lang="en-US" altLang="ko-KR" sz="1600" b="1" dirty="0"/>
-              <a:t>{</a:t>
-            </a:r>
-          </a:p>
-          <a:p>
-            <a:pPr lvl="1"/>
-            <a:r>
-              <a:rPr lang="en-US" altLang="ko-KR" sz="1600" dirty="0"/>
-              <a:t>   </a:t>
-            </a:r>
-            <a:r>
-              <a:rPr lang="en-US" altLang="ko-KR" sz="1600" dirty="0" err="1"/>
-              <a:t>int</a:t>
-            </a:r>
-            <a:r>
-              <a:rPr lang="en-US" altLang="ko-KR" sz="1600" dirty="0"/>
-              <a:t> </a:t>
-            </a:r>
-            <a:r>
-              <a:rPr lang="en-US" altLang="ko-KR" sz="1600" dirty="0" err="1"/>
-              <a:t>inNum</a:t>
-            </a:r>
-            <a:r>
-              <a:rPr lang="en-US" altLang="ko-KR" sz="1600" dirty="0"/>
-              <a:t>=200;</a:t>
-            </a:r>
-          </a:p>
-          <a:p>
-            <a:pPr lvl="1"/>
-            <a:r>
-              <a:rPr lang="ko-KR" altLang="en-US" sz="1600" dirty="0"/>
-              <a:t>   </a:t>
-            </a:r>
-          </a:p>
-          <a:p>
-            <a:pPr lvl="1"/>
-            <a:r>
-              <a:rPr lang="en-US" altLang="ko-KR" sz="1600" dirty="0"/>
-              <a:t>   void </a:t>
-            </a:r>
-            <a:r>
-              <a:rPr lang="en-US" altLang="ko-KR" sz="1600" dirty="0" err="1"/>
-              <a:t>inMethod</a:t>
-            </a:r>
-            <a:r>
-              <a:rPr lang="en-US" altLang="ko-KR" sz="1600" dirty="0"/>
-              <a:t>() {</a:t>
-            </a:r>
-          </a:p>
-          <a:p>
-            <a:pPr lvl="1"/>
-            <a:r>
-              <a:rPr lang="en-US" altLang="ko-KR" sz="1600" dirty="0"/>
-              <a:t>   </a:t>
-            </a:r>
-            <a:r>
-              <a:rPr lang="en-US" altLang="ko-KR" sz="1600" dirty="0" err="1"/>
-              <a:t>System.out.println</a:t>
-            </a:r>
-            <a:r>
-              <a:rPr lang="en-US" altLang="ko-KR" sz="1600" dirty="0"/>
-              <a:t>(</a:t>
-            </a:r>
-            <a:r>
-              <a:rPr lang="en-US" altLang="ko-KR" sz="1600" dirty="0" err="1"/>
-              <a:t>num</a:t>
-            </a:r>
-            <a:r>
-              <a:rPr lang="en-US" altLang="ko-KR" sz="1600" dirty="0"/>
-              <a:t>);</a:t>
-            </a:r>
-          </a:p>
-          <a:p>
-            <a:pPr lvl="1"/>
-            <a:r>
-              <a:rPr lang="en-US" altLang="ko-KR" sz="1600" dirty="0"/>
-              <a:t>   </a:t>
-            </a:r>
-            <a:r>
-              <a:rPr lang="en-US" altLang="ko-KR" sz="1600" dirty="0" err="1"/>
-              <a:t>System.out.println</a:t>
-            </a:r>
-            <a:r>
-              <a:rPr lang="en-US" altLang="ko-KR" sz="1600" dirty="0"/>
-              <a:t>(</a:t>
-            </a:r>
-            <a:r>
-              <a:rPr lang="en-US" altLang="ko-KR" sz="1600" dirty="0" err="1"/>
-              <a:t>inNum</a:t>
-            </a:r>
-            <a:r>
-              <a:rPr lang="en-US" altLang="ko-KR" sz="1600" dirty="0"/>
-              <a:t>);</a:t>
-            </a:r>
-          </a:p>
-          <a:p>
-            <a:pPr lvl="1"/>
-            <a:r>
-              <a:rPr lang="ko-KR" altLang="en-US" sz="1600" dirty="0"/>
-              <a:t>   </a:t>
-            </a:r>
-            <a:r>
-              <a:rPr lang="en-US" altLang="ko-KR" sz="1600" dirty="0"/>
-              <a:t>}</a:t>
-            </a:r>
-          </a:p>
-          <a:p>
-            <a:pPr lvl="1"/>
-            <a:r>
-              <a:rPr lang="en-US" altLang="ko-KR" sz="1600" b="1" dirty="0" smtClean="0"/>
-              <a:t>}</a:t>
-            </a:r>
-            <a:endParaRPr lang="ko-KR" altLang="en-US" sz="1600" b="1" dirty="0"/>
-          </a:p>
-          <a:p>
-            <a:r>
-              <a:rPr lang="en-US" altLang="ko-KR" sz="1600" dirty="0"/>
-              <a:t>}</a:t>
-            </a:r>
-          </a:p>
-          <a:p>
-            <a:endParaRPr lang="ko-KR" altLang="en-US" sz="1600" dirty="0"/>
-          </a:p>
-        </p:txBody>
-      </p:sp>
-      <p:sp>
-        <p:nvSpPr>
-          <p:cNvPr id="3" name="직사각형 2"/>
-          <p:cNvSpPr/>
-          <p:nvPr/>
-        </p:nvSpPr>
-        <p:spPr>
-          <a:xfrm>
-            <a:off x="6495068" y="452487"/>
-            <a:ext cx="5231876" cy="5769204"/>
-          </a:xfrm>
-          <a:prstGeom prst="rect">
-            <a:avLst/>
-          </a:prstGeom>
-        </p:spPr>
-        <p:style>
-          <a:lnRef idx="2">
-            <a:schemeClr val="accent6"/>
-          </a:lnRef>
-          <a:fillRef idx="1">
-            <a:schemeClr val="lt1"/>
-          </a:fillRef>
-          <a:effectRef idx="0">
-            <a:schemeClr val="accent6"/>
-          </a:effectRef>
-          <a:fontRef idx="minor">
-            <a:schemeClr val="dk1"/>
-          </a:fontRef>
-        </p:style>
-        <p:txBody>
-          <a:bodyPr rtlCol="0" anchor="ctr"/>
-          <a:lstStyle/>
-          <a:p>
-            <a:r>
-              <a:rPr lang="en-US" altLang="ko-KR" sz="1600" b="1" dirty="0"/>
-              <a:t>public class </a:t>
-            </a:r>
-            <a:r>
-              <a:rPr lang="en-US" altLang="ko-KR" sz="1600" b="1" dirty="0" err="1"/>
-              <a:t>InnerTest</a:t>
-            </a:r>
-            <a:r>
-              <a:rPr lang="en-US" altLang="ko-KR" sz="1600" b="1" dirty="0"/>
-              <a:t> {</a:t>
-            </a:r>
-          </a:p>
-          <a:p>
-            <a:endParaRPr lang="ko-KR" altLang="en-US" sz="1600" b="1" dirty="0"/>
-          </a:p>
-          <a:p>
-            <a:pPr lvl="1"/>
-            <a:r>
-              <a:rPr lang="en-US" altLang="ko-KR" sz="1600" b="1" dirty="0"/>
-              <a:t>public static void main(String[] </a:t>
-            </a:r>
-            <a:r>
-              <a:rPr lang="en-US" altLang="ko-KR" sz="1600" b="1" dirty="0" err="1"/>
-              <a:t>args</a:t>
-            </a:r>
-            <a:r>
-              <a:rPr lang="en-US" altLang="ko-KR" sz="1600" b="1" dirty="0"/>
-              <a:t>) {</a:t>
-            </a:r>
-          </a:p>
-          <a:p>
-            <a:pPr lvl="1"/>
-            <a:endParaRPr lang="ko-KR" altLang="en-US" sz="1600" b="1" dirty="0"/>
-          </a:p>
-          <a:p>
-            <a:pPr lvl="1"/>
-            <a:r>
-              <a:rPr lang="en-US" altLang="ko-KR" sz="1600" b="1" dirty="0" err="1">
-                <a:solidFill>
-                  <a:srgbClr val="0070C0"/>
-                </a:solidFill>
-              </a:rPr>
-              <a:t>OutClass</a:t>
-            </a:r>
-            <a:r>
-              <a:rPr lang="en-US" altLang="ko-KR" sz="1600" b="1" dirty="0">
-                <a:solidFill>
-                  <a:srgbClr val="0070C0"/>
-                </a:solidFill>
-              </a:rPr>
-              <a:t> out = new </a:t>
-            </a:r>
-            <a:r>
-              <a:rPr lang="en-US" altLang="ko-KR" sz="1600" b="1" dirty="0" err="1">
-                <a:solidFill>
-                  <a:srgbClr val="0070C0"/>
-                </a:solidFill>
-              </a:rPr>
-              <a:t>OutClass</a:t>
-            </a:r>
-            <a:r>
-              <a:rPr lang="en-US" altLang="ko-KR" sz="1600" b="1" dirty="0">
-                <a:solidFill>
-                  <a:srgbClr val="0070C0"/>
-                </a:solidFill>
-              </a:rPr>
-              <a:t>();</a:t>
-            </a:r>
-          </a:p>
-          <a:p>
-            <a:pPr lvl="1"/>
-            <a:r>
-              <a:rPr lang="en-US" altLang="ko-KR" sz="1600" b="1" dirty="0" err="1">
-                <a:solidFill>
-                  <a:srgbClr val="0070C0"/>
-                </a:solidFill>
-              </a:rPr>
-              <a:t>out.OutMethod</a:t>
-            </a:r>
-            <a:r>
-              <a:rPr lang="en-US" altLang="ko-KR" sz="1600" b="1" dirty="0">
-                <a:solidFill>
-                  <a:srgbClr val="0070C0"/>
-                </a:solidFill>
-              </a:rPr>
-              <a:t>();</a:t>
-            </a:r>
-          </a:p>
-          <a:p>
-            <a:pPr lvl="1"/>
-            <a:endParaRPr lang="ko-KR" altLang="en-US" sz="1600" b="1" dirty="0">
-              <a:solidFill>
-                <a:srgbClr val="0070C0"/>
-              </a:solidFill>
-            </a:endParaRPr>
-          </a:p>
-          <a:p>
-            <a:pPr lvl="1"/>
-            <a:endParaRPr lang="ko-KR" altLang="en-US" sz="1600" b="1" dirty="0"/>
-          </a:p>
-          <a:p>
-            <a:pPr lvl="1"/>
-            <a:r>
-              <a:rPr lang="en-US" altLang="ko-KR" sz="1600" b="1" dirty="0" err="1"/>
-              <a:t>OutClass.InClass</a:t>
-            </a:r>
-            <a:r>
-              <a:rPr lang="en-US" altLang="ko-KR" sz="1600" b="1" dirty="0"/>
-              <a:t> </a:t>
-            </a:r>
-            <a:r>
-              <a:rPr lang="en-US" altLang="ko-KR" sz="1600" b="1" dirty="0" err="1"/>
-              <a:t>inclass</a:t>
-            </a:r>
-            <a:r>
-              <a:rPr lang="en-US" altLang="ko-KR" sz="1600" b="1" dirty="0"/>
-              <a:t>=</a:t>
-            </a:r>
-            <a:r>
-              <a:rPr lang="en-US" altLang="ko-KR" sz="1600" b="1" dirty="0" err="1"/>
-              <a:t>out.new</a:t>
-            </a:r>
-            <a:r>
-              <a:rPr lang="en-US" altLang="ko-KR" sz="1600" b="1" dirty="0"/>
-              <a:t> </a:t>
-            </a:r>
-            <a:r>
-              <a:rPr lang="en-US" altLang="ko-KR" sz="1600" b="1" dirty="0" err="1"/>
-              <a:t>InClass</a:t>
-            </a:r>
-            <a:r>
-              <a:rPr lang="en-US" altLang="ko-KR" sz="1600" b="1" dirty="0"/>
-              <a:t>();</a:t>
-            </a:r>
-          </a:p>
-          <a:p>
-            <a:pPr lvl="1"/>
-            <a:r>
-              <a:rPr lang="en-US" altLang="ko-KR" sz="1600" b="1" dirty="0" err="1"/>
-              <a:t>inclass.inMethod</a:t>
-            </a:r>
-            <a:r>
-              <a:rPr lang="en-US" altLang="ko-KR" sz="1600" b="1" dirty="0"/>
-              <a:t>();</a:t>
-            </a:r>
-          </a:p>
-          <a:p>
-            <a:pPr lvl="1"/>
-            <a:endParaRPr lang="ko-KR" altLang="en-US" sz="1600" b="1" dirty="0"/>
-          </a:p>
-          <a:p>
-            <a:pPr lvl="1"/>
-            <a:endParaRPr lang="ko-KR" altLang="en-US" sz="1600" b="1" dirty="0"/>
-          </a:p>
-          <a:p>
-            <a:pPr lvl="1"/>
-            <a:r>
-              <a:rPr lang="en-US" altLang="ko-KR" sz="1600" b="1" dirty="0"/>
-              <a:t>}</a:t>
-            </a:r>
-          </a:p>
-          <a:p>
-            <a:endParaRPr lang="ko-KR" altLang="en-US" sz="1600" b="1" dirty="0"/>
-          </a:p>
-          <a:p>
-            <a:r>
-              <a:rPr lang="en-US" altLang="ko-KR" sz="1600" b="1" dirty="0"/>
-              <a:t>}</a:t>
-            </a:r>
-          </a:p>
-        </p:txBody>
-      </p:sp>
-    </p:spTree>
-    <p:extLst>
-      <p:ext uri="{BB962C8B-B14F-4D97-AF65-F5344CB8AC3E}">
-        <p14:creationId xmlns:p14="http://schemas.microsoft.com/office/powerpoint/2010/main" val="2689505543"/>
-      </p:ext>
-    </p:extLst>
-  </p:cSld>
-  <p:clrMapOvr>
-    <a:masterClrMapping/>
-  </p:clrMapOvr>
-</p:sld>
-</file>
-
-<file path=ppt/slides/slide30.xml><?xml version="1.0" encoding="utf-8"?>
+<file path=ppt/slides/slide31.xml><?xml version="1.0" encoding="utf-8"?>
 <p:sld xmlns:a="http://schemas.openxmlformats.org/drawingml/2006/main" xmlns:r="http://schemas.openxmlformats.org/officeDocument/2006/relationships" xmlns:p="http://schemas.openxmlformats.org/presentationml/2006/main">
   <p:cSld>
     <p:spTree>
@@ -13064,7 +14294,7 @@
 </p:sld>
 </file>
 
-<file path=ppt/slides/slide31.xml><?xml version="1.0" encoding="utf-8"?>
+<file path=ppt/slides/slide32.xml><?xml version="1.0" encoding="utf-8"?>
 <p:sld xmlns:a="http://schemas.openxmlformats.org/drawingml/2006/main" xmlns:r="http://schemas.openxmlformats.org/officeDocument/2006/relationships" xmlns:p="http://schemas.openxmlformats.org/presentationml/2006/main">
   <p:cSld>
     <p:spTree>
@@ -13857,7 +15087,7 @@
 </p:sld>
 </file>
 
-<file path=ppt/slides/slide32.xml><?xml version="1.0" encoding="utf-8"?>
+<file path=ppt/slides/slide33.xml><?xml version="1.0" encoding="utf-8"?>
 <p:sld xmlns:a="http://schemas.openxmlformats.org/drawingml/2006/main" xmlns:r="http://schemas.openxmlformats.org/officeDocument/2006/relationships" xmlns:p="http://schemas.openxmlformats.org/presentationml/2006/main">
   <p:cSld>
     <p:spTree>
@@ -14221,7 +15451,7 @@
 </p:sld>
 </file>
 
-<file path=ppt/slides/slide33.xml><?xml version="1.0" encoding="utf-8"?>
+<file path=ppt/slides/slide34.xml><?xml version="1.0" encoding="utf-8"?>
 <p:sld xmlns:a="http://schemas.openxmlformats.org/drawingml/2006/main" xmlns:r="http://schemas.openxmlformats.org/officeDocument/2006/relationships" xmlns:p="http://schemas.openxmlformats.org/presentationml/2006/main">
   <p:cSld>
     <p:spTree>
@@ -14453,7 +15683,7 @@
 </p:sld>
 </file>
 
-<file path=ppt/slides/slide34.xml><?xml version="1.0" encoding="utf-8"?>
+<file path=ppt/slides/slide35.xml><?xml version="1.0" encoding="utf-8"?>
 <p:sld xmlns:a="http://schemas.openxmlformats.org/drawingml/2006/main" xmlns:r="http://schemas.openxmlformats.org/officeDocument/2006/relationships" xmlns:p="http://schemas.openxmlformats.org/presentationml/2006/main">
   <p:cSld>
     <p:spTree>
@@ -15104,7 +16334,7 @@
 </p:sld>
 </file>
 
-<file path=ppt/slides/slide35.xml><?xml version="1.0" encoding="utf-8"?>
+<file path=ppt/slides/slide36.xml><?xml version="1.0" encoding="utf-8"?>
 <p:sld xmlns:a="http://schemas.openxmlformats.org/drawingml/2006/main" xmlns:r="http://schemas.openxmlformats.org/officeDocument/2006/relationships" xmlns:p="http://schemas.openxmlformats.org/presentationml/2006/main">
   <p:cSld>
     <p:spTree>
@@ -16344,14 +17574,73 @@
       </p:grpSpPr>
       <p:sp>
         <p:nvSpPr>
-          <p:cNvPr id="2" name="직사각형 1"/>
+          <p:cNvPr id="2" name="TextBox 1"/>
+          <p:cNvSpPr txBox="1"/>
+          <p:nvPr/>
+        </p:nvSpPr>
+        <p:spPr>
+          <a:xfrm>
+            <a:off x="1059736" y="1392795"/>
+            <a:ext cx="6425022" cy="646331"/>
+          </a:xfrm>
+          <a:prstGeom prst="rect">
+            <a:avLst/>
+          </a:prstGeom>
+          <a:noFill/>
+        </p:spPr>
+        <p:txBody>
+          <a:bodyPr wrap="square" rtlCol="0">
+            <a:spAutoFit/>
+          </a:bodyPr>
+          <a:lstStyle/>
+          <a:p>
+            <a:r>
+              <a:rPr lang="ko-KR" altLang="en-US" dirty="0" err="1" smtClean="0">
+                <a:latin typeface="HY강B" panose="02030600000101010101" pitchFamily="18" charset="-127"/>
+                <a:ea typeface="HY강B" panose="02030600000101010101" pitchFamily="18" charset="-127"/>
+              </a:rPr>
+              <a:t>제네릭</a:t>
+            </a:r>
+            <a:r>
+              <a:rPr lang="en-US" altLang="ko-KR" dirty="0" smtClean="0">
+                <a:latin typeface="HY강B" panose="02030600000101010101" pitchFamily="18" charset="-127"/>
+                <a:ea typeface="HY강B" panose="02030600000101010101" pitchFamily="18" charset="-127"/>
+              </a:rPr>
+              <a:t>(Generic)</a:t>
+            </a:r>
+            <a:r>
+              <a:rPr lang="ko-KR" altLang="en-US" dirty="0" smtClean="0">
+                <a:latin typeface="HY강B" panose="02030600000101010101" pitchFamily="18" charset="-127"/>
+                <a:ea typeface="HY강B" panose="02030600000101010101" pitchFamily="18" charset="-127"/>
+              </a:rPr>
+              <a:t>이란</a:t>
+            </a:r>
+            <a:r>
+              <a:rPr lang="en-US" altLang="ko-KR" dirty="0" smtClean="0">
+                <a:latin typeface="HY강B" panose="02030600000101010101" pitchFamily="18" charset="-127"/>
+                <a:ea typeface="HY강B" panose="02030600000101010101" pitchFamily="18" charset="-127"/>
+              </a:rPr>
+              <a:t>?</a:t>
+            </a:r>
+          </a:p>
+          <a:p>
+            <a:endParaRPr lang="ko-KR" altLang="en-US" dirty="0">
+              <a:latin typeface="HY강B" panose="02030600000101010101" pitchFamily="18" charset="-127"/>
+              <a:ea typeface="HY강B" panose="02030600000101010101" pitchFamily="18" charset="-127"/>
+            </a:endParaRPr>
+          </a:p>
+        </p:txBody>
+      </p:sp>
+      <p:sp>
+        <p:nvSpPr>
+          <p:cNvPr id="4" name="직사각형 3"/>
           <p:cNvSpPr/>
           <p:nvPr/>
         </p:nvSpPr>
         <p:spPr>
           <a:xfrm>
-            <a:off x="1145628" y="1040525"/>
-            <a:ext cx="1860331" cy="588579"/>
+            <a:off x="1138459" y="1853023"/>
+            <a:ext cx="9434671" cy="3518320"/>
           </a:xfrm>
           <a:prstGeom prst="rect">
             <a:avLst/>
@@ -16375,282 +17664,314 @@
           <a:bodyPr rtlCol="0" anchor="ctr"/>
           <a:lstStyle/>
           <a:p>
-            <a:pPr algn="ctr"/>
-            <a:r>
-              <a:rPr lang="ko-KR" altLang="en-US" smtClean="0"/>
-              <a:t>지네릭스</a:t>
-            </a:r>
-            <a:endParaRPr lang="ko-KR" altLang="en-US" dirty="0"/>
-          </a:p>
-        </p:txBody>
-      </p:sp>
-      <p:sp>
-        <p:nvSpPr>
-          <p:cNvPr id="4" name="TextBox 3"/>
-          <p:cNvSpPr txBox="1"/>
-          <p:nvPr/>
-        </p:nvSpPr>
-        <p:spPr>
-          <a:xfrm>
-            <a:off x="924911" y="1986456"/>
-            <a:ext cx="10258096" cy="3139321"/>
-          </a:xfrm>
-          <a:prstGeom prst="rect">
-            <a:avLst/>
-          </a:prstGeom>
-          <a:noFill/>
-        </p:spPr>
-        <p:txBody>
-          <a:bodyPr wrap="square" rtlCol="0">
-            <a:spAutoFit/>
-          </a:bodyPr>
-          <a:lstStyle/>
-          <a:p>
-            <a:r>
-              <a:rPr lang="ko-KR" altLang="en-US" dirty="0"/>
+            <a:r>
+              <a:rPr lang="ko-KR" altLang="en-US" dirty="0" err="1">
+                <a:latin typeface="HY강B" panose="02030600000101010101" pitchFamily="18" charset="-127"/>
+                <a:ea typeface="HY강B" panose="02030600000101010101" pitchFamily="18" charset="-127"/>
+              </a:rPr>
+              <a:t>여러참조형이</a:t>
+            </a:r>
+            <a:r>
+              <a:rPr lang="ko-KR" altLang="en-US" dirty="0">
+                <a:latin typeface="HY강B" panose="02030600000101010101" pitchFamily="18" charset="-127"/>
+                <a:ea typeface="HY강B" panose="02030600000101010101" pitchFamily="18" charset="-127"/>
+              </a:rPr>
               <a:t> </a:t>
             </a:r>
-            <a:r>
-              <a:rPr lang="ko-KR" altLang="en-US" dirty="0" err="1"/>
-              <a:t>지네릭스란</a:t>
-            </a:r>
-            <a:r>
-              <a:rPr lang="en-US" altLang="ko-KR" dirty="0"/>
-              <a:t>?</a:t>
-            </a:r>
-          </a:p>
-          <a:p>
-            <a:r>
-              <a:rPr lang="en-US" altLang="ko-KR" dirty="0"/>
-              <a:t>  - </a:t>
-            </a:r>
-            <a:r>
-              <a:rPr lang="ko-KR" altLang="en-US" dirty="0" err="1"/>
-              <a:t>컴파일시</a:t>
-            </a:r>
-            <a:r>
-              <a:rPr lang="ko-KR" altLang="en-US" dirty="0"/>
-              <a:t> 타입을 체크해 주는 기능 </a:t>
-            </a:r>
-            <a:r>
-              <a:rPr lang="en-US" altLang="ko-KR" dirty="0"/>
-              <a:t>( compile-time type check) </a:t>
-            </a:r>
-            <a:r>
-              <a:rPr lang="en-US" altLang="ko-KR" dirty="0" err="1"/>
-              <a:t>jdk</a:t>
-            </a:r>
-            <a:r>
-              <a:rPr lang="en-US" altLang="ko-KR" dirty="0"/>
-              <a:t> 1.5</a:t>
-            </a:r>
-          </a:p>
-          <a:p>
-            <a:r>
-              <a:rPr lang="en-US" altLang="ko-KR" dirty="0"/>
-              <a:t>  - </a:t>
-            </a:r>
-            <a:r>
-              <a:rPr lang="ko-KR" altLang="en-US" dirty="0"/>
-              <a:t>객체의 타입 안정성을 높이고 </a:t>
-            </a:r>
-            <a:r>
-              <a:rPr lang="ko-KR" altLang="en-US" dirty="0" err="1"/>
-              <a:t>형변환의</a:t>
-            </a:r>
-            <a:r>
-              <a:rPr lang="ko-KR" altLang="en-US" dirty="0"/>
-              <a:t> 번거로움을 </a:t>
-            </a:r>
-            <a:r>
-              <a:rPr lang="ko-KR" altLang="en-US" dirty="0" err="1"/>
-              <a:t>줄여줌</a:t>
-            </a:r>
-            <a:r>
-              <a:rPr lang="ko-KR" altLang="en-US" dirty="0"/>
+            <a:endParaRPr lang="en-US" altLang="ko-KR" dirty="0">
+              <a:latin typeface="HY강B" panose="02030600000101010101" pitchFamily="18" charset="-127"/>
+              <a:ea typeface="HY강B" panose="02030600000101010101" pitchFamily="18" charset="-127"/>
+            </a:endParaRPr>
+          </a:p>
+          <a:p>
+            <a:r>
+              <a:rPr lang="ko-KR" altLang="en-US" dirty="0">
+                <a:latin typeface="HY강B" panose="02030600000101010101" pitchFamily="18" charset="-127"/>
+                <a:ea typeface="HY강B" panose="02030600000101010101" pitchFamily="18" charset="-127"/>
+              </a:rPr>
+              <a:t>쓰일 수 있는 곳에</a:t>
+            </a:r>
+            <a:endParaRPr lang="en-US" altLang="ko-KR" dirty="0">
+              <a:latin typeface="HY강B" panose="02030600000101010101" pitchFamily="18" charset="-127"/>
+              <a:ea typeface="HY강B" panose="02030600000101010101" pitchFamily="18" charset="-127"/>
+            </a:endParaRPr>
+          </a:p>
+          <a:p>
+            <a:r>
+              <a:rPr lang="ko-KR" altLang="en-US" dirty="0" err="1">
+                <a:latin typeface="HY강B" panose="02030600000101010101" pitchFamily="18" charset="-127"/>
+                <a:ea typeface="HY강B" panose="02030600000101010101" pitchFamily="18" charset="-127"/>
+              </a:rPr>
+              <a:t>특정자료형을</a:t>
+            </a:r>
+            <a:r>
+              <a:rPr lang="ko-KR" altLang="en-US" dirty="0">
+                <a:latin typeface="HY강B" panose="02030600000101010101" pitchFamily="18" charset="-127"/>
+                <a:ea typeface="HY강B" panose="02030600000101010101" pitchFamily="18" charset="-127"/>
+              </a:rPr>
+              <a:t> 지정하지 않고 </a:t>
+            </a:r>
+            <a:endParaRPr lang="en-US" altLang="ko-KR" dirty="0">
+              <a:latin typeface="HY강B" panose="02030600000101010101" pitchFamily="18" charset="-127"/>
+              <a:ea typeface="HY강B" panose="02030600000101010101" pitchFamily="18" charset="-127"/>
+            </a:endParaRPr>
+          </a:p>
+          <a:p>
+            <a:r>
+              <a:rPr lang="ko-KR" altLang="en-US" dirty="0">
+                <a:latin typeface="HY강B" panose="02030600000101010101" pitchFamily="18" charset="-127"/>
+                <a:ea typeface="HY강B" panose="02030600000101010101" pitchFamily="18" charset="-127"/>
+              </a:rPr>
+              <a:t>클래스나</a:t>
+            </a:r>
+            <a:r>
+              <a:rPr lang="en-US" altLang="ko-KR" dirty="0">
+                <a:latin typeface="HY강B" panose="02030600000101010101" pitchFamily="18" charset="-127"/>
+                <a:ea typeface="HY강B" panose="02030600000101010101" pitchFamily="18" charset="-127"/>
+              </a:rPr>
+              <a:t>, </a:t>
+            </a:r>
+            <a:r>
+              <a:rPr lang="ko-KR" altLang="en-US" dirty="0" err="1">
+                <a:latin typeface="HY강B" panose="02030600000101010101" pitchFamily="18" charset="-127"/>
+                <a:ea typeface="HY강B" panose="02030600000101010101" pitchFamily="18" charset="-127"/>
+              </a:rPr>
+              <a:t>매서드를</a:t>
+            </a:r>
+            <a:r>
+              <a:rPr lang="ko-KR" altLang="en-US" dirty="0">
+                <a:latin typeface="HY강B" panose="02030600000101010101" pitchFamily="18" charset="-127"/>
+                <a:ea typeface="HY강B" panose="02030600000101010101" pitchFamily="18" charset="-127"/>
+              </a:rPr>
+              <a:t> 정의한 후 </a:t>
+            </a:r>
+            <a:r>
+              <a:rPr lang="ko-KR" altLang="en-US" dirty="0" smtClean="0">
+                <a:latin typeface="HY강B" panose="02030600000101010101" pitchFamily="18" charset="-127"/>
+                <a:ea typeface="HY강B" panose="02030600000101010101" pitchFamily="18" charset="-127"/>
+              </a:rPr>
+              <a:t>  </a:t>
+            </a:r>
+            <a:r>
+              <a:rPr lang="en-US" altLang="ko-KR" dirty="0" smtClean="0">
+                <a:latin typeface="HY강B" panose="02030600000101010101" pitchFamily="18" charset="-127"/>
+                <a:ea typeface="HY강B" panose="02030600000101010101" pitchFamily="18" charset="-127"/>
+              </a:rPr>
+              <a:t>( </a:t>
+            </a:r>
+            <a:r>
+              <a:rPr lang="ko-KR" altLang="en-US" dirty="0" err="1" smtClean="0">
+                <a:latin typeface="HY강B" panose="02030600000101010101" pitchFamily="18" charset="-127"/>
+                <a:ea typeface="HY강B" panose="02030600000101010101" pitchFamily="18" charset="-127"/>
+              </a:rPr>
+              <a:t>제네릭클래스</a:t>
+            </a:r>
+            <a:r>
+              <a:rPr lang="en-US" altLang="ko-KR" dirty="0" smtClean="0">
+                <a:latin typeface="HY강B" panose="02030600000101010101" pitchFamily="18" charset="-127"/>
+                <a:ea typeface="HY강B" panose="02030600000101010101" pitchFamily="18" charset="-127"/>
+              </a:rPr>
+              <a:t>, </a:t>
+            </a:r>
+            <a:r>
+              <a:rPr lang="ko-KR" altLang="en-US" dirty="0" err="1" smtClean="0">
+                <a:latin typeface="HY강B" panose="02030600000101010101" pitchFamily="18" charset="-127"/>
+                <a:ea typeface="HY강B" panose="02030600000101010101" pitchFamily="18" charset="-127"/>
+              </a:rPr>
+              <a:t>제네릭매서드</a:t>
+            </a:r>
+            <a:r>
+              <a:rPr lang="en-US" altLang="ko-KR" dirty="0" smtClean="0">
+                <a:latin typeface="HY강B" panose="02030600000101010101" pitchFamily="18" charset="-127"/>
+                <a:ea typeface="HY강B" panose="02030600000101010101" pitchFamily="18" charset="-127"/>
+              </a:rPr>
+              <a:t>)</a:t>
+            </a:r>
+            <a:endParaRPr lang="en-US" altLang="ko-KR" dirty="0">
+              <a:latin typeface="HY강B" panose="02030600000101010101" pitchFamily="18" charset="-127"/>
+              <a:ea typeface="HY강B" panose="02030600000101010101" pitchFamily="18" charset="-127"/>
+            </a:endParaRPr>
+          </a:p>
+          <a:p>
+            <a:endParaRPr lang="en-US" altLang="ko-KR" dirty="0">
+              <a:latin typeface="HY강B" panose="02030600000101010101" pitchFamily="18" charset="-127"/>
+              <a:ea typeface="HY강B" panose="02030600000101010101" pitchFamily="18" charset="-127"/>
+            </a:endParaRPr>
+          </a:p>
+          <a:p>
+            <a:r>
+              <a:rPr lang="ko-KR" altLang="en-US" dirty="0">
+                <a:latin typeface="HY강B" panose="02030600000101010101" pitchFamily="18" charset="-127"/>
+                <a:ea typeface="HY강B" panose="02030600000101010101" pitchFamily="18" charset="-127"/>
+              </a:rPr>
+              <a:t>사용하는 시점에 어떤 </a:t>
+            </a:r>
+            <a:r>
+              <a:rPr lang="ko-KR" altLang="en-US" dirty="0" err="1">
+                <a:latin typeface="HY강B" panose="02030600000101010101" pitchFamily="18" charset="-127"/>
+                <a:ea typeface="HY강B" panose="02030600000101010101" pitchFamily="18" charset="-127"/>
+              </a:rPr>
+              <a:t>자료형을</a:t>
+            </a:r>
+            <a:r>
+              <a:rPr lang="ko-KR" altLang="en-US" dirty="0">
+                <a:latin typeface="HY강B" panose="02030600000101010101" pitchFamily="18" charset="-127"/>
+                <a:ea typeface="HY강B" panose="02030600000101010101" pitchFamily="18" charset="-127"/>
+              </a:rPr>
+              <a:t> 사용할 것인지를 지정하는 방식이다</a:t>
+            </a:r>
+            <a:r>
+              <a:rPr lang="en-US" altLang="ko-KR" dirty="0">
+                <a:latin typeface="HY강B" panose="02030600000101010101" pitchFamily="18" charset="-127"/>
+                <a:ea typeface="HY강B" panose="02030600000101010101" pitchFamily="18" charset="-127"/>
+              </a:rPr>
+              <a:t>.</a:t>
+            </a:r>
+          </a:p>
+          <a:p>
+            <a:endParaRPr lang="en-US" altLang="ko-KR" dirty="0" smtClean="0">
+              <a:latin typeface="HY강B" panose="02030600000101010101" pitchFamily="18" charset="-127"/>
+              <a:ea typeface="HY강B" panose="02030600000101010101" pitchFamily="18" charset="-127"/>
+            </a:endParaRPr>
+          </a:p>
+          <a:p>
+            <a:r>
+              <a:rPr lang="en-US" altLang="ko-KR" dirty="0" smtClean="0">
+                <a:latin typeface="HY강B" panose="02030600000101010101" pitchFamily="18" charset="-127"/>
+                <a:ea typeface="HY강B" panose="02030600000101010101" pitchFamily="18" charset="-127"/>
+              </a:rPr>
               <a:t> </a:t>
             </a:r>
-          </a:p>
-          <a:p>
-            <a:endParaRPr lang="ko-KR" altLang="en-US" dirty="0"/>
-          </a:p>
-          <a:p>
-            <a:r>
-              <a:rPr lang="ko-KR" altLang="en-US" dirty="0"/>
-              <a:t>    </a:t>
-            </a:r>
-            <a:r>
-              <a:rPr lang="en-US" altLang="ko-KR" dirty="0" err="1"/>
-              <a:t>ArrayList</a:t>
-            </a:r>
-            <a:r>
-              <a:rPr lang="en-US" altLang="ko-KR" dirty="0"/>
-              <a:t> list = new </a:t>
-            </a:r>
-            <a:r>
-              <a:rPr lang="en-US" altLang="ko-KR" dirty="0" err="1"/>
-              <a:t>ArrayList</a:t>
-            </a:r>
-            <a:r>
-              <a:rPr lang="en-US" altLang="ko-KR" dirty="0" smtClean="0"/>
-              <a:t>();    -&gt; </a:t>
-            </a:r>
-            <a:r>
-              <a:rPr lang="en-US" altLang="ko-KR" dirty="0" err="1"/>
-              <a:t>ArrayList</a:t>
-            </a:r>
-            <a:r>
-              <a:rPr lang="en-US" altLang="ko-KR" dirty="0"/>
+            <a:endParaRPr lang="en-US" altLang="ko-KR" dirty="0">
+              <a:latin typeface="HY강B" panose="02030600000101010101" pitchFamily="18" charset="-127"/>
+              <a:ea typeface="HY강B" panose="02030600000101010101" pitchFamily="18" charset="-127"/>
+            </a:endParaRPr>
+          </a:p>
+          <a:p>
+            <a:r>
+              <a:rPr lang="ko-KR" altLang="en-US" dirty="0" err="1">
+                <a:latin typeface="HY강B" panose="02030600000101010101" pitchFamily="18" charset="-127"/>
+                <a:ea typeface="HY강B" panose="02030600000101010101" pitchFamily="18" charset="-127"/>
+              </a:rPr>
+              <a:t>제네릭은</a:t>
+            </a:r>
+            <a:r>
+              <a:rPr lang="ko-KR" altLang="en-US" dirty="0">
+                <a:latin typeface="HY강B" panose="02030600000101010101" pitchFamily="18" charset="-127"/>
+                <a:ea typeface="HY강B" panose="02030600000101010101" pitchFamily="18" charset="-127"/>
+              </a:rPr>
               <a:t> </a:t>
             </a:r>
-            <a:r>
-              <a:rPr lang="en-US" altLang="ko-KR" dirty="0" smtClean="0"/>
-              <a:t>list&lt;Object&gt; </a:t>
-            </a:r>
-            <a:r>
-              <a:rPr lang="en-US" altLang="ko-KR" dirty="0"/>
-              <a:t>= new </a:t>
-            </a:r>
-            <a:r>
-              <a:rPr lang="en-US" altLang="ko-KR" dirty="0" err="1" smtClean="0"/>
-              <a:t>ArrayList</a:t>
-            </a:r>
-            <a:r>
-              <a:rPr lang="en-US" altLang="ko-KR" dirty="0" smtClean="0"/>
-              <a:t>&lt;&gt;(); </a:t>
-            </a:r>
-            <a:endParaRPr lang="en-US" altLang="ko-KR" dirty="0"/>
-          </a:p>
-          <a:p>
-            <a:r>
-              <a:rPr lang="en-US" altLang="ko-KR" dirty="0"/>
-              <a:t>    </a:t>
-            </a:r>
-            <a:r>
-              <a:rPr lang="en-US" altLang="ko-KR" dirty="0" err="1"/>
-              <a:t>list.add</a:t>
-            </a:r>
-            <a:r>
-              <a:rPr lang="en-US" altLang="ko-KR" dirty="0"/>
-              <a:t>(10);</a:t>
-            </a:r>
-          </a:p>
-          <a:p>
-            <a:r>
-              <a:rPr lang="en-US" altLang="ko-KR" dirty="0"/>
-              <a:t>    </a:t>
-            </a:r>
-            <a:r>
-              <a:rPr lang="en-US" altLang="ko-KR" dirty="0" err="1"/>
-              <a:t>list.add</a:t>
-            </a:r>
-            <a:r>
-              <a:rPr lang="en-US" altLang="ko-KR" dirty="0"/>
-              <a:t>(20);</a:t>
-            </a:r>
-          </a:p>
-          <a:p>
-            <a:r>
-              <a:rPr lang="en-US" altLang="ko-KR" dirty="0"/>
-              <a:t>    </a:t>
-            </a:r>
-            <a:r>
-              <a:rPr lang="en-US" altLang="ko-KR" dirty="0" err="1"/>
-              <a:t>list.add</a:t>
-            </a:r>
-            <a:r>
-              <a:rPr lang="en-US" altLang="ko-KR" dirty="0"/>
-              <a:t>("30");</a:t>
-            </a:r>
-          </a:p>
-          <a:p>
-            <a:endParaRPr lang="en-US" altLang="ko-KR" dirty="0"/>
-          </a:p>
-          <a:p>
-            <a:r>
-              <a:rPr lang="en-US" altLang="ko-KR" dirty="0" smtClean="0"/>
+            <a:endParaRPr lang="en-US" altLang="ko-KR" dirty="0">
+              <a:latin typeface="HY강B" panose="02030600000101010101" pitchFamily="18" charset="-127"/>
+              <a:ea typeface="HY강B" panose="02030600000101010101" pitchFamily="18" charset="-127"/>
+            </a:endParaRPr>
+          </a:p>
+          <a:p>
+            <a:r>
+              <a:rPr lang="ko-KR" altLang="en-US" dirty="0" err="1">
+                <a:latin typeface="HY강B" panose="02030600000101010101" pitchFamily="18" charset="-127"/>
+                <a:ea typeface="HY강B" panose="02030600000101010101" pitchFamily="18" charset="-127"/>
+              </a:rPr>
+              <a:t>제네릭이</a:t>
+            </a:r>
+            <a:r>
+              <a:rPr lang="ko-KR" altLang="en-US" dirty="0">
+                <a:latin typeface="HY강B" panose="02030600000101010101" pitchFamily="18" charset="-127"/>
+                <a:ea typeface="HY강B" panose="02030600000101010101" pitchFamily="18" charset="-127"/>
+              </a:rPr>
+              <a:t> 아닌 것을 </a:t>
+            </a:r>
+            <a:r>
+              <a:rPr lang="ko-KR" altLang="en-US" dirty="0" err="1">
+                <a:latin typeface="HY강B" panose="02030600000101010101" pitchFamily="18" charset="-127"/>
+                <a:ea typeface="HY강B" panose="02030600000101010101" pitchFamily="18" charset="-127"/>
+              </a:rPr>
+              <a:t>제네릭으로</a:t>
+            </a:r>
+            <a:r>
+              <a:rPr lang="ko-KR" altLang="en-US" dirty="0">
+                <a:latin typeface="HY강B" panose="02030600000101010101" pitchFamily="18" charset="-127"/>
+                <a:ea typeface="HY강B" panose="02030600000101010101" pitchFamily="18" charset="-127"/>
+              </a:rPr>
+              <a:t> 변경해 보는 </a:t>
+            </a:r>
+            <a:r>
+              <a:rPr lang="ko-KR" altLang="en-US" dirty="0" smtClean="0">
+                <a:latin typeface="HY강B" panose="02030600000101010101" pitchFamily="18" charset="-127"/>
+                <a:ea typeface="HY강B" panose="02030600000101010101" pitchFamily="18" charset="-127"/>
+              </a:rPr>
+              <a:t>방법으로  </a:t>
+            </a:r>
+            <a:r>
+              <a:rPr lang="ko-KR" altLang="en-US" dirty="0" err="1" smtClean="0">
+                <a:latin typeface="HY강B" panose="02030600000101010101" pitchFamily="18" charset="-127"/>
+                <a:ea typeface="HY강B" panose="02030600000101010101" pitchFamily="18" charset="-127"/>
+              </a:rPr>
+              <a:t>제네릭을</a:t>
+            </a:r>
+            <a:r>
+              <a:rPr lang="ko-KR" altLang="en-US" dirty="0" smtClean="0">
+                <a:latin typeface="HY강B" panose="02030600000101010101" pitchFamily="18" charset="-127"/>
+                <a:ea typeface="HY강B" panose="02030600000101010101" pitchFamily="18" charset="-127"/>
+              </a:rPr>
               <a:t> </a:t>
             </a:r>
-            <a:endParaRPr lang="en-US" altLang="ko-KR" dirty="0"/>
-          </a:p>
-          <a:p>
-            <a:endParaRPr lang="ko-KR" altLang="en-US" dirty="0"/>
-          </a:p>
-        </p:txBody>
-      </p:sp>
-      <p:sp>
-        <p:nvSpPr>
-          <p:cNvPr id="5" name="직사각형 4"/>
-          <p:cNvSpPr/>
-          <p:nvPr/>
-        </p:nvSpPr>
-        <p:spPr>
-          <a:xfrm>
-            <a:off x="1145628" y="4861383"/>
-            <a:ext cx="4277711" cy="1243492"/>
-          </a:xfrm>
-          <a:prstGeom prst="rect">
-            <a:avLst/>
-          </a:prstGeom>
-        </p:spPr>
-        <p:style>
-          <a:lnRef idx="2">
-            <a:schemeClr val="accent6"/>
-          </a:lnRef>
-          <a:fillRef idx="1">
-            <a:schemeClr val="lt1"/>
-          </a:fillRef>
-          <a:effectRef idx="0">
-            <a:schemeClr val="accent6"/>
-          </a:effectRef>
-          <a:fontRef idx="minor">
-            <a:schemeClr val="dk1"/>
-          </a:fontRef>
-        </p:style>
-        <p:txBody>
-          <a:bodyPr rtlCol="0" anchor="ctr"/>
-          <a:lstStyle/>
-          <a:p>
-            <a:r>
-              <a:rPr lang="en-US" altLang="ko-KR" dirty="0" smtClean="0"/>
-              <a:t>&lt;T&gt;</a:t>
-            </a:r>
-          </a:p>
-          <a:p>
-            <a:r>
-              <a:rPr lang="en-US" altLang="ko-KR" dirty="0" smtClean="0"/>
-              <a:t>&lt; ?  </a:t>
-            </a:r>
-            <a:r>
-              <a:rPr lang="en-US" altLang="ko-KR" dirty="0"/>
-              <a:t>e</a:t>
-            </a:r>
-            <a:r>
-              <a:rPr lang="en-US" altLang="ko-KR" dirty="0" smtClean="0"/>
-              <a:t>xtends  T&gt;</a:t>
-            </a:r>
-          </a:p>
-          <a:p>
-            <a:r>
-              <a:rPr lang="en-US" altLang="ko-KR" dirty="0" smtClean="0"/>
-              <a:t>&lt; ? </a:t>
-            </a:r>
-            <a:r>
-              <a:rPr lang="en-US" altLang="ko-KR" dirty="0"/>
-              <a:t> s</a:t>
-            </a:r>
-            <a:r>
-              <a:rPr lang="en-US" altLang="ko-KR" dirty="0" smtClean="0"/>
-              <a:t>uper T &gt; </a:t>
-            </a:r>
-            <a:endParaRPr lang="ko-KR" altLang="en-US" dirty="0"/>
+            <a:r>
+              <a:rPr lang="ko-KR" altLang="en-US" dirty="0" err="1" smtClean="0">
+                <a:latin typeface="HY강B" panose="02030600000101010101" pitchFamily="18" charset="-127"/>
+                <a:ea typeface="HY강B" panose="02030600000101010101" pitchFamily="18" charset="-127"/>
+              </a:rPr>
+              <a:t>익히는것이</a:t>
+            </a:r>
+            <a:endParaRPr lang="en-US" altLang="ko-KR" dirty="0" smtClean="0">
+              <a:latin typeface="HY강B" panose="02030600000101010101" pitchFamily="18" charset="-127"/>
+              <a:ea typeface="HY강B" panose="02030600000101010101" pitchFamily="18" charset="-127"/>
+            </a:endParaRPr>
+          </a:p>
+          <a:p>
+            <a:r>
+              <a:rPr lang="ko-KR" altLang="en-US" dirty="0" smtClean="0">
+                <a:latin typeface="HY강B" panose="02030600000101010101" pitchFamily="18" charset="-127"/>
+                <a:ea typeface="HY강B" panose="02030600000101010101" pitchFamily="18" charset="-127"/>
+              </a:rPr>
+              <a:t>가장 </a:t>
+            </a:r>
+            <a:r>
+              <a:rPr lang="ko-KR" altLang="en-US" dirty="0">
+                <a:latin typeface="HY강B" panose="02030600000101010101" pitchFamily="18" charset="-127"/>
+                <a:ea typeface="HY강B" panose="02030600000101010101" pitchFamily="18" charset="-127"/>
+              </a:rPr>
+              <a:t>빨리 </a:t>
+            </a:r>
+            <a:r>
+              <a:rPr lang="ko-KR" altLang="en-US" dirty="0" err="1" smtClean="0">
+                <a:latin typeface="HY강B" panose="02030600000101010101" pitchFamily="18" charset="-127"/>
+                <a:ea typeface="HY강B" panose="02030600000101010101" pitchFamily="18" charset="-127"/>
+              </a:rPr>
+              <a:t>제네릭을</a:t>
+            </a:r>
+            <a:r>
+              <a:rPr lang="ko-KR" altLang="en-US" dirty="0" smtClean="0">
+                <a:latin typeface="HY강B" panose="02030600000101010101" pitchFamily="18" charset="-127"/>
+                <a:ea typeface="HY강B" panose="02030600000101010101" pitchFamily="18" charset="-127"/>
+              </a:rPr>
+              <a:t> 이해하는 </a:t>
+            </a:r>
+            <a:r>
+              <a:rPr lang="ko-KR" altLang="en-US" dirty="0">
+                <a:latin typeface="HY강B" panose="02030600000101010101" pitchFamily="18" charset="-127"/>
+                <a:ea typeface="HY강B" panose="02030600000101010101" pitchFamily="18" charset="-127"/>
+              </a:rPr>
+              <a:t>길이다</a:t>
+            </a:r>
           </a:p>
         </p:txBody>
       </p:sp>
     </p:spTree>
     <p:extLst>
       <p:ext uri="{BB962C8B-B14F-4D97-AF65-F5344CB8AC3E}">
-        <p14:creationId xmlns:p14="http://schemas.microsoft.com/office/powerpoint/2010/main" val="2461472037"/>
+        <p14:creationId xmlns:p14="http://schemas.microsoft.com/office/powerpoint/2010/main" val="4153139941"/>
       </p:ext>
     </p:extLst>
   </p:cSld>
@@ -16685,8 +18006,8 @@
         </p:nvSpPr>
         <p:spPr>
           <a:xfrm>
-            <a:off x="339115" y="0"/>
-            <a:ext cx="5498511" cy="3239761"/>
+            <a:off x="852243" y="495518"/>
+            <a:ext cx="1860331" cy="588579"/>
           </a:xfrm>
           <a:prstGeom prst="rect">
             <a:avLst/>
@@ -16710,169 +18031,547 @@
           <a:bodyPr rtlCol="0" anchor="ctr"/>
           <a:lstStyle/>
           <a:p>
-            <a:r>
-              <a:rPr lang="en-US" altLang="ko-KR" sz="1200" dirty="0"/>
-              <a:t>public class </a:t>
-            </a:r>
-            <a:r>
-              <a:rPr lang="en-US" altLang="ko-KR" sz="1200" dirty="0" err="1"/>
-              <a:t>TreeDPrinterPlastic</a:t>
-            </a:r>
-            <a:r>
-              <a:rPr lang="en-US" altLang="ko-KR" sz="1200" dirty="0"/>
-              <a:t> {</a:t>
-            </a:r>
-          </a:p>
-          <a:p>
-            <a:r>
-              <a:rPr lang="en-US" altLang="ko-KR" sz="1200" dirty="0"/>
-              <a:t>	private Plastic  material</a:t>
-            </a:r>
-            <a:r>
-              <a:rPr lang="en-US" altLang="ko-KR" sz="1200" dirty="0" smtClean="0"/>
-              <a:t>;</a:t>
-            </a:r>
-          </a:p>
-          <a:p>
-            <a:r>
-              <a:rPr lang="en-US" altLang="ko-KR" sz="1200" dirty="0" smtClean="0"/>
-              <a:t>	</a:t>
-            </a:r>
-          </a:p>
-          <a:p>
-            <a:r>
-              <a:rPr lang="en-US" altLang="ko-KR" sz="1200" dirty="0"/>
-              <a:t>	public void </a:t>
-            </a:r>
-            <a:r>
-              <a:rPr lang="en-US" altLang="ko-KR" sz="1200" dirty="0" err="1"/>
-              <a:t>setMaterial</a:t>
-            </a:r>
-            <a:r>
-              <a:rPr lang="en-US" altLang="ko-KR" sz="1200" dirty="0"/>
-              <a:t>( Plastic  material) {</a:t>
-            </a:r>
-          </a:p>
-          <a:p>
-            <a:r>
-              <a:rPr lang="en-US" altLang="ko-KR" sz="1200" dirty="0"/>
-              <a:t>		</a:t>
-            </a:r>
-            <a:r>
-              <a:rPr lang="en-US" altLang="ko-KR" sz="1200" dirty="0" err="1"/>
-              <a:t>this.material</a:t>
-            </a:r>
-            <a:r>
-              <a:rPr lang="en-US" altLang="ko-KR" sz="1200" dirty="0"/>
-              <a:t> =  material;</a:t>
-            </a:r>
-          </a:p>
-          <a:p>
-            <a:r>
-              <a:rPr lang="en-US" altLang="ko-KR" sz="1200" dirty="0"/>
-              <a:t>	</a:t>
-            </a:r>
-            <a:r>
-              <a:rPr lang="en-US" altLang="ko-KR" sz="1200" dirty="0" smtClean="0"/>
-              <a:t>}</a:t>
-            </a:r>
-          </a:p>
-          <a:p>
-            <a:r>
-              <a:rPr lang="en-US" altLang="ko-KR" sz="1200" dirty="0" smtClean="0"/>
-              <a:t>	</a:t>
-            </a:r>
-          </a:p>
-          <a:p>
-            <a:r>
-              <a:rPr lang="en-US" altLang="ko-KR" sz="1200" dirty="0"/>
-              <a:t>	public Plastic </a:t>
-            </a:r>
-            <a:r>
-              <a:rPr lang="en-US" altLang="ko-KR" sz="1200" dirty="0" err="1"/>
-              <a:t>getMaterial</a:t>
-            </a:r>
-            <a:r>
-              <a:rPr lang="en-US" altLang="ko-KR" sz="1200" dirty="0"/>
-              <a:t>() {</a:t>
-            </a:r>
-          </a:p>
-          <a:p>
-            <a:r>
-              <a:rPr lang="en-US" altLang="ko-KR" sz="1200" dirty="0"/>
-              <a:t>		return material;</a:t>
-            </a:r>
-          </a:p>
-          <a:p>
-            <a:r>
-              <a:rPr lang="en-US" altLang="ko-KR" sz="1200" dirty="0"/>
-              <a:t>	</a:t>
-            </a:r>
-            <a:r>
-              <a:rPr lang="en-US" altLang="ko-KR" sz="1200" dirty="0" smtClean="0"/>
-              <a:t>}</a:t>
-            </a:r>
-          </a:p>
-          <a:p>
-            <a:r>
-              <a:rPr lang="en-US" altLang="ko-KR" sz="1200" dirty="0" smtClean="0"/>
-              <a:t>	</a:t>
-            </a:r>
-          </a:p>
-          <a:p>
-            <a:r>
-              <a:rPr lang="en-US" altLang="ko-KR" sz="1200" dirty="0"/>
-              <a:t>	public void </a:t>
-            </a:r>
-            <a:r>
-              <a:rPr lang="en-US" altLang="ko-KR" sz="1200" dirty="0" err="1"/>
-              <a:t>pirnt</a:t>
-            </a:r>
-            <a:r>
-              <a:rPr lang="en-US" altLang="ko-KR" sz="1200" dirty="0"/>
-              <a:t>() {</a:t>
-            </a:r>
-          </a:p>
-          <a:p>
-            <a:r>
-              <a:rPr lang="en-US" altLang="ko-KR" sz="1200" dirty="0"/>
-              <a:t>	     </a:t>
-            </a:r>
-            <a:r>
-              <a:rPr lang="en-US" altLang="ko-KR" sz="1200" dirty="0" err="1"/>
-              <a:t>System.out.println</a:t>
-            </a:r>
-            <a:r>
-              <a:rPr lang="en-US" altLang="ko-KR" sz="1200" dirty="0"/>
-              <a:t>( "3D print use :" + material</a:t>
-            </a:r>
-            <a:r>
-              <a:rPr lang="en-US" altLang="ko-KR" sz="1200" dirty="0" smtClean="0"/>
-              <a:t>);</a:t>
-            </a:r>
-          </a:p>
-          <a:p>
-            <a:endParaRPr lang="en-US" altLang="ko-KR" sz="1200" dirty="0" smtClean="0"/>
-          </a:p>
-          <a:p>
-            <a:r>
-              <a:rPr lang="en-US" altLang="ko-KR" sz="1200" dirty="0" smtClean="0"/>
-              <a:t>}</a:t>
-            </a:r>
-            <a:endParaRPr lang="ko-KR" altLang="en-US" sz="1200" dirty="0"/>
+            <a:pPr algn="ctr"/>
+            <a:r>
+              <a:rPr lang="ko-KR" altLang="en-US" smtClean="0"/>
+              <a:t>지네릭스</a:t>
+            </a:r>
+            <a:endParaRPr lang="ko-KR" altLang="en-US" dirty="0"/>
           </a:p>
         </p:txBody>
       </p:sp>
       <p:sp>
         <p:nvSpPr>
-          <p:cNvPr id="3" name="직사각형 2"/>
+          <p:cNvPr id="4" name="TextBox 3"/>
+          <p:cNvSpPr txBox="1"/>
+          <p:nvPr/>
+        </p:nvSpPr>
+        <p:spPr>
+          <a:xfrm>
+            <a:off x="852243" y="1465672"/>
+            <a:ext cx="10258096" cy="4524315"/>
+          </a:xfrm>
+          <a:prstGeom prst="rect">
+            <a:avLst/>
+          </a:prstGeom>
+          <a:noFill/>
+        </p:spPr>
+        <p:txBody>
+          <a:bodyPr wrap="square" rtlCol="0">
+            <a:spAutoFit/>
+          </a:bodyPr>
+          <a:lstStyle/>
+          <a:p>
+            <a:r>
+              <a:rPr lang="ko-KR" altLang="en-US" sz="1600" dirty="0">
+                <a:latin typeface="Gadugi" panose="020B0502040204020203" pitchFamily="34" charset="0"/>
+                <a:ea typeface="HY강B" panose="02030600000101010101" pitchFamily="18" charset="-127"/>
+              </a:rPr>
+              <a:t> </a:t>
+            </a:r>
+            <a:r>
+              <a:rPr lang="ko-KR" altLang="en-US" sz="1600" b="1" dirty="0" err="1">
+                <a:latin typeface="Gadugi" panose="020B0502040204020203" pitchFamily="34" charset="0"/>
+                <a:ea typeface="HY강B" panose="02030600000101010101" pitchFamily="18" charset="-127"/>
+              </a:rPr>
+              <a:t>지네릭스란</a:t>
+            </a:r>
+            <a:r>
+              <a:rPr lang="en-US" altLang="ko-KR" sz="1600" b="1" dirty="0" smtClean="0">
+                <a:latin typeface="Gadugi" panose="020B0502040204020203" pitchFamily="34" charset="0"/>
+                <a:ea typeface="Gadugi" panose="020B0502040204020203" pitchFamily="34" charset="0"/>
+              </a:rPr>
+              <a:t>?</a:t>
+            </a:r>
+          </a:p>
+          <a:p>
+            <a:endParaRPr lang="en-US" altLang="ko-KR" sz="1600" b="1" dirty="0">
+              <a:latin typeface="Gadugi" panose="020B0502040204020203" pitchFamily="34" charset="0"/>
+              <a:ea typeface="Gadugi" panose="020B0502040204020203" pitchFamily="34" charset="0"/>
+            </a:endParaRPr>
+          </a:p>
+          <a:p>
+            <a:r>
+              <a:rPr lang="en-US" altLang="ko-KR" sz="1600" dirty="0">
+                <a:latin typeface="Gadugi" panose="020B0502040204020203" pitchFamily="34" charset="0"/>
+                <a:ea typeface="Gadugi" panose="020B0502040204020203" pitchFamily="34" charset="0"/>
+              </a:rPr>
+              <a:t>  - </a:t>
+            </a:r>
+            <a:r>
+              <a:rPr lang="ko-KR" altLang="en-US" sz="1600" dirty="0" err="1">
+                <a:latin typeface="Gadugi" panose="020B0502040204020203" pitchFamily="34" charset="0"/>
+                <a:ea typeface="HY강B" panose="02030600000101010101" pitchFamily="18" charset="-127"/>
+              </a:rPr>
+              <a:t>컴파일시</a:t>
+            </a:r>
+            <a:r>
+              <a:rPr lang="ko-KR" altLang="en-US" sz="1600" dirty="0">
+                <a:latin typeface="Gadugi" panose="020B0502040204020203" pitchFamily="34" charset="0"/>
+                <a:ea typeface="HY강B" panose="02030600000101010101" pitchFamily="18" charset="-127"/>
+              </a:rPr>
+              <a:t> 타입을 체크해 주는 기능 </a:t>
+            </a:r>
+            <a:r>
+              <a:rPr lang="en-US" altLang="ko-KR" sz="1600" dirty="0">
+                <a:latin typeface="Gadugi" panose="020B0502040204020203" pitchFamily="34" charset="0"/>
+                <a:ea typeface="Gadugi" panose="020B0502040204020203" pitchFamily="34" charset="0"/>
+              </a:rPr>
+              <a:t>( compile-time type check) </a:t>
+            </a:r>
+            <a:r>
+              <a:rPr lang="en-US" altLang="ko-KR" sz="1600" dirty="0" err="1">
+                <a:latin typeface="Gadugi" panose="020B0502040204020203" pitchFamily="34" charset="0"/>
+                <a:ea typeface="Gadugi" panose="020B0502040204020203" pitchFamily="34" charset="0"/>
+              </a:rPr>
+              <a:t>jdk</a:t>
+            </a:r>
+            <a:r>
+              <a:rPr lang="en-US" altLang="ko-KR" sz="1600" dirty="0">
+                <a:latin typeface="Gadugi" panose="020B0502040204020203" pitchFamily="34" charset="0"/>
+                <a:ea typeface="Gadugi" panose="020B0502040204020203" pitchFamily="34" charset="0"/>
+              </a:rPr>
+              <a:t> 1.5</a:t>
+            </a:r>
+          </a:p>
+          <a:p>
+            <a:r>
+              <a:rPr lang="en-US" altLang="ko-KR" sz="1600" dirty="0">
+                <a:latin typeface="Gadugi" panose="020B0502040204020203" pitchFamily="34" charset="0"/>
+                <a:ea typeface="Gadugi" panose="020B0502040204020203" pitchFamily="34" charset="0"/>
+              </a:rPr>
+              <a:t>  - </a:t>
+            </a:r>
+            <a:r>
+              <a:rPr lang="ko-KR" altLang="en-US" sz="1600" dirty="0">
+                <a:latin typeface="Gadugi" panose="020B0502040204020203" pitchFamily="34" charset="0"/>
+                <a:ea typeface="HY강B" panose="02030600000101010101" pitchFamily="18" charset="-127"/>
+              </a:rPr>
+              <a:t>객체의 타입 안정성을 높이고 </a:t>
+            </a:r>
+            <a:r>
+              <a:rPr lang="ko-KR" altLang="en-US" sz="1600" dirty="0" err="1">
+                <a:latin typeface="Gadugi" panose="020B0502040204020203" pitchFamily="34" charset="0"/>
+                <a:ea typeface="HY강B" panose="02030600000101010101" pitchFamily="18" charset="-127"/>
+              </a:rPr>
+              <a:t>형변환의</a:t>
+            </a:r>
+            <a:r>
+              <a:rPr lang="ko-KR" altLang="en-US" sz="1600" dirty="0">
+                <a:latin typeface="Gadugi" panose="020B0502040204020203" pitchFamily="34" charset="0"/>
+                <a:ea typeface="HY강B" panose="02030600000101010101" pitchFamily="18" charset="-127"/>
+              </a:rPr>
+              <a:t> 번거로움을 줄여줌 </a:t>
+            </a:r>
+            <a:endParaRPr lang="en-US" altLang="ko-KR" sz="1600" dirty="0" smtClean="0">
+              <a:latin typeface="Gadugi" panose="020B0502040204020203" pitchFamily="34" charset="0"/>
+              <a:ea typeface="Gadugi" panose="020B0502040204020203" pitchFamily="34" charset="0"/>
+            </a:endParaRPr>
+          </a:p>
+          <a:p>
+            <a:r>
+              <a:rPr lang="en-US" altLang="ko-KR" sz="1600" dirty="0">
+                <a:latin typeface="Gadugi" panose="020B0502040204020203" pitchFamily="34" charset="0"/>
+                <a:ea typeface="Gadugi" panose="020B0502040204020203" pitchFamily="34" charset="0"/>
+              </a:rPr>
+              <a:t> </a:t>
+            </a:r>
+            <a:r>
+              <a:rPr lang="en-US" altLang="ko-KR" sz="1600" dirty="0" smtClean="0">
+                <a:latin typeface="Gadugi" panose="020B0502040204020203" pitchFamily="34" charset="0"/>
+                <a:ea typeface="Gadugi" panose="020B0502040204020203" pitchFamily="34" charset="0"/>
+              </a:rPr>
+              <a:t> - </a:t>
+            </a:r>
+            <a:r>
+              <a:rPr lang="ko-KR" altLang="en-US" sz="1600" dirty="0" err="1" smtClean="0">
+                <a:latin typeface="Gadugi" panose="020B0502040204020203" pitchFamily="34" charset="0"/>
+                <a:ea typeface="HY강B" panose="02030600000101010101" pitchFamily="18" charset="-127"/>
+              </a:rPr>
+              <a:t>실행시</a:t>
+            </a:r>
+            <a:r>
+              <a:rPr lang="ko-KR" altLang="en-US" sz="1600" dirty="0" smtClean="0">
+                <a:latin typeface="Gadugi" panose="020B0502040204020203" pitchFamily="34" charset="0"/>
+                <a:ea typeface="HY강B" panose="02030600000101010101" pitchFamily="18" charset="-127"/>
+              </a:rPr>
+              <a:t> 발생되는 </a:t>
+            </a:r>
+            <a:r>
+              <a:rPr lang="en-US" altLang="ko-KR" sz="1600" dirty="0" err="1" smtClean="0">
+                <a:solidFill>
+                  <a:srgbClr val="FF0000"/>
+                </a:solidFill>
+                <a:latin typeface="Gadugi" panose="020B0502040204020203" pitchFamily="34" charset="0"/>
+                <a:ea typeface="Gadugi" panose="020B0502040204020203" pitchFamily="34" charset="0"/>
+              </a:rPr>
+              <a:t>ClassCastException</a:t>
+            </a:r>
+            <a:r>
+              <a:rPr lang="en-US" altLang="ko-KR" sz="1600" dirty="0" smtClean="0">
+                <a:latin typeface="Gadugi" panose="020B0502040204020203" pitchFamily="34" charset="0"/>
+                <a:ea typeface="Gadugi" panose="020B0502040204020203" pitchFamily="34" charset="0"/>
+              </a:rPr>
+              <a:t> </a:t>
+            </a:r>
+            <a:r>
+              <a:rPr lang="ko-KR" altLang="en-US" sz="1600" dirty="0" smtClean="0">
+                <a:latin typeface="Gadugi" panose="020B0502040204020203" pitchFamily="34" charset="0"/>
+                <a:ea typeface="HY강B" panose="02030600000101010101" pitchFamily="18" charset="-127"/>
+              </a:rPr>
+              <a:t>예외를 컴파일시점에서 체크할 수 있게 함으로써 </a:t>
+            </a:r>
+            <a:endParaRPr lang="en-US" altLang="ko-KR" sz="1600" dirty="0" smtClean="0">
+              <a:latin typeface="Gadugi" panose="020B0502040204020203" pitchFamily="34" charset="0"/>
+              <a:ea typeface="Gadugi" panose="020B0502040204020203" pitchFamily="34" charset="0"/>
+            </a:endParaRPr>
+          </a:p>
+          <a:p>
+            <a:r>
+              <a:rPr lang="en-US" altLang="ko-KR" sz="1600" dirty="0">
+                <a:latin typeface="Gadugi" panose="020B0502040204020203" pitchFamily="34" charset="0"/>
+                <a:ea typeface="Gadugi" panose="020B0502040204020203" pitchFamily="34" charset="0"/>
+              </a:rPr>
+              <a:t> </a:t>
+            </a:r>
+            <a:r>
+              <a:rPr lang="en-US" altLang="ko-KR" sz="1600" dirty="0" smtClean="0">
+                <a:latin typeface="Gadugi" panose="020B0502040204020203" pitchFamily="34" charset="0"/>
+                <a:ea typeface="Gadugi" panose="020B0502040204020203" pitchFamily="34" charset="0"/>
+              </a:rPr>
+              <a:t>   </a:t>
+            </a:r>
+            <a:r>
+              <a:rPr lang="ko-KR" altLang="en-US" sz="1600" dirty="0" err="1" smtClean="0">
+                <a:latin typeface="Gadugi" panose="020B0502040204020203" pitchFamily="34" charset="0"/>
+                <a:ea typeface="HY강B" panose="02030600000101010101" pitchFamily="18" charset="-127"/>
+              </a:rPr>
+              <a:t>실행시</a:t>
+            </a:r>
+            <a:r>
+              <a:rPr lang="ko-KR" altLang="en-US" sz="1600" dirty="0" smtClean="0">
+                <a:latin typeface="Gadugi" panose="020B0502040204020203" pitchFamily="34" charset="0"/>
+                <a:ea typeface="HY강B" panose="02030600000101010101" pitchFamily="18" charset="-127"/>
+              </a:rPr>
+              <a:t> 발생되는 오류를 막을 수 있게 함</a:t>
+            </a:r>
+            <a:endParaRPr lang="ko-KR" altLang="en-US" sz="1600" dirty="0">
+              <a:latin typeface="Gadugi" panose="020B0502040204020203" pitchFamily="34" charset="0"/>
+              <a:ea typeface="HY강B" panose="02030600000101010101" pitchFamily="18" charset="-127"/>
+            </a:endParaRPr>
+          </a:p>
+          <a:p>
+            <a:endParaRPr lang="ko-KR" altLang="en-US" sz="1600" dirty="0">
+              <a:latin typeface="Gadugi" panose="020B0502040204020203" pitchFamily="34" charset="0"/>
+              <a:ea typeface="HY강B" panose="02030600000101010101" pitchFamily="18" charset="-127"/>
+            </a:endParaRPr>
+          </a:p>
+          <a:p>
+            <a:r>
+              <a:rPr lang="ko-KR" altLang="en-US" sz="1600" dirty="0">
+                <a:latin typeface="Gadugi" panose="020B0502040204020203" pitchFamily="34" charset="0"/>
+                <a:ea typeface="HY강B" panose="02030600000101010101" pitchFamily="18" charset="-127"/>
+              </a:rPr>
+              <a:t>    </a:t>
+            </a:r>
+            <a:r>
+              <a:rPr lang="en-US" altLang="ko-KR" sz="1600" dirty="0" err="1">
+                <a:latin typeface="Gadugi" panose="020B0502040204020203" pitchFamily="34" charset="0"/>
+                <a:ea typeface="Gadugi" panose="020B0502040204020203" pitchFamily="34" charset="0"/>
+              </a:rPr>
+              <a:t>ArrayList</a:t>
+            </a:r>
+            <a:r>
+              <a:rPr lang="en-US" altLang="ko-KR" sz="1600" dirty="0">
+                <a:latin typeface="Gadugi" panose="020B0502040204020203" pitchFamily="34" charset="0"/>
+                <a:ea typeface="Gadugi" panose="020B0502040204020203" pitchFamily="34" charset="0"/>
+              </a:rPr>
+              <a:t> list = new </a:t>
+            </a:r>
+            <a:r>
+              <a:rPr lang="en-US" altLang="ko-KR" sz="1600" dirty="0" err="1">
+                <a:latin typeface="Gadugi" panose="020B0502040204020203" pitchFamily="34" charset="0"/>
+                <a:ea typeface="Gadugi" panose="020B0502040204020203" pitchFamily="34" charset="0"/>
+              </a:rPr>
+              <a:t>ArrayList</a:t>
+            </a:r>
+            <a:r>
+              <a:rPr lang="en-US" altLang="ko-KR" sz="1600" dirty="0" smtClean="0">
+                <a:latin typeface="Gadugi" panose="020B0502040204020203" pitchFamily="34" charset="0"/>
+                <a:ea typeface="Gadugi" panose="020B0502040204020203" pitchFamily="34" charset="0"/>
+              </a:rPr>
+              <a:t>();    </a:t>
+            </a:r>
+            <a:r>
+              <a:rPr lang="en-US" altLang="ko-KR" sz="1600" dirty="0" smtClean="0">
+                <a:solidFill>
+                  <a:srgbClr val="0070C0"/>
+                </a:solidFill>
+                <a:latin typeface="Gadugi" panose="020B0502040204020203" pitchFamily="34" charset="0"/>
+                <a:ea typeface="Gadugi" panose="020B0502040204020203" pitchFamily="34" charset="0"/>
+              </a:rPr>
+              <a:t> </a:t>
+            </a:r>
+            <a:endParaRPr lang="en-US" altLang="ko-KR" sz="1600" dirty="0">
+              <a:solidFill>
+                <a:srgbClr val="0070C0"/>
+              </a:solidFill>
+              <a:latin typeface="Gadugi" panose="020B0502040204020203" pitchFamily="34" charset="0"/>
+              <a:ea typeface="Gadugi" panose="020B0502040204020203" pitchFamily="34" charset="0"/>
+            </a:endParaRPr>
+          </a:p>
+          <a:p>
+            <a:r>
+              <a:rPr lang="en-US" altLang="ko-KR" sz="1600" dirty="0">
+                <a:latin typeface="Gadugi" panose="020B0502040204020203" pitchFamily="34" charset="0"/>
+                <a:ea typeface="Gadugi" panose="020B0502040204020203" pitchFamily="34" charset="0"/>
+              </a:rPr>
+              <a:t>    </a:t>
+            </a:r>
+            <a:r>
+              <a:rPr lang="en-US" altLang="ko-KR" sz="1600" dirty="0" err="1" smtClean="0">
+                <a:latin typeface="Gadugi" panose="020B0502040204020203" pitchFamily="34" charset="0"/>
+                <a:ea typeface="Gadugi" panose="020B0502040204020203" pitchFamily="34" charset="0"/>
+              </a:rPr>
+              <a:t>list.add</a:t>
+            </a:r>
+            <a:r>
+              <a:rPr lang="en-US" altLang="ko-KR" sz="1600" dirty="0" smtClean="0">
+                <a:latin typeface="Gadugi" panose="020B0502040204020203" pitchFamily="34" charset="0"/>
+                <a:ea typeface="Gadugi" panose="020B0502040204020203" pitchFamily="34" charset="0"/>
+              </a:rPr>
+              <a:t>( new Score(100,90) );</a:t>
+            </a:r>
+            <a:endParaRPr lang="en-US" altLang="ko-KR" sz="1600" dirty="0">
+              <a:latin typeface="Gadugi" panose="020B0502040204020203" pitchFamily="34" charset="0"/>
+              <a:ea typeface="Gadugi" panose="020B0502040204020203" pitchFamily="34" charset="0"/>
+            </a:endParaRPr>
+          </a:p>
+          <a:p>
+            <a:r>
+              <a:rPr lang="en-US" altLang="ko-KR" sz="1600" dirty="0">
+                <a:latin typeface="Gadugi" panose="020B0502040204020203" pitchFamily="34" charset="0"/>
+                <a:ea typeface="Gadugi" panose="020B0502040204020203" pitchFamily="34" charset="0"/>
+              </a:rPr>
+              <a:t>    </a:t>
+            </a:r>
+            <a:r>
+              <a:rPr lang="en-US" altLang="ko-KR" sz="1600" dirty="0" err="1">
+                <a:latin typeface="Gadugi" panose="020B0502040204020203" pitchFamily="34" charset="0"/>
+                <a:ea typeface="Gadugi" panose="020B0502040204020203" pitchFamily="34" charset="0"/>
+              </a:rPr>
+              <a:t>list.add</a:t>
+            </a:r>
+            <a:r>
+              <a:rPr lang="en-US" altLang="ko-KR" sz="1600" dirty="0" smtClean="0">
+                <a:latin typeface="Gadugi" panose="020B0502040204020203" pitchFamily="34" charset="0"/>
+                <a:ea typeface="Gadugi" panose="020B0502040204020203" pitchFamily="34" charset="0"/>
+              </a:rPr>
+              <a:t>( new Score(90,80));</a:t>
+            </a:r>
+            <a:endParaRPr lang="en-US" altLang="ko-KR" sz="1600" dirty="0">
+              <a:latin typeface="Gadugi" panose="020B0502040204020203" pitchFamily="34" charset="0"/>
+              <a:ea typeface="Gadugi" panose="020B0502040204020203" pitchFamily="34" charset="0"/>
+            </a:endParaRPr>
+          </a:p>
+          <a:p>
+            <a:r>
+              <a:rPr lang="en-US" altLang="ko-KR" sz="1600" dirty="0">
+                <a:latin typeface="Gadugi" panose="020B0502040204020203" pitchFamily="34" charset="0"/>
+                <a:ea typeface="Gadugi" panose="020B0502040204020203" pitchFamily="34" charset="0"/>
+              </a:rPr>
+              <a:t>    </a:t>
+            </a:r>
+            <a:r>
+              <a:rPr lang="en-US" altLang="ko-KR" sz="1600" dirty="0" err="1">
+                <a:latin typeface="Gadugi" panose="020B0502040204020203" pitchFamily="34" charset="0"/>
+                <a:ea typeface="Gadugi" panose="020B0502040204020203" pitchFamily="34" charset="0"/>
+              </a:rPr>
+              <a:t>list.add</a:t>
+            </a:r>
+            <a:r>
+              <a:rPr lang="en-US" altLang="ko-KR" sz="1600" dirty="0" smtClean="0">
+                <a:latin typeface="Gadugi" panose="020B0502040204020203" pitchFamily="34" charset="0"/>
+                <a:ea typeface="Gadugi" panose="020B0502040204020203" pitchFamily="34" charset="0"/>
+              </a:rPr>
+              <a:t>( new User(“</a:t>
+            </a:r>
+            <a:r>
+              <a:rPr lang="ko-KR" altLang="en-US" sz="1600" dirty="0" smtClean="0">
+                <a:latin typeface="Gadugi" panose="020B0502040204020203" pitchFamily="34" charset="0"/>
+                <a:ea typeface="HY강B" panose="02030600000101010101" pitchFamily="18" charset="-127"/>
+              </a:rPr>
+              <a:t>홍길동</a:t>
+            </a:r>
+            <a:r>
+              <a:rPr lang="en-US" altLang="ko-KR" sz="1600" dirty="0" smtClean="0">
+                <a:latin typeface="Gadugi" panose="020B0502040204020203" pitchFamily="34" charset="0"/>
+                <a:ea typeface="Gadugi" panose="020B0502040204020203" pitchFamily="34" charset="0"/>
+              </a:rPr>
+              <a:t>”));</a:t>
+            </a:r>
+          </a:p>
+          <a:p>
+            <a:r>
+              <a:rPr lang="en-US" altLang="ko-KR" sz="1600" dirty="0">
+                <a:latin typeface="Gadugi" panose="020B0502040204020203" pitchFamily="34" charset="0"/>
+                <a:ea typeface="Gadugi" panose="020B0502040204020203" pitchFamily="34" charset="0"/>
+              </a:rPr>
+              <a:t> </a:t>
+            </a:r>
+            <a:r>
+              <a:rPr lang="en-US" altLang="ko-KR" sz="1600" dirty="0" smtClean="0">
+                <a:latin typeface="Gadugi" panose="020B0502040204020203" pitchFamily="34" charset="0"/>
+                <a:ea typeface="Gadugi" panose="020B0502040204020203" pitchFamily="34" charset="0"/>
+              </a:rPr>
+              <a:t>   </a:t>
+            </a:r>
+          </a:p>
+          <a:p>
+            <a:r>
+              <a:rPr lang="en-US" altLang="ko-KR" sz="1600" dirty="0">
+                <a:latin typeface="Gadugi" panose="020B0502040204020203" pitchFamily="34" charset="0"/>
+                <a:ea typeface="Gadugi" panose="020B0502040204020203" pitchFamily="34" charset="0"/>
+              </a:rPr>
+              <a:t> </a:t>
+            </a:r>
+            <a:r>
+              <a:rPr lang="en-US" altLang="ko-KR" sz="1600" dirty="0" smtClean="0">
+                <a:latin typeface="Gadugi" panose="020B0502040204020203" pitchFamily="34" charset="0"/>
+                <a:ea typeface="Gadugi" panose="020B0502040204020203" pitchFamily="34" charset="0"/>
+              </a:rPr>
+              <a:t>  ( (Score) </a:t>
+            </a:r>
+            <a:r>
+              <a:rPr lang="en-US" altLang="ko-KR" sz="1600" dirty="0" err="1" smtClean="0">
+                <a:latin typeface="Gadugi" panose="020B0502040204020203" pitchFamily="34" charset="0"/>
+                <a:ea typeface="Gadugi" panose="020B0502040204020203" pitchFamily="34" charset="0"/>
+              </a:rPr>
+              <a:t>list.get</a:t>
+            </a:r>
+            <a:r>
+              <a:rPr lang="en-US" altLang="ko-KR" sz="1600" dirty="0" smtClean="0">
+                <a:latin typeface="Gadugi" panose="020B0502040204020203" pitchFamily="34" charset="0"/>
+                <a:ea typeface="Gadugi" panose="020B0502040204020203" pitchFamily="34" charset="0"/>
+              </a:rPr>
+              <a:t>(2)).</a:t>
+            </a:r>
+            <a:r>
+              <a:rPr lang="en-US" altLang="ko-KR" sz="1600" dirty="0" err="1" smtClean="0">
+                <a:latin typeface="Gadugi" panose="020B0502040204020203" pitchFamily="34" charset="0"/>
+                <a:ea typeface="Gadugi" panose="020B0502040204020203" pitchFamily="34" charset="0"/>
+              </a:rPr>
+              <a:t>getKor</a:t>
+            </a:r>
+            <a:r>
+              <a:rPr lang="en-US" altLang="ko-KR" sz="1600" dirty="0" smtClean="0">
+                <a:latin typeface="Gadugi" panose="020B0502040204020203" pitchFamily="34" charset="0"/>
+                <a:ea typeface="Gadugi" panose="020B0502040204020203" pitchFamily="34" charset="0"/>
+              </a:rPr>
+              <a:t>() ;   // =&gt;</a:t>
+            </a:r>
+          </a:p>
+          <a:p>
+            <a:r>
+              <a:rPr lang="en-US" altLang="ko-KR" sz="1600" dirty="0">
+                <a:latin typeface="Gadugi" panose="020B0502040204020203" pitchFamily="34" charset="0"/>
+                <a:ea typeface="Gadugi" panose="020B0502040204020203" pitchFamily="34" charset="0"/>
+              </a:rPr>
+              <a:t> </a:t>
+            </a:r>
+            <a:r>
+              <a:rPr lang="en-US" altLang="ko-KR" sz="1600" dirty="0" smtClean="0">
+                <a:latin typeface="Gadugi" panose="020B0502040204020203" pitchFamily="34" charset="0"/>
+                <a:ea typeface="Gadugi" panose="020B0502040204020203" pitchFamily="34" charset="0"/>
+              </a:rPr>
+              <a:t>   </a:t>
+            </a:r>
+            <a:r>
+              <a:rPr lang="ko-KR" altLang="en-US" sz="1600" dirty="0" smtClean="0">
+                <a:latin typeface="Gadugi" panose="020B0502040204020203" pitchFamily="34" charset="0"/>
+                <a:ea typeface="HY강B" panose="02030600000101010101" pitchFamily="18" charset="-127"/>
+              </a:rPr>
+              <a:t>실행을 시켜야 오류를 발생함 </a:t>
+            </a:r>
+            <a:r>
+              <a:rPr lang="en-US" altLang="ko-KR" sz="1600" dirty="0" smtClean="0">
+                <a:latin typeface="Gadugi" panose="020B0502040204020203" pitchFamily="34" charset="0"/>
+                <a:ea typeface="Gadugi" panose="020B0502040204020203" pitchFamily="34" charset="0"/>
+              </a:rPr>
+              <a:t>(</a:t>
+            </a:r>
+            <a:r>
+              <a:rPr lang="ko-KR" altLang="en-US" sz="1600" dirty="0" smtClean="0">
+                <a:latin typeface="Gadugi" panose="020B0502040204020203" pitchFamily="34" charset="0"/>
+                <a:ea typeface="HY강B" panose="02030600000101010101" pitchFamily="18" charset="-127"/>
+              </a:rPr>
+              <a:t>컴파일시점에 오류를 발생하지 않는다</a:t>
+            </a:r>
+            <a:r>
+              <a:rPr lang="en-US" altLang="ko-KR" sz="1600" dirty="0" smtClean="0">
+                <a:latin typeface="Gadugi" panose="020B0502040204020203" pitchFamily="34" charset="0"/>
+                <a:ea typeface="Gadugi" panose="020B0502040204020203" pitchFamily="34" charset="0"/>
+              </a:rPr>
+              <a:t>)</a:t>
+            </a:r>
+          </a:p>
+          <a:p>
+            <a:r>
+              <a:rPr lang="en-US" altLang="ko-KR" sz="1600" dirty="0">
+                <a:latin typeface="Gadugi" panose="020B0502040204020203" pitchFamily="34" charset="0"/>
+                <a:ea typeface="Gadugi" panose="020B0502040204020203" pitchFamily="34" charset="0"/>
+              </a:rPr>
+              <a:t> </a:t>
+            </a:r>
+            <a:r>
+              <a:rPr lang="en-US" altLang="ko-KR" sz="1600" dirty="0" smtClean="0">
+                <a:latin typeface="Gadugi" panose="020B0502040204020203" pitchFamily="34" charset="0"/>
+                <a:ea typeface="Gadugi" panose="020B0502040204020203" pitchFamily="34" charset="0"/>
+              </a:rPr>
+              <a:t>  </a:t>
+            </a:r>
+            <a:endParaRPr lang="en-US" altLang="ko-KR" sz="1600" dirty="0">
+              <a:latin typeface="Gadugi" panose="020B0502040204020203" pitchFamily="34" charset="0"/>
+              <a:ea typeface="Gadugi" panose="020B0502040204020203" pitchFamily="34" charset="0"/>
+            </a:endParaRPr>
+          </a:p>
+          <a:p>
+            <a:endParaRPr lang="en-US" altLang="ko-KR" sz="1600" dirty="0">
+              <a:latin typeface="Gadugi" panose="020B0502040204020203" pitchFamily="34" charset="0"/>
+              <a:ea typeface="Gadugi" panose="020B0502040204020203" pitchFamily="34" charset="0"/>
+            </a:endParaRPr>
+          </a:p>
+          <a:p>
+            <a:r>
+              <a:rPr lang="en-US" altLang="ko-KR" sz="1600" dirty="0" smtClean="0">
+                <a:latin typeface="Gadugi" panose="020B0502040204020203" pitchFamily="34" charset="0"/>
+                <a:ea typeface="Gadugi" panose="020B0502040204020203" pitchFamily="34" charset="0"/>
+              </a:rPr>
+              <a:t> </a:t>
+            </a:r>
+            <a:endParaRPr lang="en-US" altLang="ko-KR" sz="1600" dirty="0">
+              <a:latin typeface="Gadugi" panose="020B0502040204020203" pitchFamily="34" charset="0"/>
+              <a:ea typeface="Gadugi" panose="020B0502040204020203" pitchFamily="34" charset="0"/>
+            </a:endParaRPr>
+          </a:p>
+          <a:p>
+            <a:endParaRPr lang="ko-KR" altLang="en-US" sz="1600" dirty="0">
+              <a:latin typeface="Gadugi" panose="020B0502040204020203" pitchFamily="34" charset="0"/>
+              <a:ea typeface="HY강B" panose="02030600000101010101" pitchFamily="18" charset="-127"/>
+            </a:endParaRPr>
+          </a:p>
+        </p:txBody>
+      </p:sp>
+      <p:sp>
+        <p:nvSpPr>
+          <p:cNvPr id="5" name="직사각형 4"/>
           <p:cNvSpPr/>
           <p:nvPr/>
         </p:nvSpPr>
         <p:spPr>
           <a:xfrm>
-            <a:off x="339115" y="3239761"/>
-            <a:ext cx="5498511" cy="3239761"/>
+            <a:off x="1076303" y="5028470"/>
+            <a:ext cx="7643804" cy="1220939"/>
           </a:xfrm>
           <a:prstGeom prst="rect">
             <a:avLst/>
@@ -16897,161 +18596,169 @@
           <a:lstStyle/>
           <a:p>
             <a:r>
-              <a:rPr lang="en-US" altLang="ko-KR" sz="1200" dirty="0"/>
-              <a:t>public class </a:t>
-            </a:r>
-            <a:r>
-              <a:rPr lang="en-US" altLang="ko-KR" sz="1200" dirty="0" err="1"/>
-              <a:t>TreeDPrinterPowder</a:t>
-            </a:r>
-            <a:r>
-              <a:rPr lang="en-US" altLang="ko-KR" sz="1200" dirty="0"/>
-              <a:t> {</a:t>
-            </a:r>
-          </a:p>
-          <a:p>
-            <a:r>
-              <a:rPr lang="en-US" altLang="ko-KR" sz="1200" dirty="0"/>
-              <a:t>	private Powder  material;</a:t>
-            </a:r>
-          </a:p>
-          <a:p>
-            <a:r>
-              <a:rPr lang="en-US" altLang="ko-KR" sz="1200" dirty="0"/>
-              <a:t>	</a:t>
-            </a:r>
-          </a:p>
-          <a:p>
-            <a:r>
-              <a:rPr lang="en-US" altLang="ko-KR" sz="1200" dirty="0"/>
-              <a:t>	public void </a:t>
-            </a:r>
-            <a:r>
-              <a:rPr lang="en-US" altLang="ko-KR" sz="1200" dirty="0" err="1"/>
-              <a:t>setMaterial</a:t>
-            </a:r>
-            <a:r>
-              <a:rPr lang="en-US" altLang="ko-KR" sz="1200" dirty="0"/>
-              <a:t>( Powder  material) {</a:t>
-            </a:r>
-          </a:p>
-          <a:p>
-            <a:r>
-              <a:rPr lang="en-US" altLang="ko-KR" sz="1200" dirty="0"/>
-              <a:t>		</a:t>
-            </a:r>
-            <a:r>
-              <a:rPr lang="en-US" altLang="ko-KR" sz="1200" dirty="0" err="1"/>
-              <a:t>this.material</a:t>
-            </a:r>
-            <a:r>
-              <a:rPr lang="en-US" altLang="ko-KR" sz="1200" dirty="0"/>
-              <a:t> =  material;</a:t>
-            </a:r>
-          </a:p>
-          <a:p>
-            <a:r>
-              <a:rPr lang="en-US" altLang="ko-KR" sz="1200" dirty="0"/>
-              <a:t>	}</a:t>
-            </a:r>
-          </a:p>
-          <a:p>
-            <a:r>
-              <a:rPr lang="en-US" altLang="ko-KR" sz="1200" dirty="0"/>
-              <a:t>	</a:t>
-            </a:r>
-          </a:p>
-          <a:p>
-            <a:r>
-              <a:rPr lang="en-US" altLang="ko-KR" sz="1200" dirty="0"/>
-              <a:t>	public Powder </a:t>
-            </a:r>
-            <a:r>
-              <a:rPr lang="en-US" altLang="ko-KR" sz="1200" dirty="0" err="1"/>
-              <a:t>getMaterial</a:t>
-            </a:r>
-            <a:r>
-              <a:rPr lang="en-US" altLang="ko-KR" sz="1200" dirty="0"/>
-              <a:t>() {</a:t>
-            </a:r>
-          </a:p>
-          <a:p>
-            <a:r>
-              <a:rPr lang="en-US" altLang="ko-KR" sz="1200" dirty="0"/>
-              <a:t>		return material;</a:t>
-            </a:r>
-          </a:p>
-          <a:p>
-            <a:r>
-              <a:rPr lang="en-US" altLang="ko-KR" sz="1200" dirty="0"/>
-              <a:t>	}</a:t>
-            </a:r>
-          </a:p>
-          <a:p>
-            <a:r>
-              <a:rPr lang="en-US" altLang="ko-KR" sz="1200" dirty="0"/>
-              <a:t>	</a:t>
-            </a:r>
-          </a:p>
-          <a:p>
-            <a:r>
-              <a:rPr lang="en-US" altLang="ko-KR" sz="1200" dirty="0"/>
-              <a:t>	</a:t>
-            </a:r>
-          </a:p>
-          <a:p>
-            <a:r>
-              <a:rPr lang="en-US" altLang="ko-KR" sz="1200" dirty="0"/>
-              <a:t>	public void </a:t>
-            </a:r>
-            <a:r>
-              <a:rPr lang="en-US" altLang="ko-KR" sz="1200" dirty="0" err="1"/>
-              <a:t>pirnt</a:t>
-            </a:r>
-            <a:r>
-              <a:rPr lang="en-US" altLang="ko-KR" sz="1200" dirty="0"/>
-              <a:t>() {</a:t>
-            </a:r>
-          </a:p>
-          <a:p>
-            <a:r>
-              <a:rPr lang="en-US" altLang="ko-KR" sz="1200" dirty="0"/>
-              <a:t>		</a:t>
-            </a:r>
-            <a:r>
-              <a:rPr lang="en-US" altLang="ko-KR" sz="1200" dirty="0" smtClean="0"/>
-              <a:t> </a:t>
-            </a:r>
-            <a:r>
-              <a:rPr lang="en-US" altLang="ko-KR" sz="1200" dirty="0" err="1" smtClean="0"/>
-              <a:t>System.out.println</a:t>
-            </a:r>
-            <a:r>
-              <a:rPr lang="en-US" altLang="ko-KR" sz="1200" dirty="0"/>
-              <a:t>( "3D print use :" + material);</a:t>
-            </a:r>
-          </a:p>
-          <a:p>
-            <a:r>
-              <a:rPr lang="en-US" altLang="ko-KR" sz="1200" dirty="0"/>
-              <a:t>	} </a:t>
-            </a:r>
-          </a:p>
-          <a:p>
-            <a:r>
-              <a:rPr lang="en-US" altLang="ko-KR" sz="1200" dirty="0"/>
-              <a:t>	 </a:t>
-            </a:r>
-          </a:p>
-          <a:p>
-            <a:r>
-              <a:rPr lang="en-US" altLang="ko-KR" sz="1200" dirty="0"/>
-              <a:t>}</a:t>
-            </a:r>
-            <a:endParaRPr lang="ko-KR" altLang="en-US" sz="1200" dirty="0"/>
+              <a:rPr lang="ko-KR" altLang="en-US" sz="1600" b="1" dirty="0" err="1" smtClean="0">
+                <a:solidFill>
+                  <a:srgbClr val="0070C0"/>
+                </a:solidFill>
+              </a:rPr>
+              <a:t>지네릭클래스</a:t>
+            </a:r>
+            <a:r>
+              <a:rPr lang="ko-KR" altLang="en-US" sz="1600" b="1" dirty="0" smtClean="0">
+                <a:solidFill>
+                  <a:srgbClr val="0070C0"/>
+                </a:solidFill>
+              </a:rPr>
+              <a:t> 만들 때 </a:t>
+            </a:r>
+            <a:r>
+              <a:rPr lang="en-US" altLang="ko-KR" sz="1600" b="1" dirty="0" smtClean="0">
+                <a:solidFill>
+                  <a:srgbClr val="0070C0"/>
+                </a:solidFill>
+              </a:rPr>
+              <a:t>: &lt;T&gt;    </a:t>
+            </a:r>
+          </a:p>
+          <a:p>
+            <a:r>
+              <a:rPr lang="ko-KR" altLang="en-US" sz="1600" b="1" dirty="0" err="1" smtClean="0">
+                <a:solidFill>
+                  <a:srgbClr val="0070C0"/>
+                </a:solidFill>
+              </a:rPr>
+              <a:t>지네릭클래스</a:t>
+            </a:r>
+            <a:r>
+              <a:rPr lang="ko-KR" altLang="en-US" sz="1600" b="1" dirty="0" smtClean="0">
+                <a:solidFill>
+                  <a:srgbClr val="0070C0"/>
+                </a:solidFill>
+              </a:rPr>
+              <a:t> 제한하기 </a:t>
+            </a:r>
+            <a:r>
+              <a:rPr lang="en-US" altLang="ko-KR" sz="1600" b="1" dirty="0" smtClean="0">
+                <a:solidFill>
+                  <a:srgbClr val="0070C0"/>
+                </a:solidFill>
+              </a:rPr>
+              <a:t>: &lt;T  extends Material &gt;</a:t>
+            </a:r>
+          </a:p>
+          <a:p>
+            <a:r>
+              <a:rPr lang="ko-KR" altLang="en-US" sz="1600" b="1" dirty="0" smtClean="0">
+                <a:solidFill>
+                  <a:srgbClr val="0070C0"/>
+                </a:solidFill>
+              </a:rPr>
+              <a:t>매개변수에서 </a:t>
+            </a:r>
+            <a:r>
+              <a:rPr lang="ko-KR" altLang="en-US" sz="1600" b="1" dirty="0" err="1" smtClean="0">
+                <a:solidFill>
+                  <a:srgbClr val="0070C0"/>
+                </a:solidFill>
+              </a:rPr>
+              <a:t>지네릭</a:t>
+            </a:r>
+            <a:r>
+              <a:rPr lang="ko-KR" altLang="en-US" sz="1600" b="1" dirty="0" smtClean="0">
+                <a:solidFill>
+                  <a:srgbClr val="0070C0"/>
+                </a:solidFill>
+              </a:rPr>
+              <a:t>  와일드문자 사용하기 </a:t>
+            </a:r>
+            <a:r>
+              <a:rPr lang="en-US" altLang="ko-KR" sz="1600" b="1" dirty="0" smtClean="0">
+                <a:solidFill>
+                  <a:srgbClr val="0070C0"/>
+                </a:solidFill>
+              </a:rPr>
+              <a:t>: &lt; ?  </a:t>
+            </a:r>
+            <a:r>
+              <a:rPr lang="en-US" altLang="ko-KR" sz="1600" b="1" dirty="0">
+                <a:solidFill>
+                  <a:srgbClr val="0070C0"/>
+                </a:solidFill>
+              </a:rPr>
+              <a:t>e</a:t>
+            </a:r>
+            <a:r>
+              <a:rPr lang="en-US" altLang="ko-KR" sz="1600" b="1" dirty="0" smtClean="0">
+                <a:solidFill>
+                  <a:srgbClr val="0070C0"/>
+                </a:solidFill>
+              </a:rPr>
+              <a:t>xtends  T&gt;</a:t>
+            </a:r>
+          </a:p>
+          <a:p>
+            <a:r>
+              <a:rPr lang="en-US" altLang="ko-KR" sz="1600" b="1" dirty="0" smtClean="0">
+                <a:solidFill>
+                  <a:srgbClr val="0070C0"/>
+                </a:solidFill>
+              </a:rPr>
+              <a:t>                                                          &lt; ? </a:t>
+            </a:r>
+            <a:r>
+              <a:rPr lang="en-US" altLang="ko-KR" sz="1600" b="1" dirty="0">
+                <a:solidFill>
+                  <a:srgbClr val="0070C0"/>
+                </a:solidFill>
+              </a:rPr>
+              <a:t> s</a:t>
+            </a:r>
+            <a:r>
+              <a:rPr lang="en-US" altLang="ko-KR" sz="1600" b="1" dirty="0" smtClean="0">
+                <a:solidFill>
+                  <a:srgbClr val="0070C0"/>
+                </a:solidFill>
+              </a:rPr>
+              <a:t>uper T &gt; </a:t>
+            </a:r>
+            <a:endParaRPr lang="ko-KR" altLang="en-US" sz="1600" b="1" dirty="0">
+              <a:solidFill>
+                <a:srgbClr val="0070C0"/>
+              </a:solidFill>
+            </a:endParaRPr>
           </a:p>
         </p:txBody>
       </p:sp>
+    </p:spTree>
+    <p:extLst>
+      <p:ext uri="{BB962C8B-B14F-4D97-AF65-F5344CB8AC3E}">
+        <p14:creationId xmlns:p14="http://schemas.microsoft.com/office/powerpoint/2010/main" val="2461472037"/>
+      </p:ext>
+    </p:extLst>
+  </p:cSld>
+  <p:clrMapOvr>
+    <a:masterClrMapping/>
+  </p:clrMapOvr>
+</p:sld>
+</file>
+
+<file path=ppt/slides/slide8.xml><?xml version="1.0" encoding="utf-8"?>
+<p:sld xmlns:a="http://schemas.openxmlformats.org/drawingml/2006/main" xmlns:r="http://schemas.openxmlformats.org/officeDocument/2006/relationships" xmlns:p="http://schemas.openxmlformats.org/presentationml/2006/main">
+  <p:cSld>
+    <p:spTree>
+      <p:nvGrpSpPr>
+        <p:cNvPr id="1" name=""/>
+        <p:cNvGrpSpPr/>
+        <p:nvPr/>
+      </p:nvGrpSpPr>
+      <p:grpSpPr>
+        <a:xfrm>
+          <a:off x="0" y="0"/>
+          <a:ext cx="0" cy="0"/>
+          <a:chOff x="0" y="0"/>
+          <a:chExt cx="0" cy="0"/>
+        </a:xfrm>
+      </p:grpSpPr>
       <p:sp>
         <p:nvSpPr>
           <p:cNvPr id="4" name="직사각형 3"/>
@@ -17060,8 +18767,8 @@
         </p:nvSpPr>
         <p:spPr>
           <a:xfrm>
-            <a:off x="6122241" y="115058"/>
-            <a:ext cx="5795237" cy="5861848"/>
+            <a:off x="5837626" y="733804"/>
+            <a:ext cx="5795237" cy="2375761"/>
           </a:xfrm>
           <a:prstGeom prst="rect">
             <a:avLst/>
@@ -17086,134 +18793,605 @@
           <a:lstStyle/>
           <a:p>
             <a:r>
-              <a:rPr lang="en-US" altLang="ko-KR" sz="1100" dirty="0"/>
+              <a:rPr lang="en-US" altLang="ko-KR" sz="1200" dirty="0"/>
               <a:t>public class </a:t>
             </a:r>
             <a:r>
-              <a:rPr lang="en-US" altLang="ko-KR" sz="1100" dirty="0" err="1"/>
+              <a:rPr lang="en-US" altLang="ko-KR" sz="1200" b="1" dirty="0" err="1"/>
               <a:t>GenericPrinter</a:t>
             </a:r>
             <a:r>
-              <a:rPr lang="en-US" altLang="ko-KR" sz="1100" dirty="0"/>
-              <a:t>&lt;T&gt; {</a:t>
-            </a:r>
-          </a:p>
-          <a:p>
-            <a:r>
-              <a:rPr lang="en-US" altLang="ko-KR" sz="1100" dirty="0"/>
-              <a:t>	private T  material;</a:t>
-            </a:r>
-          </a:p>
-          <a:p>
-            <a:r>
-              <a:rPr lang="en-US" altLang="ko-KR" sz="1100" dirty="0"/>
+              <a:rPr lang="en-US" altLang="ko-KR" sz="1200" b="1" dirty="0"/>
+              <a:t>&lt;</a:t>
+            </a:r>
+            <a:r>
+              <a:rPr lang="en-US" altLang="ko-KR" sz="1200" b="1" dirty="0">
+                <a:solidFill>
+                  <a:srgbClr val="FF0000"/>
+                </a:solidFill>
+              </a:rPr>
+              <a:t>T</a:t>
+            </a:r>
+            <a:r>
+              <a:rPr lang="en-US" altLang="ko-KR" sz="1200" b="1" dirty="0"/>
+              <a:t>&gt; {</a:t>
+            </a:r>
+          </a:p>
+          <a:p>
+            <a:r>
+              <a:rPr lang="en-US" altLang="ko-KR" sz="1200" dirty="0"/>
+              <a:t>	private </a:t>
+            </a:r>
+            <a:r>
+              <a:rPr lang="en-US" altLang="ko-KR" sz="1200" dirty="0">
+                <a:solidFill>
+                  <a:srgbClr val="FF0000"/>
+                </a:solidFill>
+              </a:rPr>
+              <a:t>T</a:t>
+            </a:r>
+            <a:r>
+              <a:rPr lang="en-US" altLang="ko-KR" sz="1200" dirty="0"/>
+              <a:t>  material;</a:t>
+            </a:r>
+            <a:endParaRPr lang="en-US" altLang="ko-KR" sz="1200" b="1" dirty="0"/>
+          </a:p>
+          <a:p>
+            <a:r>
+              <a:rPr lang="en-US" altLang="ko-KR" sz="1200" dirty="0"/>
               <a:t>	</a:t>
             </a:r>
           </a:p>
           <a:p>
             <a:r>
-              <a:rPr lang="en-US" altLang="ko-KR" sz="1100" dirty="0"/>
+              <a:rPr lang="en-US" altLang="ko-KR" sz="1200" dirty="0"/>
               <a:t>	public void </a:t>
             </a:r>
             <a:r>
-              <a:rPr lang="en-US" altLang="ko-KR" sz="1100" dirty="0" err="1"/>
+              <a:rPr lang="en-US" altLang="ko-KR" sz="1200" dirty="0" err="1"/>
               <a:t>setMaterial</a:t>
             </a:r>
             <a:r>
-              <a:rPr lang="en-US" altLang="ko-KR" sz="1100" dirty="0"/>
-              <a:t>( T  material) {</a:t>
-            </a:r>
-          </a:p>
-          <a:p>
-            <a:r>
-              <a:rPr lang="en-US" altLang="ko-KR" sz="1100" dirty="0"/>
+              <a:rPr lang="en-US" altLang="ko-KR" sz="1200" dirty="0"/>
+              <a:t>( </a:t>
+            </a:r>
+            <a:r>
+              <a:rPr lang="en-US" altLang="ko-KR" sz="1200" dirty="0">
+                <a:solidFill>
+                  <a:srgbClr val="FF0000"/>
+                </a:solidFill>
+              </a:rPr>
+              <a:t>T </a:t>
+            </a:r>
+            <a:r>
+              <a:rPr lang="en-US" altLang="ko-KR" sz="1200" dirty="0"/>
+              <a:t> material) {</a:t>
+            </a:r>
+          </a:p>
+          <a:p>
+            <a:r>
+              <a:rPr lang="en-US" altLang="ko-KR" sz="1200" dirty="0"/>
               <a:t>		</a:t>
             </a:r>
             <a:r>
-              <a:rPr lang="en-US" altLang="ko-KR" sz="1100" dirty="0" err="1"/>
+              <a:rPr lang="en-US" altLang="ko-KR" sz="1200" dirty="0" err="1"/>
               <a:t>this.material</a:t>
             </a:r>
             <a:r>
-              <a:rPr lang="en-US" altLang="ko-KR" sz="1100" dirty="0"/>
+              <a:rPr lang="en-US" altLang="ko-KR" sz="1200" dirty="0"/>
               <a:t> =  material;</a:t>
             </a:r>
           </a:p>
           <a:p>
             <a:r>
-              <a:rPr lang="en-US" altLang="ko-KR" sz="1100" dirty="0"/>
-              <a:t>	}</a:t>
-            </a:r>
-          </a:p>
-          <a:p>
-            <a:r>
-              <a:rPr lang="en-US" altLang="ko-KR" sz="1100" dirty="0"/>
+              <a:rPr lang="en-US" altLang="ko-KR" sz="1200" dirty="0"/>
               <a:t>	</a:t>
             </a:r>
-          </a:p>
-          <a:p>
-            <a:r>
-              <a:rPr lang="en-US" altLang="ko-KR" sz="1100" dirty="0"/>
-              <a:t>	public T </a:t>
-            </a:r>
-            <a:r>
-              <a:rPr lang="en-US" altLang="ko-KR" sz="1100" dirty="0" err="1"/>
-              <a:t>getMaterial</a:t>
-            </a:r>
-            <a:r>
-              <a:rPr lang="en-US" altLang="ko-KR" sz="1100" dirty="0"/>
+            <a:r>
+              <a:rPr lang="en-US" altLang="ko-KR" sz="1200" dirty="0" smtClean="0"/>
+              <a:t>} </a:t>
+            </a:r>
+            <a:endParaRPr lang="en-US" altLang="ko-KR" sz="1200" dirty="0"/>
+          </a:p>
+          <a:p>
+            <a:r>
+              <a:rPr lang="en-US" altLang="ko-KR" sz="1200" dirty="0"/>
+              <a:t>	</a:t>
+            </a:r>
+          </a:p>
+          <a:p>
+            <a:r>
+              <a:rPr lang="en-US" altLang="ko-KR" sz="1200" dirty="0"/>
+              <a:t>	public void print() {</a:t>
+            </a:r>
+          </a:p>
+          <a:p>
+            <a:r>
+              <a:rPr lang="en-US" altLang="ko-KR" sz="1200" dirty="0"/>
+              <a:t>		</a:t>
+            </a:r>
+            <a:r>
+              <a:rPr lang="en-US" altLang="ko-KR" sz="1200" dirty="0" err="1"/>
+              <a:t>System.out.println</a:t>
+            </a:r>
+            <a:r>
+              <a:rPr lang="en-US" altLang="ko-KR" sz="1200" dirty="0"/>
+              <a:t> (  "3D print:" + material);</a:t>
+            </a:r>
+          </a:p>
+          <a:p>
+            <a:r>
+              <a:rPr lang="en-US" altLang="ko-KR" sz="1200" dirty="0"/>
+              <a:t>	</a:t>
+            </a:r>
+            <a:r>
+              <a:rPr lang="en-US" altLang="ko-KR" sz="1200" dirty="0" smtClean="0"/>
+              <a:t>}</a:t>
+            </a:r>
+            <a:r>
+              <a:rPr lang="en-US" altLang="ko-KR" sz="1200" dirty="0"/>
+              <a:t>	</a:t>
+            </a:r>
+          </a:p>
+          <a:p>
+            <a:r>
+              <a:rPr lang="en-US" altLang="ko-KR" sz="1200" dirty="0" smtClean="0"/>
+              <a:t>}</a:t>
+            </a:r>
+            <a:endParaRPr lang="en-US" altLang="ko-KR" sz="1200" dirty="0"/>
+          </a:p>
+        </p:txBody>
+      </p:sp>
+      <p:sp>
+        <p:nvSpPr>
+          <p:cNvPr id="2" name="직사각형 1"/>
+          <p:cNvSpPr/>
+          <p:nvPr/>
+        </p:nvSpPr>
+        <p:spPr>
+          <a:xfrm>
+            <a:off x="339115" y="733804"/>
+            <a:ext cx="5498511" cy="2375761"/>
+          </a:xfrm>
+          <a:prstGeom prst="rect">
+            <a:avLst/>
+          </a:prstGeom>
+        </p:spPr>
+        <p:style>
+          <a:lnRef idx="2">
+            <a:schemeClr val="accent6"/>
+          </a:lnRef>
+          <a:fillRef idx="1">
+            <a:schemeClr val="lt1"/>
+          </a:fillRef>
+          <a:effectRef idx="0">
+            <a:schemeClr val="accent6"/>
+          </a:effectRef>
+          <a:fontRef idx="minor">
+            <a:schemeClr val="dk1"/>
+          </a:fontRef>
+        </p:style>
+        <p:txBody>
+          <a:bodyPr rtlCol="0" anchor="ctr"/>
+          <a:lstStyle/>
+          <a:p>
+            <a:r>
+              <a:rPr lang="en-US" altLang="ko-KR" sz="1200" dirty="0"/>
+              <a:t>public class </a:t>
+            </a:r>
+            <a:r>
+              <a:rPr lang="en-US" altLang="ko-KR" sz="1200" dirty="0" err="1"/>
+              <a:t>TreeDPrinterPlastic</a:t>
+            </a:r>
+            <a:r>
+              <a:rPr lang="en-US" altLang="ko-KR" sz="1200" dirty="0"/>
+              <a:t> {</a:t>
+            </a:r>
+          </a:p>
+          <a:p>
+            <a:r>
+              <a:rPr lang="en-US" altLang="ko-KR" sz="1200" dirty="0"/>
+              <a:t>	private </a:t>
+            </a:r>
+            <a:r>
+              <a:rPr lang="en-US" altLang="ko-KR" sz="1200" dirty="0">
+                <a:solidFill>
+                  <a:srgbClr val="FF0000"/>
+                </a:solidFill>
+              </a:rPr>
+              <a:t>Plastic</a:t>
+            </a:r>
+            <a:r>
+              <a:rPr lang="en-US" altLang="ko-KR" sz="1200" dirty="0"/>
+              <a:t>  material</a:t>
+            </a:r>
+            <a:r>
+              <a:rPr lang="en-US" altLang="ko-KR" sz="1200" dirty="0" smtClean="0"/>
+              <a:t>;</a:t>
+            </a:r>
+          </a:p>
+          <a:p>
+            <a:r>
+              <a:rPr lang="en-US" altLang="ko-KR" sz="1200" dirty="0" smtClean="0"/>
+              <a:t>	</a:t>
+            </a:r>
+          </a:p>
+          <a:p>
+            <a:r>
+              <a:rPr lang="en-US" altLang="ko-KR" sz="1200" dirty="0"/>
+              <a:t>	public void </a:t>
+            </a:r>
+            <a:r>
+              <a:rPr lang="en-US" altLang="ko-KR" sz="1200" dirty="0" err="1"/>
+              <a:t>setMaterial</a:t>
+            </a:r>
+            <a:r>
+              <a:rPr lang="en-US" altLang="ko-KR" sz="1200" dirty="0"/>
+              <a:t>( </a:t>
+            </a:r>
+            <a:r>
+              <a:rPr lang="en-US" altLang="ko-KR" sz="1200" dirty="0">
+                <a:solidFill>
+                  <a:srgbClr val="FF0000"/>
+                </a:solidFill>
+              </a:rPr>
+              <a:t>Plastic</a:t>
+            </a:r>
+            <a:r>
+              <a:rPr lang="en-US" altLang="ko-KR" sz="1200" dirty="0"/>
+              <a:t>  material) {</a:t>
+            </a:r>
+          </a:p>
+          <a:p>
+            <a:r>
+              <a:rPr lang="en-US" altLang="ko-KR" sz="1200" dirty="0"/>
+              <a:t>		</a:t>
+            </a:r>
+            <a:r>
+              <a:rPr lang="en-US" altLang="ko-KR" sz="1200" dirty="0" err="1"/>
+              <a:t>this.material</a:t>
+            </a:r>
+            <a:r>
+              <a:rPr lang="en-US" altLang="ko-KR" sz="1200" dirty="0"/>
+              <a:t> =  material;</a:t>
+            </a:r>
+          </a:p>
+          <a:p>
+            <a:r>
+              <a:rPr lang="en-US" altLang="ko-KR" sz="1200" dirty="0"/>
+              <a:t>	</a:t>
+            </a:r>
+            <a:r>
+              <a:rPr lang="en-US" altLang="ko-KR" sz="1200" dirty="0" smtClean="0"/>
+              <a:t>}</a:t>
+            </a:r>
+          </a:p>
+          <a:p>
+            <a:r>
+              <a:rPr lang="en-US" altLang="ko-KR" sz="1200" dirty="0" smtClean="0"/>
+              <a:t>	 </a:t>
+            </a:r>
+          </a:p>
+          <a:p>
+            <a:r>
+              <a:rPr lang="en-US" altLang="ko-KR" sz="1200" dirty="0" smtClean="0"/>
+              <a:t>	</a:t>
+            </a:r>
+          </a:p>
+          <a:p>
+            <a:r>
+              <a:rPr lang="en-US" altLang="ko-KR" sz="1200" dirty="0"/>
+              <a:t>	public void </a:t>
+            </a:r>
+            <a:r>
+              <a:rPr lang="en-US" altLang="ko-KR" sz="1200" dirty="0" err="1"/>
+              <a:t>pirnt</a:t>
+            </a:r>
+            <a:r>
+              <a:rPr lang="en-US" altLang="ko-KR" sz="1200" dirty="0"/>
               <a:t>() {</a:t>
             </a:r>
           </a:p>
           <a:p>
             <a:r>
-              <a:rPr lang="en-US" altLang="ko-KR" sz="1100" dirty="0"/>
-              <a:t>		return material;</a:t>
-            </a:r>
-          </a:p>
-          <a:p>
-            <a:r>
-              <a:rPr lang="en-US" altLang="ko-KR" sz="1100" dirty="0"/>
-              <a:t>	}</a:t>
-            </a:r>
-          </a:p>
-          <a:p>
-            <a:r>
-              <a:rPr lang="en-US" altLang="ko-KR" sz="1100" dirty="0"/>
+              <a:rPr lang="en-US" altLang="ko-KR" sz="1200" dirty="0"/>
+              <a:t>	     </a:t>
+            </a:r>
+            <a:r>
+              <a:rPr lang="en-US" altLang="ko-KR" sz="1200" dirty="0" err="1"/>
+              <a:t>System.out.println</a:t>
+            </a:r>
+            <a:r>
+              <a:rPr lang="en-US" altLang="ko-KR" sz="1200" dirty="0"/>
+              <a:t>( "3D print use :" + material</a:t>
+            </a:r>
+            <a:r>
+              <a:rPr lang="en-US" altLang="ko-KR" sz="1200" dirty="0" smtClean="0"/>
+              <a:t>);</a:t>
+            </a:r>
+          </a:p>
+          <a:p>
+            <a:r>
+              <a:rPr lang="en-US" altLang="ko-KR" sz="1200" dirty="0" smtClean="0"/>
+              <a:t>                }</a:t>
+            </a:r>
+          </a:p>
+          <a:p>
+            <a:r>
+              <a:rPr lang="en-US" altLang="ko-KR" sz="1200" dirty="0" smtClean="0"/>
+              <a:t>}</a:t>
+            </a:r>
+            <a:endParaRPr lang="ko-KR" altLang="en-US" sz="1200" dirty="0"/>
+          </a:p>
+        </p:txBody>
+      </p:sp>
+      <p:sp>
+        <p:nvSpPr>
+          <p:cNvPr id="3" name="직사각형 2"/>
+          <p:cNvSpPr/>
+          <p:nvPr/>
+        </p:nvSpPr>
+        <p:spPr>
+          <a:xfrm>
+            <a:off x="339115" y="3098349"/>
+            <a:ext cx="5498511" cy="2636154"/>
+          </a:xfrm>
+          <a:prstGeom prst="rect">
+            <a:avLst/>
+          </a:prstGeom>
+        </p:spPr>
+        <p:style>
+          <a:lnRef idx="2">
+            <a:schemeClr val="accent6"/>
+          </a:lnRef>
+          <a:fillRef idx="1">
+            <a:schemeClr val="lt1"/>
+          </a:fillRef>
+          <a:effectRef idx="0">
+            <a:schemeClr val="accent6"/>
+          </a:effectRef>
+          <a:fontRef idx="minor">
+            <a:schemeClr val="dk1"/>
+          </a:fontRef>
+        </p:style>
+        <p:txBody>
+          <a:bodyPr rtlCol="0" anchor="ctr"/>
+          <a:lstStyle/>
+          <a:p>
+            <a:r>
+              <a:rPr lang="en-US" altLang="ko-KR" sz="1200" dirty="0"/>
+              <a:t>public class </a:t>
+            </a:r>
+            <a:r>
+              <a:rPr lang="en-US" altLang="ko-KR" sz="1200" dirty="0" err="1"/>
+              <a:t>TreeDPrinterPowder</a:t>
+            </a:r>
+            <a:r>
+              <a:rPr lang="en-US" altLang="ko-KR" sz="1200" dirty="0"/>
+              <a:t> {</a:t>
+            </a:r>
+          </a:p>
+          <a:p>
+            <a:r>
+              <a:rPr lang="en-US" altLang="ko-KR" sz="1200" dirty="0"/>
+              <a:t>	private </a:t>
+            </a:r>
+            <a:r>
+              <a:rPr lang="en-US" altLang="ko-KR" sz="1200" dirty="0">
+                <a:solidFill>
+                  <a:srgbClr val="FF0000"/>
+                </a:solidFill>
+              </a:rPr>
+              <a:t>Powder </a:t>
+            </a:r>
+            <a:r>
+              <a:rPr lang="en-US" altLang="ko-KR" sz="1200" dirty="0"/>
+              <a:t> material;</a:t>
+            </a:r>
+          </a:p>
+          <a:p>
+            <a:r>
+              <a:rPr lang="en-US" altLang="ko-KR" sz="1200" dirty="0"/>
               <a:t>	</a:t>
             </a:r>
           </a:p>
           <a:p>
             <a:r>
-              <a:rPr lang="en-US" altLang="ko-KR" sz="1100" dirty="0"/>
-              <a:t>	public void print() {</a:t>
-            </a:r>
-          </a:p>
-          <a:p>
-            <a:r>
-              <a:rPr lang="en-US" altLang="ko-KR" sz="1100" dirty="0"/>
+              <a:rPr lang="en-US" altLang="ko-KR" sz="1200" dirty="0"/>
+              <a:t>	public void </a:t>
+            </a:r>
+            <a:r>
+              <a:rPr lang="en-US" altLang="ko-KR" sz="1200" dirty="0" err="1"/>
+              <a:t>setMaterial</a:t>
+            </a:r>
+            <a:r>
+              <a:rPr lang="en-US" altLang="ko-KR" sz="1200" dirty="0"/>
+              <a:t>( </a:t>
+            </a:r>
+            <a:r>
+              <a:rPr lang="en-US" altLang="ko-KR" sz="1200" dirty="0">
+                <a:solidFill>
+                  <a:srgbClr val="FF0000"/>
+                </a:solidFill>
+              </a:rPr>
+              <a:t>Powder </a:t>
+            </a:r>
+            <a:r>
+              <a:rPr lang="en-US" altLang="ko-KR" sz="1200" dirty="0"/>
+              <a:t> material) {</a:t>
+            </a:r>
+          </a:p>
+          <a:p>
+            <a:r>
+              <a:rPr lang="en-US" altLang="ko-KR" sz="1200" dirty="0"/>
               <a:t>		</a:t>
             </a:r>
             <a:r>
-              <a:rPr lang="en-US" altLang="ko-KR" sz="1100" dirty="0" err="1"/>
+              <a:rPr lang="en-US" altLang="ko-KR" sz="1200" dirty="0" err="1"/>
+              <a:t>this.material</a:t>
+            </a:r>
+            <a:r>
+              <a:rPr lang="en-US" altLang="ko-KR" sz="1200" dirty="0"/>
+              <a:t> =  material;</a:t>
+            </a:r>
+          </a:p>
+          <a:p>
+            <a:r>
+              <a:rPr lang="en-US" altLang="ko-KR" sz="1200" dirty="0"/>
+              <a:t>	</a:t>
+            </a:r>
+            <a:r>
+              <a:rPr lang="en-US" altLang="ko-KR" sz="1200" dirty="0" smtClean="0"/>
+              <a:t>} </a:t>
+            </a:r>
+            <a:endParaRPr lang="en-US" altLang="ko-KR" sz="1200" dirty="0"/>
+          </a:p>
+          <a:p>
+            <a:r>
+              <a:rPr lang="en-US" altLang="ko-KR" sz="1200" dirty="0"/>
+              <a:t>	</a:t>
+            </a:r>
+          </a:p>
+          <a:p>
+            <a:r>
+              <a:rPr lang="en-US" altLang="ko-KR" sz="1200" dirty="0"/>
+              <a:t>	public void </a:t>
+            </a:r>
+            <a:r>
+              <a:rPr lang="en-US" altLang="ko-KR" sz="1200" dirty="0" err="1"/>
+              <a:t>pirnt</a:t>
+            </a:r>
+            <a:r>
+              <a:rPr lang="en-US" altLang="ko-KR" sz="1200" dirty="0"/>
+              <a:t>() {</a:t>
+            </a:r>
+          </a:p>
+          <a:p>
+            <a:r>
+              <a:rPr lang="en-US" altLang="ko-KR" sz="1200" dirty="0"/>
+              <a:t>		</a:t>
+            </a:r>
+            <a:r>
+              <a:rPr lang="en-US" altLang="ko-KR" sz="1200" dirty="0" smtClean="0"/>
+              <a:t> </a:t>
+            </a:r>
+            <a:r>
+              <a:rPr lang="en-US" altLang="ko-KR" sz="1200" dirty="0" err="1" smtClean="0"/>
               <a:t>System.out.println</a:t>
             </a:r>
             <a:r>
-              <a:rPr lang="en-US" altLang="ko-KR" sz="1100" dirty="0"/>
-              <a:t> (  "3D print:" + material);</a:t>
-            </a:r>
-          </a:p>
-          <a:p>
-            <a:r>
-              <a:rPr lang="en-US" altLang="ko-KR" sz="1100" dirty="0"/>
+              <a:rPr lang="en-US" altLang="ko-KR" sz="1200" dirty="0"/>
+              <a:t>( "3D print use :" + material);</a:t>
+            </a:r>
+          </a:p>
+          <a:p>
+            <a:r>
+              <a:rPr lang="en-US" altLang="ko-KR" sz="1200" dirty="0"/>
+              <a:t>	} </a:t>
+            </a:r>
+          </a:p>
+          <a:p>
+            <a:r>
+              <a:rPr lang="en-US" altLang="ko-KR" sz="1200" dirty="0"/>
+              <a:t>	 </a:t>
+            </a:r>
+          </a:p>
+          <a:p>
+            <a:r>
+              <a:rPr lang="en-US" altLang="ko-KR" sz="1200" dirty="0"/>
+              <a:t>}</a:t>
+            </a:r>
+            <a:endParaRPr lang="ko-KR" altLang="en-US" sz="1200" dirty="0"/>
+          </a:p>
+        </p:txBody>
+      </p:sp>
+      <p:sp>
+        <p:nvSpPr>
+          <p:cNvPr id="5" name="직사각형 4"/>
+          <p:cNvSpPr/>
+          <p:nvPr/>
+        </p:nvSpPr>
+        <p:spPr>
+          <a:xfrm>
+            <a:off x="5837625" y="3109565"/>
+            <a:ext cx="5795237" cy="3369957"/>
+          </a:xfrm>
+          <a:prstGeom prst="rect">
+            <a:avLst/>
+          </a:prstGeom>
+        </p:spPr>
+        <p:style>
+          <a:lnRef idx="2">
+            <a:schemeClr val="accent6"/>
+          </a:lnRef>
+          <a:fillRef idx="1">
+            <a:schemeClr val="lt1"/>
+          </a:fillRef>
+          <a:effectRef idx="0">
+            <a:schemeClr val="accent6"/>
+          </a:effectRef>
+          <a:fontRef idx="minor">
+            <a:schemeClr val="dk1"/>
+          </a:fontRef>
+        </p:style>
+        <p:txBody>
+          <a:bodyPr rtlCol="0" anchor="ctr"/>
+          <a:lstStyle/>
+          <a:p>
+            <a:r>
+              <a:rPr lang="en-US" altLang="ko-KR" sz="1200" dirty="0"/>
+              <a:t>public class </a:t>
+            </a:r>
+            <a:r>
+              <a:rPr lang="ko-KR" altLang="en-US" sz="1200" b="1" dirty="0"/>
+              <a:t> </a:t>
+            </a:r>
+            <a:r>
+              <a:rPr lang="en-US" altLang="ko-KR" sz="1200" b="1" dirty="0" err="1" smtClean="0"/>
+              <a:t>TestMain</a:t>
+            </a:r>
+            <a:r>
+              <a:rPr lang="en-US" altLang="ko-KR" sz="1200" b="1" dirty="0" smtClean="0"/>
+              <a:t>{</a:t>
+            </a:r>
+            <a:endParaRPr lang="en-US" altLang="ko-KR" sz="1200" b="1" dirty="0"/>
+          </a:p>
+          <a:p>
+            <a:r>
+              <a:rPr lang="en-US" altLang="ko-KR" sz="1200" dirty="0"/>
               <a:t>	</a:t>
             </a:r>
             <a:r>
-              <a:rPr lang="en-US" altLang="ko-KR" sz="1100" dirty="0" smtClean="0"/>
-              <a:t>}</a:t>
-            </a:r>
-          </a:p>
-          <a:p>
-            <a:endParaRPr lang="en-US" altLang="ko-KR" sz="1100" b="1" dirty="0" smtClean="0">
+              <a:rPr lang="en-US" altLang="ko-KR" sz="1200" dirty="0" smtClean="0"/>
+              <a:t> </a:t>
+            </a:r>
+            <a:r>
+              <a:rPr lang="en-US" altLang="ko-KR" sz="1200" b="1" dirty="0">
+                <a:solidFill>
+                  <a:srgbClr val="0070C0"/>
+                </a:solidFill>
+              </a:rPr>
+              <a:t>public static void main(String[] </a:t>
+            </a:r>
+            <a:r>
+              <a:rPr lang="en-US" altLang="ko-KR" sz="1200" b="1" dirty="0" err="1">
+                <a:solidFill>
+                  <a:srgbClr val="0070C0"/>
+                </a:solidFill>
+              </a:rPr>
+              <a:t>args</a:t>
+            </a:r>
+            <a:r>
+              <a:rPr lang="en-US" altLang="ko-KR" sz="1200" b="1" dirty="0">
+                <a:solidFill>
+                  <a:srgbClr val="0070C0"/>
+                </a:solidFill>
+              </a:rPr>
+              <a:t>) {</a:t>
+            </a:r>
+          </a:p>
+          <a:p>
+            <a:endParaRPr lang="en-US" altLang="ko-KR" sz="1200" b="1" dirty="0">
               <a:solidFill>
                 <a:srgbClr val="0070C0"/>
               </a:solidFill>
@@ -17221,398 +19399,428 @@
           </a:p>
           <a:p>
             <a:r>
-              <a:rPr lang="en-US" altLang="ko-KR" sz="1100" b="1" dirty="0" smtClean="0">
-                <a:solidFill>
-                  <a:srgbClr val="0070C0"/>
-                </a:solidFill>
-              </a:rPr>
-              <a:t>	public </a:t>
-            </a:r>
-            <a:r>
-              <a:rPr lang="en-US" altLang="ko-KR" sz="1100" b="1" dirty="0">
-                <a:solidFill>
-                  <a:srgbClr val="0070C0"/>
-                </a:solidFill>
-              </a:rPr>
-              <a:t>static void main(String[] </a:t>
-            </a:r>
-            <a:r>
-              <a:rPr lang="en-US" altLang="ko-KR" sz="1100" b="1" dirty="0" err="1">
-                <a:solidFill>
-                  <a:srgbClr val="0070C0"/>
-                </a:solidFill>
-              </a:rPr>
-              <a:t>args</a:t>
-            </a:r>
-            <a:r>
-              <a:rPr lang="en-US" altLang="ko-KR" sz="1100" b="1" dirty="0">
-                <a:solidFill>
-                  <a:srgbClr val="0070C0"/>
-                </a:solidFill>
-              </a:rPr>
-              <a:t>) </a:t>
-            </a:r>
-            <a:r>
-              <a:rPr lang="en-US" altLang="ko-KR" sz="1100" b="1" dirty="0" smtClean="0">
-                <a:solidFill>
-                  <a:srgbClr val="0070C0"/>
-                </a:solidFill>
-              </a:rPr>
-              <a:t>{</a:t>
-            </a:r>
-          </a:p>
-          <a:p>
-            <a:endParaRPr lang="en-US" altLang="ko-KR" sz="1100" b="1" dirty="0">
-              <a:solidFill>
-                <a:srgbClr val="0070C0"/>
-              </a:solidFill>
+              <a:rPr lang="en-US" altLang="ko-KR" sz="1200" b="1" dirty="0">
+                <a:solidFill>
+                  <a:srgbClr val="0070C0"/>
+                </a:solidFill>
+              </a:rPr>
+              <a:t>	   </a:t>
+            </a:r>
+            <a:r>
+              <a:rPr lang="en-US" altLang="ko-KR" sz="1200" b="1" dirty="0" err="1">
+                <a:solidFill>
+                  <a:srgbClr val="0070C0"/>
+                </a:solidFill>
+              </a:rPr>
+              <a:t>GenericPrinter</a:t>
+            </a:r>
+            <a:r>
+              <a:rPr lang="en-US" altLang="ko-KR" sz="1200" b="1" dirty="0">
+                <a:solidFill>
+                  <a:srgbClr val="0070C0"/>
+                </a:solidFill>
+              </a:rPr>
+              <a:t>&lt;</a:t>
+            </a:r>
+            <a:r>
+              <a:rPr lang="en-US" altLang="ko-KR" sz="1200" b="1" dirty="0">
+                <a:solidFill>
+                  <a:srgbClr val="FF0000"/>
+                </a:solidFill>
+              </a:rPr>
+              <a:t>Powder</a:t>
+            </a:r>
+            <a:r>
+              <a:rPr lang="en-US" altLang="ko-KR" sz="1200" b="1" dirty="0">
+                <a:solidFill>
+                  <a:srgbClr val="0070C0"/>
+                </a:solidFill>
+              </a:rPr>
+              <a:t>&gt; printer = new </a:t>
+            </a:r>
+            <a:r>
+              <a:rPr lang="en-US" altLang="ko-KR" sz="1200" b="1" dirty="0" err="1">
+                <a:solidFill>
+                  <a:srgbClr val="0070C0"/>
+                </a:solidFill>
+              </a:rPr>
+              <a:t>GenericPrinter</a:t>
+            </a:r>
+            <a:r>
+              <a:rPr lang="en-US" altLang="ko-KR" sz="1200" b="1" dirty="0">
+                <a:solidFill>
+                  <a:srgbClr val="0070C0"/>
+                </a:solidFill>
+              </a:rPr>
+              <a:t>&lt;&gt;();</a:t>
+            </a:r>
+          </a:p>
+          <a:p>
+            <a:r>
+              <a:rPr lang="en-US" altLang="ko-KR" sz="1200" b="1" dirty="0">
+                <a:solidFill>
+                  <a:srgbClr val="0070C0"/>
+                </a:solidFill>
+              </a:rPr>
+              <a:t>	   </a:t>
+            </a:r>
+            <a:r>
+              <a:rPr lang="en-US" altLang="ko-KR" sz="1200" b="1" dirty="0" err="1">
+                <a:solidFill>
+                  <a:srgbClr val="0070C0"/>
+                </a:solidFill>
+              </a:rPr>
+              <a:t>printer.setMaterial</a:t>
+            </a:r>
+            <a:r>
+              <a:rPr lang="en-US" altLang="ko-KR" sz="1200" b="1" dirty="0">
+                <a:solidFill>
+                  <a:srgbClr val="0070C0"/>
+                </a:solidFill>
+              </a:rPr>
+              <a:t>(new Powder());</a:t>
+            </a:r>
+          </a:p>
+          <a:p>
+            <a:r>
+              <a:rPr lang="en-US" altLang="ko-KR" sz="1200" b="1" dirty="0">
+                <a:solidFill>
+                  <a:srgbClr val="0070C0"/>
+                </a:solidFill>
+              </a:rPr>
+              <a:t>	   </a:t>
+            </a:r>
+            <a:r>
+              <a:rPr lang="en-US" altLang="ko-KR" sz="1200" b="1" dirty="0" err="1">
+                <a:solidFill>
+                  <a:srgbClr val="0070C0"/>
+                </a:solidFill>
+              </a:rPr>
+              <a:t>printer.print</a:t>
+            </a:r>
+            <a:r>
+              <a:rPr lang="en-US" altLang="ko-KR" sz="1200" b="1" dirty="0">
+                <a:solidFill>
+                  <a:srgbClr val="0070C0"/>
+                </a:solidFill>
+              </a:rPr>
+              <a:t>();</a:t>
+            </a:r>
+          </a:p>
+          <a:p>
+            <a:r>
+              <a:rPr lang="en-US" altLang="ko-KR" sz="1200" b="1" dirty="0">
+                <a:solidFill>
+                  <a:srgbClr val="0070C0"/>
+                </a:solidFill>
+              </a:rPr>
+              <a:t>		 </a:t>
+            </a:r>
+          </a:p>
+          <a:p>
+            <a:r>
+              <a:rPr lang="en-US" altLang="ko-KR" sz="1200" b="1" dirty="0">
+                <a:solidFill>
+                  <a:srgbClr val="0070C0"/>
+                </a:solidFill>
+              </a:rPr>
+              <a:t>		</a:t>
+            </a:r>
+          </a:p>
+          <a:p>
+            <a:r>
+              <a:rPr lang="en-US" altLang="ko-KR" sz="1200" b="1" dirty="0">
+                <a:solidFill>
+                  <a:srgbClr val="0070C0"/>
+                </a:solidFill>
+              </a:rPr>
+              <a:t>	   </a:t>
+            </a:r>
+            <a:r>
+              <a:rPr lang="en-US" altLang="ko-KR" sz="1200" b="1" dirty="0" err="1">
+                <a:solidFill>
+                  <a:srgbClr val="0070C0"/>
+                </a:solidFill>
+              </a:rPr>
+              <a:t>GenericPrinter</a:t>
+            </a:r>
+            <a:r>
+              <a:rPr lang="en-US" altLang="ko-KR" sz="1200" b="1" dirty="0">
+                <a:solidFill>
+                  <a:srgbClr val="0070C0"/>
+                </a:solidFill>
+              </a:rPr>
+              <a:t>&lt;</a:t>
+            </a:r>
+            <a:r>
+              <a:rPr lang="en-US" altLang="ko-KR" sz="1200" b="1" dirty="0">
+                <a:solidFill>
+                  <a:srgbClr val="FF0000"/>
+                </a:solidFill>
+              </a:rPr>
+              <a:t>Plastic</a:t>
+            </a:r>
+            <a:r>
+              <a:rPr lang="en-US" altLang="ko-KR" sz="1200" b="1" dirty="0">
+                <a:solidFill>
+                  <a:srgbClr val="0070C0"/>
+                </a:solidFill>
+              </a:rPr>
+              <a:t>&gt; printer = new </a:t>
+            </a:r>
+            <a:r>
+              <a:rPr lang="en-US" altLang="ko-KR" sz="1200" b="1" dirty="0" err="1">
+                <a:solidFill>
+                  <a:srgbClr val="0070C0"/>
+                </a:solidFill>
+              </a:rPr>
+              <a:t>GenericPrinter</a:t>
+            </a:r>
+            <a:r>
+              <a:rPr lang="en-US" altLang="ko-KR" sz="1200" b="1" dirty="0">
+                <a:solidFill>
+                  <a:srgbClr val="0070C0"/>
+                </a:solidFill>
+              </a:rPr>
+              <a:t>&lt;&gt;();</a:t>
+            </a:r>
+          </a:p>
+          <a:p>
+            <a:r>
+              <a:rPr lang="en-US" altLang="ko-KR" sz="1200" b="1" dirty="0">
+                <a:solidFill>
+                  <a:srgbClr val="0070C0"/>
+                </a:solidFill>
+              </a:rPr>
+              <a:t>	   </a:t>
+            </a:r>
+            <a:r>
+              <a:rPr lang="en-US" altLang="ko-KR" sz="1200" b="1" dirty="0" err="1">
+                <a:solidFill>
+                  <a:srgbClr val="0070C0"/>
+                </a:solidFill>
+              </a:rPr>
+              <a:t>printer.setMaterial</a:t>
+            </a:r>
+            <a:r>
+              <a:rPr lang="en-US" altLang="ko-KR" sz="1200" b="1" dirty="0">
+                <a:solidFill>
+                  <a:srgbClr val="0070C0"/>
+                </a:solidFill>
+              </a:rPr>
+              <a:t>(new Plastic());</a:t>
+            </a:r>
+          </a:p>
+          <a:p>
+            <a:r>
+              <a:rPr lang="en-US" altLang="ko-KR" sz="1200" b="1" dirty="0">
+                <a:solidFill>
+                  <a:srgbClr val="0070C0"/>
+                </a:solidFill>
+              </a:rPr>
+              <a:t>	   </a:t>
+            </a:r>
+            <a:r>
+              <a:rPr lang="en-US" altLang="ko-KR" sz="1200" b="1" dirty="0" err="1">
+                <a:solidFill>
+                  <a:srgbClr val="0070C0"/>
+                </a:solidFill>
+              </a:rPr>
+              <a:t>printer.print</a:t>
+            </a:r>
+            <a:r>
+              <a:rPr lang="en-US" altLang="ko-KR" sz="1200" b="1" dirty="0">
+                <a:solidFill>
+                  <a:srgbClr val="0070C0"/>
+                </a:solidFill>
+              </a:rPr>
+              <a:t>();</a:t>
+            </a:r>
+          </a:p>
+          <a:p>
+            <a:r>
+              <a:rPr lang="en-US" altLang="ko-KR" sz="1200" b="1" dirty="0">
+                <a:solidFill>
+                  <a:srgbClr val="0070C0"/>
+                </a:solidFill>
+              </a:rPr>
+              <a:t>		</a:t>
+            </a:r>
+          </a:p>
+          <a:p>
+            <a:r>
+              <a:rPr lang="en-US" altLang="ko-KR" sz="1200" b="1" dirty="0">
+                <a:solidFill>
+                  <a:srgbClr val="0070C0"/>
+                </a:solidFill>
+              </a:rPr>
+              <a:t>	}</a:t>
+            </a:r>
+          </a:p>
+          <a:p>
+            <a:endParaRPr lang="en-US" altLang="ko-KR" sz="1200" dirty="0"/>
+          </a:p>
+          <a:p>
+            <a:r>
+              <a:rPr lang="en-US" altLang="ko-KR" sz="1200" dirty="0" smtClean="0"/>
+              <a:t>}</a:t>
+            </a:r>
+            <a:endParaRPr lang="en-US" altLang="ko-KR" sz="1200" dirty="0"/>
+          </a:p>
+        </p:txBody>
+      </p:sp>
+      <p:sp>
+        <p:nvSpPr>
+          <p:cNvPr id="10" name="오른쪽 화살표 9"/>
+          <p:cNvSpPr/>
+          <p:nvPr/>
+        </p:nvSpPr>
+        <p:spPr>
+          <a:xfrm>
+            <a:off x="5204549" y="2047792"/>
+            <a:ext cx="932565" cy="466284"/>
+          </a:xfrm>
+          <a:prstGeom prst="rightArrow">
+            <a:avLst/>
+          </a:prstGeom>
+          <a:solidFill>
+            <a:srgbClr val="FF0000"/>
+          </a:solidFill>
+        </p:spPr>
+        <p:style>
+          <a:lnRef idx="2">
+            <a:schemeClr val="accent6"/>
+          </a:lnRef>
+          <a:fillRef idx="1">
+            <a:schemeClr val="lt1"/>
+          </a:fillRef>
+          <a:effectRef idx="0">
+            <a:schemeClr val="accent6"/>
+          </a:effectRef>
+          <a:fontRef idx="minor">
+            <a:schemeClr val="dk1"/>
+          </a:fontRef>
+        </p:style>
+        <p:txBody>
+          <a:bodyPr rtlCol="0" anchor="ctr"/>
+          <a:lstStyle/>
+          <a:p>
+            <a:pPr algn="ctr"/>
+            <a:endParaRPr lang="ko-KR" altLang="en-US"/>
+          </a:p>
+        </p:txBody>
+      </p:sp>
+      <p:sp>
+        <p:nvSpPr>
+          <p:cNvPr id="11" name="오른쪽 화살표 10"/>
+          <p:cNvSpPr/>
+          <p:nvPr/>
+        </p:nvSpPr>
+        <p:spPr>
+          <a:xfrm rot="20226154">
+            <a:off x="5264899" y="2811330"/>
+            <a:ext cx="1004477" cy="513648"/>
+          </a:xfrm>
+          <a:prstGeom prst="rightArrow">
+            <a:avLst/>
+          </a:prstGeom>
+          <a:solidFill>
+            <a:srgbClr val="00B0F0"/>
+          </a:solidFill>
+        </p:spPr>
+        <p:style>
+          <a:lnRef idx="2">
+            <a:schemeClr val="accent6"/>
+          </a:lnRef>
+          <a:fillRef idx="1">
+            <a:schemeClr val="lt1"/>
+          </a:fillRef>
+          <a:effectRef idx="0">
+            <a:schemeClr val="accent6"/>
+          </a:effectRef>
+          <a:fontRef idx="minor">
+            <a:schemeClr val="dk1"/>
+          </a:fontRef>
+        </p:style>
+        <p:txBody>
+          <a:bodyPr rtlCol="0" anchor="ctr"/>
+          <a:lstStyle/>
+          <a:p>
+            <a:pPr algn="ctr"/>
+            <a:endParaRPr lang="ko-KR" altLang="en-US"/>
+          </a:p>
+        </p:txBody>
+      </p:sp>
+      <p:sp>
+        <p:nvSpPr>
+          <p:cNvPr id="7" name="모서리가 둥근 사각형 설명선 6"/>
+          <p:cNvSpPr/>
+          <p:nvPr/>
+        </p:nvSpPr>
+        <p:spPr>
+          <a:xfrm>
+            <a:off x="8998665" y="260392"/>
+            <a:ext cx="2337472" cy="702453"/>
+          </a:xfrm>
+          <a:prstGeom prst="wedgeRoundRectCallout">
+            <a:avLst>
+              <a:gd name="adj1" fmla="val -89187"/>
+              <a:gd name="adj2" fmla="val 46121"/>
+              <a:gd name="adj3" fmla="val 16667"/>
+            </a:avLst>
+          </a:prstGeom>
+        </p:spPr>
+        <p:style>
+          <a:lnRef idx="2">
+            <a:schemeClr val="accent6"/>
+          </a:lnRef>
+          <a:fillRef idx="1">
+            <a:schemeClr val="lt1"/>
+          </a:fillRef>
+          <a:effectRef idx="0">
+            <a:schemeClr val="accent6"/>
+          </a:effectRef>
+          <a:fontRef idx="minor">
+            <a:schemeClr val="dk1"/>
+          </a:fontRef>
+        </p:style>
+        <p:txBody>
+          <a:bodyPr rtlCol="0" anchor="ctr"/>
+          <a:lstStyle/>
+          <a:p>
+            <a:pPr algn="ctr"/>
+            <a:r>
+              <a:rPr lang="ko-KR" altLang="en-US" sz="1200" dirty="0" smtClean="0">
+                <a:latin typeface="HY강B" panose="02030600000101010101" pitchFamily="18" charset="-127"/>
+                <a:ea typeface="HY강B" panose="02030600000101010101" pitchFamily="18" charset="-127"/>
+              </a:rPr>
+              <a:t>타입변수</a:t>
+            </a:r>
+            <a:endParaRPr lang="en-US" altLang="ko-KR" sz="1200" dirty="0" smtClean="0">
+              <a:latin typeface="HY강B" panose="02030600000101010101" pitchFamily="18" charset="-127"/>
+              <a:ea typeface="HY강B" panose="02030600000101010101" pitchFamily="18" charset="-127"/>
             </a:endParaRPr>
           </a:p>
           <a:p>
-            <a:r>
-              <a:rPr lang="en-US" altLang="ko-KR" sz="1100" b="1" dirty="0">
-                <a:solidFill>
-                  <a:srgbClr val="0070C0"/>
-                </a:solidFill>
-              </a:rPr>
-              <a:t>	 </a:t>
-            </a:r>
-            <a:r>
-              <a:rPr lang="en-US" altLang="ko-KR" sz="1100" b="1" dirty="0" smtClean="0">
-                <a:solidFill>
-                  <a:srgbClr val="0070C0"/>
-                </a:solidFill>
-              </a:rPr>
-              <a:t>  </a:t>
-            </a:r>
-            <a:r>
-              <a:rPr lang="en-US" altLang="ko-KR" sz="1100" b="1" dirty="0" err="1" smtClean="0">
-                <a:solidFill>
-                  <a:srgbClr val="0070C0"/>
-                </a:solidFill>
-              </a:rPr>
-              <a:t>GenericPrinter</a:t>
-            </a:r>
-            <a:r>
-              <a:rPr lang="en-US" altLang="ko-KR" sz="1100" b="1" dirty="0" smtClean="0">
-                <a:solidFill>
-                  <a:srgbClr val="0070C0"/>
-                </a:solidFill>
-              </a:rPr>
-              <a:t>&lt;Powder</a:t>
-            </a:r>
-            <a:r>
-              <a:rPr lang="en-US" altLang="ko-KR" sz="1100" b="1" dirty="0">
-                <a:solidFill>
-                  <a:srgbClr val="0070C0"/>
-                </a:solidFill>
-              </a:rPr>
-              <a:t>&gt; printer = new </a:t>
-            </a:r>
-            <a:r>
-              <a:rPr lang="en-US" altLang="ko-KR" sz="1100" b="1" dirty="0" err="1">
-                <a:solidFill>
-                  <a:srgbClr val="0070C0"/>
-                </a:solidFill>
-              </a:rPr>
-              <a:t>GenericPrinter</a:t>
-            </a:r>
-            <a:r>
-              <a:rPr lang="en-US" altLang="ko-KR" sz="1100" b="1" dirty="0">
-                <a:solidFill>
-                  <a:srgbClr val="0070C0"/>
-                </a:solidFill>
-              </a:rPr>
-              <a:t>&lt;&gt;();</a:t>
-            </a:r>
-          </a:p>
-          <a:p>
-            <a:r>
-              <a:rPr lang="en-US" altLang="ko-KR" sz="1100" b="1" dirty="0">
-                <a:solidFill>
-                  <a:srgbClr val="0070C0"/>
-                </a:solidFill>
-              </a:rPr>
-              <a:t>	</a:t>
-            </a:r>
-            <a:r>
-              <a:rPr lang="en-US" altLang="ko-KR" sz="1100" b="1" dirty="0" smtClean="0">
-                <a:solidFill>
-                  <a:srgbClr val="0070C0"/>
-                </a:solidFill>
-              </a:rPr>
-              <a:t>   </a:t>
-            </a:r>
-            <a:r>
-              <a:rPr lang="en-US" altLang="ko-KR" sz="1100" b="1" dirty="0" err="1" smtClean="0">
-                <a:solidFill>
-                  <a:srgbClr val="0070C0"/>
-                </a:solidFill>
-              </a:rPr>
-              <a:t>printer.setMaterial</a:t>
-            </a:r>
-            <a:r>
-              <a:rPr lang="en-US" altLang="ko-KR" sz="1100" b="1" dirty="0" smtClean="0">
-                <a:solidFill>
-                  <a:srgbClr val="0070C0"/>
-                </a:solidFill>
-              </a:rPr>
-              <a:t>(new </a:t>
-            </a:r>
-            <a:r>
-              <a:rPr lang="en-US" altLang="ko-KR" sz="1100" b="1" dirty="0">
-                <a:solidFill>
-                  <a:srgbClr val="0070C0"/>
-                </a:solidFill>
-              </a:rPr>
-              <a:t>Powder());</a:t>
-            </a:r>
-          </a:p>
-          <a:p>
-            <a:r>
-              <a:rPr lang="en-US" altLang="ko-KR" sz="1100" b="1" dirty="0">
-                <a:solidFill>
-                  <a:srgbClr val="0070C0"/>
-                </a:solidFill>
-              </a:rPr>
-              <a:t>	</a:t>
-            </a:r>
-            <a:r>
-              <a:rPr lang="en-US" altLang="ko-KR" sz="1100" b="1" dirty="0" smtClean="0">
-                <a:solidFill>
-                  <a:srgbClr val="0070C0"/>
-                </a:solidFill>
-              </a:rPr>
-              <a:t>   </a:t>
-            </a:r>
-            <a:r>
-              <a:rPr lang="en-US" altLang="ko-KR" sz="1100" b="1" dirty="0" err="1" smtClean="0">
-                <a:solidFill>
-                  <a:srgbClr val="0070C0"/>
-                </a:solidFill>
-              </a:rPr>
-              <a:t>printer.print</a:t>
-            </a:r>
-            <a:r>
-              <a:rPr lang="en-US" altLang="ko-KR" sz="1100" b="1" dirty="0">
-                <a:solidFill>
-                  <a:srgbClr val="0070C0"/>
-                </a:solidFill>
-              </a:rPr>
-              <a:t>();</a:t>
-            </a:r>
-          </a:p>
-          <a:p>
-            <a:r>
-              <a:rPr lang="en-US" altLang="ko-KR" sz="1100" b="1" dirty="0">
-                <a:solidFill>
-                  <a:srgbClr val="0070C0"/>
-                </a:solidFill>
-              </a:rPr>
-              <a:t>		</a:t>
-            </a:r>
-            <a:r>
-              <a:rPr lang="en-US" altLang="ko-KR" sz="1100" b="1" dirty="0" smtClean="0">
-                <a:solidFill>
-                  <a:srgbClr val="0070C0"/>
-                </a:solidFill>
-              </a:rPr>
-              <a:t> </a:t>
-            </a:r>
-            <a:endParaRPr lang="en-US" altLang="ko-KR" sz="1100" b="1" dirty="0">
-              <a:solidFill>
-                <a:srgbClr val="0070C0"/>
-              </a:solidFill>
+            <a:pPr algn="ctr"/>
+            <a:r>
+              <a:rPr lang="en-US" altLang="ko-KR" sz="1200" dirty="0" smtClean="0">
+                <a:latin typeface="HY강B" panose="02030600000101010101" pitchFamily="18" charset="-127"/>
+                <a:ea typeface="HY강B" panose="02030600000101010101" pitchFamily="18" charset="-127"/>
+              </a:rPr>
+              <a:t>T</a:t>
+            </a:r>
+            <a:r>
+              <a:rPr lang="ko-KR" altLang="en-US" sz="1200" dirty="0" smtClean="0">
+                <a:latin typeface="HY강B" panose="02030600000101010101" pitchFamily="18" charset="-127"/>
+                <a:ea typeface="HY강B" panose="02030600000101010101" pitchFamily="18" charset="-127"/>
+              </a:rPr>
+              <a:t>가 아닌 다른 것도 가능함</a:t>
+            </a:r>
+            <a:endParaRPr lang="ko-KR" altLang="en-US" sz="1200" dirty="0">
+              <a:latin typeface="HY강B" panose="02030600000101010101" pitchFamily="18" charset="-127"/>
+              <a:ea typeface="HY강B" panose="02030600000101010101" pitchFamily="18" charset="-127"/>
             </a:endParaRPr>
-          </a:p>
-          <a:p>
-            <a:r>
-              <a:rPr lang="en-US" altLang="ko-KR" sz="1100" b="1" dirty="0">
-                <a:solidFill>
-                  <a:srgbClr val="0070C0"/>
-                </a:solidFill>
-              </a:rPr>
-              <a:t>		</a:t>
-            </a:r>
-          </a:p>
-          <a:p>
-            <a:r>
-              <a:rPr lang="en-US" altLang="ko-KR" sz="1100" b="1" dirty="0">
-                <a:solidFill>
-                  <a:srgbClr val="0070C0"/>
-                </a:solidFill>
-              </a:rPr>
-              <a:t>	</a:t>
-            </a:r>
-            <a:r>
-              <a:rPr lang="en-US" altLang="ko-KR" sz="1100" b="1" dirty="0" smtClean="0">
-                <a:solidFill>
-                  <a:srgbClr val="0070C0"/>
-                </a:solidFill>
-              </a:rPr>
-              <a:t>   </a:t>
-            </a:r>
-            <a:r>
-              <a:rPr lang="en-US" altLang="ko-KR" sz="1100" b="1" dirty="0" err="1" smtClean="0">
-                <a:solidFill>
-                  <a:srgbClr val="0070C0"/>
-                </a:solidFill>
-              </a:rPr>
-              <a:t>GenericPrinter</a:t>
-            </a:r>
-            <a:r>
-              <a:rPr lang="en-US" altLang="ko-KR" sz="1100" b="1" dirty="0" smtClean="0">
-                <a:solidFill>
-                  <a:srgbClr val="0070C0"/>
-                </a:solidFill>
-              </a:rPr>
-              <a:t>&lt;Plastic</a:t>
-            </a:r>
-            <a:r>
-              <a:rPr lang="en-US" altLang="ko-KR" sz="1100" b="1" dirty="0">
-                <a:solidFill>
-                  <a:srgbClr val="0070C0"/>
-                </a:solidFill>
-              </a:rPr>
-              <a:t>&gt; printer = new </a:t>
-            </a:r>
-            <a:r>
-              <a:rPr lang="en-US" altLang="ko-KR" sz="1100" b="1" dirty="0" err="1">
-                <a:solidFill>
-                  <a:srgbClr val="0070C0"/>
-                </a:solidFill>
-              </a:rPr>
-              <a:t>GenericPrinter</a:t>
-            </a:r>
-            <a:r>
-              <a:rPr lang="en-US" altLang="ko-KR" sz="1100" b="1" dirty="0">
-                <a:solidFill>
-                  <a:srgbClr val="0070C0"/>
-                </a:solidFill>
-              </a:rPr>
-              <a:t>&lt;&gt;();</a:t>
-            </a:r>
-          </a:p>
-          <a:p>
-            <a:r>
-              <a:rPr lang="en-US" altLang="ko-KR" sz="1100" b="1" dirty="0">
-                <a:solidFill>
-                  <a:srgbClr val="0070C0"/>
-                </a:solidFill>
-              </a:rPr>
-              <a:t>	</a:t>
-            </a:r>
-            <a:r>
-              <a:rPr lang="en-US" altLang="ko-KR" sz="1100" b="1" dirty="0" smtClean="0">
-                <a:solidFill>
-                  <a:srgbClr val="0070C0"/>
-                </a:solidFill>
-              </a:rPr>
-              <a:t>   </a:t>
-            </a:r>
-            <a:r>
-              <a:rPr lang="en-US" altLang="ko-KR" sz="1100" b="1" dirty="0" err="1" smtClean="0">
-                <a:solidFill>
-                  <a:srgbClr val="0070C0"/>
-                </a:solidFill>
-              </a:rPr>
-              <a:t>printer.setMaterial</a:t>
-            </a:r>
-            <a:r>
-              <a:rPr lang="en-US" altLang="ko-KR" sz="1100" b="1" dirty="0" smtClean="0">
-                <a:solidFill>
-                  <a:srgbClr val="0070C0"/>
-                </a:solidFill>
-              </a:rPr>
-              <a:t>(new </a:t>
-            </a:r>
-            <a:r>
-              <a:rPr lang="en-US" altLang="ko-KR" sz="1100" b="1" dirty="0">
-                <a:solidFill>
-                  <a:srgbClr val="0070C0"/>
-                </a:solidFill>
-              </a:rPr>
-              <a:t>Plastic());</a:t>
-            </a:r>
-          </a:p>
-          <a:p>
-            <a:r>
-              <a:rPr lang="en-US" altLang="ko-KR" sz="1100" b="1" dirty="0">
-                <a:solidFill>
-                  <a:srgbClr val="0070C0"/>
-                </a:solidFill>
-              </a:rPr>
-              <a:t>	</a:t>
-            </a:r>
-            <a:r>
-              <a:rPr lang="en-US" altLang="ko-KR" sz="1100" b="1" dirty="0" smtClean="0">
-                <a:solidFill>
-                  <a:srgbClr val="0070C0"/>
-                </a:solidFill>
-              </a:rPr>
-              <a:t>   </a:t>
-            </a:r>
-            <a:r>
-              <a:rPr lang="en-US" altLang="ko-KR" sz="1100" b="1" dirty="0" err="1" smtClean="0">
-                <a:solidFill>
-                  <a:srgbClr val="0070C0"/>
-                </a:solidFill>
-              </a:rPr>
-              <a:t>printer.print</a:t>
-            </a:r>
-            <a:r>
-              <a:rPr lang="en-US" altLang="ko-KR" sz="1100" b="1" dirty="0" smtClean="0">
-                <a:solidFill>
-                  <a:srgbClr val="0070C0"/>
-                </a:solidFill>
-              </a:rPr>
-              <a:t>();</a:t>
-            </a:r>
-          </a:p>
-          <a:p>
-            <a:r>
-              <a:rPr lang="en-US" altLang="ko-KR" sz="1100" b="1" dirty="0">
-                <a:solidFill>
-                  <a:srgbClr val="0070C0"/>
-                </a:solidFill>
-              </a:rPr>
-              <a:t>		</a:t>
-            </a:r>
-          </a:p>
-          <a:p>
-            <a:r>
-              <a:rPr lang="en-US" altLang="ko-KR" sz="1100" b="1" dirty="0">
-                <a:solidFill>
-                  <a:srgbClr val="0070C0"/>
-                </a:solidFill>
-              </a:rPr>
-              <a:t>	}</a:t>
-            </a:r>
-          </a:p>
-          <a:p>
-            <a:r>
-              <a:rPr lang="en-US" altLang="ko-KR" sz="1100" dirty="0"/>
-              <a:t>	</a:t>
-            </a:r>
-          </a:p>
-          <a:p>
-            <a:r>
-              <a:rPr lang="en-US" altLang="ko-KR" sz="1100" dirty="0"/>
-              <a:t>	</a:t>
-            </a:r>
-          </a:p>
-          <a:p>
-            <a:r>
-              <a:rPr lang="en-US" altLang="ko-KR" sz="1100" dirty="0" smtClean="0"/>
-              <a:t>}</a:t>
-            </a:r>
-            <a:endParaRPr lang="en-US" altLang="ko-KR" sz="1100" dirty="0"/>
-          </a:p>
-          <a:p>
-            <a:r>
-              <a:rPr lang="en-US" altLang="ko-KR" sz="1100" dirty="0"/>
-              <a:t>	</a:t>
-            </a:r>
           </a:p>
         </p:txBody>
       </p:sp>
@@ -17629,7 +19837,7 @@
 </p:sld>
 </file>
 
-<file path=ppt/slides/slide8.xml><?xml version="1.0" encoding="utf-8"?>
+<file path=ppt/slides/slide9.xml><?xml version="1.0" encoding="utf-8"?>
 <p:sld xmlns:a="http://schemas.openxmlformats.org/drawingml/2006/main" xmlns:r="http://schemas.openxmlformats.org/officeDocument/2006/relationships" xmlns:p="http://schemas.openxmlformats.org/presentationml/2006/main">
   <p:cSld>
     <p:spTree>
@@ -17700,7 +19908,15 @@
                   <a:srgbClr val="FF0000"/>
                 </a:solidFill>
               </a:rPr>
-              <a:t>T extends Material</a:t>
+              <a:t>T extends </a:t>
+            </a:r>
+            <a:r>
+              <a:rPr lang="en-US" altLang="ko-KR" sz="1200" b="1" dirty="0">
+                <a:solidFill>
+                  <a:srgbClr val="0070C0"/>
+                </a:solidFill>
+              </a:rPr>
+              <a:t>Material</a:t>
             </a:r>
             <a:r>
               <a:rPr lang="en-US" altLang="ko-KR" sz="1200" dirty="0"/>
@@ -17750,8 +19966,13 @@
           <a:p>
             <a:r>
               <a:rPr lang="en-US" altLang="ko-KR" sz="1200" dirty="0"/>
-              <a:t>	}</a:t>
-            </a:r>
+              <a:t>	</a:t>
+            </a:r>
+            <a:r>
+              <a:rPr lang="en-US" altLang="ko-KR" sz="1200" dirty="0" smtClean="0"/>
+              <a:t>} </a:t>
+            </a:r>
+            <a:endParaRPr lang="en-US" altLang="ko-KR" sz="1200" dirty="0"/>
           </a:p>
           <a:p>
             <a:r>
@@ -17762,21 +19983,21 @@
           <a:p>
             <a:r>
               <a:rPr lang="en-US" altLang="ko-KR" sz="1200" dirty="0"/>
-              <a:t>	public T </a:t>
+              <a:t>	public void print() {</a:t>
+            </a:r>
+          </a:p>
+          <a:p>
+            <a:r>
+              <a:rPr lang="en-US" altLang="ko-KR" sz="1200" dirty="0"/>
+              <a:t>		</a:t>
             </a:r>
             <a:r>
               <a:rPr lang="en-US" altLang="ko-KR" sz="1200" dirty="0" err="1"/>
-              <a:t>getMaterial</a:t>
+              <a:t>System.out.println</a:t>
             </a:r>
             <a:r>
               <a:rPr lang="en-US" altLang="ko-KR" sz="1200" dirty="0"/>
-              <a:t>() {</a:t>
-            </a:r>
-          </a:p>
-          <a:p>
-            <a:r>
-              <a:rPr lang="en-US" altLang="ko-KR" sz="1200" dirty="0"/>
-              <a:t>		return material;</a:t>
+              <a:t> (  "3D print:" + material);</a:t>
             </a:r>
           </a:p>
           <a:p>
@@ -17794,8 +20015,23 @@
           <a:p>
             <a:r>
               <a:rPr lang="en-US" altLang="ko-KR" sz="1200" dirty="0"/>
-              <a:t>	public void print() {</a:t>
-            </a:r>
+              <a:t>	public static void main(String[] </a:t>
+            </a:r>
+            <a:r>
+              <a:rPr lang="en-US" altLang="ko-KR" sz="1200" dirty="0" err="1"/>
+              <a:t>args</a:t>
+            </a:r>
+            <a:r>
+              <a:rPr lang="en-US" altLang="ko-KR" sz="1200" dirty="0"/>
+              <a:t>) </a:t>
+            </a:r>
+            <a:r>
+              <a:rPr lang="en-US" altLang="ko-KR" sz="1200" dirty="0" smtClean="0"/>
+              <a:t>{</a:t>
+            </a:r>
+          </a:p>
+          <a:p>
+            <a:endParaRPr lang="en-US" altLang="ko-KR" sz="1200" dirty="0"/>
           </a:p>
           <a:p>
             <a:r>
@@ -17803,12 +20039,201 @@
               <a:t>		</a:t>
             </a:r>
             <a:r>
+              <a:rPr lang="en-US" altLang="ko-KR" sz="1200" dirty="0" err="1" smtClean="0"/>
+              <a:t>GenericPrinterMaterial</a:t>
+            </a:r>
+            <a:r>
+              <a:rPr lang="en-US" altLang="ko-KR" sz="1200" dirty="0" smtClean="0"/>
+              <a:t>&lt;Powder</a:t>
+            </a:r>
+            <a:r>
+              <a:rPr lang="en-US" altLang="ko-KR" sz="1200" dirty="0"/>
+              <a:t>&gt; printer = new </a:t>
+            </a:r>
+            <a:r>
               <a:rPr lang="en-US" altLang="ko-KR" sz="1200" dirty="0" err="1"/>
-              <a:t>System.out.println</a:t>
+              <a:t>GenericPrinterMaterial</a:t>
             </a:r>
             <a:r>
               <a:rPr lang="en-US" altLang="ko-KR" sz="1200" dirty="0"/>
-              <a:t> (  "3D print:" + material);</a:t>
+              <a:t>&lt;&gt;();</a:t>
+            </a:r>
+          </a:p>
+          <a:p>
+            <a:r>
+              <a:rPr lang="en-US" altLang="ko-KR" sz="1200" dirty="0"/>
+              <a:t>		</a:t>
+            </a:r>
+            <a:r>
+              <a:rPr lang="en-US" altLang="ko-KR" sz="1200" dirty="0" err="1"/>
+              <a:t>printer.setMaterial</a:t>
+            </a:r>
+            <a:r>
+              <a:rPr lang="en-US" altLang="ko-KR" sz="1200" dirty="0"/>
+              <a:t>(new Powder());</a:t>
+            </a:r>
+          </a:p>
+          <a:p>
+            <a:r>
+              <a:rPr lang="en-US" altLang="ko-KR" sz="1200" dirty="0"/>
+              <a:t>		</a:t>
+            </a:r>
+            <a:r>
+              <a:rPr lang="en-US" altLang="ko-KR" sz="1200" dirty="0" err="1"/>
+              <a:t>printer.print</a:t>
+            </a:r>
+            <a:r>
+              <a:rPr lang="en-US" altLang="ko-KR" sz="1200" dirty="0"/>
+              <a:t>();</a:t>
+            </a:r>
+          </a:p>
+          <a:p>
+            <a:r>
+              <a:rPr lang="en-US" altLang="ko-KR" sz="1200" dirty="0"/>
+              <a:t>		  </a:t>
+            </a:r>
+          </a:p>
+          <a:p>
+            <a:r>
+              <a:rPr lang="en-US" altLang="ko-KR" sz="1200" dirty="0"/>
+              <a:t>		</a:t>
+            </a:r>
+          </a:p>
+          <a:p>
+            <a:r>
+              <a:rPr lang="en-US" altLang="ko-KR" sz="1200" dirty="0"/>
+              <a:t>		 </a:t>
+            </a:r>
+            <a:r>
+              <a:rPr lang="en-US" altLang="ko-KR" sz="1200" dirty="0" err="1"/>
+              <a:t>GenericPrinterMaterial</a:t>
+            </a:r>
+            <a:r>
+              <a:rPr lang="en-US" altLang="ko-KR" sz="1200" dirty="0"/>
+              <a:t>&lt;Plastic&gt; printer2 = new </a:t>
+            </a:r>
+            <a:r>
+              <a:rPr lang="en-US" altLang="ko-KR" sz="1200" dirty="0" err="1"/>
+              <a:t>GenericPrinterMaterial</a:t>
+            </a:r>
+            <a:r>
+              <a:rPr lang="en-US" altLang="ko-KR" sz="1200" dirty="0"/>
+              <a:t>&lt;&gt;();</a:t>
+            </a:r>
+          </a:p>
+          <a:p>
+            <a:r>
+              <a:rPr lang="en-US" altLang="ko-KR" sz="1200" dirty="0"/>
+              <a:t>		printer2.setMaterial(new Plastic());</a:t>
+            </a:r>
+          </a:p>
+          <a:p>
+            <a:r>
+              <a:rPr lang="en-US" altLang="ko-KR" sz="1200" dirty="0"/>
+              <a:t>		printer2.print();</a:t>
+            </a:r>
+          </a:p>
+          <a:p>
+            <a:r>
+              <a:rPr lang="en-US" altLang="ko-KR" sz="1200" dirty="0"/>
+              <a:t>		 </a:t>
+            </a:r>
+          </a:p>
+          <a:p>
+            <a:r>
+              <a:rPr lang="en-US" altLang="ko-KR" sz="1200" dirty="0"/>
+              <a:t>		</a:t>
+            </a:r>
+            <a:r>
+              <a:rPr lang="en-US" altLang="ko-KR" sz="1200" dirty="0">
+                <a:solidFill>
+                  <a:srgbClr val="FF0000"/>
+                </a:solidFill>
+              </a:rPr>
+              <a:t>//</a:t>
+            </a:r>
+            <a:r>
+              <a:rPr lang="en-US" altLang="ko-KR" dirty="0">
+                <a:solidFill>
+                  <a:srgbClr val="FF0000"/>
+                </a:solidFill>
+              </a:rPr>
+              <a:t>error </a:t>
+            </a:r>
+            <a:r>
+              <a:rPr lang="ko-KR" altLang="en-US" sz="1200" dirty="0">
+                <a:solidFill>
+                  <a:srgbClr val="FF0000"/>
+                </a:solidFill>
+              </a:rPr>
+              <a:t>발생</a:t>
+            </a:r>
+          </a:p>
+          <a:p>
+            <a:r>
+              <a:rPr lang="ko-KR" altLang="en-US" sz="1200" dirty="0"/>
+              <a:t>	 	</a:t>
+            </a:r>
+            <a:r>
+              <a:rPr lang="en-US" altLang="ko-KR" sz="1200" dirty="0"/>
+              <a:t>// GenericPrinter2&lt;</a:t>
+            </a:r>
+            <a:r>
+              <a:rPr lang="en-US" altLang="ko-KR" sz="1200" dirty="0">
+                <a:solidFill>
+                  <a:srgbClr val="FF0000"/>
+                </a:solidFill>
+              </a:rPr>
+              <a:t>Water</a:t>
+            </a:r>
+            <a:r>
+              <a:rPr lang="en-US" altLang="ko-KR" sz="1200" dirty="0"/>
+              <a:t>&gt; printer3 = new GenericPrinter2&lt;&gt;();</a:t>
+            </a:r>
+          </a:p>
+          <a:p>
+            <a:r>
+              <a:rPr lang="en-US" altLang="ko-KR" sz="1200" dirty="0"/>
+              <a:t>    	</a:t>
+            </a:r>
+            <a:r>
+              <a:rPr lang="en-US" altLang="ko-KR" sz="1200" dirty="0" smtClean="0"/>
+              <a:t>	//</a:t>
+            </a:r>
+            <a:r>
+              <a:rPr lang="en-US" altLang="ko-KR" sz="1200" dirty="0"/>
+              <a:t>printer3.setMaterial(new Water());</a:t>
+            </a:r>
+          </a:p>
+          <a:p>
+            <a:r>
+              <a:rPr lang="en-US" altLang="ko-KR" sz="1200" dirty="0"/>
+              <a:t>	  </a:t>
+            </a:r>
+            <a:r>
+              <a:rPr lang="en-US" altLang="ko-KR" sz="1200" dirty="0" smtClean="0"/>
+              <a:t>             //printer3.print</a:t>
+            </a:r>
+            <a:r>
+              <a:rPr lang="en-US" altLang="ko-KR" sz="1200" dirty="0"/>
+              <a:t>();</a:t>
+            </a:r>
+          </a:p>
+          <a:p>
+            <a:r>
+              <a:rPr lang="en-US" altLang="ko-KR" sz="1200" dirty="0"/>
+              <a:t>		</a:t>
+            </a:r>
+            <a:r>
+              <a:rPr lang="en-US" altLang="ko-KR" sz="1200" dirty="0" smtClean="0"/>
+              <a:t> </a:t>
+            </a:r>
+            <a:endParaRPr lang="en-US" altLang="ko-KR" sz="1200" dirty="0"/>
+          </a:p>
+          <a:p>
+            <a:r>
+              <a:rPr lang="en-US" altLang="ko-KR" sz="1200" dirty="0"/>
+              <a:t>		</a:t>
             </a:r>
           </a:p>
           <a:p>
@@ -17826,222 +20251,6 @@
           <a:p>
             <a:r>
               <a:rPr lang="en-US" altLang="ko-KR" sz="1200" dirty="0"/>
-              <a:t>	public static void main(String[] </a:t>
-            </a:r>
-            <a:r>
-              <a:rPr lang="en-US" altLang="ko-KR" sz="1200" dirty="0" err="1"/>
-              <a:t>args</a:t>
-            </a:r>
-            <a:r>
-              <a:rPr lang="en-US" altLang="ko-KR" sz="1200" dirty="0"/>
-              <a:t>) </a:t>
-            </a:r>
-            <a:r>
-              <a:rPr lang="en-US" altLang="ko-KR" sz="1200" dirty="0" smtClean="0"/>
-              <a:t>{</a:t>
-            </a:r>
-          </a:p>
-          <a:p>
-            <a:endParaRPr lang="en-US" altLang="ko-KR" sz="1200" dirty="0"/>
-          </a:p>
-          <a:p>
-            <a:r>
-              <a:rPr lang="en-US" altLang="ko-KR" sz="1200" dirty="0"/>
-              <a:t>		</a:t>
-            </a:r>
-            <a:r>
-              <a:rPr lang="en-US" altLang="ko-KR" sz="1200" dirty="0" err="1" smtClean="0"/>
-              <a:t>GenericPrinterMaterial</a:t>
-            </a:r>
-            <a:r>
-              <a:rPr lang="en-US" altLang="ko-KR" sz="1200" dirty="0" smtClean="0"/>
-              <a:t>&lt;Powder</a:t>
-            </a:r>
-            <a:r>
-              <a:rPr lang="en-US" altLang="ko-KR" sz="1200" dirty="0"/>
-              <a:t>&gt; printer = new </a:t>
-            </a:r>
-            <a:r>
-              <a:rPr lang="en-US" altLang="ko-KR" sz="1200" dirty="0" err="1"/>
-              <a:t>GenericPrinterMaterial</a:t>
-            </a:r>
-            <a:r>
-              <a:rPr lang="en-US" altLang="ko-KR" sz="1200" dirty="0"/>
-              <a:t>&lt;&gt;();</a:t>
-            </a:r>
-          </a:p>
-          <a:p>
-            <a:r>
-              <a:rPr lang="en-US" altLang="ko-KR" sz="1200" dirty="0"/>
-              <a:t>		</a:t>
-            </a:r>
-            <a:r>
-              <a:rPr lang="en-US" altLang="ko-KR" sz="1200" dirty="0" err="1"/>
-              <a:t>printer.setMaterial</a:t>
-            </a:r>
-            <a:r>
-              <a:rPr lang="en-US" altLang="ko-KR" sz="1200" dirty="0"/>
-              <a:t>(new Powder());</a:t>
-            </a:r>
-          </a:p>
-          <a:p>
-            <a:r>
-              <a:rPr lang="en-US" altLang="ko-KR" sz="1200" dirty="0"/>
-              <a:t>		</a:t>
-            </a:r>
-            <a:r>
-              <a:rPr lang="en-US" altLang="ko-KR" sz="1200" dirty="0" err="1"/>
-              <a:t>printer.print</a:t>
-            </a:r>
-            <a:r>
-              <a:rPr lang="en-US" altLang="ko-KR" sz="1200" dirty="0"/>
-              <a:t>();</a:t>
-            </a:r>
-          </a:p>
-          <a:p>
-            <a:r>
-              <a:rPr lang="en-US" altLang="ko-KR" sz="1200" dirty="0"/>
-              <a:t>		  </a:t>
-            </a:r>
-          </a:p>
-          <a:p>
-            <a:r>
-              <a:rPr lang="en-US" altLang="ko-KR" sz="1200" dirty="0"/>
-              <a:t>		</a:t>
-            </a:r>
-          </a:p>
-          <a:p>
-            <a:r>
-              <a:rPr lang="en-US" altLang="ko-KR" sz="1200" dirty="0"/>
-              <a:t>		 </a:t>
-            </a:r>
-            <a:r>
-              <a:rPr lang="en-US" altLang="ko-KR" sz="1200" dirty="0" err="1"/>
-              <a:t>GenericPrinterMaterial</a:t>
-            </a:r>
-            <a:r>
-              <a:rPr lang="en-US" altLang="ko-KR" sz="1200" dirty="0"/>
-              <a:t>&lt;Plastic&gt; printer2 = new </a:t>
-            </a:r>
-            <a:r>
-              <a:rPr lang="en-US" altLang="ko-KR" sz="1200" dirty="0" err="1"/>
-              <a:t>GenericPrinterMaterial</a:t>
-            </a:r>
-            <a:r>
-              <a:rPr lang="en-US" altLang="ko-KR" sz="1200" dirty="0"/>
-              <a:t>&lt;&gt;();</a:t>
-            </a:r>
-          </a:p>
-          <a:p>
-            <a:r>
-              <a:rPr lang="en-US" altLang="ko-KR" sz="1200" dirty="0"/>
-              <a:t>		printer2.setMaterial(new Plastic());</a:t>
-            </a:r>
-          </a:p>
-          <a:p>
-            <a:r>
-              <a:rPr lang="en-US" altLang="ko-KR" sz="1200" dirty="0"/>
-              <a:t>		printer2.print();</a:t>
-            </a:r>
-          </a:p>
-          <a:p>
-            <a:r>
-              <a:rPr lang="en-US" altLang="ko-KR" sz="1200" dirty="0"/>
-              <a:t>		 </a:t>
-            </a:r>
-          </a:p>
-          <a:p>
-            <a:r>
-              <a:rPr lang="en-US" altLang="ko-KR" sz="1200" dirty="0"/>
-              <a:t>		</a:t>
-            </a:r>
-            <a:r>
-              <a:rPr lang="en-US" altLang="ko-KR" sz="1200" dirty="0">
-                <a:solidFill>
-                  <a:srgbClr val="FF0000"/>
-                </a:solidFill>
-              </a:rPr>
-              <a:t>//error </a:t>
-            </a:r>
-            <a:r>
-              <a:rPr lang="ko-KR" altLang="en-US" sz="1200" dirty="0">
-                <a:solidFill>
-                  <a:srgbClr val="FF0000"/>
-                </a:solidFill>
-              </a:rPr>
-              <a:t>발생</a:t>
-            </a:r>
-          </a:p>
-          <a:p>
-            <a:r>
-              <a:rPr lang="ko-KR" altLang="en-US" sz="1200" dirty="0"/>
-              <a:t>	 	</a:t>
-            </a:r>
-            <a:r>
-              <a:rPr lang="en-US" altLang="ko-KR" sz="1200" dirty="0"/>
-              <a:t>// GenericPrinter2&lt;Water&gt; printer3 = new GenericPrinter2&lt;&gt;();</a:t>
-            </a:r>
-          </a:p>
-          <a:p>
-            <a:r>
-              <a:rPr lang="en-US" altLang="ko-KR" sz="1200" dirty="0"/>
-              <a:t>    	</a:t>
-            </a:r>
-            <a:r>
-              <a:rPr lang="en-US" altLang="ko-KR" sz="1200" dirty="0" smtClean="0"/>
-              <a:t>	//</a:t>
-            </a:r>
-            <a:r>
-              <a:rPr lang="en-US" altLang="ko-KR" sz="1200" dirty="0"/>
-              <a:t>printer3.setMaterial(new Water());</a:t>
-            </a:r>
-          </a:p>
-          <a:p>
-            <a:r>
-              <a:rPr lang="en-US" altLang="ko-KR" sz="1200" dirty="0"/>
-              <a:t>	  </a:t>
-            </a:r>
-            <a:r>
-              <a:rPr lang="en-US" altLang="ko-KR" sz="1200" dirty="0" smtClean="0"/>
-              <a:t>             //printer3.print</a:t>
-            </a:r>
-            <a:r>
-              <a:rPr lang="en-US" altLang="ko-KR" sz="1200" dirty="0"/>
-              <a:t>();</a:t>
-            </a:r>
-          </a:p>
-          <a:p>
-            <a:r>
-              <a:rPr lang="en-US" altLang="ko-KR" sz="1200" dirty="0"/>
-              <a:t>		</a:t>
-            </a:r>
-            <a:r>
-              <a:rPr lang="en-US" altLang="ko-KR" sz="1200" dirty="0" smtClean="0"/>
-              <a:t> </a:t>
-            </a:r>
-            <a:endParaRPr lang="en-US" altLang="ko-KR" sz="1200" dirty="0"/>
-          </a:p>
-          <a:p>
-            <a:r>
-              <a:rPr lang="en-US" altLang="ko-KR" sz="1200" dirty="0"/>
-              <a:t>		</a:t>
-            </a:r>
-          </a:p>
-          <a:p>
-            <a:r>
-              <a:rPr lang="en-US" altLang="ko-KR" sz="1200" dirty="0"/>
-              <a:t>	}</a:t>
-            </a:r>
-          </a:p>
-          <a:p>
-            <a:r>
-              <a:rPr lang="en-US" altLang="ko-KR" sz="1200" dirty="0"/>
-              <a:t>	</a:t>
-            </a:r>
-          </a:p>
-          <a:p>
-            <a:r>
-              <a:rPr lang="en-US" altLang="ko-KR" sz="1200" dirty="0"/>
               <a:t>	</a:t>
             </a:r>
           </a:p>
@@ -18050,7 +20259,6 @@
               <a:rPr lang="en-US" altLang="ko-KR" sz="1200" dirty="0"/>
               <a:t>}</a:t>
             </a:r>
-            <a:endParaRPr lang="en-US" altLang="ko-KR" sz="1200" dirty="0"/>
           </a:p>
         </p:txBody>
       </p:sp>
@@ -18062,8 +20270,8 @@
         </p:nvSpPr>
         <p:spPr>
           <a:xfrm>
-            <a:off x="7466591" y="1877244"/>
-            <a:ext cx="3257928" cy="1846967"/>
+            <a:off x="7278867" y="345170"/>
+            <a:ext cx="3512264" cy="1846967"/>
           </a:xfrm>
           <a:prstGeom prst="rect">
             <a:avLst/>
@@ -18143,8 +20351,8 @@
         </p:nvCxnSpPr>
         <p:spPr>
           <a:xfrm flipH="1">
-            <a:off x="4105717" y="2343528"/>
-            <a:ext cx="3336651" cy="981012"/>
+            <a:off x="4257107" y="908343"/>
+            <a:ext cx="3015704" cy="2428309"/>
           </a:xfrm>
           <a:prstGeom prst="straightConnector1">
             <a:avLst/>
@@ -18168,46 +20376,16 @@
           </a:fontRef>
         </p:style>
       </p:cxnSp>
-    </p:spTree>
-    <p:extLst>
-      <p:ext uri="{BB962C8B-B14F-4D97-AF65-F5344CB8AC3E}">
-        <p14:creationId xmlns:p14="http://schemas.microsoft.com/office/powerpoint/2010/main" val="1637092147"/>
-      </p:ext>
-    </p:extLst>
-  </p:cSld>
-  <p:clrMapOvr>
-    <a:masterClrMapping/>
-  </p:clrMapOvr>
-</p:sld>
-</file>
-
-<file path=ppt/slides/slide9.xml><?xml version="1.0" encoding="utf-8"?>
-<p:sld xmlns:a="http://schemas.openxmlformats.org/drawingml/2006/main" xmlns:r="http://schemas.openxmlformats.org/officeDocument/2006/relationships" xmlns:p="http://schemas.openxmlformats.org/presentationml/2006/main">
-  <p:cSld>
-    <p:spTree>
-      <p:nvGrpSpPr>
-        <p:cNvPr id="1" name=""/>
-        <p:cNvGrpSpPr/>
-        <p:nvPr/>
-      </p:nvGrpSpPr>
-      <p:grpSpPr>
-        <a:xfrm>
-          <a:off x="0" y="0"/>
-          <a:ext cx="0" cy="0"/>
-          <a:chOff x="0" y="0"/>
-          <a:chExt cx="0" cy="0"/>
-        </a:xfrm>
-      </p:grpSpPr>
       <p:sp>
         <p:nvSpPr>
-          <p:cNvPr id="2" name="직사각형 1"/>
+          <p:cNvPr id="5" name="직사각형 4"/>
           <p:cNvSpPr/>
           <p:nvPr/>
         </p:nvSpPr>
         <p:spPr>
           <a:xfrm>
-            <a:off x="993123" y="0"/>
-            <a:ext cx="9265113" cy="6788360"/>
+            <a:off x="4353998" y="133222"/>
+            <a:ext cx="2500974" cy="302783"/>
           </a:xfrm>
           <a:prstGeom prst="rect">
             <a:avLst/>
@@ -18231,474 +20409,27 @@
           <a:bodyPr rtlCol="0" anchor="ctr"/>
           <a:lstStyle/>
           <a:p>
-            <a:endParaRPr lang="en-US" altLang="ko-KR" sz="1200" dirty="0"/>
-          </a:p>
-          <a:p>
-            <a:r>
-              <a:rPr lang="en-US" altLang="ko-KR" sz="1200" dirty="0"/>
-              <a:t>public class </a:t>
-            </a:r>
-            <a:r>
-              <a:rPr lang="en-US" altLang="ko-KR" sz="1200" dirty="0" err="1"/>
-              <a:t>ArrayListTest</a:t>
-            </a:r>
-            <a:r>
-              <a:rPr lang="en-US" altLang="ko-KR" sz="1200" dirty="0"/>
-              <a:t> {</a:t>
-            </a:r>
-          </a:p>
-          <a:p>
-            <a:endParaRPr lang="en-US" altLang="ko-KR" sz="1200" dirty="0"/>
-          </a:p>
-          <a:p>
-            <a:r>
-              <a:rPr lang="en-US" altLang="ko-KR" sz="1200" dirty="0"/>
-              <a:t>	public static void main(String[] </a:t>
-            </a:r>
-            <a:r>
-              <a:rPr lang="en-US" altLang="ko-KR" sz="1200" dirty="0" err="1"/>
-              <a:t>args</a:t>
-            </a:r>
-            <a:r>
-              <a:rPr lang="en-US" altLang="ko-KR" sz="1200" dirty="0"/>
-              <a:t>) {		</a:t>
-            </a:r>
-          </a:p>
-          <a:p>
-            <a:r>
-              <a:rPr lang="en-US" altLang="ko-KR" sz="1200" dirty="0"/>
-              <a:t>		</a:t>
-            </a:r>
-            <a:r>
-              <a:rPr lang="en-US" altLang="ko-KR" sz="1200" dirty="0" err="1"/>
-              <a:t>ArrayList</a:t>
-            </a:r>
-            <a:r>
-              <a:rPr lang="en-US" altLang="ko-KR" sz="1200" dirty="0"/>
-              <a:t>&lt;String&gt; list = new </a:t>
-            </a:r>
-            <a:r>
-              <a:rPr lang="en-US" altLang="ko-KR" sz="1200" dirty="0" err="1"/>
-              <a:t>ArrayList</a:t>
-            </a:r>
-            <a:r>
-              <a:rPr lang="en-US" altLang="ko-KR" sz="1200" dirty="0"/>
-              <a:t>&lt;&gt;();</a:t>
-            </a:r>
-          </a:p>
-          <a:p>
-            <a:r>
-              <a:rPr lang="en-US" altLang="ko-KR" sz="1200" dirty="0"/>
-              <a:t>		</a:t>
-            </a:r>
-            <a:r>
-              <a:rPr lang="en-US" altLang="ko-KR" sz="1200" dirty="0" err="1"/>
-              <a:t>list.add</a:t>
-            </a:r>
-            <a:r>
-              <a:rPr lang="en-US" altLang="ko-KR" sz="1200" dirty="0"/>
-              <a:t>("one");</a:t>
-            </a:r>
-          </a:p>
-          <a:p>
-            <a:r>
-              <a:rPr lang="en-US" altLang="ko-KR" sz="1200" dirty="0"/>
-              <a:t>		</a:t>
-            </a:r>
-            <a:r>
-              <a:rPr lang="en-US" altLang="ko-KR" sz="1200" dirty="0" err="1"/>
-              <a:t>list.add</a:t>
-            </a:r>
-            <a:r>
-              <a:rPr lang="en-US" altLang="ko-KR" sz="1200" dirty="0"/>
-              <a:t>("two");</a:t>
-            </a:r>
-          </a:p>
-          <a:p>
-            <a:r>
-              <a:rPr lang="en-US" altLang="ko-KR" sz="1200" dirty="0"/>
-              <a:t>		print( list); 	</a:t>
-            </a:r>
-          </a:p>
-          <a:p>
-            <a:r>
-              <a:rPr lang="en-US" altLang="ko-KR" sz="1200" dirty="0"/>
-              <a:t>		</a:t>
-            </a:r>
-          </a:p>
-          <a:p>
-            <a:r>
-              <a:rPr lang="en-US" altLang="ko-KR" sz="1200" dirty="0"/>
-              <a:t>		 </a:t>
-            </a:r>
-          </a:p>
-          <a:p>
-            <a:r>
-              <a:rPr lang="en-US" altLang="ko-KR" sz="1200" dirty="0"/>
-              <a:t>		</a:t>
-            </a:r>
-            <a:r>
-              <a:rPr lang="en-US" altLang="ko-KR" sz="1200" dirty="0" err="1"/>
-              <a:t>ArrayList</a:t>
-            </a:r>
-            <a:r>
-              <a:rPr lang="en-US" altLang="ko-KR" sz="1200" dirty="0"/>
-              <a:t>&lt;Object&gt; list2 = new </a:t>
-            </a:r>
-            <a:r>
-              <a:rPr lang="en-US" altLang="ko-KR" sz="1200" dirty="0" err="1"/>
-              <a:t>ArrayList</a:t>
-            </a:r>
-            <a:r>
-              <a:rPr lang="en-US" altLang="ko-KR" sz="1200" dirty="0"/>
-              <a:t>&lt;&gt;();</a:t>
-            </a:r>
-          </a:p>
-          <a:p>
-            <a:r>
-              <a:rPr lang="en-US" altLang="ko-KR" sz="1200" dirty="0"/>
-              <a:t>		</a:t>
-            </a:r>
-            <a:r>
-              <a:rPr lang="en-US" altLang="ko-KR" sz="1200" dirty="0" err="1"/>
-              <a:t>list.add</a:t>
-            </a:r>
-            <a:r>
-              <a:rPr lang="en-US" altLang="ko-KR" sz="1200" dirty="0"/>
-              <a:t>("one");</a:t>
-            </a:r>
-          </a:p>
-          <a:p>
-            <a:r>
-              <a:rPr lang="en-US" altLang="ko-KR" sz="1200" dirty="0"/>
-              <a:t>		</a:t>
-            </a:r>
-            <a:r>
-              <a:rPr lang="en-US" altLang="ko-KR" sz="1200" dirty="0" err="1"/>
-              <a:t>list.add</a:t>
-            </a:r>
-            <a:r>
-              <a:rPr lang="en-US" altLang="ko-KR" sz="1200" dirty="0"/>
-              <a:t>("two");</a:t>
-            </a:r>
-          </a:p>
-          <a:p>
-            <a:r>
-              <a:rPr lang="en-US" altLang="ko-KR" sz="1200" dirty="0"/>
-              <a:t>		</a:t>
-            </a:r>
-          </a:p>
-          <a:p>
-            <a:r>
-              <a:rPr lang="en-US" altLang="ko-KR" sz="1200" dirty="0"/>
-              <a:t>		</a:t>
-            </a:r>
-          </a:p>
-          <a:p>
-            <a:r>
-              <a:rPr lang="en-US" altLang="ko-KR" sz="1200" dirty="0"/>
-              <a:t>		print ( list2); 	</a:t>
-            </a:r>
-          </a:p>
-          <a:p>
-            <a:r>
-              <a:rPr lang="en-US" altLang="ko-KR" sz="1200" dirty="0"/>
-              <a:t>		//print2( list2); 	</a:t>
-            </a:r>
-          </a:p>
-          <a:p>
-            <a:r>
-              <a:rPr lang="en-US" altLang="ko-KR" sz="1200" dirty="0"/>
-              <a:t>		</a:t>
-            </a:r>
-          </a:p>
-          <a:p>
-            <a:r>
-              <a:rPr lang="en-US" altLang="ko-KR" sz="1200" dirty="0"/>
-              <a:t>		 </a:t>
-            </a:r>
-          </a:p>
-          <a:p>
-            <a:r>
-              <a:rPr lang="en-US" altLang="ko-KR" sz="1200" dirty="0"/>
-              <a:t>	}</a:t>
-            </a:r>
-          </a:p>
-          <a:p>
-            <a:endParaRPr lang="en-US" altLang="ko-KR" sz="1200" dirty="0"/>
-          </a:p>
-          <a:p>
-            <a:r>
-              <a:rPr lang="en-US" altLang="ko-KR" sz="1200" dirty="0"/>
-              <a:t>	</a:t>
-            </a:r>
-          </a:p>
-          <a:p>
-            <a:r>
-              <a:rPr lang="en-US" altLang="ko-KR" sz="1200" dirty="0"/>
-              <a:t>	</a:t>
-            </a:r>
-          </a:p>
-          <a:p>
-            <a:r>
-              <a:rPr lang="en-US" altLang="ko-KR" sz="1200" dirty="0"/>
-              <a:t>	public	  static void print( </a:t>
-            </a:r>
-            <a:r>
-              <a:rPr lang="en-US" altLang="ko-KR" sz="1200" dirty="0" err="1">
-                <a:solidFill>
-                  <a:srgbClr val="0070C0"/>
-                </a:solidFill>
-              </a:rPr>
-              <a:t>ArrayList</a:t>
-            </a:r>
-            <a:r>
-              <a:rPr lang="en-US" altLang="ko-KR" sz="1200" dirty="0">
-                <a:solidFill>
-                  <a:srgbClr val="0070C0"/>
-                </a:solidFill>
-              </a:rPr>
-              <a:t>&lt; ? super  String&gt; list</a:t>
-            </a:r>
-            <a:r>
-              <a:rPr lang="en-US" altLang="ko-KR" sz="1200" dirty="0"/>
-              <a:t>) {		</a:t>
-            </a:r>
-          </a:p>
-          <a:p>
-            <a:r>
-              <a:rPr lang="en-US" altLang="ko-KR" sz="1200" dirty="0"/>
-              <a:t>		</a:t>
-            </a:r>
-            <a:r>
-              <a:rPr lang="en-US" altLang="ko-KR" sz="1200" dirty="0" err="1"/>
-              <a:t>list.forEach</a:t>
-            </a:r>
-            <a:r>
-              <a:rPr lang="en-US" altLang="ko-KR" sz="1200" dirty="0"/>
-              <a:t>( </a:t>
-            </a:r>
-            <a:r>
-              <a:rPr lang="en-US" altLang="ko-KR" sz="1200" dirty="0" err="1"/>
-              <a:t>str</a:t>
-            </a:r>
-            <a:r>
-              <a:rPr lang="en-US" altLang="ko-KR" sz="1200" dirty="0"/>
-              <a:t> -&gt; </a:t>
-            </a:r>
-            <a:r>
-              <a:rPr lang="en-US" altLang="ko-KR" sz="1200" dirty="0" err="1"/>
-              <a:t>System.out.println</a:t>
-            </a:r>
-            <a:r>
-              <a:rPr lang="en-US" altLang="ko-KR" sz="1200" dirty="0"/>
-              <a:t>(</a:t>
-            </a:r>
-            <a:r>
-              <a:rPr lang="en-US" altLang="ko-KR" sz="1200" dirty="0" err="1"/>
-              <a:t>str</a:t>
-            </a:r>
-            <a:r>
-              <a:rPr lang="en-US" altLang="ko-KR" sz="1200" dirty="0"/>
-              <a:t>));		</a:t>
-            </a:r>
-          </a:p>
-          <a:p>
-            <a:r>
-              <a:rPr lang="en-US" altLang="ko-KR" sz="1200" dirty="0"/>
-              <a:t>	}</a:t>
-            </a:r>
-          </a:p>
-          <a:p>
-            <a:r>
-              <a:rPr lang="en-US" altLang="ko-KR" sz="1200" dirty="0"/>
-              <a:t>	</a:t>
-            </a:r>
-          </a:p>
-          <a:p>
-            <a:r>
-              <a:rPr lang="en-US" altLang="ko-KR" sz="1200" dirty="0"/>
-              <a:t>	</a:t>
-            </a:r>
-          </a:p>
-          <a:p>
-            <a:r>
-              <a:rPr lang="en-US" altLang="ko-KR" sz="1200" dirty="0"/>
-              <a:t>	public	  static void print2</a:t>
-            </a:r>
-            <a:r>
-              <a:rPr lang="en-US" altLang="ko-KR" sz="1200" dirty="0">
-                <a:solidFill>
-                  <a:srgbClr val="0070C0"/>
-                </a:solidFill>
-              </a:rPr>
-              <a:t>( </a:t>
-            </a:r>
-            <a:r>
-              <a:rPr lang="en-US" altLang="ko-KR" sz="1200" dirty="0" err="1">
-                <a:solidFill>
-                  <a:srgbClr val="0070C0"/>
-                </a:solidFill>
-              </a:rPr>
-              <a:t>ArrayList</a:t>
-            </a:r>
-            <a:r>
-              <a:rPr lang="en-US" altLang="ko-KR" sz="1200" dirty="0">
-                <a:solidFill>
-                  <a:srgbClr val="0070C0"/>
-                </a:solidFill>
-              </a:rPr>
-              <a:t>&lt;  String&gt; list)</a:t>
-            </a:r>
-            <a:r>
-              <a:rPr lang="en-US" altLang="ko-KR" sz="1200" dirty="0"/>
-              <a:t> {		</a:t>
-            </a:r>
-          </a:p>
-          <a:p>
-            <a:r>
-              <a:rPr lang="en-US" altLang="ko-KR" sz="1200" dirty="0"/>
-              <a:t>		</a:t>
-            </a:r>
-            <a:r>
-              <a:rPr lang="en-US" altLang="ko-KR" sz="1200" dirty="0" err="1"/>
-              <a:t>list.forEach</a:t>
-            </a:r>
-            <a:r>
-              <a:rPr lang="en-US" altLang="ko-KR" sz="1200" dirty="0"/>
-              <a:t>( </a:t>
-            </a:r>
-            <a:r>
-              <a:rPr lang="en-US" altLang="ko-KR" sz="1200" dirty="0" err="1"/>
-              <a:t>str</a:t>
-            </a:r>
-            <a:r>
-              <a:rPr lang="en-US" altLang="ko-KR" sz="1200" dirty="0"/>
-              <a:t> -&gt; </a:t>
-            </a:r>
-            <a:r>
-              <a:rPr lang="en-US" altLang="ko-KR" sz="1200" dirty="0" err="1"/>
-              <a:t>System.out.println</a:t>
-            </a:r>
-            <a:r>
-              <a:rPr lang="en-US" altLang="ko-KR" sz="1200" dirty="0"/>
-              <a:t>(</a:t>
-            </a:r>
-            <a:r>
-              <a:rPr lang="en-US" altLang="ko-KR" sz="1200" dirty="0" err="1"/>
-              <a:t>str</a:t>
-            </a:r>
-            <a:r>
-              <a:rPr lang="en-US" altLang="ko-KR" sz="1200" dirty="0"/>
-              <a:t>));		</a:t>
-            </a:r>
-          </a:p>
-          <a:p>
-            <a:r>
-              <a:rPr lang="en-US" altLang="ko-KR" sz="1200" dirty="0"/>
-              <a:t>	}</a:t>
-            </a:r>
-          </a:p>
-          <a:p>
-            <a:r>
-              <a:rPr lang="en-US" altLang="ko-KR" sz="1200" dirty="0"/>
-              <a:t>	</a:t>
-            </a:r>
-          </a:p>
-          <a:p>
-            <a:r>
-              <a:rPr lang="en-US" altLang="ko-KR" sz="1200" dirty="0"/>
-              <a:t>	 </a:t>
-            </a:r>
-          </a:p>
-          <a:p>
-            <a:r>
-              <a:rPr lang="en-US" altLang="ko-KR" sz="1200" dirty="0"/>
-              <a:t>}</a:t>
-            </a:r>
-            <a:endParaRPr lang="en-US" altLang="ko-KR" sz="1200" dirty="0"/>
+            <a:pPr algn="ctr"/>
+            <a:r>
+              <a:rPr lang="ko-KR" altLang="en-US" sz="1200" dirty="0" smtClean="0"/>
+              <a:t>제한된 </a:t>
+            </a:r>
+            <a:r>
+              <a:rPr lang="ko-KR" altLang="en-US" sz="1200" dirty="0" err="1" smtClean="0"/>
+              <a:t>제네릭</a:t>
+            </a:r>
+            <a:r>
+              <a:rPr lang="ko-KR" altLang="en-US" sz="1200" dirty="0" smtClean="0"/>
+              <a:t> 클래스 만들기</a:t>
+            </a:r>
+            <a:endParaRPr lang="ko-KR" altLang="en-US" sz="1200" dirty="0"/>
           </a:p>
         </p:txBody>
       </p:sp>
-      <p:sp>
-        <p:nvSpPr>
-          <p:cNvPr id="3" name="직사각형 2"/>
-          <p:cNvSpPr/>
-          <p:nvPr/>
-        </p:nvSpPr>
-        <p:spPr>
-          <a:xfrm>
-            <a:off x="7460535" y="2773478"/>
-            <a:ext cx="2046803" cy="666119"/>
-          </a:xfrm>
-          <a:prstGeom prst="rect">
-            <a:avLst/>
-          </a:prstGeom>
-        </p:spPr>
-        <p:style>
-          <a:lnRef idx="2">
-            <a:schemeClr val="accent6"/>
-          </a:lnRef>
-          <a:fillRef idx="1">
-            <a:schemeClr val="lt1"/>
-          </a:fillRef>
-          <a:effectRef idx="0">
-            <a:schemeClr val="accent6"/>
-          </a:effectRef>
-          <a:fontRef idx="minor">
-            <a:schemeClr val="dk1"/>
-          </a:fontRef>
-        </p:style>
-        <p:txBody>
-          <a:bodyPr rtlCol="0" anchor="ctr"/>
-          <a:lstStyle/>
-          <a:p>
-            <a:pPr algn="ctr"/>
-            <a:r>
-              <a:rPr lang="ko-KR" altLang="en-US" dirty="0" err="1" smtClean="0"/>
-              <a:t>제네릭제한하기</a:t>
-            </a:r>
-            <a:endParaRPr lang="ko-KR" altLang="en-US" dirty="0"/>
-          </a:p>
-        </p:txBody>
-      </p:sp>
-      <p:cxnSp>
-        <p:nvCxnSpPr>
-          <p:cNvPr id="5" name="직선 화살표 연결선 4"/>
-          <p:cNvCxnSpPr/>
-          <p:nvPr/>
-        </p:nvCxnSpPr>
-        <p:spPr>
-          <a:xfrm flipH="1">
-            <a:off x="5886072" y="2985425"/>
-            <a:ext cx="1574463" cy="1410962"/>
-          </a:xfrm>
-          <a:prstGeom prst="straightConnector1">
-            <a:avLst/>
-          </a:prstGeom>
-          <a:ln>
-            <a:tailEnd type="triangle"/>
-          </a:ln>
-        </p:spPr>
-        <p:style>
-          <a:lnRef idx="1">
-            <a:schemeClr val="accent1"/>
-          </a:lnRef>
-          <a:fillRef idx="0">
-            <a:schemeClr val="accent1"/>
-          </a:fillRef>
-          <a:effectRef idx="0">
-            <a:schemeClr val="accent1"/>
-          </a:effectRef>
-          <a:fontRef idx="minor">
-            <a:schemeClr val="tx1"/>
-          </a:fontRef>
-        </p:style>
-      </p:cxnSp>
     </p:spTree>
     <p:extLst>
       <p:ext uri="{BB962C8B-B14F-4D97-AF65-F5344CB8AC3E}">
-        <p14:creationId xmlns:p14="http://schemas.microsoft.com/office/powerpoint/2010/main" val="434167640"/>
+        <p14:creationId xmlns:p14="http://schemas.microsoft.com/office/powerpoint/2010/main" val="1637092147"/>
       </p:ext>
     </p:extLst>
   </p:cSld>
